--- a/Capstone Presentation.pptx
+++ b/Capstone Presentation.pptx
@@ -4,12 +4,20 @@
   <p:sldMasterIdLst>
     <p:sldMasterId id="2147483660" r:id="rId1"/>
   </p:sldMasterIdLst>
+  <p:notesMasterIdLst>
+    <p:notesMasterId r:id="rId12"/>
+  </p:notesMasterIdLst>
   <p:sldIdLst>
     <p:sldId id="256" r:id="rId2"/>
     <p:sldId id="258" r:id="rId3"/>
     <p:sldId id="257" r:id="rId4"/>
-    <p:sldId id="259" r:id="rId5"/>
-    <p:sldId id="260" r:id="rId6"/>
+    <p:sldId id="261" r:id="rId5"/>
+    <p:sldId id="262" r:id="rId6"/>
+    <p:sldId id="265" r:id="rId7"/>
+    <p:sldId id="263" r:id="rId8"/>
+    <p:sldId id="266" r:id="rId9"/>
+    <p:sldId id="264" r:id="rId10"/>
+    <p:sldId id="260" r:id="rId11"/>
   </p:sldIdLst>
   <p:sldSz cx="12192000" cy="6858000"/>
   <p:notesSz cx="6858000" cy="9144000"/>
@@ -108,7 +116,6540 @@
       </a:defRPr>
     </a:lvl9pPr>
   </p:defaultTextStyle>
+  <p:extLst>
+    <p:ext uri="{EFAFB233-063F-42B5-8137-9DF3F51BA10A}">
+      <p15:sldGuideLst xmlns:p15="http://schemas.microsoft.com/office/powerpoint/2012/main"/>
+    </p:ext>
+  </p:extLst>
 </p:presentation>
+</file>
+
+<file path=ppt/authors.xml><?xml version="1.0" encoding="utf-8"?>
+<p188:authorLst xmlns:a="http://schemas.openxmlformats.org/drawingml/2006/main" xmlns:r="http://schemas.openxmlformats.org/officeDocument/2006/relationships" xmlns:p188="http://schemas.microsoft.com/office/powerpoint/2018/8/main">
+  <p188:author id="{13109324-6138-4079-24D6-34CA8D05D7F3}" name="Megan Eunpu" initials="ME" userId="300f5345e899cf71" providerId="Windows Live"/>
+</p188:authorLst>
+</file>
+
+<file path=ppt/diagrams/colors1.xml><?xml version="1.0" encoding="utf-8"?>
+<dgm:colorsDef xmlns:dgm="http://schemas.openxmlformats.org/drawingml/2006/diagram" xmlns:a="http://schemas.openxmlformats.org/drawingml/2006/main" uniqueId="urn:microsoft.com/office/officeart/2005/8/colors/accent1_2">
+  <dgm:title val=""/>
+  <dgm:desc val=""/>
+  <dgm:catLst>
+    <dgm:cat type="accent1" pri="11200"/>
+  </dgm:catLst>
+  <dgm:styleLbl name="node0">
+    <dgm:fillClrLst meth="repeat">
+      <a:schemeClr val="accent1"/>
+    </dgm:fillClrLst>
+    <dgm:linClrLst meth="repeat">
+      <a:schemeClr val="lt1"/>
+    </dgm:linClrLst>
+    <dgm:effectClrLst/>
+    <dgm:txLinClrLst/>
+    <dgm:txFillClrLst/>
+    <dgm:txEffectClrLst/>
+  </dgm:styleLbl>
+  <dgm:styleLbl name="alignNode1">
+    <dgm:fillClrLst meth="repeat">
+      <a:schemeClr val="accent1"/>
+    </dgm:fillClrLst>
+    <dgm:linClrLst meth="repeat">
+      <a:schemeClr val="accent1"/>
+    </dgm:linClrLst>
+    <dgm:effectClrLst/>
+    <dgm:txLinClrLst/>
+    <dgm:txFillClrLst/>
+    <dgm:txEffectClrLst/>
+  </dgm:styleLbl>
+  <dgm:styleLbl name="node1">
+    <dgm:fillClrLst meth="repeat">
+      <a:schemeClr val="accent1"/>
+    </dgm:fillClrLst>
+    <dgm:linClrLst meth="repeat">
+      <a:schemeClr val="lt1"/>
+    </dgm:linClrLst>
+    <dgm:effectClrLst/>
+    <dgm:txLinClrLst/>
+    <dgm:txFillClrLst/>
+    <dgm:txEffectClrLst/>
+  </dgm:styleLbl>
+  <dgm:styleLbl name="lnNode1">
+    <dgm:fillClrLst meth="repeat">
+      <a:schemeClr val="accent1"/>
+    </dgm:fillClrLst>
+    <dgm:linClrLst meth="repeat">
+      <a:schemeClr val="lt1"/>
+    </dgm:linClrLst>
+    <dgm:effectClrLst/>
+    <dgm:txLinClrLst/>
+    <dgm:txFillClrLst/>
+    <dgm:txEffectClrLst/>
+  </dgm:styleLbl>
+  <dgm:styleLbl name="vennNode1">
+    <dgm:fillClrLst meth="repeat">
+      <a:schemeClr val="accent1">
+        <a:alpha val="50000"/>
+      </a:schemeClr>
+    </dgm:fillClrLst>
+    <dgm:linClrLst meth="repeat">
+      <a:schemeClr val="lt1"/>
+    </dgm:linClrLst>
+    <dgm:effectClrLst/>
+    <dgm:txLinClrLst/>
+    <dgm:txFillClrLst/>
+    <dgm:txEffectClrLst/>
+  </dgm:styleLbl>
+  <dgm:styleLbl name="node2">
+    <dgm:fillClrLst meth="repeat">
+      <a:schemeClr val="accent1"/>
+    </dgm:fillClrLst>
+    <dgm:linClrLst meth="repeat">
+      <a:schemeClr val="lt1"/>
+    </dgm:linClrLst>
+    <dgm:effectClrLst/>
+    <dgm:txLinClrLst/>
+    <dgm:txFillClrLst/>
+    <dgm:txEffectClrLst/>
+  </dgm:styleLbl>
+  <dgm:styleLbl name="node3">
+    <dgm:fillClrLst meth="repeat">
+      <a:schemeClr val="accent1"/>
+    </dgm:fillClrLst>
+    <dgm:linClrLst meth="repeat">
+      <a:schemeClr val="lt1"/>
+    </dgm:linClrLst>
+    <dgm:effectClrLst/>
+    <dgm:txLinClrLst/>
+    <dgm:txFillClrLst/>
+    <dgm:txEffectClrLst/>
+  </dgm:styleLbl>
+  <dgm:styleLbl name="node4">
+    <dgm:fillClrLst meth="repeat">
+      <a:schemeClr val="accent1"/>
+    </dgm:fillClrLst>
+    <dgm:linClrLst meth="repeat">
+      <a:schemeClr val="lt1"/>
+    </dgm:linClrLst>
+    <dgm:effectClrLst/>
+    <dgm:txLinClrLst/>
+    <dgm:txFillClrLst/>
+    <dgm:txEffectClrLst/>
+  </dgm:styleLbl>
+  <dgm:styleLbl name="fgImgPlace1">
+    <dgm:fillClrLst meth="repeat">
+      <a:schemeClr val="accent1">
+        <a:tint val="50000"/>
+      </a:schemeClr>
+    </dgm:fillClrLst>
+    <dgm:linClrLst meth="repeat">
+      <a:schemeClr val="lt1"/>
+    </dgm:linClrLst>
+    <dgm:effectClrLst/>
+    <dgm:txLinClrLst/>
+    <dgm:txFillClrLst meth="repeat">
+      <a:schemeClr val="lt1"/>
+    </dgm:txFillClrLst>
+    <dgm:txEffectClrLst/>
+  </dgm:styleLbl>
+  <dgm:styleLbl name="alignImgPlace1">
+    <dgm:fillClrLst meth="repeat">
+      <a:schemeClr val="accent1">
+        <a:tint val="50000"/>
+      </a:schemeClr>
+    </dgm:fillClrLst>
+    <dgm:linClrLst meth="repeat">
+      <a:schemeClr val="lt1"/>
+    </dgm:linClrLst>
+    <dgm:effectClrLst/>
+    <dgm:txLinClrLst/>
+    <dgm:txFillClrLst meth="repeat">
+      <a:schemeClr val="lt1"/>
+    </dgm:txFillClrLst>
+    <dgm:txEffectClrLst/>
+  </dgm:styleLbl>
+  <dgm:styleLbl name="bgImgPlace1">
+    <dgm:fillClrLst meth="repeat">
+      <a:schemeClr val="accent1">
+        <a:tint val="50000"/>
+      </a:schemeClr>
+    </dgm:fillClrLst>
+    <dgm:linClrLst meth="repeat">
+      <a:schemeClr val="lt1"/>
+    </dgm:linClrLst>
+    <dgm:effectClrLst/>
+    <dgm:txLinClrLst/>
+    <dgm:txFillClrLst meth="repeat">
+      <a:schemeClr val="lt1"/>
+    </dgm:txFillClrLst>
+    <dgm:txEffectClrLst/>
+  </dgm:styleLbl>
+  <dgm:styleLbl name="sibTrans2D1">
+    <dgm:fillClrLst meth="repeat">
+      <a:schemeClr val="accent1">
+        <a:tint val="60000"/>
+      </a:schemeClr>
+    </dgm:fillClrLst>
+    <dgm:linClrLst meth="repeat">
+      <a:schemeClr val="accent1">
+        <a:tint val="60000"/>
+      </a:schemeClr>
+    </dgm:linClrLst>
+    <dgm:effectClrLst/>
+    <dgm:txLinClrLst/>
+    <dgm:txFillClrLst/>
+    <dgm:txEffectClrLst/>
+  </dgm:styleLbl>
+  <dgm:styleLbl name="fgSibTrans2D1">
+    <dgm:fillClrLst meth="repeat">
+      <a:schemeClr val="accent1">
+        <a:tint val="60000"/>
+      </a:schemeClr>
+    </dgm:fillClrLst>
+    <dgm:linClrLst meth="repeat">
+      <a:schemeClr val="accent1">
+        <a:tint val="60000"/>
+      </a:schemeClr>
+    </dgm:linClrLst>
+    <dgm:effectClrLst/>
+    <dgm:txLinClrLst/>
+    <dgm:txFillClrLst/>
+    <dgm:txEffectClrLst/>
+  </dgm:styleLbl>
+  <dgm:styleLbl name="bgSibTrans2D1">
+    <dgm:fillClrLst meth="repeat">
+      <a:schemeClr val="accent1">
+        <a:tint val="60000"/>
+      </a:schemeClr>
+    </dgm:fillClrLst>
+    <dgm:linClrLst meth="repeat">
+      <a:schemeClr val="accent1">
+        <a:tint val="60000"/>
+      </a:schemeClr>
+    </dgm:linClrLst>
+    <dgm:effectClrLst/>
+    <dgm:txLinClrLst/>
+    <dgm:txFillClrLst/>
+    <dgm:txEffectClrLst/>
+  </dgm:styleLbl>
+  <dgm:styleLbl name="sibTrans1D1">
+    <dgm:fillClrLst meth="repeat">
+      <a:schemeClr val="accent1"/>
+    </dgm:fillClrLst>
+    <dgm:linClrLst meth="repeat">
+      <a:schemeClr val="accent1"/>
+    </dgm:linClrLst>
+    <dgm:effectClrLst/>
+    <dgm:txLinClrLst/>
+    <dgm:txFillClrLst meth="repeat">
+      <a:schemeClr val="tx1"/>
+    </dgm:txFillClrLst>
+    <dgm:txEffectClrLst/>
+  </dgm:styleLbl>
+  <dgm:styleLbl name="callout">
+    <dgm:fillClrLst meth="repeat">
+      <a:schemeClr val="accent1"/>
+    </dgm:fillClrLst>
+    <dgm:linClrLst meth="repeat">
+      <a:schemeClr val="accent1">
+        <a:tint val="50000"/>
+      </a:schemeClr>
+    </dgm:linClrLst>
+    <dgm:effectClrLst/>
+    <dgm:txLinClrLst/>
+    <dgm:txFillClrLst meth="repeat">
+      <a:schemeClr val="tx1"/>
+    </dgm:txFillClrLst>
+    <dgm:txEffectClrLst/>
+  </dgm:styleLbl>
+  <dgm:styleLbl name="asst0">
+    <dgm:fillClrLst meth="repeat">
+      <a:schemeClr val="accent1"/>
+    </dgm:fillClrLst>
+    <dgm:linClrLst meth="repeat">
+      <a:schemeClr val="lt1"/>
+    </dgm:linClrLst>
+    <dgm:effectClrLst/>
+    <dgm:txLinClrLst/>
+    <dgm:txFillClrLst/>
+    <dgm:txEffectClrLst/>
+  </dgm:styleLbl>
+  <dgm:styleLbl name="asst1">
+    <dgm:fillClrLst meth="repeat">
+      <a:schemeClr val="accent1"/>
+    </dgm:fillClrLst>
+    <dgm:linClrLst meth="repeat">
+      <a:schemeClr val="lt1"/>
+    </dgm:linClrLst>
+    <dgm:effectClrLst/>
+    <dgm:txLinClrLst/>
+    <dgm:txFillClrLst/>
+    <dgm:txEffectClrLst/>
+  </dgm:styleLbl>
+  <dgm:styleLbl name="asst2">
+    <dgm:fillClrLst meth="repeat">
+      <a:schemeClr val="accent1"/>
+    </dgm:fillClrLst>
+    <dgm:linClrLst meth="repeat">
+      <a:schemeClr val="lt1"/>
+    </dgm:linClrLst>
+    <dgm:effectClrLst/>
+    <dgm:txLinClrLst/>
+    <dgm:txFillClrLst/>
+    <dgm:txEffectClrLst/>
+  </dgm:styleLbl>
+  <dgm:styleLbl name="asst3">
+    <dgm:fillClrLst meth="repeat">
+      <a:schemeClr val="accent1"/>
+    </dgm:fillClrLst>
+    <dgm:linClrLst meth="repeat">
+      <a:schemeClr val="lt1"/>
+    </dgm:linClrLst>
+    <dgm:effectClrLst/>
+    <dgm:txLinClrLst/>
+    <dgm:txFillClrLst/>
+    <dgm:txEffectClrLst/>
+  </dgm:styleLbl>
+  <dgm:styleLbl name="asst4">
+    <dgm:fillClrLst meth="repeat">
+      <a:schemeClr val="accent1"/>
+    </dgm:fillClrLst>
+    <dgm:linClrLst meth="repeat">
+      <a:schemeClr val="lt1"/>
+    </dgm:linClrLst>
+    <dgm:effectClrLst/>
+    <dgm:txLinClrLst/>
+    <dgm:txFillClrLst/>
+    <dgm:txEffectClrLst/>
+  </dgm:styleLbl>
+  <dgm:styleLbl name="parChTrans2D1">
+    <dgm:fillClrLst meth="repeat">
+      <a:schemeClr val="accent1">
+        <a:tint val="60000"/>
+      </a:schemeClr>
+    </dgm:fillClrLst>
+    <dgm:linClrLst meth="repeat">
+      <a:schemeClr val="accent1">
+        <a:tint val="60000"/>
+      </a:schemeClr>
+    </dgm:linClrLst>
+    <dgm:effectClrLst/>
+    <dgm:txLinClrLst/>
+    <dgm:txFillClrLst meth="repeat">
+      <a:schemeClr val="lt1"/>
+    </dgm:txFillClrLst>
+    <dgm:txEffectClrLst/>
+  </dgm:styleLbl>
+  <dgm:styleLbl name="parChTrans2D2">
+    <dgm:fillClrLst meth="repeat">
+      <a:schemeClr val="accent1"/>
+    </dgm:fillClrLst>
+    <dgm:linClrLst meth="repeat">
+      <a:schemeClr val="accent1"/>
+    </dgm:linClrLst>
+    <dgm:effectClrLst/>
+    <dgm:txLinClrLst/>
+    <dgm:txFillClrLst meth="repeat">
+      <a:schemeClr val="lt1"/>
+    </dgm:txFillClrLst>
+    <dgm:txEffectClrLst/>
+  </dgm:styleLbl>
+  <dgm:styleLbl name="parChTrans2D3">
+    <dgm:fillClrLst meth="repeat">
+      <a:schemeClr val="accent1"/>
+    </dgm:fillClrLst>
+    <dgm:linClrLst meth="repeat">
+      <a:schemeClr val="accent1"/>
+    </dgm:linClrLst>
+    <dgm:effectClrLst/>
+    <dgm:txLinClrLst/>
+    <dgm:txFillClrLst meth="repeat">
+      <a:schemeClr val="lt1"/>
+    </dgm:txFillClrLst>
+    <dgm:txEffectClrLst/>
+  </dgm:styleLbl>
+  <dgm:styleLbl name="parChTrans2D4">
+    <dgm:fillClrLst meth="repeat">
+      <a:schemeClr val="accent1"/>
+    </dgm:fillClrLst>
+    <dgm:linClrLst meth="repeat">
+      <a:schemeClr val="accent1"/>
+    </dgm:linClrLst>
+    <dgm:effectClrLst/>
+    <dgm:txLinClrLst/>
+    <dgm:txFillClrLst meth="repeat">
+      <a:schemeClr val="lt1"/>
+    </dgm:txFillClrLst>
+    <dgm:txEffectClrLst/>
+  </dgm:styleLbl>
+  <dgm:styleLbl name="parChTrans1D1">
+    <dgm:fillClrLst meth="repeat">
+      <a:schemeClr val="accent1"/>
+    </dgm:fillClrLst>
+    <dgm:linClrLst meth="repeat">
+      <a:schemeClr val="accent1">
+        <a:shade val="60000"/>
+      </a:schemeClr>
+    </dgm:linClrLst>
+    <dgm:effectClrLst/>
+    <dgm:txLinClrLst/>
+    <dgm:txFillClrLst meth="repeat">
+      <a:schemeClr val="tx1"/>
+    </dgm:txFillClrLst>
+    <dgm:txEffectClrLst/>
+  </dgm:styleLbl>
+  <dgm:styleLbl name="parChTrans1D2">
+    <dgm:fillClrLst meth="repeat">
+      <a:schemeClr val="accent1"/>
+    </dgm:fillClrLst>
+    <dgm:linClrLst meth="repeat">
+      <a:schemeClr val="accent1">
+        <a:shade val="60000"/>
+      </a:schemeClr>
+    </dgm:linClrLst>
+    <dgm:effectClrLst/>
+    <dgm:txLinClrLst/>
+    <dgm:txFillClrLst meth="repeat">
+      <a:schemeClr val="tx1"/>
+    </dgm:txFillClrLst>
+    <dgm:txEffectClrLst/>
+  </dgm:styleLbl>
+  <dgm:styleLbl name="parChTrans1D3">
+    <dgm:fillClrLst meth="repeat">
+      <a:schemeClr val="accent1"/>
+    </dgm:fillClrLst>
+    <dgm:linClrLst meth="repeat">
+      <a:schemeClr val="accent1">
+        <a:shade val="80000"/>
+      </a:schemeClr>
+    </dgm:linClrLst>
+    <dgm:effectClrLst/>
+    <dgm:txLinClrLst/>
+    <dgm:txFillClrLst meth="repeat">
+      <a:schemeClr val="tx1"/>
+    </dgm:txFillClrLst>
+    <dgm:txEffectClrLst/>
+  </dgm:styleLbl>
+  <dgm:styleLbl name="parChTrans1D4">
+    <dgm:fillClrLst meth="repeat">
+      <a:schemeClr val="accent1"/>
+    </dgm:fillClrLst>
+    <dgm:linClrLst meth="repeat">
+      <a:schemeClr val="accent1">
+        <a:shade val="80000"/>
+      </a:schemeClr>
+    </dgm:linClrLst>
+    <dgm:effectClrLst/>
+    <dgm:txLinClrLst/>
+    <dgm:txFillClrLst meth="repeat">
+      <a:schemeClr val="tx1"/>
+    </dgm:txFillClrLst>
+    <dgm:txEffectClrLst/>
+  </dgm:styleLbl>
+  <dgm:styleLbl name="fgAcc1">
+    <dgm:fillClrLst meth="repeat">
+      <a:schemeClr val="lt1">
+        <a:alpha val="90000"/>
+      </a:schemeClr>
+    </dgm:fillClrLst>
+    <dgm:linClrLst meth="repeat">
+      <a:schemeClr val="accent1"/>
+    </dgm:linClrLst>
+    <dgm:effectClrLst/>
+    <dgm:txLinClrLst/>
+    <dgm:txFillClrLst meth="repeat">
+      <a:schemeClr val="dk1"/>
+    </dgm:txFillClrLst>
+    <dgm:txEffectClrLst/>
+  </dgm:styleLbl>
+  <dgm:styleLbl name="conFgAcc1">
+    <dgm:fillClrLst meth="repeat">
+      <a:schemeClr val="lt1">
+        <a:alpha val="90000"/>
+      </a:schemeClr>
+    </dgm:fillClrLst>
+    <dgm:linClrLst meth="repeat">
+      <a:schemeClr val="accent1"/>
+    </dgm:linClrLst>
+    <dgm:effectClrLst/>
+    <dgm:txLinClrLst/>
+    <dgm:txFillClrLst meth="repeat">
+      <a:schemeClr val="dk1"/>
+    </dgm:txFillClrLst>
+    <dgm:txEffectClrLst/>
+  </dgm:styleLbl>
+  <dgm:styleLbl name="alignAcc1">
+    <dgm:fillClrLst meth="repeat">
+      <a:schemeClr val="lt1">
+        <a:alpha val="90000"/>
+      </a:schemeClr>
+    </dgm:fillClrLst>
+    <dgm:linClrLst meth="repeat">
+      <a:schemeClr val="accent1"/>
+    </dgm:linClrLst>
+    <dgm:effectClrLst/>
+    <dgm:txLinClrLst/>
+    <dgm:txFillClrLst meth="repeat">
+      <a:schemeClr val="dk1"/>
+    </dgm:txFillClrLst>
+    <dgm:txEffectClrLst/>
+  </dgm:styleLbl>
+  <dgm:styleLbl name="trAlignAcc1">
+    <dgm:fillClrLst meth="repeat">
+      <a:schemeClr val="lt1">
+        <a:alpha val="40000"/>
+      </a:schemeClr>
+    </dgm:fillClrLst>
+    <dgm:linClrLst meth="repeat">
+      <a:schemeClr val="accent1"/>
+    </dgm:linClrLst>
+    <dgm:effectClrLst/>
+    <dgm:txLinClrLst/>
+    <dgm:txFillClrLst meth="repeat">
+      <a:schemeClr val="dk1"/>
+    </dgm:txFillClrLst>
+    <dgm:txEffectClrLst/>
+  </dgm:styleLbl>
+  <dgm:styleLbl name="bgAcc1">
+    <dgm:fillClrLst meth="repeat">
+      <a:schemeClr val="lt1">
+        <a:alpha val="90000"/>
+      </a:schemeClr>
+    </dgm:fillClrLst>
+    <dgm:linClrLst meth="repeat">
+      <a:schemeClr val="accent1"/>
+    </dgm:linClrLst>
+    <dgm:effectClrLst/>
+    <dgm:txLinClrLst/>
+    <dgm:txFillClrLst meth="repeat">
+      <a:schemeClr val="dk1"/>
+    </dgm:txFillClrLst>
+    <dgm:txEffectClrLst/>
+  </dgm:styleLbl>
+  <dgm:styleLbl name="solidFgAcc1">
+    <dgm:fillClrLst meth="repeat">
+      <a:schemeClr val="lt1"/>
+    </dgm:fillClrLst>
+    <dgm:linClrLst meth="repeat">
+      <a:schemeClr val="accent1"/>
+    </dgm:linClrLst>
+    <dgm:effectClrLst/>
+    <dgm:txLinClrLst/>
+    <dgm:txFillClrLst meth="repeat">
+      <a:schemeClr val="dk1"/>
+    </dgm:txFillClrLst>
+    <dgm:txEffectClrLst/>
+  </dgm:styleLbl>
+  <dgm:styleLbl name="solidAlignAcc1">
+    <dgm:fillClrLst meth="repeat">
+      <a:schemeClr val="lt1"/>
+    </dgm:fillClrLst>
+    <dgm:linClrLst meth="repeat">
+      <a:schemeClr val="accent1"/>
+    </dgm:linClrLst>
+    <dgm:effectClrLst/>
+    <dgm:txLinClrLst/>
+    <dgm:txFillClrLst meth="repeat">
+      <a:schemeClr val="dk1"/>
+    </dgm:txFillClrLst>
+    <dgm:txEffectClrLst/>
+  </dgm:styleLbl>
+  <dgm:styleLbl name="solidBgAcc1">
+    <dgm:fillClrLst meth="repeat">
+      <a:schemeClr val="lt1"/>
+    </dgm:fillClrLst>
+    <dgm:linClrLst meth="repeat">
+      <a:schemeClr val="accent1"/>
+    </dgm:linClrLst>
+    <dgm:effectClrLst/>
+    <dgm:txLinClrLst/>
+    <dgm:txFillClrLst meth="repeat">
+      <a:schemeClr val="dk1"/>
+    </dgm:txFillClrLst>
+    <dgm:txEffectClrLst/>
+  </dgm:styleLbl>
+  <dgm:styleLbl name="fgAccFollowNode1">
+    <dgm:fillClrLst meth="repeat">
+      <a:schemeClr val="accent1">
+        <a:alpha val="90000"/>
+        <a:tint val="40000"/>
+      </a:schemeClr>
+    </dgm:fillClrLst>
+    <dgm:linClrLst meth="repeat">
+      <a:schemeClr val="accent1">
+        <a:alpha val="90000"/>
+        <a:tint val="40000"/>
+      </a:schemeClr>
+    </dgm:linClrLst>
+    <dgm:effectClrLst/>
+    <dgm:txLinClrLst/>
+    <dgm:txFillClrLst meth="repeat">
+      <a:schemeClr val="dk1"/>
+    </dgm:txFillClrLst>
+    <dgm:txEffectClrLst/>
+  </dgm:styleLbl>
+  <dgm:styleLbl name="alignAccFollowNode1">
+    <dgm:fillClrLst meth="repeat">
+      <a:schemeClr val="accent1">
+        <a:alpha val="90000"/>
+        <a:tint val="40000"/>
+      </a:schemeClr>
+    </dgm:fillClrLst>
+    <dgm:linClrLst meth="repeat">
+      <a:schemeClr val="accent1">
+        <a:alpha val="90000"/>
+        <a:tint val="40000"/>
+      </a:schemeClr>
+    </dgm:linClrLst>
+    <dgm:effectClrLst/>
+    <dgm:txLinClrLst/>
+    <dgm:txFillClrLst meth="repeat">
+      <a:schemeClr val="dk1"/>
+    </dgm:txFillClrLst>
+    <dgm:txEffectClrLst/>
+  </dgm:styleLbl>
+  <dgm:styleLbl name="bgAccFollowNode1">
+    <dgm:fillClrLst meth="repeat">
+      <a:schemeClr val="accent1">
+        <a:alpha val="90000"/>
+        <a:tint val="40000"/>
+      </a:schemeClr>
+    </dgm:fillClrLst>
+    <dgm:linClrLst meth="repeat">
+      <a:schemeClr val="accent1">
+        <a:alpha val="90000"/>
+        <a:tint val="40000"/>
+      </a:schemeClr>
+    </dgm:linClrLst>
+    <dgm:effectClrLst/>
+    <dgm:txLinClrLst/>
+    <dgm:txFillClrLst meth="repeat">
+      <a:schemeClr val="dk1"/>
+    </dgm:txFillClrLst>
+    <dgm:txEffectClrLst/>
+  </dgm:styleLbl>
+  <dgm:styleLbl name="fgAcc0">
+    <dgm:fillClrLst meth="repeat">
+      <a:schemeClr val="lt1">
+        <a:alpha val="90000"/>
+      </a:schemeClr>
+    </dgm:fillClrLst>
+    <dgm:linClrLst meth="repeat">
+      <a:schemeClr val="accent1"/>
+    </dgm:linClrLst>
+    <dgm:effectClrLst/>
+    <dgm:txLinClrLst/>
+    <dgm:txFillClrLst meth="repeat">
+      <a:schemeClr val="dk1"/>
+    </dgm:txFillClrLst>
+    <dgm:txEffectClrLst/>
+  </dgm:styleLbl>
+  <dgm:styleLbl name="fgAcc2">
+    <dgm:fillClrLst meth="repeat">
+      <a:schemeClr val="lt1">
+        <a:alpha val="90000"/>
+      </a:schemeClr>
+    </dgm:fillClrLst>
+    <dgm:linClrLst meth="repeat">
+      <a:schemeClr val="accent1"/>
+    </dgm:linClrLst>
+    <dgm:effectClrLst/>
+    <dgm:txLinClrLst/>
+    <dgm:txFillClrLst meth="repeat">
+      <a:schemeClr val="dk1"/>
+    </dgm:txFillClrLst>
+    <dgm:txEffectClrLst/>
+  </dgm:styleLbl>
+  <dgm:styleLbl name="fgAcc3">
+    <dgm:fillClrLst meth="repeat">
+      <a:schemeClr val="lt1">
+        <a:alpha val="90000"/>
+      </a:schemeClr>
+    </dgm:fillClrLst>
+    <dgm:linClrLst meth="repeat">
+      <a:schemeClr val="accent1"/>
+    </dgm:linClrLst>
+    <dgm:effectClrLst/>
+    <dgm:txLinClrLst/>
+    <dgm:txFillClrLst meth="repeat">
+      <a:schemeClr val="dk1"/>
+    </dgm:txFillClrLst>
+    <dgm:txEffectClrLst/>
+  </dgm:styleLbl>
+  <dgm:styleLbl name="fgAcc4">
+    <dgm:fillClrLst meth="repeat">
+      <a:schemeClr val="lt1">
+        <a:alpha val="90000"/>
+      </a:schemeClr>
+    </dgm:fillClrLst>
+    <dgm:linClrLst meth="repeat">
+      <a:schemeClr val="accent1"/>
+    </dgm:linClrLst>
+    <dgm:effectClrLst/>
+    <dgm:txLinClrLst/>
+    <dgm:txFillClrLst meth="repeat">
+      <a:schemeClr val="dk1"/>
+    </dgm:txFillClrLst>
+    <dgm:txEffectClrLst/>
+  </dgm:styleLbl>
+  <dgm:styleLbl name="bgShp">
+    <dgm:fillClrLst meth="repeat">
+      <a:schemeClr val="accent1">
+        <a:tint val="40000"/>
+      </a:schemeClr>
+    </dgm:fillClrLst>
+    <dgm:linClrLst meth="repeat">
+      <a:schemeClr val="accent1"/>
+    </dgm:linClrLst>
+    <dgm:effectClrLst/>
+    <dgm:txLinClrLst/>
+    <dgm:txFillClrLst meth="repeat">
+      <a:schemeClr val="dk1"/>
+    </dgm:txFillClrLst>
+    <dgm:txEffectClrLst/>
+  </dgm:styleLbl>
+  <dgm:styleLbl name="dkBgShp">
+    <dgm:fillClrLst meth="repeat">
+      <a:schemeClr val="accent1">
+        <a:shade val="80000"/>
+      </a:schemeClr>
+    </dgm:fillClrLst>
+    <dgm:linClrLst meth="repeat">
+      <a:schemeClr val="accent1"/>
+    </dgm:linClrLst>
+    <dgm:effectClrLst/>
+    <dgm:txLinClrLst/>
+    <dgm:txFillClrLst meth="repeat">
+      <a:schemeClr val="lt1"/>
+    </dgm:txFillClrLst>
+    <dgm:txEffectClrLst/>
+  </dgm:styleLbl>
+  <dgm:styleLbl name="trBgShp">
+    <dgm:fillClrLst meth="repeat">
+      <a:schemeClr val="accent1">
+        <a:tint val="50000"/>
+        <a:alpha val="40000"/>
+      </a:schemeClr>
+    </dgm:fillClrLst>
+    <dgm:linClrLst meth="repeat">
+      <a:schemeClr val="accent1"/>
+    </dgm:linClrLst>
+    <dgm:effectClrLst/>
+    <dgm:txLinClrLst/>
+    <dgm:txFillClrLst meth="repeat">
+      <a:schemeClr val="lt1"/>
+    </dgm:txFillClrLst>
+    <dgm:txEffectClrLst/>
+  </dgm:styleLbl>
+  <dgm:styleLbl name="fgShp">
+    <dgm:fillClrLst meth="repeat">
+      <a:schemeClr val="accent1">
+        <a:tint val="60000"/>
+      </a:schemeClr>
+    </dgm:fillClrLst>
+    <dgm:linClrLst meth="repeat">
+      <a:schemeClr val="lt1"/>
+    </dgm:linClrLst>
+    <dgm:effectClrLst/>
+    <dgm:txLinClrLst/>
+    <dgm:txFillClrLst meth="repeat">
+      <a:schemeClr val="dk1"/>
+    </dgm:txFillClrLst>
+    <dgm:txEffectClrLst/>
+  </dgm:styleLbl>
+  <dgm:styleLbl name="revTx">
+    <dgm:fillClrLst meth="repeat">
+      <a:schemeClr val="lt1">
+        <a:alpha val="0"/>
+      </a:schemeClr>
+    </dgm:fillClrLst>
+    <dgm:linClrLst meth="repeat">
+      <a:schemeClr val="dk1">
+        <a:alpha val="0"/>
+      </a:schemeClr>
+    </dgm:linClrLst>
+    <dgm:effectClrLst/>
+    <dgm:txLinClrLst/>
+    <dgm:txFillClrLst meth="repeat">
+      <a:schemeClr val="tx1"/>
+    </dgm:txFillClrLst>
+    <dgm:txEffectClrLst/>
+  </dgm:styleLbl>
+</dgm:colorsDef>
+</file>
+
+<file path=ppt/diagrams/colors2.xml><?xml version="1.0" encoding="utf-8"?>
+<dgm:colorsDef xmlns:dgm="http://schemas.openxmlformats.org/drawingml/2006/diagram" xmlns:a="http://schemas.openxmlformats.org/drawingml/2006/main" uniqueId="urn:microsoft.com/office/officeart/2018/5/colors/Iconchunking_neutralbg_colorful1">
+  <dgm:title val=""/>
+  <dgm:desc val=""/>
+  <dgm:catLst>
+    <dgm:cat type="colorful" pri="10100"/>
+  </dgm:catLst>
+  <dgm:styleLbl name="node0">
+    <dgm:fillClrLst meth="repeat">
+      <a:schemeClr val="accent1"/>
+    </dgm:fillClrLst>
+    <dgm:linClrLst meth="repeat">
+      <a:schemeClr val="lt1"/>
+    </dgm:linClrLst>
+    <dgm:effectClrLst/>
+    <dgm:txLinClrLst/>
+    <dgm:txFillClrLst/>
+    <dgm:txEffectClrLst/>
+  </dgm:styleLbl>
+  <dgm:styleLbl name="node1">
+    <dgm:fillClrLst meth="repeat">
+      <a:schemeClr val="accent2"/>
+      <a:schemeClr val="accent3"/>
+      <a:schemeClr val="accent4"/>
+      <a:schemeClr val="accent5"/>
+      <a:schemeClr val="accent6"/>
+    </dgm:fillClrLst>
+    <dgm:linClrLst meth="repeat">
+      <a:schemeClr val="lt1">
+        <a:alpha val="0"/>
+      </a:schemeClr>
+    </dgm:linClrLst>
+    <dgm:effectClrLst/>
+    <dgm:txLinClrLst/>
+    <dgm:txFillClrLst/>
+    <dgm:txEffectClrLst/>
+  </dgm:styleLbl>
+  <dgm:styleLbl name="alignNode1">
+    <dgm:fillClrLst meth="repeat">
+      <a:schemeClr val="accent2"/>
+      <a:schemeClr val="accent3"/>
+      <a:schemeClr val="accent4"/>
+      <a:schemeClr val="accent5"/>
+      <a:schemeClr val="accent6"/>
+    </dgm:fillClrLst>
+    <dgm:linClrLst meth="repeat">
+      <a:schemeClr val="accent2"/>
+      <a:schemeClr val="accent3"/>
+      <a:schemeClr val="accent4"/>
+      <a:schemeClr val="accent5"/>
+      <a:schemeClr val="accent6"/>
+    </dgm:linClrLst>
+    <dgm:effectClrLst/>
+    <dgm:txLinClrLst/>
+    <dgm:txFillClrLst/>
+    <dgm:txEffectClrLst/>
+  </dgm:styleLbl>
+  <dgm:styleLbl name="lnNode1">
+    <dgm:fillClrLst meth="repeat">
+      <a:schemeClr val="accent2"/>
+      <a:schemeClr val="accent3"/>
+      <a:schemeClr val="accent4"/>
+      <a:schemeClr val="accent5"/>
+      <a:schemeClr val="accent6"/>
+    </dgm:fillClrLst>
+    <dgm:linClrLst meth="repeat">
+      <a:schemeClr val="lt1"/>
+    </dgm:linClrLst>
+    <dgm:effectClrLst/>
+    <dgm:txLinClrLst/>
+    <dgm:txFillClrLst/>
+    <dgm:txEffectClrLst/>
+  </dgm:styleLbl>
+  <dgm:styleLbl name="vennNode1">
+    <dgm:fillClrLst meth="repeat">
+      <a:schemeClr val="accent2">
+        <a:alpha val="50000"/>
+      </a:schemeClr>
+      <a:schemeClr val="accent3">
+        <a:alpha val="50000"/>
+      </a:schemeClr>
+      <a:schemeClr val="accent4">
+        <a:alpha val="50000"/>
+      </a:schemeClr>
+      <a:schemeClr val="accent5">
+        <a:alpha val="50000"/>
+      </a:schemeClr>
+      <a:schemeClr val="accent6">
+        <a:alpha val="50000"/>
+      </a:schemeClr>
+    </dgm:fillClrLst>
+    <dgm:linClrLst meth="repeat">
+      <a:schemeClr val="lt1"/>
+    </dgm:linClrLst>
+    <dgm:effectClrLst/>
+    <dgm:txLinClrLst/>
+    <dgm:txFillClrLst/>
+    <dgm:txEffectClrLst/>
+  </dgm:styleLbl>
+  <dgm:styleLbl name="node2">
+    <dgm:fillClrLst>
+      <a:schemeClr val="accent2"/>
+    </dgm:fillClrLst>
+    <dgm:linClrLst meth="repeat">
+      <a:schemeClr val="lt1"/>
+    </dgm:linClrLst>
+    <dgm:effectClrLst/>
+    <dgm:txLinClrLst/>
+    <dgm:txFillClrLst/>
+    <dgm:txEffectClrLst/>
+  </dgm:styleLbl>
+  <dgm:styleLbl name="node3">
+    <dgm:fillClrLst>
+      <a:schemeClr val="accent3"/>
+    </dgm:fillClrLst>
+    <dgm:linClrLst meth="repeat">
+      <a:schemeClr val="lt1"/>
+    </dgm:linClrLst>
+    <dgm:effectClrLst/>
+    <dgm:txLinClrLst/>
+    <dgm:txFillClrLst/>
+    <dgm:txEffectClrLst/>
+  </dgm:styleLbl>
+  <dgm:styleLbl name="node4">
+    <dgm:fillClrLst>
+      <a:schemeClr val="accent4"/>
+    </dgm:fillClrLst>
+    <dgm:linClrLst meth="repeat">
+      <a:schemeClr val="lt1"/>
+    </dgm:linClrLst>
+    <dgm:effectClrLst/>
+    <dgm:txLinClrLst/>
+    <dgm:txFillClrLst/>
+    <dgm:txEffectClrLst/>
+  </dgm:styleLbl>
+  <dgm:styleLbl name="fgImgPlace1">
+    <dgm:fillClrLst meth="repeat">
+      <a:schemeClr val="accent2">
+        <a:tint val="50000"/>
+      </a:schemeClr>
+      <a:schemeClr val="accent3">
+        <a:tint val="50000"/>
+      </a:schemeClr>
+      <a:schemeClr val="accent4">
+        <a:tint val="50000"/>
+      </a:schemeClr>
+      <a:schemeClr val="accent5">
+        <a:tint val="50000"/>
+      </a:schemeClr>
+      <a:schemeClr val="accent6">
+        <a:tint val="50000"/>
+      </a:schemeClr>
+    </dgm:fillClrLst>
+    <dgm:linClrLst meth="repeat">
+      <a:schemeClr val="lt1"/>
+    </dgm:linClrLst>
+    <dgm:effectClrLst/>
+    <dgm:txLinClrLst/>
+    <dgm:txFillClrLst meth="repeat">
+      <a:schemeClr val="lt1"/>
+    </dgm:txFillClrLst>
+    <dgm:txEffectClrLst/>
+  </dgm:styleLbl>
+  <dgm:styleLbl name="alignImgPlace1">
+    <dgm:fillClrLst>
+      <a:schemeClr val="accent1">
+        <a:tint val="50000"/>
+      </a:schemeClr>
+      <a:schemeClr val="accent2">
+        <a:tint val="20000"/>
+      </a:schemeClr>
+    </dgm:fillClrLst>
+    <dgm:linClrLst meth="repeat">
+      <a:schemeClr val="lt1"/>
+    </dgm:linClrLst>
+    <dgm:effectClrLst/>
+    <dgm:txLinClrLst/>
+    <dgm:txFillClrLst meth="repeat">
+      <a:schemeClr val="lt1"/>
+    </dgm:txFillClrLst>
+    <dgm:txEffectClrLst/>
+  </dgm:styleLbl>
+  <dgm:styleLbl name="bgImgPlace1">
+    <dgm:fillClrLst>
+      <a:schemeClr val="accent1">
+        <a:tint val="50000"/>
+      </a:schemeClr>
+      <a:schemeClr val="accent2">
+        <a:tint val="20000"/>
+      </a:schemeClr>
+    </dgm:fillClrLst>
+    <dgm:linClrLst meth="repeat">
+      <a:schemeClr val="lt1"/>
+    </dgm:linClrLst>
+    <dgm:effectClrLst/>
+    <dgm:txLinClrLst/>
+    <dgm:txFillClrLst meth="repeat">
+      <a:schemeClr val="lt1"/>
+    </dgm:txFillClrLst>
+    <dgm:txEffectClrLst/>
+  </dgm:styleLbl>
+  <dgm:styleLbl name="sibTrans2D1">
+    <dgm:fillClrLst meth="repeat">
+      <a:schemeClr val="accent2"/>
+      <a:schemeClr val="accent3"/>
+      <a:schemeClr val="accent4"/>
+      <a:schemeClr val="accent5"/>
+      <a:schemeClr val="accent6"/>
+    </dgm:fillClrLst>
+    <dgm:linClrLst meth="cycle">
+      <a:schemeClr val="lt1"/>
+    </dgm:linClrLst>
+    <dgm:effectClrLst/>
+    <dgm:txLinClrLst/>
+    <dgm:txFillClrLst/>
+    <dgm:txEffectClrLst/>
+  </dgm:styleLbl>
+  <dgm:styleLbl name="fgSibTrans2D1">
+    <dgm:fillClrLst meth="repeat">
+      <a:schemeClr val="accent2"/>
+      <a:schemeClr val="accent3"/>
+      <a:schemeClr val="accent4"/>
+      <a:schemeClr val="accent5"/>
+      <a:schemeClr val="accent6"/>
+    </dgm:fillClrLst>
+    <dgm:linClrLst meth="cycle">
+      <a:schemeClr val="lt1"/>
+    </dgm:linClrLst>
+    <dgm:effectClrLst/>
+    <dgm:txLinClrLst/>
+    <dgm:txFillClrLst meth="repeat">
+      <a:schemeClr val="lt1"/>
+    </dgm:txFillClrLst>
+    <dgm:txEffectClrLst/>
+  </dgm:styleLbl>
+  <dgm:styleLbl name="bgSibTrans2D1">
+    <dgm:fillClrLst meth="repeat">
+      <a:schemeClr val="accent2"/>
+      <a:schemeClr val="accent3"/>
+      <a:schemeClr val="accent4"/>
+      <a:schemeClr val="accent5"/>
+      <a:schemeClr val="accent6"/>
+    </dgm:fillClrLst>
+    <dgm:linClrLst meth="cycle">
+      <a:schemeClr val="lt1"/>
+    </dgm:linClrLst>
+    <dgm:effectClrLst/>
+    <dgm:txLinClrLst/>
+    <dgm:txFillClrLst meth="repeat">
+      <a:schemeClr val="lt1"/>
+    </dgm:txFillClrLst>
+    <dgm:txEffectClrLst/>
+  </dgm:styleLbl>
+  <dgm:styleLbl name="sibTrans1D1">
+    <dgm:fillClrLst meth="repeat">
+      <a:schemeClr val="accent2"/>
+      <a:schemeClr val="accent3"/>
+      <a:schemeClr val="accent4"/>
+      <a:schemeClr val="accent5"/>
+      <a:schemeClr val="accent6"/>
+    </dgm:fillClrLst>
+    <dgm:linClrLst meth="repeat">
+      <a:schemeClr val="accent2"/>
+      <a:schemeClr val="accent3"/>
+      <a:schemeClr val="accent4"/>
+      <a:schemeClr val="accent5"/>
+      <a:schemeClr val="accent6"/>
+    </dgm:linClrLst>
+    <dgm:effectClrLst/>
+    <dgm:txLinClrLst/>
+    <dgm:txFillClrLst meth="repeat">
+      <a:schemeClr val="tx1"/>
+    </dgm:txFillClrLst>
+    <dgm:txEffectClrLst/>
+  </dgm:styleLbl>
+  <dgm:styleLbl name="callout">
+    <dgm:fillClrLst meth="repeat">
+      <a:schemeClr val="accent2"/>
+    </dgm:fillClrLst>
+    <dgm:linClrLst meth="repeat">
+      <a:schemeClr val="accent2">
+        <a:tint val="50000"/>
+      </a:schemeClr>
+    </dgm:linClrLst>
+    <dgm:effectClrLst/>
+    <dgm:txLinClrLst/>
+    <dgm:txFillClrLst meth="repeat">
+      <a:schemeClr val="tx1"/>
+    </dgm:txFillClrLst>
+    <dgm:txEffectClrLst/>
+  </dgm:styleLbl>
+  <dgm:styleLbl name="asst0">
+    <dgm:fillClrLst meth="repeat">
+      <a:schemeClr val="accent1"/>
+    </dgm:fillClrLst>
+    <dgm:linClrLst meth="repeat">
+      <a:schemeClr val="lt1"/>
+    </dgm:linClrLst>
+    <dgm:effectClrLst/>
+    <dgm:txLinClrLst/>
+    <dgm:txFillClrLst/>
+    <dgm:txEffectClrLst/>
+  </dgm:styleLbl>
+  <dgm:styleLbl name="asst1">
+    <dgm:fillClrLst meth="repeat">
+      <a:schemeClr val="accent2"/>
+    </dgm:fillClrLst>
+    <dgm:linClrLst meth="repeat">
+      <a:schemeClr val="lt1"/>
+    </dgm:linClrLst>
+    <dgm:effectClrLst/>
+    <dgm:txLinClrLst/>
+    <dgm:txFillClrLst/>
+    <dgm:txEffectClrLst/>
+  </dgm:styleLbl>
+  <dgm:styleLbl name="asst2">
+    <dgm:fillClrLst>
+      <a:schemeClr val="accent3"/>
+    </dgm:fillClrLst>
+    <dgm:linClrLst meth="repeat">
+      <a:schemeClr val="lt1"/>
+    </dgm:linClrLst>
+    <dgm:effectClrLst/>
+    <dgm:txLinClrLst/>
+    <dgm:txFillClrLst/>
+    <dgm:txEffectClrLst/>
+  </dgm:styleLbl>
+  <dgm:styleLbl name="asst3">
+    <dgm:fillClrLst>
+      <a:schemeClr val="accent4"/>
+    </dgm:fillClrLst>
+    <dgm:linClrLst meth="repeat">
+      <a:schemeClr val="lt1"/>
+    </dgm:linClrLst>
+    <dgm:effectClrLst/>
+    <dgm:txLinClrLst/>
+    <dgm:txFillClrLst/>
+    <dgm:txEffectClrLst/>
+  </dgm:styleLbl>
+  <dgm:styleLbl name="asst4">
+    <dgm:fillClrLst>
+      <a:schemeClr val="accent5"/>
+    </dgm:fillClrLst>
+    <dgm:linClrLst meth="repeat">
+      <a:schemeClr val="lt1"/>
+    </dgm:linClrLst>
+    <dgm:effectClrLst/>
+    <dgm:txLinClrLst/>
+    <dgm:txFillClrLst/>
+    <dgm:txEffectClrLst/>
+  </dgm:styleLbl>
+  <dgm:styleLbl name="parChTrans2D1">
+    <dgm:fillClrLst meth="repeat">
+      <a:schemeClr val="accent2"/>
+    </dgm:fillClrLst>
+    <dgm:linClrLst meth="repeat">
+      <a:schemeClr val="lt1"/>
+    </dgm:linClrLst>
+    <dgm:effectClrLst/>
+    <dgm:txLinClrLst/>
+    <dgm:txFillClrLst meth="repeat">
+      <a:schemeClr val="lt1"/>
+    </dgm:txFillClrLst>
+    <dgm:txEffectClrLst/>
+  </dgm:styleLbl>
+  <dgm:styleLbl name="parChTrans2D2">
+    <dgm:fillClrLst meth="repeat">
+      <a:schemeClr val="accent3"/>
+    </dgm:fillClrLst>
+    <dgm:linClrLst meth="repeat">
+      <a:schemeClr val="lt1"/>
+    </dgm:linClrLst>
+    <dgm:effectClrLst/>
+    <dgm:txLinClrLst/>
+    <dgm:txFillClrLst/>
+    <dgm:txEffectClrLst/>
+  </dgm:styleLbl>
+  <dgm:styleLbl name="parChTrans2D3">
+    <dgm:fillClrLst meth="repeat">
+      <a:schemeClr val="accent4"/>
+    </dgm:fillClrLst>
+    <dgm:linClrLst meth="repeat">
+      <a:schemeClr val="lt1"/>
+    </dgm:linClrLst>
+    <dgm:effectClrLst/>
+    <dgm:txLinClrLst/>
+    <dgm:txFillClrLst/>
+    <dgm:txEffectClrLst/>
+  </dgm:styleLbl>
+  <dgm:styleLbl name="parChTrans2D4">
+    <dgm:fillClrLst meth="repeat">
+      <a:schemeClr val="accent5"/>
+    </dgm:fillClrLst>
+    <dgm:linClrLst meth="repeat">
+      <a:schemeClr val="lt1"/>
+    </dgm:linClrLst>
+    <dgm:effectClrLst/>
+    <dgm:txLinClrLst/>
+    <dgm:txFillClrLst meth="repeat">
+      <a:schemeClr val="lt1"/>
+    </dgm:txFillClrLst>
+    <dgm:txEffectClrLst/>
+  </dgm:styleLbl>
+  <dgm:styleLbl name="parChTrans1D1">
+    <dgm:fillClrLst meth="repeat">
+      <a:schemeClr val="accent2"/>
+    </dgm:fillClrLst>
+    <dgm:linClrLst meth="repeat">
+      <a:schemeClr val="accent1"/>
+    </dgm:linClrLst>
+    <dgm:effectClrLst/>
+    <dgm:txLinClrLst/>
+    <dgm:txFillClrLst meth="repeat">
+      <a:schemeClr val="tx1"/>
+    </dgm:txFillClrLst>
+    <dgm:txEffectClrLst/>
+  </dgm:styleLbl>
+  <dgm:styleLbl name="parChTrans1D2">
+    <dgm:fillClrLst meth="repeat">
+      <a:schemeClr val="accent3">
+        <a:tint val="90000"/>
+      </a:schemeClr>
+    </dgm:fillClrLst>
+    <dgm:linClrLst meth="repeat">
+      <a:schemeClr val="accent2"/>
+    </dgm:linClrLst>
+    <dgm:effectClrLst/>
+    <dgm:txLinClrLst/>
+    <dgm:txFillClrLst meth="repeat">
+      <a:schemeClr val="tx1"/>
+    </dgm:txFillClrLst>
+    <dgm:txEffectClrLst/>
+  </dgm:styleLbl>
+  <dgm:styleLbl name="parChTrans1D3">
+    <dgm:fillClrLst meth="repeat">
+      <a:schemeClr val="accent4">
+        <a:tint val="70000"/>
+      </a:schemeClr>
+    </dgm:fillClrLst>
+    <dgm:linClrLst meth="repeat">
+      <a:schemeClr val="accent3"/>
+    </dgm:linClrLst>
+    <dgm:effectClrLst/>
+    <dgm:txLinClrLst/>
+    <dgm:txFillClrLst meth="repeat">
+      <a:schemeClr val="tx1"/>
+    </dgm:txFillClrLst>
+    <dgm:txEffectClrLst/>
+  </dgm:styleLbl>
+  <dgm:styleLbl name="parChTrans1D4">
+    <dgm:fillClrLst meth="repeat">
+      <a:schemeClr val="accent5">
+        <a:tint val="50000"/>
+      </a:schemeClr>
+    </dgm:fillClrLst>
+    <dgm:linClrLst meth="repeat">
+      <a:schemeClr val="accent4"/>
+    </dgm:linClrLst>
+    <dgm:effectClrLst/>
+    <dgm:txLinClrLst/>
+    <dgm:txFillClrLst meth="repeat">
+      <a:schemeClr val="tx1"/>
+    </dgm:txFillClrLst>
+    <dgm:txEffectClrLst/>
+  </dgm:styleLbl>
+  <dgm:styleLbl name="fgAcc1">
+    <dgm:fillClrLst meth="repeat">
+      <a:schemeClr val="lt1">
+        <a:alpha val="90000"/>
+      </a:schemeClr>
+    </dgm:fillClrLst>
+    <dgm:linClrLst meth="repeat">
+      <a:schemeClr val="accent2"/>
+      <a:schemeClr val="accent3"/>
+      <a:schemeClr val="accent4"/>
+      <a:schemeClr val="accent5"/>
+      <a:schemeClr val="accent6"/>
+    </dgm:linClrLst>
+    <dgm:effectClrLst/>
+    <dgm:txLinClrLst/>
+    <dgm:txFillClrLst meth="repeat">
+      <a:schemeClr val="dk1"/>
+    </dgm:txFillClrLst>
+    <dgm:txEffectClrLst/>
+  </dgm:styleLbl>
+  <dgm:styleLbl name="conFgAcc1">
+    <dgm:fillClrLst meth="repeat">
+      <a:schemeClr val="lt1">
+        <a:alpha val="90000"/>
+      </a:schemeClr>
+    </dgm:fillClrLst>
+    <dgm:linClrLst meth="repeat">
+      <a:schemeClr val="accent2"/>
+      <a:schemeClr val="accent3"/>
+      <a:schemeClr val="accent4"/>
+      <a:schemeClr val="accent5"/>
+      <a:schemeClr val="accent6"/>
+    </dgm:linClrLst>
+    <dgm:effectClrLst/>
+    <dgm:txLinClrLst/>
+    <dgm:txFillClrLst meth="repeat">
+      <a:schemeClr val="dk1"/>
+    </dgm:txFillClrLst>
+    <dgm:txEffectClrLst/>
+  </dgm:styleLbl>
+  <dgm:styleLbl name="alignAcc1">
+    <dgm:fillClrLst meth="repeat">
+      <a:schemeClr val="lt1">
+        <a:alpha val="90000"/>
+      </a:schemeClr>
+    </dgm:fillClrLst>
+    <dgm:linClrLst meth="repeat">
+      <a:schemeClr val="accent2"/>
+      <a:schemeClr val="accent3"/>
+      <a:schemeClr val="accent4"/>
+      <a:schemeClr val="accent5"/>
+      <a:schemeClr val="accent6"/>
+    </dgm:linClrLst>
+    <dgm:effectClrLst/>
+    <dgm:txLinClrLst/>
+    <dgm:txFillClrLst meth="repeat">
+      <a:schemeClr val="dk1"/>
+    </dgm:txFillClrLst>
+    <dgm:txEffectClrLst/>
+  </dgm:styleLbl>
+  <dgm:styleLbl name="trAlignAcc1">
+    <dgm:fillClrLst meth="repeat">
+      <a:schemeClr val="lt1">
+        <a:alpha val="40000"/>
+      </a:schemeClr>
+    </dgm:fillClrLst>
+    <dgm:linClrLst meth="repeat">
+      <a:schemeClr val="accent1"/>
+    </dgm:linClrLst>
+    <dgm:effectClrLst/>
+    <dgm:txLinClrLst/>
+    <dgm:txFillClrLst meth="repeat">
+      <a:schemeClr val="dk1"/>
+    </dgm:txFillClrLst>
+    <dgm:txEffectClrLst/>
+  </dgm:styleLbl>
+  <dgm:styleLbl name="bgAcc1">
+    <dgm:fillClrLst meth="repeat">
+      <a:schemeClr val="lt1">
+        <a:alpha val="90000"/>
+      </a:schemeClr>
+    </dgm:fillClrLst>
+    <dgm:linClrLst meth="repeat">
+      <a:schemeClr val="accent2"/>
+      <a:schemeClr val="accent3"/>
+      <a:schemeClr val="accent4"/>
+      <a:schemeClr val="accent5"/>
+      <a:schemeClr val="accent6"/>
+    </dgm:linClrLst>
+    <dgm:effectClrLst/>
+    <dgm:txLinClrLst/>
+    <dgm:txFillClrLst meth="repeat">
+      <a:schemeClr val="dk1"/>
+    </dgm:txFillClrLst>
+    <dgm:txEffectClrLst/>
+  </dgm:styleLbl>
+  <dgm:styleLbl name="solidFgAcc1">
+    <dgm:fillClrLst meth="repeat">
+      <a:schemeClr val="lt1"/>
+    </dgm:fillClrLst>
+    <dgm:linClrLst meth="repeat">
+      <a:schemeClr val="accent2"/>
+      <a:schemeClr val="accent3"/>
+      <a:schemeClr val="accent4"/>
+      <a:schemeClr val="accent5"/>
+      <a:schemeClr val="accent6"/>
+    </dgm:linClrLst>
+    <dgm:effectClrLst/>
+    <dgm:txLinClrLst/>
+    <dgm:txFillClrLst meth="repeat">
+      <a:schemeClr val="dk1"/>
+    </dgm:txFillClrLst>
+    <dgm:txEffectClrLst/>
+  </dgm:styleLbl>
+  <dgm:styleLbl name="solidAlignAcc1">
+    <dgm:fillClrLst meth="repeat">
+      <a:schemeClr val="lt1"/>
+    </dgm:fillClrLst>
+    <dgm:linClrLst meth="repeat">
+      <a:schemeClr val="accent2"/>
+      <a:schemeClr val="accent3"/>
+      <a:schemeClr val="accent4"/>
+      <a:schemeClr val="accent5"/>
+      <a:schemeClr val="accent6"/>
+    </dgm:linClrLst>
+    <dgm:effectClrLst/>
+    <dgm:txLinClrLst/>
+    <dgm:txFillClrLst meth="repeat">
+      <a:schemeClr val="dk1"/>
+    </dgm:txFillClrLst>
+    <dgm:txEffectClrLst/>
+  </dgm:styleLbl>
+  <dgm:styleLbl name="solidBgAcc1">
+    <dgm:fillClrLst meth="repeat">
+      <a:schemeClr val="lt1"/>
+    </dgm:fillClrLst>
+    <dgm:linClrLst meth="repeat">
+      <a:schemeClr val="accent2"/>
+      <a:schemeClr val="accent3"/>
+      <a:schemeClr val="accent4"/>
+      <a:schemeClr val="accent5"/>
+      <a:schemeClr val="accent6"/>
+    </dgm:linClrLst>
+    <dgm:effectClrLst/>
+    <dgm:txLinClrLst/>
+    <dgm:txFillClrLst meth="repeat">
+      <a:schemeClr val="dk1"/>
+    </dgm:txFillClrLst>
+    <dgm:txEffectClrLst/>
+  </dgm:styleLbl>
+  <dgm:styleLbl name="fgAccFollowNode1">
+    <dgm:fillClrLst meth="repeat">
+      <a:schemeClr val="accent2">
+        <a:tint val="40000"/>
+        <a:alpha val="90000"/>
+      </a:schemeClr>
+      <a:schemeClr val="accent3">
+        <a:tint val="40000"/>
+        <a:alpha val="90000"/>
+      </a:schemeClr>
+      <a:schemeClr val="accent4">
+        <a:tint val="40000"/>
+        <a:alpha val="90000"/>
+      </a:schemeClr>
+      <a:schemeClr val="accent5">
+        <a:tint val="40000"/>
+        <a:alpha val="90000"/>
+      </a:schemeClr>
+      <a:schemeClr val="accent6">
+        <a:tint val="40000"/>
+        <a:alpha val="90000"/>
+      </a:schemeClr>
+    </dgm:fillClrLst>
+    <dgm:linClrLst meth="repeat">
+      <a:schemeClr val="accent2">
+        <a:tint val="40000"/>
+        <a:alpha val="90000"/>
+      </a:schemeClr>
+      <a:schemeClr val="accent3">
+        <a:tint val="40000"/>
+        <a:alpha val="90000"/>
+      </a:schemeClr>
+      <a:schemeClr val="accent4">
+        <a:tint val="40000"/>
+        <a:alpha val="90000"/>
+      </a:schemeClr>
+      <a:schemeClr val="accent5">
+        <a:tint val="40000"/>
+        <a:alpha val="90000"/>
+      </a:schemeClr>
+      <a:schemeClr val="accent6">
+        <a:tint val="40000"/>
+        <a:alpha val="90000"/>
+      </a:schemeClr>
+    </dgm:linClrLst>
+    <dgm:effectClrLst/>
+    <dgm:txLinClrLst/>
+    <dgm:txFillClrLst meth="repeat">
+      <a:schemeClr val="dk1"/>
+    </dgm:txFillClrLst>
+    <dgm:txEffectClrLst/>
+  </dgm:styleLbl>
+  <dgm:styleLbl name="alignAccFollowNode1">
+    <dgm:fillClrLst meth="repeat">
+      <a:schemeClr val="accent2">
+        <a:tint val="40000"/>
+        <a:alpha val="90000"/>
+      </a:schemeClr>
+      <a:schemeClr val="accent3">
+        <a:tint val="40000"/>
+        <a:alpha val="90000"/>
+      </a:schemeClr>
+      <a:schemeClr val="accent4">
+        <a:tint val="40000"/>
+        <a:alpha val="90000"/>
+      </a:schemeClr>
+      <a:schemeClr val="accent5">
+        <a:tint val="40000"/>
+        <a:alpha val="90000"/>
+      </a:schemeClr>
+      <a:schemeClr val="accent6">
+        <a:tint val="40000"/>
+        <a:alpha val="90000"/>
+      </a:schemeClr>
+    </dgm:fillClrLst>
+    <dgm:linClrLst meth="repeat">
+      <a:schemeClr val="accent2">
+        <a:tint val="40000"/>
+        <a:alpha val="90000"/>
+      </a:schemeClr>
+      <a:schemeClr val="accent3">
+        <a:tint val="40000"/>
+        <a:alpha val="90000"/>
+      </a:schemeClr>
+      <a:schemeClr val="accent4">
+        <a:tint val="40000"/>
+        <a:alpha val="90000"/>
+      </a:schemeClr>
+      <a:schemeClr val="accent5">
+        <a:tint val="40000"/>
+        <a:alpha val="90000"/>
+      </a:schemeClr>
+      <a:schemeClr val="accent6">
+        <a:tint val="40000"/>
+        <a:alpha val="90000"/>
+      </a:schemeClr>
+    </dgm:linClrLst>
+    <dgm:effectClrLst/>
+    <dgm:txLinClrLst/>
+    <dgm:txFillClrLst meth="repeat">
+      <a:schemeClr val="dk1"/>
+    </dgm:txFillClrLst>
+    <dgm:txEffectClrLst/>
+  </dgm:styleLbl>
+  <dgm:styleLbl name="bgAccFollowNode1">
+    <dgm:fillClrLst meth="repeat">
+      <a:schemeClr val="accent2">
+        <a:tint val="40000"/>
+        <a:alpha val="90000"/>
+      </a:schemeClr>
+      <a:schemeClr val="accent3">
+        <a:tint val="40000"/>
+        <a:alpha val="90000"/>
+      </a:schemeClr>
+      <a:schemeClr val="accent4">
+        <a:tint val="40000"/>
+        <a:alpha val="90000"/>
+      </a:schemeClr>
+      <a:schemeClr val="accent5">
+        <a:tint val="40000"/>
+        <a:alpha val="90000"/>
+      </a:schemeClr>
+      <a:schemeClr val="accent6">
+        <a:tint val="40000"/>
+        <a:alpha val="90000"/>
+      </a:schemeClr>
+    </dgm:fillClrLst>
+    <dgm:linClrLst meth="repeat">
+      <a:schemeClr val="accent2">
+        <a:tint val="40000"/>
+        <a:alpha val="90000"/>
+      </a:schemeClr>
+      <a:schemeClr val="accent3">
+        <a:tint val="40000"/>
+        <a:alpha val="90000"/>
+      </a:schemeClr>
+      <a:schemeClr val="accent4">
+        <a:tint val="40000"/>
+        <a:alpha val="90000"/>
+      </a:schemeClr>
+      <a:schemeClr val="accent5">
+        <a:tint val="40000"/>
+        <a:alpha val="90000"/>
+      </a:schemeClr>
+      <a:schemeClr val="accent6">
+        <a:tint val="40000"/>
+        <a:alpha val="90000"/>
+      </a:schemeClr>
+    </dgm:linClrLst>
+    <dgm:effectClrLst/>
+    <dgm:txLinClrLst/>
+    <dgm:txFillClrLst meth="repeat">
+      <a:schemeClr val="dk1"/>
+    </dgm:txFillClrLst>
+    <dgm:txEffectClrLst/>
+  </dgm:styleLbl>
+  <dgm:styleLbl name="fgAcc0">
+    <dgm:fillClrLst meth="repeat">
+      <a:schemeClr val="lt1">
+        <a:alpha val="90000"/>
+      </a:schemeClr>
+    </dgm:fillClrLst>
+    <dgm:linClrLst>
+      <a:schemeClr val="accent1"/>
+    </dgm:linClrLst>
+    <dgm:effectClrLst/>
+    <dgm:txLinClrLst/>
+    <dgm:txFillClrLst meth="repeat">
+      <a:schemeClr val="dk1"/>
+    </dgm:txFillClrLst>
+    <dgm:txEffectClrLst/>
+  </dgm:styleLbl>
+  <dgm:styleLbl name="fgAcc2">
+    <dgm:fillClrLst meth="repeat">
+      <a:schemeClr val="lt1">
+        <a:alpha val="90000"/>
+      </a:schemeClr>
+    </dgm:fillClrLst>
+    <dgm:linClrLst>
+      <a:schemeClr val="accent2"/>
+    </dgm:linClrLst>
+    <dgm:effectClrLst/>
+    <dgm:txLinClrLst/>
+    <dgm:txFillClrLst meth="repeat">
+      <a:schemeClr val="dk1"/>
+    </dgm:txFillClrLst>
+    <dgm:txEffectClrLst/>
+  </dgm:styleLbl>
+  <dgm:styleLbl name="fgAcc3">
+    <dgm:fillClrLst meth="repeat">
+      <a:schemeClr val="lt1">
+        <a:alpha val="90000"/>
+      </a:schemeClr>
+    </dgm:fillClrLst>
+    <dgm:linClrLst>
+      <a:schemeClr val="accent3"/>
+    </dgm:linClrLst>
+    <dgm:effectClrLst/>
+    <dgm:txLinClrLst/>
+    <dgm:txFillClrLst meth="repeat">
+      <a:schemeClr val="dk1"/>
+    </dgm:txFillClrLst>
+    <dgm:txEffectClrLst/>
+  </dgm:styleLbl>
+  <dgm:styleLbl name="fgAcc4">
+    <dgm:fillClrLst meth="repeat">
+      <a:schemeClr val="lt1">
+        <a:alpha val="90000"/>
+      </a:schemeClr>
+    </dgm:fillClrLst>
+    <dgm:linClrLst>
+      <a:schemeClr val="accent4"/>
+    </dgm:linClrLst>
+    <dgm:effectClrLst/>
+    <dgm:txLinClrLst/>
+    <dgm:txFillClrLst meth="repeat">
+      <a:schemeClr val="dk1"/>
+    </dgm:txFillClrLst>
+    <dgm:txEffectClrLst/>
+  </dgm:styleLbl>
+  <dgm:styleLbl name="bgShp">
+    <dgm:fillClrLst meth="repeat">
+      <a:schemeClr val="bg1">
+        <a:lumMod val="95000"/>
+      </a:schemeClr>
+    </dgm:fillClrLst>
+    <dgm:linClrLst meth="repeat">
+      <a:schemeClr val="dk1"/>
+    </dgm:linClrLst>
+    <dgm:effectClrLst/>
+    <dgm:txLinClrLst/>
+    <dgm:txFillClrLst meth="repeat">
+      <a:schemeClr val="dk1"/>
+    </dgm:txFillClrLst>
+    <dgm:txEffectClrLst/>
+  </dgm:styleLbl>
+  <dgm:styleLbl name="dkBgShp">
+    <dgm:fillClrLst meth="repeat">
+      <a:schemeClr val="accent2">
+        <a:shade val="90000"/>
+      </a:schemeClr>
+    </dgm:fillClrLst>
+    <dgm:linClrLst meth="repeat">
+      <a:schemeClr val="dk1"/>
+    </dgm:linClrLst>
+    <dgm:effectClrLst/>
+    <dgm:txLinClrLst/>
+    <dgm:txFillClrLst meth="repeat">
+      <a:schemeClr val="lt1"/>
+    </dgm:txFillClrLst>
+    <dgm:txEffectClrLst/>
+  </dgm:styleLbl>
+  <dgm:styleLbl name="trBgShp">
+    <dgm:fillClrLst meth="repeat">
+      <a:schemeClr val="accent1">
+        <a:tint val="50000"/>
+        <a:alpha val="40000"/>
+      </a:schemeClr>
+    </dgm:fillClrLst>
+    <dgm:linClrLst meth="repeat">
+      <a:schemeClr val="accent2"/>
+    </dgm:linClrLst>
+    <dgm:effectClrLst/>
+    <dgm:txLinClrLst/>
+    <dgm:txFillClrLst meth="repeat">
+      <a:schemeClr val="lt1"/>
+    </dgm:txFillClrLst>
+    <dgm:txEffectClrLst/>
+  </dgm:styleLbl>
+  <dgm:styleLbl name="fgShp">
+    <dgm:fillClrLst meth="repeat">
+      <a:schemeClr val="accent2">
+        <a:tint val="40000"/>
+      </a:schemeClr>
+    </dgm:fillClrLst>
+    <dgm:linClrLst meth="repeat">
+      <a:schemeClr val="lt1"/>
+    </dgm:linClrLst>
+    <dgm:effectClrLst/>
+    <dgm:txLinClrLst/>
+    <dgm:txFillClrLst meth="repeat">
+      <a:schemeClr val="dk1"/>
+    </dgm:txFillClrLst>
+    <dgm:txEffectClrLst/>
+  </dgm:styleLbl>
+  <dgm:styleLbl name="revTx">
+    <dgm:fillClrLst meth="repeat">
+      <a:schemeClr val="lt1">
+        <a:alpha val="0"/>
+      </a:schemeClr>
+    </dgm:fillClrLst>
+    <dgm:linClrLst meth="repeat">
+      <a:schemeClr val="dk1">
+        <a:alpha val="0"/>
+      </a:schemeClr>
+    </dgm:linClrLst>
+    <dgm:effectClrLst/>
+    <dgm:txLinClrLst/>
+    <dgm:txFillClrLst meth="repeat">
+      <a:schemeClr val="tx1"/>
+    </dgm:txFillClrLst>
+    <dgm:txEffectClrLst/>
+  </dgm:styleLbl>
+</dgm:colorsDef>
+</file>
+
+<file path=ppt/diagrams/data1.xml><?xml version="1.0" encoding="utf-8"?>
+<dgm:dataModel xmlns:dgm="http://schemas.openxmlformats.org/drawingml/2006/diagram" xmlns:a="http://schemas.openxmlformats.org/drawingml/2006/main">
+  <dgm:ptLst>
+    <dgm:pt modelId="{623147CD-71BD-47D0-A031-DA91161409F5}" type="doc">
+      <dgm:prSet loTypeId="urn:microsoft.com/office/officeart/2018/2/layout/IconLabelDescriptionList" loCatId="icon" qsTypeId="urn:microsoft.com/office/officeart/2005/8/quickstyle/simple1" qsCatId="simple" csTypeId="urn:microsoft.com/office/officeart/2005/8/colors/accent1_2" csCatId="accent1" phldr="1"/>
+      <dgm:spPr/>
+      <dgm:t>
+        <a:bodyPr/>
+        <a:lstStyle/>
+        <a:p>
+          <a:endParaRPr lang="en-US"/>
+        </a:p>
+      </dgm:t>
+    </dgm:pt>
+    <dgm:pt modelId="{6C047EE4-F3F7-468E-93DC-9AE239EA4CE1}">
+      <dgm:prSet/>
+      <dgm:spPr/>
+      <dgm:t>
+        <a:bodyPr/>
+        <a:lstStyle/>
+        <a:p>
+          <a:pPr>
+            <a:lnSpc>
+              <a:spcPct val="100000"/>
+            </a:lnSpc>
+            <a:defRPr b="1"/>
+          </a:pPr>
+          <a:r>
+            <a:rPr lang="en-US" dirty="0"/>
+            <a:t>API didn’t have the information needed</a:t>
+          </a:r>
+        </a:p>
+      </dgm:t>
+    </dgm:pt>
+    <dgm:pt modelId="{B3433499-F3FF-46DD-9479-738AA2B3EF75}" type="parTrans" cxnId="{BBDEABDA-8699-44BA-8670-324AAD6D8762}">
+      <dgm:prSet/>
+      <dgm:spPr/>
+      <dgm:t>
+        <a:bodyPr/>
+        <a:lstStyle/>
+        <a:p>
+          <a:endParaRPr lang="en-US"/>
+        </a:p>
+      </dgm:t>
+    </dgm:pt>
+    <dgm:pt modelId="{AA937EB2-79E1-4E11-8BB5-BA6004200293}" type="sibTrans" cxnId="{BBDEABDA-8699-44BA-8670-324AAD6D8762}">
+      <dgm:prSet/>
+      <dgm:spPr/>
+      <dgm:t>
+        <a:bodyPr/>
+        <a:lstStyle/>
+        <a:p>
+          <a:endParaRPr lang="en-US"/>
+        </a:p>
+      </dgm:t>
+    </dgm:pt>
+    <dgm:pt modelId="{953E8840-58A3-49D5-93EA-541335B0C7F3}">
+      <dgm:prSet/>
+      <dgm:spPr/>
+      <dgm:t>
+        <a:bodyPr/>
+        <a:lstStyle/>
+        <a:p>
+          <a:pPr>
+            <a:lnSpc>
+              <a:spcPct val="100000"/>
+            </a:lnSpc>
+          </a:pPr>
+          <a:r>
+            <a:rPr lang="en-US"/>
+            <a:t>Inspected the front end, found a non-public API which had no credentialing, pinged that, received that data needed</a:t>
+          </a:r>
+        </a:p>
+      </dgm:t>
+    </dgm:pt>
+    <dgm:pt modelId="{339B4FDF-74DC-4D37-B3E8-3C12A1A1B31F}" type="parTrans" cxnId="{9E9E3B2E-721E-4AE1-8E7D-938AEA2D6A6F}">
+      <dgm:prSet/>
+      <dgm:spPr/>
+      <dgm:t>
+        <a:bodyPr/>
+        <a:lstStyle/>
+        <a:p>
+          <a:endParaRPr lang="en-US"/>
+        </a:p>
+      </dgm:t>
+    </dgm:pt>
+    <dgm:pt modelId="{D474EA6A-3779-4009-8018-95A69F2990FC}" type="sibTrans" cxnId="{9E9E3B2E-721E-4AE1-8E7D-938AEA2D6A6F}">
+      <dgm:prSet/>
+      <dgm:spPr/>
+      <dgm:t>
+        <a:bodyPr/>
+        <a:lstStyle/>
+        <a:p>
+          <a:endParaRPr lang="en-US"/>
+        </a:p>
+      </dgm:t>
+    </dgm:pt>
+    <dgm:pt modelId="{0779181A-0E56-454F-9D1A-B56283751111}">
+      <dgm:prSet/>
+      <dgm:spPr/>
+      <dgm:t>
+        <a:bodyPr/>
+        <a:lstStyle/>
+        <a:p>
+          <a:pPr>
+            <a:lnSpc>
+              <a:spcPct val="100000"/>
+            </a:lnSpc>
+            <a:defRPr b="1"/>
+          </a:pPr>
+          <a:r>
+            <a:rPr lang="en-US"/>
+            <a:t>Problem setting allowances and creating correct API keys</a:t>
+          </a:r>
+        </a:p>
+      </dgm:t>
+    </dgm:pt>
+    <dgm:pt modelId="{0ABFE9D0-AF2B-432E-BD13-0ED7407B810B}" type="parTrans" cxnId="{286ABEC1-0F9E-444F-9065-FD6EEC5EFB2C}">
+      <dgm:prSet/>
+      <dgm:spPr/>
+      <dgm:t>
+        <a:bodyPr/>
+        <a:lstStyle/>
+        <a:p>
+          <a:endParaRPr lang="en-US"/>
+        </a:p>
+      </dgm:t>
+    </dgm:pt>
+    <dgm:pt modelId="{2F9B4D77-1BED-4AA5-8770-5E832F127CBB}" type="sibTrans" cxnId="{286ABEC1-0F9E-444F-9065-FD6EEC5EFB2C}">
+      <dgm:prSet/>
+      <dgm:spPr/>
+      <dgm:t>
+        <a:bodyPr/>
+        <a:lstStyle/>
+        <a:p>
+          <a:endParaRPr lang="en-US"/>
+        </a:p>
+      </dgm:t>
+    </dgm:pt>
+    <dgm:pt modelId="{297B656B-388D-4D58-8630-DAA8C702FCD4}">
+      <dgm:prSet/>
+      <dgm:spPr/>
+      <dgm:t>
+        <a:bodyPr/>
+        <a:lstStyle/>
+        <a:p>
+          <a:pPr>
+            <a:lnSpc>
+              <a:spcPct val="100000"/>
+            </a:lnSpc>
+          </a:pPr>
+          <a:r>
+            <a:rPr lang="en-US"/>
+            <a:t>Joined Polymarket Discord channel and worked with other developers to trouble shoot.  Able to resolve</a:t>
+          </a:r>
+        </a:p>
+      </dgm:t>
+    </dgm:pt>
+    <dgm:pt modelId="{6B1A5C88-F75D-4A29-A3E6-A70701DFC061}" type="parTrans" cxnId="{C2575316-91B2-4177-8625-5454CBD7DC03}">
+      <dgm:prSet/>
+      <dgm:spPr/>
+      <dgm:t>
+        <a:bodyPr/>
+        <a:lstStyle/>
+        <a:p>
+          <a:endParaRPr lang="en-US"/>
+        </a:p>
+      </dgm:t>
+    </dgm:pt>
+    <dgm:pt modelId="{E7372D18-05E9-4DDF-B5E4-052EE7F96230}" type="sibTrans" cxnId="{C2575316-91B2-4177-8625-5454CBD7DC03}">
+      <dgm:prSet/>
+      <dgm:spPr/>
+      <dgm:t>
+        <a:bodyPr/>
+        <a:lstStyle/>
+        <a:p>
+          <a:endParaRPr lang="en-US"/>
+        </a:p>
+      </dgm:t>
+    </dgm:pt>
+    <dgm:pt modelId="{784B8AB3-F75D-410B-8169-767E6AC986AC}">
+      <dgm:prSet/>
+      <dgm:spPr/>
+      <dgm:t>
+        <a:bodyPr/>
+        <a:lstStyle/>
+        <a:p>
+          <a:pPr>
+            <a:lnSpc>
+              <a:spcPct val="100000"/>
+            </a:lnSpc>
+            <a:defRPr b="1"/>
+          </a:pPr>
+          <a:r>
+            <a:rPr lang="en-US"/>
+            <a:t>Throw out junk trades or trades where the user was taking profit or selling at loss in an existing position</a:t>
+          </a:r>
+        </a:p>
+      </dgm:t>
+    </dgm:pt>
+    <dgm:pt modelId="{DEBF819A-FC85-4FEA-BD11-2184E72ED480}" type="parTrans" cxnId="{DDC7E805-C76B-451D-9CE2-907A8DA2FC4E}">
+      <dgm:prSet/>
+      <dgm:spPr/>
+      <dgm:t>
+        <a:bodyPr/>
+        <a:lstStyle/>
+        <a:p>
+          <a:endParaRPr lang="en-US"/>
+        </a:p>
+      </dgm:t>
+    </dgm:pt>
+    <dgm:pt modelId="{FA133B55-DA24-4CCC-A777-7B36E3EFAF37}" type="sibTrans" cxnId="{DDC7E805-C76B-451D-9CE2-907A8DA2FC4E}">
+      <dgm:prSet/>
+      <dgm:spPr/>
+      <dgm:t>
+        <a:bodyPr/>
+        <a:lstStyle/>
+        <a:p>
+          <a:endParaRPr lang="en-US"/>
+        </a:p>
+      </dgm:t>
+    </dgm:pt>
+    <dgm:pt modelId="{9BA2D6A5-585C-473A-ABC8-34EA0C317B36}">
+      <dgm:prSet/>
+      <dgm:spPr/>
+      <dgm:t>
+        <a:bodyPr/>
+        <a:lstStyle/>
+        <a:p>
+          <a:pPr>
+            <a:lnSpc>
+              <a:spcPct val="100000"/>
+            </a:lnSpc>
+          </a:pPr>
+          <a:r>
+            <a:rPr lang="en-US" dirty="0"/>
+            <a:t>Created trade filter by USD size and existing position ROI</a:t>
+          </a:r>
+        </a:p>
+      </dgm:t>
+    </dgm:pt>
+    <dgm:pt modelId="{62352DEF-5EDD-4F4B-8D1A-57FCE9F1B0FC}" type="parTrans" cxnId="{14243952-213D-48E0-B4C1-BA07D24D5DA4}">
+      <dgm:prSet/>
+      <dgm:spPr/>
+      <dgm:t>
+        <a:bodyPr/>
+        <a:lstStyle/>
+        <a:p>
+          <a:endParaRPr lang="en-US"/>
+        </a:p>
+      </dgm:t>
+    </dgm:pt>
+    <dgm:pt modelId="{2E2B4D0B-184D-4E19-B45E-0F296D417D6B}" type="sibTrans" cxnId="{14243952-213D-48E0-B4C1-BA07D24D5DA4}">
+      <dgm:prSet/>
+      <dgm:spPr/>
+      <dgm:t>
+        <a:bodyPr/>
+        <a:lstStyle/>
+        <a:p>
+          <a:endParaRPr lang="en-US"/>
+        </a:p>
+      </dgm:t>
+    </dgm:pt>
+    <dgm:pt modelId="{FE1F7A79-6522-43A3-B7FF-40B45EA6099B}" type="pres">
+      <dgm:prSet presAssocID="{623147CD-71BD-47D0-A031-DA91161409F5}" presName="root" presStyleCnt="0">
+        <dgm:presLayoutVars>
+          <dgm:dir/>
+          <dgm:resizeHandles val="exact"/>
+        </dgm:presLayoutVars>
+      </dgm:prSet>
+      <dgm:spPr/>
+    </dgm:pt>
+    <dgm:pt modelId="{DF6953E0-CB88-4CFB-9492-A878F55A3902}" type="pres">
+      <dgm:prSet presAssocID="{6C047EE4-F3F7-468E-93DC-9AE239EA4CE1}" presName="compNode" presStyleCnt="0"/>
+      <dgm:spPr/>
+    </dgm:pt>
+    <dgm:pt modelId="{512DCCF4-7651-4FBB-8BC7-6989A4580B0F}" type="pres">
+      <dgm:prSet presAssocID="{6C047EE4-F3F7-468E-93DC-9AE239EA4CE1}" presName="iconRect" presStyleLbl="node1" presStyleIdx="0" presStyleCnt="3" custLinFactNeighborX="77984" custLinFactNeighborY="-23712"/>
+      <dgm:spPr>
+        <a:blipFill>
+          <a:blip xmlns:r="http://schemas.openxmlformats.org/officeDocument/2006/relationships" r:embed="rId1">
+            <a:extLst>
+              <a:ext uri="{28A0092B-C50C-407E-A947-70E740481C1C}">
+                <a14:useLocalDpi xmlns:a14="http://schemas.microsoft.com/office/drawing/2010/main" val="0"/>
+              </a:ext>
+              <a:ext uri="{96DAC541-7B7A-43D3-8B79-37D633B846F1}">
+                <asvg:svgBlip xmlns:asvg="http://schemas.microsoft.com/office/drawing/2016/SVG/main" r:embed="rId2"/>
+              </a:ext>
+            </a:extLst>
+          </a:blip>
+          <a:stretch>
+            <a:fillRect/>
+          </a:stretch>
+        </a:blipFill>
+      </dgm:spPr>
+      <dgm:extLst>
+        <a:ext uri="{E40237B7-FDA0-4F09-8148-C483321AD2D9}">
+          <dgm14:cNvPr xmlns:dgm14="http://schemas.microsoft.com/office/drawing/2010/diagram" id="0" name="" descr="Processor"/>
+        </a:ext>
+      </dgm:extLst>
+    </dgm:pt>
+    <dgm:pt modelId="{5880EA9A-F243-4981-B9EF-F009EE14D2CD}" type="pres">
+      <dgm:prSet presAssocID="{6C047EE4-F3F7-468E-93DC-9AE239EA4CE1}" presName="iconSpace" presStyleCnt="0"/>
+      <dgm:spPr/>
+    </dgm:pt>
+    <dgm:pt modelId="{9FF0D497-6AB9-44E6-831D-A63E2D6498DC}" type="pres">
+      <dgm:prSet presAssocID="{6C047EE4-F3F7-468E-93DC-9AE239EA4CE1}" presName="parTx" presStyleLbl="revTx" presStyleIdx="0" presStyleCnt="6" custLinFactNeighborY="-15675">
+        <dgm:presLayoutVars>
+          <dgm:chMax val="0"/>
+          <dgm:chPref val="0"/>
+        </dgm:presLayoutVars>
+      </dgm:prSet>
+      <dgm:spPr/>
+    </dgm:pt>
+    <dgm:pt modelId="{A0011207-3298-409C-B64B-E3D549BF0FA9}" type="pres">
+      <dgm:prSet presAssocID="{6C047EE4-F3F7-468E-93DC-9AE239EA4CE1}" presName="txSpace" presStyleCnt="0"/>
+      <dgm:spPr/>
+    </dgm:pt>
+    <dgm:pt modelId="{947DB180-195D-47CE-BF70-7382F58D8114}" type="pres">
+      <dgm:prSet presAssocID="{6C047EE4-F3F7-468E-93DC-9AE239EA4CE1}" presName="desTx" presStyleLbl="revTx" presStyleIdx="1" presStyleCnt="6">
+        <dgm:presLayoutVars/>
+      </dgm:prSet>
+      <dgm:spPr/>
+    </dgm:pt>
+    <dgm:pt modelId="{5EA98BDC-4BD6-47A3-93E0-2BAD86DCE183}" type="pres">
+      <dgm:prSet presAssocID="{AA937EB2-79E1-4E11-8BB5-BA6004200293}" presName="sibTrans" presStyleCnt="0"/>
+      <dgm:spPr/>
+    </dgm:pt>
+    <dgm:pt modelId="{BFC978D8-8517-4A1F-90BD-0313279EBAA7}" type="pres">
+      <dgm:prSet presAssocID="{0779181A-0E56-454F-9D1A-B56283751111}" presName="compNode" presStyleCnt="0"/>
+      <dgm:spPr/>
+    </dgm:pt>
+    <dgm:pt modelId="{323A1C16-3D5E-4881-91A2-881ACB64200A}" type="pres">
+      <dgm:prSet presAssocID="{0779181A-0E56-454F-9D1A-B56283751111}" presName="iconRect" presStyleLbl="node1" presStyleIdx="1" presStyleCnt="3" custLinFactNeighborX="77984" custLinFactNeighborY="-23712"/>
+      <dgm:spPr>
+        <a:blipFill>
+          <a:blip xmlns:r="http://schemas.openxmlformats.org/officeDocument/2006/relationships" r:embed="rId3">
+            <a:extLst>
+              <a:ext uri="{28A0092B-C50C-407E-A947-70E740481C1C}">
+                <a14:useLocalDpi xmlns:a14="http://schemas.microsoft.com/office/drawing/2010/main" val="0"/>
+              </a:ext>
+              <a:ext uri="{96DAC541-7B7A-43D3-8B79-37D633B846F1}">
+                <asvg:svgBlip xmlns:asvg="http://schemas.microsoft.com/office/drawing/2016/SVG/main" r:embed="rId4"/>
+              </a:ext>
+            </a:extLst>
+          </a:blip>
+          <a:stretch>
+            <a:fillRect/>
+          </a:stretch>
+        </a:blipFill>
+      </dgm:spPr>
+      <dgm:extLst>
+        <a:ext uri="{E40237B7-FDA0-4F09-8148-C483321AD2D9}">
+          <dgm14:cNvPr xmlns:dgm14="http://schemas.microsoft.com/office/drawing/2010/diagram" id="0" name="" descr="Lock"/>
+        </a:ext>
+      </dgm:extLst>
+    </dgm:pt>
+    <dgm:pt modelId="{A2D7163D-1BBE-48BB-9602-136A66209E84}" type="pres">
+      <dgm:prSet presAssocID="{0779181A-0E56-454F-9D1A-B56283751111}" presName="iconSpace" presStyleCnt="0"/>
+      <dgm:spPr/>
+    </dgm:pt>
+    <dgm:pt modelId="{04CBDE6C-0693-45DA-8452-B008943BC54A}" type="pres">
+      <dgm:prSet presAssocID="{0779181A-0E56-454F-9D1A-B56283751111}" presName="parTx" presStyleLbl="revTx" presStyleIdx="2" presStyleCnt="6" custLinFactNeighborY="-15675">
+        <dgm:presLayoutVars>
+          <dgm:chMax val="0"/>
+          <dgm:chPref val="0"/>
+        </dgm:presLayoutVars>
+      </dgm:prSet>
+      <dgm:spPr/>
+    </dgm:pt>
+    <dgm:pt modelId="{1F205C6C-A7A2-455A-895F-CDC68E89856D}" type="pres">
+      <dgm:prSet presAssocID="{0779181A-0E56-454F-9D1A-B56283751111}" presName="txSpace" presStyleCnt="0"/>
+      <dgm:spPr/>
+    </dgm:pt>
+    <dgm:pt modelId="{D43E8E90-315E-408A-815C-82605877D30B}" type="pres">
+      <dgm:prSet presAssocID="{0779181A-0E56-454F-9D1A-B56283751111}" presName="desTx" presStyleLbl="revTx" presStyleIdx="3" presStyleCnt="6">
+        <dgm:presLayoutVars/>
+      </dgm:prSet>
+      <dgm:spPr/>
+    </dgm:pt>
+    <dgm:pt modelId="{2BF8C037-4297-40C2-92E2-184E4463F04F}" type="pres">
+      <dgm:prSet presAssocID="{2F9B4D77-1BED-4AA5-8770-5E832F127CBB}" presName="sibTrans" presStyleCnt="0"/>
+      <dgm:spPr/>
+    </dgm:pt>
+    <dgm:pt modelId="{0D7A4647-1061-4243-9A6F-61BBADC0AF16}" type="pres">
+      <dgm:prSet presAssocID="{784B8AB3-F75D-410B-8169-767E6AC986AC}" presName="compNode" presStyleCnt="0"/>
+      <dgm:spPr/>
+    </dgm:pt>
+    <dgm:pt modelId="{1BFA7829-D961-4214-A2E2-325BEADDF571}" type="pres">
+      <dgm:prSet presAssocID="{784B8AB3-F75D-410B-8169-767E6AC986AC}" presName="iconRect" presStyleLbl="node1" presStyleIdx="2" presStyleCnt="3" custLinFactNeighborX="77984" custLinFactNeighborY="-23712"/>
+      <dgm:spPr>
+        <a:blipFill>
+          <a:blip xmlns:r="http://schemas.openxmlformats.org/officeDocument/2006/relationships" r:embed="rId5">
+            <a:extLst>
+              <a:ext uri="{28A0092B-C50C-407E-A947-70E740481C1C}">
+                <a14:useLocalDpi xmlns:a14="http://schemas.microsoft.com/office/drawing/2010/main" val="0"/>
+              </a:ext>
+              <a:ext uri="{96DAC541-7B7A-43D3-8B79-37D633B846F1}">
+                <asvg:svgBlip xmlns:asvg="http://schemas.microsoft.com/office/drawing/2016/SVG/main" r:embed="rId6"/>
+              </a:ext>
+            </a:extLst>
+          </a:blip>
+          <a:stretch>
+            <a:fillRect/>
+          </a:stretch>
+        </a:blipFill>
+      </dgm:spPr>
+      <dgm:extLst>
+        <a:ext uri="{E40237B7-FDA0-4F09-8148-C483321AD2D9}">
+          <dgm14:cNvPr xmlns:dgm14="http://schemas.microsoft.com/office/drawing/2010/diagram" id="0" name="" descr="Filter"/>
+        </a:ext>
+      </dgm:extLst>
+    </dgm:pt>
+    <dgm:pt modelId="{5A80626A-0463-4640-9AC3-5379CB73921C}" type="pres">
+      <dgm:prSet presAssocID="{784B8AB3-F75D-410B-8169-767E6AC986AC}" presName="iconSpace" presStyleCnt="0"/>
+      <dgm:spPr/>
+    </dgm:pt>
+    <dgm:pt modelId="{7BC6E2EF-CDF5-4C14-9CB4-02FFB94C3DDB}" type="pres">
+      <dgm:prSet presAssocID="{784B8AB3-F75D-410B-8169-767E6AC986AC}" presName="parTx" presStyleLbl="revTx" presStyleIdx="4" presStyleCnt="6" custLinFactNeighborY="-15675">
+        <dgm:presLayoutVars>
+          <dgm:chMax val="0"/>
+          <dgm:chPref val="0"/>
+        </dgm:presLayoutVars>
+      </dgm:prSet>
+      <dgm:spPr/>
+    </dgm:pt>
+    <dgm:pt modelId="{8F79BB09-0122-48C7-8C97-A66A87F423F7}" type="pres">
+      <dgm:prSet presAssocID="{784B8AB3-F75D-410B-8169-767E6AC986AC}" presName="txSpace" presStyleCnt="0"/>
+      <dgm:spPr/>
+    </dgm:pt>
+    <dgm:pt modelId="{22571575-CB91-4A01-B073-1DC05DA176AA}" type="pres">
+      <dgm:prSet presAssocID="{784B8AB3-F75D-410B-8169-767E6AC986AC}" presName="desTx" presStyleLbl="revTx" presStyleIdx="5" presStyleCnt="6">
+        <dgm:presLayoutVars/>
+      </dgm:prSet>
+      <dgm:spPr/>
+    </dgm:pt>
+  </dgm:ptLst>
+  <dgm:cxnLst>
+    <dgm:cxn modelId="{DDC7E805-C76B-451D-9CE2-907A8DA2FC4E}" srcId="{623147CD-71BD-47D0-A031-DA91161409F5}" destId="{784B8AB3-F75D-410B-8169-767E6AC986AC}" srcOrd="2" destOrd="0" parTransId="{DEBF819A-FC85-4FEA-BD11-2184E72ED480}" sibTransId="{FA133B55-DA24-4CCC-A777-7B36E3EFAF37}"/>
+    <dgm:cxn modelId="{C2575316-91B2-4177-8625-5454CBD7DC03}" srcId="{0779181A-0E56-454F-9D1A-B56283751111}" destId="{297B656B-388D-4D58-8630-DAA8C702FCD4}" srcOrd="0" destOrd="0" parTransId="{6B1A5C88-F75D-4A29-A3E6-A70701DFC061}" sibTransId="{E7372D18-05E9-4DDF-B5E4-052EE7F96230}"/>
+    <dgm:cxn modelId="{9E9E3B2E-721E-4AE1-8E7D-938AEA2D6A6F}" srcId="{6C047EE4-F3F7-468E-93DC-9AE239EA4CE1}" destId="{953E8840-58A3-49D5-93EA-541335B0C7F3}" srcOrd="0" destOrd="0" parTransId="{339B4FDF-74DC-4D37-B3E8-3C12A1A1B31F}" sibTransId="{D474EA6A-3779-4009-8018-95A69F2990FC}"/>
+    <dgm:cxn modelId="{E6E6BA35-3E9F-4AEE-9D22-410896C4CA2E}" type="presOf" srcId="{6C047EE4-F3F7-468E-93DC-9AE239EA4CE1}" destId="{9FF0D497-6AB9-44E6-831D-A63E2D6498DC}" srcOrd="0" destOrd="0" presId="urn:microsoft.com/office/officeart/2018/2/layout/IconLabelDescriptionList"/>
+    <dgm:cxn modelId="{47DCB637-BBA6-4B38-8676-57B222A0B13F}" type="presOf" srcId="{0779181A-0E56-454F-9D1A-B56283751111}" destId="{04CBDE6C-0693-45DA-8452-B008943BC54A}" srcOrd="0" destOrd="0" presId="urn:microsoft.com/office/officeart/2018/2/layout/IconLabelDescriptionList"/>
+    <dgm:cxn modelId="{05969342-9BFA-4FB5-A9CC-B184EF8D265E}" type="presOf" srcId="{953E8840-58A3-49D5-93EA-541335B0C7F3}" destId="{947DB180-195D-47CE-BF70-7382F58D8114}" srcOrd="0" destOrd="0" presId="urn:microsoft.com/office/officeart/2018/2/layout/IconLabelDescriptionList"/>
+    <dgm:cxn modelId="{14243952-213D-48E0-B4C1-BA07D24D5DA4}" srcId="{784B8AB3-F75D-410B-8169-767E6AC986AC}" destId="{9BA2D6A5-585C-473A-ABC8-34EA0C317B36}" srcOrd="0" destOrd="0" parTransId="{62352DEF-5EDD-4F4B-8D1A-57FCE9F1B0FC}" sibTransId="{2E2B4D0B-184D-4E19-B45E-0F296D417D6B}"/>
+    <dgm:cxn modelId="{FD94E871-ECA6-48DA-B554-609CCAEFDDCD}" type="presOf" srcId="{297B656B-388D-4D58-8630-DAA8C702FCD4}" destId="{D43E8E90-315E-408A-815C-82605877D30B}" srcOrd="0" destOrd="0" presId="urn:microsoft.com/office/officeart/2018/2/layout/IconLabelDescriptionList"/>
+    <dgm:cxn modelId="{7283257B-93FA-4A8D-A3DE-3374FC1FC2E2}" type="presOf" srcId="{784B8AB3-F75D-410B-8169-767E6AC986AC}" destId="{7BC6E2EF-CDF5-4C14-9CB4-02FFB94C3DDB}" srcOrd="0" destOrd="0" presId="urn:microsoft.com/office/officeart/2018/2/layout/IconLabelDescriptionList"/>
+    <dgm:cxn modelId="{1D063F8B-F768-432D-AE68-56840AA463F8}" type="presOf" srcId="{9BA2D6A5-585C-473A-ABC8-34EA0C317B36}" destId="{22571575-CB91-4A01-B073-1DC05DA176AA}" srcOrd="0" destOrd="0" presId="urn:microsoft.com/office/officeart/2018/2/layout/IconLabelDescriptionList"/>
+    <dgm:cxn modelId="{286ABEC1-0F9E-444F-9065-FD6EEC5EFB2C}" srcId="{623147CD-71BD-47D0-A031-DA91161409F5}" destId="{0779181A-0E56-454F-9D1A-B56283751111}" srcOrd="1" destOrd="0" parTransId="{0ABFE9D0-AF2B-432E-BD13-0ED7407B810B}" sibTransId="{2F9B4D77-1BED-4AA5-8770-5E832F127CBB}"/>
+    <dgm:cxn modelId="{BBDEABDA-8699-44BA-8670-324AAD6D8762}" srcId="{623147CD-71BD-47D0-A031-DA91161409F5}" destId="{6C047EE4-F3F7-468E-93DC-9AE239EA4CE1}" srcOrd="0" destOrd="0" parTransId="{B3433499-F3FF-46DD-9479-738AA2B3EF75}" sibTransId="{AA937EB2-79E1-4E11-8BB5-BA6004200293}"/>
+    <dgm:cxn modelId="{76D7E4E4-E533-4303-BF09-AAD61102BA3D}" type="presOf" srcId="{623147CD-71BD-47D0-A031-DA91161409F5}" destId="{FE1F7A79-6522-43A3-B7FF-40B45EA6099B}" srcOrd="0" destOrd="0" presId="urn:microsoft.com/office/officeart/2018/2/layout/IconLabelDescriptionList"/>
+    <dgm:cxn modelId="{968C67A9-6615-4BE7-8DCF-132411F3BA3A}" type="presParOf" srcId="{FE1F7A79-6522-43A3-B7FF-40B45EA6099B}" destId="{DF6953E0-CB88-4CFB-9492-A878F55A3902}" srcOrd="0" destOrd="0" presId="urn:microsoft.com/office/officeart/2018/2/layout/IconLabelDescriptionList"/>
+    <dgm:cxn modelId="{C99B8811-E862-418C-B36D-3EC1053D2DFC}" type="presParOf" srcId="{DF6953E0-CB88-4CFB-9492-A878F55A3902}" destId="{512DCCF4-7651-4FBB-8BC7-6989A4580B0F}" srcOrd="0" destOrd="0" presId="urn:microsoft.com/office/officeart/2018/2/layout/IconLabelDescriptionList"/>
+    <dgm:cxn modelId="{FA7F6CCF-FDBD-4F20-8881-38480CEA5B47}" type="presParOf" srcId="{DF6953E0-CB88-4CFB-9492-A878F55A3902}" destId="{5880EA9A-F243-4981-B9EF-F009EE14D2CD}" srcOrd="1" destOrd="0" presId="urn:microsoft.com/office/officeart/2018/2/layout/IconLabelDescriptionList"/>
+    <dgm:cxn modelId="{43572CAA-D31B-4D62-8201-1F3C381D6F59}" type="presParOf" srcId="{DF6953E0-CB88-4CFB-9492-A878F55A3902}" destId="{9FF0D497-6AB9-44E6-831D-A63E2D6498DC}" srcOrd="2" destOrd="0" presId="urn:microsoft.com/office/officeart/2018/2/layout/IconLabelDescriptionList"/>
+    <dgm:cxn modelId="{FABB6825-13E0-482A-A037-B2F24F09B110}" type="presParOf" srcId="{DF6953E0-CB88-4CFB-9492-A878F55A3902}" destId="{A0011207-3298-409C-B64B-E3D549BF0FA9}" srcOrd="3" destOrd="0" presId="urn:microsoft.com/office/officeart/2018/2/layout/IconLabelDescriptionList"/>
+    <dgm:cxn modelId="{68BD910A-BD8A-4DFC-9B3E-1FBE485FBC9C}" type="presParOf" srcId="{DF6953E0-CB88-4CFB-9492-A878F55A3902}" destId="{947DB180-195D-47CE-BF70-7382F58D8114}" srcOrd="4" destOrd="0" presId="urn:microsoft.com/office/officeart/2018/2/layout/IconLabelDescriptionList"/>
+    <dgm:cxn modelId="{A804DDF8-D74D-48A6-ABAB-279D146BE262}" type="presParOf" srcId="{FE1F7A79-6522-43A3-B7FF-40B45EA6099B}" destId="{5EA98BDC-4BD6-47A3-93E0-2BAD86DCE183}" srcOrd="1" destOrd="0" presId="urn:microsoft.com/office/officeart/2018/2/layout/IconLabelDescriptionList"/>
+    <dgm:cxn modelId="{5F4DBE24-419A-48DE-9F39-8DBE50F35211}" type="presParOf" srcId="{FE1F7A79-6522-43A3-B7FF-40B45EA6099B}" destId="{BFC978D8-8517-4A1F-90BD-0313279EBAA7}" srcOrd="2" destOrd="0" presId="urn:microsoft.com/office/officeart/2018/2/layout/IconLabelDescriptionList"/>
+    <dgm:cxn modelId="{C9BCF41F-A795-4602-AF89-ABCFF75BFDCC}" type="presParOf" srcId="{BFC978D8-8517-4A1F-90BD-0313279EBAA7}" destId="{323A1C16-3D5E-4881-91A2-881ACB64200A}" srcOrd="0" destOrd="0" presId="urn:microsoft.com/office/officeart/2018/2/layout/IconLabelDescriptionList"/>
+    <dgm:cxn modelId="{8DE8E3F8-34AD-4B1E-85BC-D99B3E904269}" type="presParOf" srcId="{BFC978D8-8517-4A1F-90BD-0313279EBAA7}" destId="{A2D7163D-1BBE-48BB-9602-136A66209E84}" srcOrd="1" destOrd="0" presId="urn:microsoft.com/office/officeart/2018/2/layout/IconLabelDescriptionList"/>
+    <dgm:cxn modelId="{B56E0108-6AE1-4330-A52F-4D7D85C5F6C5}" type="presParOf" srcId="{BFC978D8-8517-4A1F-90BD-0313279EBAA7}" destId="{04CBDE6C-0693-45DA-8452-B008943BC54A}" srcOrd="2" destOrd="0" presId="urn:microsoft.com/office/officeart/2018/2/layout/IconLabelDescriptionList"/>
+    <dgm:cxn modelId="{CE606674-B877-416D-87A3-F5FB8268EE8E}" type="presParOf" srcId="{BFC978D8-8517-4A1F-90BD-0313279EBAA7}" destId="{1F205C6C-A7A2-455A-895F-CDC68E89856D}" srcOrd="3" destOrd="0" presId="urn:microsoft.com/office/officeart/2018/2/layout/IconLabelDescriptionList"/>
+    <dgm:cxn modelId="{5A89A288-9F9C-49D5-A632-3C3D028FE480}" type="presParOf" srcId="{BFC978D8-8517-4A1F-90BD-0313279EBAA7}" destId="{D43E8E90-315E-408A-815C-82605877D30B}" srcOrd="4" destOrd="0" presId="urn:microsoft.com/office/officeart/2018/2/layout/IconLabelDescriptionList"/>
+    <dgm:cxn modelId="{1F4FA810-4C15-4302-87A8-76DCBCB53E9C}" type="presParOf" srcId="{FE1F7A79-6522-43A3-B7FF-40B45EA6099B}" destId="{2BF8C037-4297-40C2-92E2-184E4463F04F}" srcOrd="3" destOrd="0" presId="urn:microsoft.com/office/officeart/2018/2/layout/IconLabelDescriptionList"/>
+    <dgm:cxn modelId="{8646437A-0FC3-4965-AF9C-4D8510ED1091}" type="presParOf" srcId="{FE1F7A79-6522-43A3-B7FF-40B45EA6099B}" destId="{0D7A4647-1061-4243-9A6F-61BBADC0AF16}" srcOrd="4" destOrd="0" presId="urn:microsoft.com/office/officeart/2018/2/layout/IconLabelDescriptionList"/>
+    <dgm:cxn modelId="{C17743A1-2FFB-49C1-A8B3-81C03603332A}" type="presParOf" srcId="{0D7A4647-1061-4243-9A6F-61BBADC0AF16}" destId="{1BFA7829-D961-4214-A2E2-325BEADDF571}" srcOrd="0" destOrd="0" presId="urn:microsoft.com/office/officeart/2018/2/layout/IconLabelDescriptionList"/>
+    <dgm:cxn modelId="{7A08B38C-A5BE-4F58-BB2F-CE0C00FBC9F1}" type="presParOf" srcId="{0D7A4647-1061-4243-9A6F-61BBADC0AF16}" destId="{5A80626A-0463-4640-9AC3-5379CB73921C}" srcOrd="1" destOrd="0" presId="urn:microsoft.com/office/officeart/2018/2/layout/IconLabelDescriptionList"/>
+    <dgm:cxn modelId="{011C9377-4E60-4D5D-8A57-422705F7DB30}" type="presParOf" srcId="{0D7A4647-1061-4243-9A6F-61BBADC0AF16}" destId="{7BC6E2EF-CDF5-4C14-9CB4-02FFB94C3DDB}" srcOrd="2" destOrd="0" presId="urn:microsoft.com/office/officeart/2018/2/layout/IconLabelDescriptionList"/>
+    <dgm:cxn modelId="{53D4589B-93E9-4D08-9096-BC42572A8684}" type="presParOf" srcId="{0D7A4647-1061-4243-9A6F-61BBADC0AF16}" destId="{8F79BB09-0122-48C7-8C97-A66A87F423F7}" srcOrd="3" destOrd="0" presId="urn:microsoft.com/office/officeart/2018/2/layout/IconLabelDescriptionList"/>
+    <dgm:cxn modelId="{5502F750-674D-4239-8F7A-357611792FBA}" type="presParOf" srcId="{0D7A4647-1061-4243-9A6F-61BBADC0AF16}" destId="{22571575-CB91-4A01-B073-1DC05DA176AA}" srcOrd="4" destOrd="0" presId="urn:microsoft.com/office/officeart/2018/2/layout/IconLabelDescriptionList"/>
+  </dgm:cxnLst>
+  <dgm:bg/>
+  <dgm:whole/>
+  <dgm:extLst>
+    <a:ext uri="http://schemas.microsoft.com/office/drawing/2008/diagram">
+      <dsp:dataModelExt xmlns:dsp="http://schemas.microsoft.com/office/drawing/2008/diagram" relId="rId7" minVer="http://schemas.openxmlformats.org/drawingml/2006/diagram"/>
+    </a:ext>
+  </dgm:extLst>
+</dgm:dataModel>
+</file>
+
+<file path=ppt/diagrams/data2.xml><?xml version="1.0" encoding="utf-8"?>
+<dgm:dataModel xmlns:dgm="http://schemas.openxmlformats.org/drawingml/2006/diagram" xmlns:a="http://schemas.openxmlformats.org/drawingml/2006/main">
+  <dgm:ptLst>
+    <dgm:pt modelId="{9A5BF8B2-064A-4EE6-89BA-63C04AB0FA85}" type="doc">
+      <dgm:prSet loTypeId="urn:microsoft.com/office/officeart/2018/2/layout/IconLabelDescriptionList" loCatId="icon" qsTypeId="urn:microsoft.com/office/officeart/2005/8/quickstyle/simple1" qsCatId="simple" csTypeId="urn:microsoft.com/office/officeart/2018/5/colors/Iconchunking_neutralbg_colorful1" csCatId="colorful" phldr="1"/>
+      <dgm:spPr/>
+      <dgm:t>
+        <a:bodyPr/>
+        <a:lstStyle/>
+        <a:p>
+          <a:endParaRPr lang="en-US"/>
+        </a:p>
+      </dgm:t>
+    </dgm:pt>
+    <dgm:pt modelId="{8AB253B4-9446-428F-817F-208B89F4D315}">
+      <dgm:prSet/>
+      <dgm:spPr/>
+      <dgm:t>
+        <a:bodyPr/>
+        <a:lstStyle/>
+        <a:p>
+          <a:pPr>
+            <a:lnSpc>
+              <a:spcPct val="100000"/>
+            </a:lnSpc>
+            <a:defRPr b="1"/>
+          </a:pPr>
+          <a:r>
+            <a:rPr lang="en-US"/>
+            <a:t>Potential Next Steps</a:t>
+          </a:r>
+        </a:p>
+      </dgm:t>
+    </dgm:pt>
+    <dgm:pt modelId="{2A433B35-DFE8-489D-9A8C-6B6C18ED5CEB}" type="parTrans" cxnId="{AB4688A6-DDA0-4B05-A9BF-20AF1850055C}">
+      <dgm:prSet/>
+      <dgm:spPr/>
+      <dgm:t>
+        <a:bodyPr/>
+        <a:lstStyle/>
+        <a:p>
+          <a:endParaRPr lang="en-US"/>
+        </a:p>
+      </dgm:t>
+    </dgm:pt>
+    <dgm:pt modelId="{CC0D5586-61C1-40D6-B61B-2413B0C3CAE3}" type="sibTrans" cxnId="{AB4688A6-DDA0-4B05-A9BF-20AF1850055C}">
+      <dgm:prSet/>
+      <dgm:spPr/>
+      <dgm:t>
+        <a:bodyPr/>
+        <a:lstStyle/>
+        <a:p>
+          <a:endParaRPr lang="en-US"/>
+        </a:p>
+      </dgm:t>
+    </dgm:pt>
+    <dgm:pt modelId="{316A2634-1D72-40E2-839C-A5CD729655F5}">
+      <dgm:prSet/>
+      <dgm:spPr/>
+      <dgm:t>
+        <a:bodyPr/>
+        <a:lstStyle/>
+        <a:p>
+          <a:pPr>
+            <a:lnSpc>
+              <a:spcPct val="100000"/>
+            </a:lnSpc>
+          </a:pPr>
+          <a:r>
+            <a:rPr lang="en-US" dirty="0"/>
+            <a:t>Building in more robust risk management framework</a:t>
+          </a:r>
+        </a:p>
+      </dgm:t>
+    </dgm:pt>
+    <dgm:pt modelId="{63D30FB0-C375-46F3-B217-745A998597E2}" type="parTrans" cxnId="{8EEC4248-5353-4F96-9856-E31FB24AAD89}">
+      <dgm:prSet/>
+      <dgm:spPr/>
+      <dgm:t>
+        <a:bodyPr/>
+        <a:lstStyle/>
+        <a:p>
+          <a:endParaRPr lang="en-US"/>
+        </a:p>
+      </dgm:t>
+    </dgm:pt>
+    <dgm:pt modelId="{BEDD2E30-5856-44B3-BA88-2C7F5A97F683}" type="sibTrans" cxnId="{8EEC4248-5353-4F96-9856-E31FB24AAD89}">
+      <dgm:prSet/>
+      <dgm:spPr/>
+      <dgm:t>
+        <a:bodyPr/>
+        <a:lstStyle/>
+        <a:p>
+          <a:endParaRPr lang="en-US"/>
+        </a:p>
+      </dgm:t>
+    </dgm:pt>
+    <dgm:pt modelId="{2811B7E2-7D03-41DC-914B-68FE64A29706}">
+      <dgm:prSet/>
+      <dgm:spPr/>
+      <dgm:t>
+        <a:bodyPr/>
+        <a:lstStyle/>
+        <a:p>
+          <a:pPr>
+            <a:lnSpc>
+              <a:spcPct val="100000"/>
+            </a:lnSpc>
+            <a:defRPr b="1"/>
+          </a:pPr>
+          <a:r>
+            <a:rPr lang="en-US"/>
+            <a:t>Additional questions to explore</a:t>
+          </a:r>
+        </a:p>
+      </dgm:t>
+    </dgm:pt>
+    <dgm:pt modelId="{A6E78CDF-A24D-49E6-B878-AFEE0687AF4F}" type="parTrans" cxnId="{912239C6-1EED-4A49-839C-83671369E6A7}">
+      <dgm:prSet/>
+      <dgm:spPr/>
+      <dgm:t>
+        <a:bodyPr/>
+        <a:lstStyle/>
+        <a:p>
+          <a:endParaRPr lang="en-US"/>
+        </a:p>
+      </dgm:t>
+    </dgm:pt>
+    <dgm:pt modelId="{EA0813C8-E6AD-4E75-A3B2-568754C6BC0F}" type="sibTrans" cxnId="{912239C6-1EED-4A49-839C-83671369E6A7}">
+      <dgm:prSet/>
+      <dgm:spPr/>
+      <dgm:t>
+        <a:bodyPr/>
+        <a:lstStyle/>
+        <a:p>
+          <a:endParaRPr lang="en-US"/>
+        </a:p>
+      </dgm:t>
+    </dgm:pt>
+    <dgm:pt modelId="{7A14AF9F-1DBA-3D48-AF52-16970CF25433}">
+      <dgm:prSet/>
+      <dgm:spPr/>
+      <dgm:t>
+        <a:bodyPr/>
+        <a:lstStyle/>
+        <a:p>
+          <a:pPr>
+            <a:lnSpc>
+              <a:spcPct val="100000"/>
+            </a:lnSpc>
+          </a:pPr>
+          <a:r>
+            <a:rPr lang="en-US" dirty="0"/>
+            <a:t>Building the monitor not in an internal API, but on public blockchain data.  The company could shut off access to internal API which would disconnect the wallet monitor.  Following the transaction on the the chain would provide a completely decentralized avenue for running the bot.</a:t>
+          </a:r>
+        </a:p>
+      </dgm:t>
+    </dgm:pt>
+    <dgm:pt modelId="{DA7927CA-D66F-B44B-B775-B88F4D279D77}" type="parTrans" cxnId="{F2077107-7086-5240-A197-5A17732DFE9D}">
+      <dgm:prSet/>
+      <dgm:spPr/>
+      <dgm:t>
+        <a:bodyPr/>
+        <a:lstStyle/>
+        <a:p>
+          <a:endParaRPr lang="en-US"/>
+        </a:p>
+      </dgm:t>
+    </dgm:pt>
+    <dgm:pt modelId="{00624497-DB91-434F-8041-3702B7B1264E}" type="sibTrans" cxnId="{F2077107-7086-5240-A197-5A17732DFE9D}">
+      <dgm:prSet/>
+      <dgm:spPr/>
+      <dgm:t>
+        <a:bodyPr/>
+        <a:lstStyle/>
+        <a:p>
+          <a:endParaRPr lang="en-US"/>
+        </a:p>
+      </dgm:t>
+    </dgm:pt>
+    <dgm:pt modelId="{9B0BC1B8-2CCA-4CE3-BDC8-9A43DB464977}" type="pres">
+      <dgm:prSet presAssocID="{9A5BF8B2-064A-4EE6-89BA-63C04AB0FA85}" presName="root" presStyleCnt="0">
+        <dgm:presLayoutVars>
+          <dgm:dir/>
+          <dgm:resizeHandles val="exact"/>
+        </dgm:presLayoutVars>
+      </dgm:prSet>
+      <dgm:spPr/>
+    </dgm:pt>
+    <dgm:pt modelId="{2CF66A94-66F6-4E7D-991E-AA9E9C9D9920}" type="pres">
+      <dgm:prSet presAssocID="{8AB253B4-9446-428F-817F-208B89F4D315}" presName="compNode" presStyleCnt="0"/>
+      <dgm:spPr/>
+    </dgm:pt>
+    <dgm:pt modelId="{D526C9ED-991B-4155-8D98-E877EEDCE147}" type="pres">
+      <dgm:prSet presAssocID="{8AB253B4-9446-428F-817F-208B89F4D315}" presName="iconRect" presStyleLbl="node1" presStyleIdx="0" presStyleCnt="2"/>
+      <dgm:spPr>
+        <a:blipFill>
+          <a:blip xmlns:r="http://schemas.openxmlformats.org/officeDocument/2006/relationships" r:embed="rId1">
+            <a:extLst>
+              <a:ext uri="{28A0092B-C50C-407E-A947-70E740481C1C}">
+                <a14:useLocalDpi xmlns:a14="http://schemas.microsoft.com/office/drawing/2010/main" val="0"/>
+              </a:ext>
+              <a:ext uri="{96DAC541-7B7A-43D3-8B79-37D633B846F1}">
+                <asvg:svgBlip xmlns:asvg="http://schemas.microsoft.com/office/drawing/2016/SVG/main" r:embed="rId2"/>
+              </a:ext>
+            </a:extLst>
+          </a:blip>
+          <a:stretch>
+            <a:fillRect/>
+          </a:stretch>
+        </a:blipFill>
+        <a:ln>
+          <a:noFill/>
+        </a:ln>
+      </dgm:spPr>
+      <dgm:extLst>
+        <a:ext uri="{E40237B7-FDA0-4F09-8148-C483321AD2D9}">
+          <dgm14:cNvPr xmlns:dgm14="http://schemas.microsoft.com/office/drawing/2010/diagram" id="0" name="" descr="Checkmark"/>
+        </a:ext>
+      </dgm:extLst>
+    </dgm:pt>
+    <dgm:pt modelId="{667D2FCA-57C5-493F-8688-D65688BF2BD5}" type="pres">
+      <dgm:prSet presAssocID="{8AB253B4-9446-428F-817F-208B89F4D315}" presName="iconSpace" presStyleCnt="0"/>
+      <dgm:spPr/>
+    </dgm:pt>
+    <dgm:pt modelId="{C07BC7FF-8518-464B-9BE4-F452925CD79B}" type="pres">
+      <dgm:prSet presAssocID="{8AB253B4-9446-428F-817F-208B89F4D315}" presName="parTx" presStyleLbl="revTx" presStyleIdx="0" presStyleCnt="4">
+        <dgm:presLayoutVars>
+          <dgm:chMax val="0"/>
+          <dgm:chPref val="0"/>
+        </dgm:presLayoutVars>
+      </dgm:prSet>
+      <dgm:spPr/>
+    </dgm:pt>
+    <dgm:pt modelId="{2594CA40-E34B-445F-B4AB-1E55011A5925}" type="pres">
+      <dgm:prSet presAssocID="{8AB253B4-9446-428F-817F-208B89F4D315}" presName="txSpace" presStyleCnt="0"/>
+      <dgm:spPr/>
+    </dgm:pt>
+    <dgm:pt modelId="{7DEA6878-2069-4041-B0AF-25A6FA0CFA1B}" type="pres">
+      <dgm:prSet presAssocID="{8AB253B4-9446-428F-817F-208B89F4D315}" presName="desTx" presStyleLbl="revTx" presStyleIdx="1" presStyleCnt="4">
+        <dgm:presLayoutVars/>
+      </dgm:prSet>
+      <dgm:spPr/>
+    </dgm:pt>
+    <dgm:pt modelId="{4E47ED1A-4542-4DFA-82B2-A3BFB4067D9E}" type="pres">
+      <dgm:prSet presAssocID="{CC0D5586-61C1-40D6-B61B-2413B0C3CAE3}" presName="sibTrans" presStyleCnt="0"/>
+      <dgm:spPr/>
+    </dgm:pt>
+    <dgm:pt modelId="{5F239024-022C-4486-A585-5CFD64000D8A}" type="pres">
+      <dgm:prSet presAssocID="{2811B7E2-7D03-41DC-914B-68FE64A29706}" presName="compNode" presStyleCnt="0"/>
+      <dgm:spPr/>
+    </dgm:pt>
+    <dgm:pt modelId="{3CF30A9D-D64E-42A0-A704-FC93C6A60430}" type="pres">
+      <dgm:prSet presAssocID="{2811B7E2-7D03-41DC-914B-68FE64A29706}" presName="iconRect" presStyleLbl="node1" presStyleIdx="1" presStyleCnt="2"/>
+      <dgm:spPr>
+        <a:blipFill>
+          <a:blip xmlns:r="http://schemas.openxmlformats.org/officeDocument/2006/relationships" r:embed="rId3">
+            <a:extLst>
+              <a:ext uri="{28A0092B-C50C-407E-A947-70E740481C1C}">
+                <a14:useLocalDpi xmlns:a14="http://schemas.microsoft.com/office/drawing/2010/main" val="0"/>
+              </a:ext>
+              <a:ext uri="{96DAC541-7B7A-43D3-8B79-37D633B846F1}">
+                <asvg:svgBlip xmlns:asvg="http://schemas.microsoft.com/office/drawing/2016/SVG/main" r:embed="rId4"/>
+              </a:ext>
+            </a:extLst>
+          </a:blip>
+          <a:stretch>
+            <a:fillRect/>
+          </a:stretch>
+        </a:blipFill>
+        <a:ln>
+          <a:noFill/>
+        </a:ln>
+      </dgm:spPr>
+      <dgm:extLst>
+        <a:ext uri="{E40237B7-FDA0-4F09-8148-C483321AD2D9}">
+          <dgm14:cNvPr xmlns:dgm14="http://schemas.microsoft.com/office/drawing/2010/diagram" id="0" name="" descr="Unlock"/>
+        </a:ext>
+      </dgm:extLst>
+    </dgm:pt>
+    <dgm:pt modelId="{353FB8A6-77F0-438F-8AE9-DC1126625B09}" type="pres">
+      <dgm:prSet presAssocID="{2811B7E2-7D03-41DC-914B-68FE64A29706}" presName="iconSpace" presStyleCnt="0"/>
+      <dgm:spPr/>
+    </dgm:pt>
+    <dgm:pt modelId="{9501A943-06B2-4918-961C-138927FA9D0D}" type="pres">
+      <dgm:prSet presAssocID="{2811B7E2-7D03-41DC-914B-68FE64A29706}" presName="parTx" presStyleLbl="revTx" presStyleIdx="2" presStyleCnt="4">
+        <dgm:presLayoutVars>
+          <dgm:chMax val="0"/>
+          <dgm:chPref val="0"/>
+        </dgm:presLayoutVars>
+      </dgm:prSet>
+      <dgm:spPr/>
+    </dgm:pt>
+    <dgm:pt modelId="{2E6A882F-980D-4D68-9AF1-9D3E6DA5FC5B}" type="pres">
+      <dgm:prSet presAssocID="{2811B7E2-7D03-41DC-914B-68FE64A29706}" presName="txSpace" presStyleCnt="0"/>
+      <dgm:spPr/>
+    </dgm:pt>
+    <dgm:pt modelId="{195DE866-15E3-4BF0-ACA6-9B4275CE783A}" type="pres">
+      <dgm:prSet presAssocID="{2811B7E2-7D03-41DC-914B-68FE64A29706}" presName="desTx" presStyleLbl="revTx" presStyleIdx="3" presStyleCnt="4">
+        <dgm:presLayoutVars/>
+      </dgm:prSet>
+      <dgm:spPr/>
+    </dgm:pt>
+  </dgm:ptLst>
+  <dgm:cxnLst>
+    <dgm:cxn modelId="{B6635D06-8309-1A49-9A9F-029332A4DF12}" type="presOf" srcId="{8AB253B4-9446-428F-817F-208B89F4D315}" destId="{C07BC7FF-8518-464B-9BE4-F452925CD79B}" srcOrd="0" destOrd="0" presId="urn:microsoft.com/office/officeart/2018/2/layout/IconLabelDescriptionList"/>
+    <dgm:cxn modelId="{F2077107-7086-5240-A197-5A17732DFE9D}" srcId="{2811B7E2-7D03-41DC-914B-68FE64A29706}" destId="{7A14AF9F-1DBA-3D48-AF52-16970CF25433}" srcOrd="0" destOrd="0" parTransId="{DA7927CA-D66F-B44B-B775-B88F4D279D77}" sibTransId="{00624497-DB91-434F-8041-3702B7B1264E}"/>
+    <dgm:cxn modelId="{31714C1D-440A-7345-95EB-3E588E1BB75B}" type="presOf" srcId="{9A5BF8B2-064A-4EE6-89BA-63C04AB0FA85}" destId="{9B0BC1B8-2CCA-4CE3-BDC8-9A43DB464977}" srcOrd="0" destOrd="0" presId="urn:microsoft.com/office/officeart/2018/2/layout/IconLabelDescriptionList"/>
+    <dgm:cxn modelId="{99F83B38-9524-EF4A-8B4D-EBDC52C66974}" type="presOf" srcId="{7A14AF9F-1DBA-3D48-AF52-16970CF25433}" destId="{195DE866-15E3-4BF0-ACA6-9B4275CE783A}" srcOrd="0" destOrd="0" presId="urn:microsoft.com/office/officeart/2018/2/layout/IconLabelDescriptionList"/>
+    <dgm:cxn modelId="{8EEC4248-5353-4F96-9856-E31FB24AAD89}" srcId="{8AB253B4-9446-428F-817F-208B89F4D315}" destId="{316A2634-1D72-40E2-839C-A5CD729655F5}" srcOrd="0" destOrd="0" parTransId="{63D30FB0-C375-46F3-B217-745A998597E2}" sibTransId="{BEDD2E30-5856-44B3-BA88-2C7F5A97F683}"/>
+    <dgm:cxn modelId="{9F40CC62-7DFF-374E-90DD-0B6DC633762B}" type="presOf" srcId="{316A2634-1D72-40E2-839C-A5CD729655F5}" destId="{7DEA6878-2069-4041-B0AF-25A6FA0CFA1B}" srcOrd="0" destOrd="0" presId="urn:microsoft.com/office/officeart/2018/2/layout/IconLabelDescriptionList"/>
+    <dgm:cxn modelId="{AB4688A6-DDA0-4B05-A9BF-20AF1850055C}" srcId="{9A5BF8B2-064A-4EE6-89BA-63C04AB0FA85}" destId="{8AB253B4-9446-428F-817F-208B89F4D315}" srcOrd="0" destOrd="0" parTransId="{2A433B35-DFE8-489D-9A8C-6B6C18ED5CEB}" sibTransId="{CC0D5586-61C1-40D6-B61B-2413B0C3CAE3}"/>
+    <dgm:cxn modelId="{2905B3AF-698E-3F46-85C6-870FC9721C33}" type="presOf" srcId="{2811B7E2-7D03-41DC-914B-68FE64A29706}" destId="{9501A943-06B2-4918-961C-138927FA9D0D}" srcOrd="0" destOrd="0" presId="urn:microsoft.com/office/officeart/2018/2/layout/IconLabelDescriptionList"/>
+    <dgm:cxn modelId="{912239C6-1EED-4A49-839C-83671369E6A7}" srcId="{9A5BF8B2-064A-4EE6-89BA-63C04AB0FA85}" destId="{2811B7E2-7D03-41DC-914B-68FE64A29706}" srcOrd="1" destOrd="0" parTransId="{A6E78CDF-A24D-49E6-B878-AFEE0687AF4F}" sibTransId="{EA0813C8-E6AD-4E75-A3B2-568754C6BC0F}"/>
+    <dgm:cxn modelId="{5628E432-FCC5-5A4D-BC4D-BB6BFBCB5CD8}" type="presParOf" srcId="{9B0BC1B8-2CCA-4CE3-BDC8-9A43DB464977}" destId="{2CF66A94-66F6-4E7D-991E-AA9E9C9D9920}" srcOrd="0" destOrd="0" presId="urn:microsoft.com/office/officeart/2018/2/layout/IconLabelDescriptionList"/>
+    <dgm:cxn modelId="{552BDEBD-0F6E-F04D-85CF-AB78CBF1C283}" type="presParOf" srcId="{2CF66A94-66F6-4E7D-991E-AA9E9C9D9920}" destId="{D526C9ED-991B-4155-8D98-E877EEDCE147}" srcOrd="0" destOrd="0" presId="urn:microsoft.com/office/officeart/2018/2/layout/IconLabelDescriptionList"/>
+    <dgm:cxn modelId="{748681AC-4793-9E4B-8491-0C9BE363F7B0}" type="presParOf" srcId="{2CF66A94-66F6-4E7D-991E-AA9E9C9D9920}" destId="{667D2FCA-57C5-493F-8688-D65688BF2BD5}" srcOrd="1" destOrd="0" presId="urn:microsoft.com/office/officeart/2018/2/layout/IconLabelDescriptionList"/>
+    <dgm:cxn modelId="{0B25A2C6-423C-474F-83FB-D1E75DF30CA7}" type="presParOf" srcId="{2CF66A94-66F6-4E7D-991E-AA9E9C9D9920}" destId="{C07BC7FF-8518-464B-9BE4-F452925CD79B}" srcOrd="2" destOrd="0" presId="urn:microsoft.com/office/officeart/2018/2/layout/IconLabelDescriptionList"/>
+    <dgm:cxn modelId="{FA88B0F1-E9F7-7E49-8E90-489D2E2D2652}" type="presParOf" srcId="{2CF66A94-66F6-4E7D-991E-AA9E9C9D9920}" destId="{2594CA40-E34B-445F-B4AB-1E55011A5925}" srcOrd="3" destOrd="0" presId="urn:microsoft.com/office/officeart/2018/2/layout/IconLabelDescriptionList"/>
+    <dgm:cxn modelId="{A34CDB10-1671-9840-900E-4CC404530950}" type="presParOf" srcId="{2CF66A94-66F6-4E7D-991E-AA9E9C9D9920}" destId="{7DEA6878-2069-4041-B0AF-25A6FA0CFA1B}" srcOrd="4" destOrd="0" presId="urn:microsoft.com/office/officeart/2018/2/layout/IconLabelDescriptionList"/>
+    <dgm:cxn modelId="{CD376E7C-F4A0-C145-9551-AF6325276D66}" type="presParOf" srcId="{9B0BC1B8-2CCA-4CE3-BDC8-9A43DB464977}" destId="{4E47ED1A-4542-4DFA-82B2-A3BFB4067D9E}" srcOrd="1" destOrd="0" presId="urn:microsoft.com/office/officeart/2018/2/layout/IconLabelDescriptionList"/>
+    <dgm:cxn modelId="{1BB8ED6F-2187-6347-AA99-67FF308A46FD}" type="presParOf" srcId="{9B0BC1B8-2CCA-4CE3-BDC8-9A43DB464977}" destId="{5F239024-022C-4486-A585-5CFD64000D8A}" srcOrd="2" destOrd="0" presId="urn:microsoft.com/office/officeart/2018/2/layout/IconLabelDescriptionList"/>
+    <dgm:cxn modelId="{7CE362FD-BC25-0F48-8CC1-EC7CA7C11DAD}" type="presParOf" srcId="{5F239024-022C-4486-A585-5CFD64000D8A}" destId="{3CF30A9D-D64E-42A0-A704-FC93C6A60430}" srcOrd="0" destOrd="0" presId="urn:microsoft.com/office/officeart/2018/2/layout/IconLabelDescriptionList"/>
+    <dgm:cxn modelId="{3121DAAA-E80A-C644-8321-B5B1213233C8}" type="presParOf" srcId="{5F239024-022C-4486-A585-5CFD64000D8A}" destId="{353FB8A6-77F0-438F-8AE9-DC1126625B09}" srcOrd="1" destOrd="0" presId="urn:microsoft.com/office/officeart/2018/2/layout/IconLabelDescriptionList"/>
+    <dgm:cxn modelId="{29748986-E734-FA43-A7EE-1D6EC64194A0}" type="presParOf" srcId="{5F239024-022C-4486-A585-5CFD64000D8A}" destId="{9501A943-06B2-4918-961C-138927FA9D0D}" srcOrd="2" destOrd="0" presId="urn:microsoft.com/office/officeart/2018/2/layout/IconLabelDescriptionList"/>
+    <dgm:cxn modelId="{1A9596F6-EF73-844B-9194-78C4FF851CA0}" type="presParOf" srcId="{5F239024-022C-4486-A585-5CFD64000D8A}" destId="{2E6A882F-980D-4D68-9AF1-9D3E6DA5FC5B}" srcOrd="3" destOrd="0" presId="urn:microsoft.com/office/officeart/2018/2/layout/IconLabelDescriptionList"/>
+    <dgm:cxn modelId="{8D706BBA-1CEC-9446-9D11-D8618A455FF0}" type="presParOf" srcId="{5F239024-022C-4486-A585-5CFD64000D8A}" destId="{195DE866-15E3-4BF0-ACA6-9B4275CE783A}" srcOrd="4" destOrd="0" presId="urn:microsoft.com/office/officeart/2018/2/layout/IconLabelDescriptionList"/>
+  </dgm:cxnLst>
+  <dgm:bg>
+    <a:noFill/>
+  </dgm:bg>
+  <dgm:whole/>
+  <dgm:extLst>
+    <a:ext uri="http://schemas.microsoft.com/office/drawing/2008/diagram">
+      <dsp:dataModelExt xmlns:dsp="http://schemas.microsoft.com/office/drawing/2008/diagram" relId="rId6" minVer="http://schemas.openxmlformats.org/drawingml/2006/diagram"/>
+    </a:ext>
+  </dgm:extLst>
+</dgm:dataModel>
+</file>
+
+<file path=ppt/diagrams/drawing1.xml><?xml version="1.0" encoding="utf-8"?>
+<dsp:drawing xmlns:dgm="http://schemas.openxmlformats.org/drawingml/2006/diagram" xmlns:dsp="http://schemas.microsoft.com/office/drawing/2008/diagram" xmlns:a="http://schemas.openxmlformats.org/drawingml/2006/main">
+  <dsp:spTree>
+    <dsp:nvGrpSpPr>
+      <dsp:cNvPr id="0" name=""/>
+      <dsp:cNvGrpSpPr/>
+    </dsp:nvGrpSpPr>
+    <dsp:grpSpPr/>
+    <dsp:sp modelId="{512DCCF4-7651-4FBB-8BC7-6989A4580B0F}">
+      <dsp:nvSpPr>
+        <dsp:cNvPr id="0" name=""/>
+        <dsp:cNvSpPr/>
+      </dsp:nvSpPr>
+      <dsp:spPr>
+        <a:xfrm>
+          <a:off x="831138" y="284156"/>
+          <a:ext cx="1061648" cy="1061648"/>
+        </a:xfrm>
+        <a:prstGeom prst="rect">
+          <a:avLst/>
+        </a:prstGeom>
+        <a:blipFill>
+          <a:blip xmlns:r="http://schemas.openxmlformats.org/officeDocument/2006/relationships" r:embed="rId1">
+            <a:extLst>
+              <a:ext uri="{28A0092B-C50C-407E-A947-70E740481C1C}">
+                <a14:useLocalDpi xmlns:a14="http://schemas.microsoft.com/office/drawing/2010/main" val="0"/>
+              </a:ext>
+              <a:ext uri="{96DAC541-7B7A-43D3-8B79-37D633B846F1}">
+                <asvg:svgBlip xmlns:asvg="http://schemas.microsoft.com/office/drawing/2016/SVG/main" r:embed="rId2"/>
+              </a:ext>
+            </a:extLst>
+          </a:blip>
+          <a:stretch>
+            <a:fillRect/>
+          </a:stretch>
+        </a:blipFill>
+        <a:ln w="12700" cap="flat" cmpd="sng" algn="ctr">
+          <a:solidFill>
+            <a:schemeClr val="lt1">
+              <a:hueOff val="0"/>
+              <a:satOff val="0"/>
+              <a:lumOff val="0"/>
+              <a:alphaOff val="0"/>
+            </a:schemeClr>
+          </a:solidFill>
+          <a:prstDash val="solid"/>
+          <a:miter lim="800000"/>
+        </a:ln>
+        <a:effectLst/>
+      </dsp:spPr>
+      <dsp:style>
+        <a:lnRef idx="2">
+          <a:scrgbClr r="0" g="0" b="0"/>
+        </a:lnRef>
+        <a:fillRef idx="1">
+          <a:scrgbClr r="0" g="0" b="0"/>
+        </a:fillRef>
+        <a:effectRef idx="0">
+          <a:scrgbClr r="0" g="0" b="0"/>
+        </a:effectRef>
+        <a:fontRef idx="minor">
+          <a:schemeClr val="lt1"/>
+        </a:fontRef>
+      </dsp:style>
+    </dsp:sp>
+    <dsp:sp modelId="{9FF0D497-6AB9-44E6-831D-A63E2D6498DC}">
+      <dsp:nvSpPr>
+        <dsp:cNvPr id="0" name=""/>
+        <dsp:cNvSpPr/>
+      </dsp:nvSpPr>
+      <dsp:spPr>
+        <a:xfrm>
+          <a:off x="3222" y="1574349"/>
+          <a:ext cx="3033281" cy="867328"/>
+        </a:xfrm>
+        <a:prstGeom prst="rect">
+          <a:avLst/>
+        </a:prstGeom>
+        <a:noFill/>
+        <a:ln>
+          <a:noFill/>
+        </a:ln>
+        <a:effectLst/>
+      </dsp:spPr>
+      <dsp:style>
+        <a:lnRef idx="0">
+          <a:scrgbClr r="0" g="0" b="0"/>
+        </a:lnRef>
+        <a:fillRef idx="0">
+          <a:scrgbClr r="0" g="0" b="0"/>
+        </a:fillRef>
+        <a:effectRef idx="0">
+          <a:scrgbClr r="0" g="0" b="0"/>
+        </a:effectRef>
+        <a:fontRef idx="minor"/>
+      </dsp:style>
+      <dsp:txBody>
+        <a:bodyPr spcFirstLastPara="0" vert="horz" wrap="square" lIns="0" tIns="0" rIns="0" bIns="0" numCol="1" spcCol="1270" anchor="t" anchorCtr="0">
+          <a:noAutofit/>
+        </a:bodyPr>
+        <a:lstStyle/>
+        <a:p>
+          <a:pPr marL="0" lvl="0" indent="0" algn="l" defTabSz="622300">
+            <a:lnSpc>
+              <a:spcPct val="100000"/>
+            </a:lnSpc>
+            <a:spcBef>
+              <a:spcPct val="0"/>
+            </a:spcBef>
+            <a:spcAft>
+              <a:spcPct val="35000"/>
+            </a:spcAft>
+            <a:buNone/>
+            <a:defRPr b="1"/>
+          </a:pPr>
+          <a:r>
+            <a:rPr lang="en-US" sz="1400" kern="1200" dirty="0"/>
+            <a:t>API didn’t have the information needed</a:t>
+          </a:r>
+        </a:p>
+      </dsp:txBody>
+      <dsp:txXfrm>
+        <a:off x="3222" y="1574349"/>
+        <a:ext cx="3033281" cy="867328"/>
+      </dsp:txXfrm>
+    </dsp:sp>
+    <dsp:sp modelId="{947DB180-195D-47CE-BF70-7382F58D8114}">
+      <dsp:nvSpPr>
+        <dsp:cNvPr id="0" name=""/>
+        <dsp:cNvSpPr/>
+      </dsp:nvSpPr>
+      <dsp:spPr>
+        <a:xfrm>
+          <a:off x="3222" y="2630078"/>
+          <a:ext cx="3033281" cy="528138"/>
+        </a:xfrm>
+        <a:prstGeom prst="rect">
+          <a:avLst/>
+        </a:prstGeom>
+        <a:noFill/>
+        <a:ln>
+          <a:noFill/>
+        </a:ln>
+        <a:effectLst/>
+      </dsp:spPr>
+      <dsp:style>
+        <a:lnRef idx="0">
+          <a:scrgbClr r="0" g="0" b="0"/>
+        </a:lnRef>
+        <a:fillRef idx="0">
+          <a:scrgbClr r="0" g="0" b="0"/>
+        </a:fillRef>
+        <a:effectRef idx="0">
+          <a:scrgbClr r="0" g="0" b="0"/>
+        </a:effectRef>
+        <a:fontRef idx="minor"/>
+      </dsp:style>
+      <dsp:txBody>
+        <a:bodyPr spcFirstLastPara="0" vert="horz" wrap="square" lIns="0" tIns="0" rIns="0" bIns="0" numCol="1" spcCol="1270" anchor="t" anchorCtr="0">
+          <a:noAutofit/>
+        </a:bodyPr>
+        <a:lstStyle/>
+        <a:p>
+          <a:pPr marL="0" lvl="0" indent="0" algn="l" defTabSz="488950">
+            <a:lnSpc>
+              <a:spcPct val="100000"/>
+            </a:lnSpc>
+            <a:spcBef>
+              <a:spcPct val="0"/>
+            </a:spcBef>
+            <a:spcAft>
+              <a:spcPct val="35000"/>
+            </a:spcAft>
+            <a:buNone/>
+          </a:pPr>
+          <a:r>
+            <a:rPr lang="en-US" sz="1100" kern="1200"/>
+            <a:t>Inspected the front end, found a non-public API which had no credentialing, pinged that, received that data needed</a:t>
+          </a:r>
+        </a:p>
+      </dsp:txBody>
+      <dsp:txXfrm>
+        <a:off x="3222" y="2630078"/>
+        <a:ext cx="3033281" cy="528138"/>
+      </dsp:txXfrm>
+    </dsp:sp>
+    <dsp:sp modelId="{323A1C16-3D5E-4881-91A2-881ACB64200A}">
+      <dsp:nvSpPr>
+        <dsp:cNvPr id="0" name=""/>
+        <dsp:cNvSpPr/>
+      </dsp:nvSpPr>
+      <dsp:spPr>
+        <a:xfrm>
+          <a:off x="4395243" y="284156"/>
+          <a:ext cx="1061648" cy="1061648"/>
+        </a:xfrm>
+        <a:prstGeom prst="rect">
+          <a:avLst/>
+        </a:prstGeom>
+        <a:blipFill>
+          <a:blip xmlns:r="http://schemas.openxmlformats.org/officeDocument/2006/relationships" r:embed="rId3">
+            <a:extLst>
+              <a:ext uri="{28A0092B-C50C-407E-A947-70E740481C1C}">
+                <a14:useLocalDpi xmlns:a14="http://schemas.microsoft.com/office/drawing/2010/main" val="0"/>
+              </a:ext>
+              <a:ext uri="{96DAC541-7B7A-43D3-8B79-37D633B846F1}">
+                <asvg:svgBlip xmlns:asvg="http://schemas.microsoft.com/office/drawing/2016/SVG/main" r:embed="rId4"/>
+              </a:ext>
+            </a:extLst>
+          </a:blip>
+          <a:stretch>
+            <a:fillRect/>
+          </a:stretch>
+        </a:blipFill>
+        <a:ln w="12700" cap="flat" cmpd="sng" algn="ctr">
+          <a:solidFill>
+            <a:schemeClr val="lt1">
+              <a:hueOff val="0"/>
+              <a:satOff val="0"/>
+              <a:lumOff val="0"/>
+              <a:alphaOff val="0"/>
+            </a:schemeClr>
+          </a:solidFill>
+          <a:prstDash val="solid"/>
+          <a:miter lim="800000"/>
+        </a:ln>
+        <a:effectLst/>
+      </dsp:spPr>
+      <dsp:style>
+        <a:lnRef idx="2">
+          <a:scrgbClr r="0" g="0" b="0"/>
+        </a:lnRef>
+        <a:fillRef idx="1">
+          <a:scrgbClr r="0" g="0" b="0"/>
+        </a:fillRef>
+        <a:effectRef idx="0">
+          <a:scrgbClr r="0" g="0" b="0"/>
+        </a:effectRef>
+        <a:fontRef idx="minor">
+          <a:schemeClr val="lt1"/>
+        </a:fontRef>
+      </dsp:style>
+    </dsp:sp>
+    <dsp:sp modelId="{04CBDE6C-0693-45DA-8452-B008943BC54A}">
+      <dsp:nvSpPr>
+        <dsp:cNvPr id="0" name=""/>
+        <dsp:cNvSpPr/>
+      </dsp:nvSpPr>
+      <dsp:spPr>
+        <a:xfrm>
+          <a:off x="3567327" y="1574349"/>
+          <a:ext cx="3033281" cy="867328"/>
+        </a:xfrm>
+        <a:prstGeom prst="rect">
+          <a:avLst/>
+        </a:prstGeom>
+        <a:noFill/>
+        <a:ln>
+          <a:noFill/>
+        </a:ln>
+        <a:effectLst/>
+      </dsp:spPr>
+      <dsp:style>
+        <a:lnRef idx="0">
+          <a:scrgbClr r="0" g="0" b="0"/>
+        </a:lnRef>
+        <a:fillRef idx="0">
+          <a:scrgbClr r="0" g="0" b="0"/>
+        </a:fillRef>
+        <a:effectRef idx="0">
+          <a:scrgbClr r="0" g="0" b="0"/>
+        </a:effectRef>
+        <a:fontRef idx="minor"/>
+      </dsp:style>
+      <dsp:txBody>
+        <a:bodyPr spcFirstLastPara="0" vert="horz" wrap="square" lIns="0" tIns="0" rIns="0" bIns="0" numCol="1" spcCol="1270" anchor="t" anchorCtr="0">
+          <a:noAutofit/>
+        </a:bodyPr>
+        <a:lstStyle/>
+        <a:p>
+          <a:pPr marL="0" lvl="0" indent="0" algn="l" defTabSz="622300">
+            <a:lnSpc>
+              <a:spcPct val="100000"/>
+            </a:lnSpc>
+            <a:spcBef>
+              <a:spcPct val="0"/>
+            </a:spcBef>
+            <a:spcAft>
+              <a:spcPct val="35000"/>
+            </a:spcAft>
+            <a:buNone/>
+            <a:defRPr b="1"/>
+          </a:pPr>
+          <a:r>
+            <a:rPr lang="en-US" sz="1400" kern="1200"/>
+            <a:t>Problem setting allowances and creating correct API keys</a:t>
+          </a:r>
+        </a:p>
+      </dsp:txBody>
+      <dsp:txXfrm>
+        <a:off x="3567327" y="1574349"/>
+        <a:ext cx="3033281" cy="867328"/>
+      </dsp:txXfrm>
+    </dsp:sp>
+    <dsp:sp modelId="{D43E8E90-315E-408A-815C-82605877D30B}">
+      <dsp:nvSpPr>
+        <dsp:cNvPr id="0" name=""/>
+        <dsp:cNvSpPr/>
+      </dsp:nvSpPr>
+      <dsp:spPr>
+        <a:xfrm>
+          <a:off x="3567327" y="2630078"/>
+          <a:ext cx="3033281" cy="528138"/>
+        </a:xfrm>
+        <a:prstGeom prst="rect">
+          <a:avLst/>
+        </a:prstGeom>
+        <a:noFill/>
+        <a:ln>
+          <a:noFill/>
+        </a:ln>
+        <a:effectLst/>
+      </dsp:spPr>
+      <dsp:style>
+        <a:lnRef idx="0">
+          <a:scrgbClr r="0" g="0" b="0"/>
+        </a:lnRef>
+        <a:fillRef idx="0">
+          <a:scrgbClr r="0" g="0" b="0"/>
+        </a:fillRef>
+        <a:effectRef idx="0">
+          <a:scrgbClr r="0" g="0" b="0"/>
+        </a:effectRef>
+        <a:fontRef idx="minor"/>
+      </dsp:style>
+      <dsp:txBody>
+        <a:bodyPr spcFirstLastPara="0" vert="horz" wrap="square" lIns="0" tIns="0" rIns="0" bIns="0" numCol="1" spcCol="1270" anchor="t" anchorCtr="0">
+          <a:noAutofit/>
+        </a:bodyPr>
+        <a:lstStyle/>
+        <a:p>
+          <a:pPr marL="0" lvl="0" indent="0" algn="l" defTabSz="488950">
+            <a:lnSpc>
+              <a:spcPct val="100000"/>
+            </a:lnSpc>
+            <a:spcBef>
+              <a:spcPct val="0"/>
+            </a:spcBef>
+            <a:spcAft>
+              <a:spcPct val="35000"/>
+            </a:spcAft>
+            <a:buNone/>
+          </a:pPr>
+          <a:r>
+            <a:rPr lang="en-US" sz="1100" kern="1200"/>
+            <a:t>Joined Polymarket Discord channel and worked with other developers to trouble shoot.  Able to resolve</a:t>
+          </a:r>
+        </a:p>
+      </dsp:txBody>
+      <dsp:txXfrm>
+        <a:off x="3567327" y="2630078"/>
+        <a:ext cx="3033281" cy="528138"/>
+      </dsp:txXfrm>
+    </dsp:sp>
+    <dsp:sp modelId="{1BFA7829-D961-4214-A2E2-325BEADDF571}">
+      <dsp:nvSpPr>
+        <dsp:cNvPr id="0" name=""/>
+        <dsp:cNvSpPr/>
+      </dsp:nvSpPr>
+      <dsp:spPr>
+        <a:xfrm>
+          <a:off x="7959349" y="284156"/>
+          <a:ext cx="1061648" cy="1061648"/>
+        </a:xfrm>
+        <a:prstGeom prst="rect">
+          <a:avLst/>
+        </a:prstGeom>
+        <a:blipFill>
+          <a:blip xmlns:r="http://schemas.openxmlformats.org/officeDocument/2006/relationships" r:embed="rId5">
+            <a:extLst>
+              <a:ext uri="{28A0092B-C50C-407E-A947-70E740481C1C}">
+                <a14:useLocalDpi xmlns:a14="http://schemas.microsoft.com/office/drawing/2010/main" val="0"/>
+              </a:ext>
+              <a:ext uri="{96DAC541-7B7A-43D3-8B79-37D633B846F1}">
+                <asvg:svgBlip xmlns:asvg="http://schemas.microsoft.com/office/drawing/2016/SVG/main" r:embed="rId6"/>
+              </a:ext>
+            </a:extLst>
+          </a:blip>
+          <a:stretch>
+            <a:fillRect/>
+          </a:stretch>
+        </a:blipFill>
+        <a:ln w="12700" cap="flat" cmpd="sng" algn="ctr">
+          <a:solidFill>
+            <a:schemeClr val="lt1">
+              <a:hueOff val="0"/>
+              <a:satOff val="0"/>
+              <a:lumOff val="0"/>
+              <a:alphaOff val="0"/>
+            </a:schemeClr>
+          </a:solidFill>
+          <a:prstDash val="solid"/>
+          <a:miter lim="800000"/>
+        </a:ln>
+        <a:effectLst/>
+      </dsp:spPr>
+      <dsp:style>
+        <a:lnRef idx="2">
+          <a:scrgbClr r="0" g="0" b="0"/>
+        </a:lnRef>
+        <a:fillRef idx="1">
+          <a:scrgbClr r="0" g="0" b="0"/>
+        </a:fillRef>
+        <a:effectRef idx="0">
+          <a:scrgbClr r="0" g="0" b="0"/>
+        </a:effectRef>
+        <a:fontRef idx="minor">
+          <a:schemeClr val="lt1"/>
+        </a:fontRef>
+      </dsp:style>
+    </dsp:sp>
+    <dsp:sp modelId="{7BC6E2EF-CDF5-4C14-9CB4-02FFB94C3DDB}">
+      <dsp:nvSpPr>
+        <dsp:cNvPr id="0" name=""/>
+        <dsp:cNvSpPr/>
+      </dsp:nvSpPr>
+      <dsp:spPr>
+        <a:xfrm>
+          <a:off x="7131433" y="1574349"/>
+          <a:ext cx="3033281" cy="867328"/>
+        </a:xfrm>
+        <a:prstGeom prst="rect">
+          <a:avLst/>
+        </a:prstGeom>
+        <a:noFill/>
+        <a:ln>
+          <a:noFill/>
+        </a:ln>
+        <a:effectLst/>
+      </dsp:spPr>
+      <dsp:style>
+        <a:lnRef idx="0">
+          <a:scrgbClr r="0" g="0" b="0"/>
+        </a:lnRef>
+        <a:fillRef idx="0">
+          <a:scrgbClr r="0" g="0" b="0"/>
+        </a:fillRef>
+        <a:effectRef idx="0">
+          <a:scrgbClr r="0" g="0" b="0"/>
+        </a:effectRef>
+        <a:fontRef idx="minor"/>
+      </dsp:style>
+      <dsp:txBody>
+        <a:bodyPr spcFirstLastPara="0" vert="horz" wrap="square" lIns="0" tIns="0" rIns="0" bIns="0" numCol="1" spcCol="1270" anchor="t" anchorCtr="0">
+          <a:noAutofit/>
+        </a:bodyPr>
+        <a:lstStyle/>
+        <a:p>
+          <a:pPr marL="0" lvl="0" indent="0" algn="l" defTabSz="622300">
+            <a:lnSpc>
+              <a:spcPct val="100000"/>
+            </a:lnSpc>
+            <a:spcBef>
+              <a:spcPct val="0"/>
+            </a:spcBef>
+            <a:spcAft>
+              <a:spcPct val="35000"/>
+            </a:spcAft>
+            <a:buNone/>
+            <a:defRPr b="1"/>
+          </a:pPr>
+          <a:r>
+            <a:rPr lang="en-US" sz="1400" kern="1200"/>
+            <a:t>Throw out junk trades or trades where the user was taking profit or selling at loss in an existing position</a:t>
+          </a:r>
+        </a:p>
+      </dsp:txBody>
+      <dsp:txXfrm>
+        <a:off x="7131433" y="1574349"/>
+        <a:ext cx="3033281" cy="867328"/>
+      </dsp:txXfrm>
+    </dsp:sp>
+    <dsp:sp modelId="{22571575-CB91-4A01-B073-1DC05DA176AA}">
+      <dsp:nvSpPr>
+        <dsp:cNvPr id="0" name=""/>
+        <dsp:cNvSpPr/>
+      </dsp:nvSpPr>
+      <dsp:spPr>
+        <a:xfrm>
+          <a:off x="7131433" y="2630078"/>
+          <a:ext cx="3033281" cy="528138"/>
+        </a:xfrm>
+        <a:prstGeom prst="rect">
+          <a:avLst/>
+        </a:prstGeom>
+        <a:noFill/>
+        <a:ln>
+          <a:noFill/>
+        </a:ln>
+        <a:effectLst/>
+      </dsp:spPr>
+      <dsp:style>
+        <a:lnRef idx="0">
+          <a:scrgbClr r="0" g="0" b="0"/>
+        </a:lnRef>
+        <a:fillRef idx="0">
+          <a:scrgbClr r="0" g="0" b="0"/>
+        </a:fillRef>
+        <a:effectRef idx="0">
+          <a:scrgbClr r="0" g="0" b="0"/>
+        </a:effectRef>
+        <a:fontRef idx="minor"/>
+      </dsp:style>
+      <dsp:txBody>
+        <a:bodyPr spcFirstLastPara="0" vert="horz" wrap="square" lIns="0" tIns="0" rIns="0" bIns="0" numCol="1" spcCol="1270" anchor="t" anchorCtr="0">
+          <a:noAutofit/>
+        </a:bodyPr>
+        <a:lstStyle/>
+        <a:p>
+          <a:pPr marL="0" lvl="0" indent="0" algn="l" defTabSz="488950">
+            <a:lnSpc>
+              <a:spcPct val="100000"/>
+            </a:lnSpc>
+            <a:spcBef>
+              <a:spcPct val="0"/>
+            </a:spcBef>
+            <a:spcAft>
+              <a:spcPct val="35000"/>
+            </a:spcAft>
+            <a:buNone/>
+          </a:pPr>
+          <a:r>
+            <a:rPr lang="en-US" sz="1100" kern="1200" dirty="0"/>
+            <a:t>Created trade filter by USD size and existing position ROI</a:t>
+          </a:r>
+        </a:p>
+      </dsp:txBody>
+      <dsp:txXfrm>
+        <a:off x="7131433" y="2630078"/>
+        <a:ext cx="3033281" cy="528138"/>
+      </dsp:txXfrm>
+    </dsp:sp>
+  </dsp:spTree>
+</dsp:drawing>
+</file>
+
+<file path=ppt/diagrams/drawing2.xml><?xml version="1.0" encoding="utf-8"?>
+<dsp:drawing xmlns:dgm="http://schemas.openxmlformats.org/drawingml/2006/diagram" xmlns:dsp="http://schemas.microsoft.com/office/drawing/2008/diagram" xmlns:a="http://schemas.openxmlformats.org/drawingml/2006/main">
+  <dsp:spTree>
+    <dsp:nvGrpSpPr>
+      <dsp:cNvPr id="0" name=""/>
+      <dsp:cNvGrpSpPr/>
+    </dsp:nvGrpSpPr>
+    <dsp:grpSpPr/>
+    <dsp:sp modelId="{D526C9ED-991B-4155-8D98-E877EEDCE147}">
+      <dsp:nvSpPr>
+        <dsp:cNvPr id="0" name=""/>
+        <dsp:cNvSpPr/>
+      </dsp:nvSpPr>
+      <dsp:spPr>
+        <a:xfrm>
+          <a:off x="1893" y="1181780"/>
+          <a:ext cx="1098562" cy="1098562"/>
+        </a:xfrm>
+        <a:prstGeom prst="rect">
+          <a:avLst/>
+        </a:prstGeom>
+        <a:blipFill>
+          <a:blip xmlns:r="http://schemas.openxmlformats.org/officeDocument/2006/relationships" r:embed="rId1">
+            <a:extLst>
+              <a:ext uri="{28A0092B-C50C-407E-A947-70E740481C1C}">
+                <a14:useLocalDpi xmlns:a14="http://schemas.microsoft.com/office/drawing/2010/main" val="0"/>
+              </a:ext>
+              <a:ext uri="{96DAC541-7B7A-43D3-8B79-37D633B846F1}">
+                <asvg:svgBlip xmlns:asvg="http://schemas.microsoft.com/office/drawing/2016/SVG/main" r:embed="rId2"/>
+              </a:ext>
+            </a:extLst>
+          </a:blip>
+          <a:stretch>
+            <a:fillRect/>
+          </a:stretch>
+        </a:blipFill>
+        <a:ln w="12700" cap="flat" cmpd="sng" algn="ctr">
+          <a:noFill/>
+          <a:prstDash val="solid"/>
+          <a:miter lim="800000"/>
+        </a:ln>
+        <a:effectLst/>
+      </dsp:spPr>
+      <dsp:style>
+        <a:lnRef idx="2">
+          <a:scrgbClr r="0" g="0" b="0"/>
+        </a:lnRef>
+        <a:fillRef idx="1">
+          <a:scrgbClr r="0" g="0" b="0"/>
+        </a:fillRef>
+        <a:effectRef idx="0">
+          <a:scrgbClr r="0" g="0" b="0"/>
+        </a:effectRef>
+        <a:fontRef idx="minor">
+          <a:schemeClr val="lt1"/>
+        </a:fontRef>
+      </dsp:style>
+    </dsp:sp>
+    <dsp:sp modelId="{C07BC7FF-8518-464B-9BE4-F452925CD79B}">
+      <dsp:nvSpPr>
+        <dsp:cNvPr id="0" name=""/>
+        <dsp:cNvSpPr/>
+      </dsp:nvSpPr>
+      <dsp:spPr>
+        <a:xfrm>
+          <a:off x="1893" y="2412659"/>
+          <a:ext cx="3138750" cy="470812"/>
+        </a:xfrm>
+        <a:prstGeom prst="rect">
+          <a:avLst/>
+        </a:prstGeom>
+        <a:noFill/>
+        <a:ln>
+          <a:noFill/>
+        </a:ln>
+        <a:effectLst/>
+      </dsp:spPr>
+      <dsp:style>
+        <a:lnRef idx="0">
+          <a:scrgbClr r="0" g="0" b="0"/>
+        </a:lnRef>
+        <a:fillRef idx="0">
+          <a:scrgbClr r="0" g="0" b="0"/>
+        </a:fillRef>
+        <a:effectRef idx="0">
+          <a:scrgbClr r="0" g="0" b="0"/>
+        </a:effectRef>
+        <a:fontRef idx="minor"/>
+      </dsp:style>
+      <dsp:txBody>
+        <a:bodyPr spcFirstLastPara="0" vert="horz" wrap="square" lIns="0" tIns="0" rIns="0" bIns="0" numCol="1" spcCol="1270" anchor="t" anchorCtr="0">
+          <a:noAutofit/>
+        </a:bodyPr>
+        <a:lstStyle/>
+        <a:p>
+          <a:pPr marL="0" lvl="0" indent="0" algn="l" defTabSz="711200">
+            <a:lnSpc>
+              <a:spcPct val="100000"/>
+            </a:lnSpc>
+            <a:spcBef>
+              <a:spcPct val="0"/>
+            </a:spcBef>
+            <a:spcAft>
+              <a:spcPct val="35000"/>
+            </a:spcAft>
+            <a:buNone/>
+            <a:defRPr b="1"/>
+          </a:pPr>
+          <a:r>
+            <a:rPr lang="en-US" sz="1600" kern="1200"/>
+            <a:t>Potential Next Steps</a:t>
+          </a:r>
+        </a:p>
+      </dsp:txBody>
+      <dsp:txXfrm>
+        <a:off x="1893" y="2412659"/>
+        <a:ext cx="3138750" cy="470812"/>
+      </dsp:txXfrm>
+    </dsp:sp>
+    <dsp:sp modelId="{7DEA6878-2069-4041-B0AF-25A6FA0CFA1B}">
+      <dsp:nvSpPr>
+        <dsp:cNvPr id="0" name=""/>
+        <dsp:cNvSpPr/>
+      </dsp:nvSpPr>
+      <dsp:spPr>
+        <a:xfrm>
+          <a:off x="1893" y="2945014"/>
+          <a:ext cx="3138750" cy="1313885"/>
+        </a:xfrm>
+        <a:prstGeom prst="rect">
+          <a:avLst/>
+        </a:prstGeom>
+        <a:noFill/>
+        <a:ln>
+          <a:noFill/>
+        </a:ln>
+        <a:effectLst/>
+      </dsp:spPr>
+      <dsp:style>
+        <a:lnRef idx="0">
+          <a:scrgbClr r="0" g="0" b="0"/>
+        </a:lnRef>
+        <a:fillRef idx="0">
+          <a:scrgbClr r="0" g="0" b="0"/>
+        </a:fillRef>
+        <a:effectRef idx="0">
+          <a:scrgbClr r="0" g="0" b="0"/>
+        </a:effectRef>
+        <a:fontRef idx="minor"/>
+      </dsp:style>
+      <dsp:txBody>
+        <a:bodyPr spcFirstLastPara="0" vert="horz" wrap="square" lIns="0" tIns="0" rIns="0" bIns="0" numCol="1" spcCol="1270" anchor="t" anchorCtr="0">
+          <a:noAutofit/>
+        </a:bodyPr>
+        <a:lstStyle/>
+        <a:p>
+          <a:pPr marL="0" lvl="0" indent="0" algn="l" defTabSz="533400">
+            <a:lnSpc>
+              <a:spcPct val="100000"/>
+            </a:lnSpc>
+            <a:spcBef>
+              <a:spcPct val="0"/>
+            </a:spcBef>
+            <a:spcAft>
+              <a:spcPct val="35000"/>
+            </a:spcAft>
+            <a:buNone/>
+          </a:pPr>
+          <a:r>
+            <a:rPr lang="en-US" sz="1200" kern="1200" dirty="0"/>
+            <a:t>Building in more robust risk management framework</a:t>
+          </a:r>
+        </a:p>
+      </dsp:txBody>
+      <dsp:txXfrm>
+        <a:off x="1893" y="2945014"/>
+        <a:ext cx="3138750" cy="1313885"/>
+      </dsp:txXfrm>
+    </dsp:sp>
+    <dsp:sp modelId="{3CF30A9D-D64E-42A0-A704-FC93C6A60430}">
+      <dsp:nvSpPr>
+        <dsp:cNvPr id="0" name=""/>
+        <dsp:cNvSpPr/>
+      </dsp:nvSpPr>
+      <dsp:spPr>
+        <a:xfrm>
+          <a:off x="3689924" y="1181780"/>
+          <a:ext cx="1098562" cy="1098562"/>
+        </a:xfrm>
+        <a:prstGeom prst="rect">
+          <a:avLst/>
+        </a:prstGeom>
+        <a:blipFill>
+          <a:blip xmlns:r="http://schemas.openxmlformats.org/officeDocument/2006/relationships" r:embed="rId3">
+            <a:extLst>
+              <a:ext uri="{28A0092B-C50C-407E-A947-70E740481C1C}">
+                <a14:useLocalDpi xmlns:a14="http://schemas.microsoft.com/office/drawing/2010/main" val="0"/>
+              </a:ext>
+              <a:ext uri="{96DAC541-7B7A-43D3-8B79-37D633B846F1}">
+                <asvg:svgBlip xmlns:asvg="http://schemas.microsoft.com/office/drawing/2016/SVG/main" r:embed="rId4"/>
+              </a:ext>
+            </a:extLst>
+          </a:blip>
+          <a:stretch>
+            <a:fillRect/>
+          </a:stretch>
+        </a:blipFill>
+        <a:ln w="12700" cap="flat" cmpd="sng" algn="ctr">
+          <a:noFill/>
+          <a:prstDash val="solid"/>
+          <a:miter lim="800000"/>
+        </a:ln>
+        <a:effectLst/>
+      </dsp:spPr>
+      <dsp:style>
+        <a:lnRef idx="2">
+          <a:scrgbClr r="0" g="0" b="0"/>
+        </a:lnRef>
+        <a:fillRef idx="1">
+          <a:scrgbClr r="0" g="0" b="0"/>
+        </a:fillRef>
+        <a:effectRef idx="0">
+          <a:scrgbClr r="0" g="0" b="0"/>
+        </a:effectRef>
+        <a:fontRef idx="minor">
+          <a:schemeClr val="lt1"/>
+        </a:fontRef>
+      </dsp:style>
+    </dsp:sp>
+    <dsp:sp modelId="{9501A943-06B2-4918-961C-138927FA9D0D}">
+      <dsp:nvSpPr>
+        <dsp:cNvPr id="0" name=""/>
+        <dsp:cNvSpPr/>
+      </dsp:nvSpPr>
+      <dsp:spPr>
+        <a:xfrm>
+          <a:off x="3689924" y="2412659"/>
+          <a:ext cx="3138750" cy="470812"/>
+        </a:xfrm>
+        <a:prstGeom prst="rect">
+          <a:avLst/>
+        </a:prstGeom>
+        <a:noFill/>
+        <a:ln>
+          <a:noFill/>
+        </a:ln>
+        <a:effectLst/>
+      </dsp:spPr>
+      <dsp:style>
+        <a:lnRef idx="0">
+          <a:scrgbClr r="0" g="0" b="0"/>
+        </a:lnRef>
+        <a:fillRef idx="0">
+          <a:scrgbClr r="0" g="0" b="0"/>
+        </a:fillRef>
+        <a:effectRef idx="0">
+          <a:scrgbClr r="0" g="0" b="0"/>
+        </a:effectRef>
+        <a:fontRef idx="minor"/>
+      </dsp:style>
+      <dsp:txBody>
+        <a:bodyPr spcFirstLastPara="0" vert="horz" wrap="square" lIns="0" tIns="0" rIns="0" bIns="0" numCol="1" spcCol="1270" anchor="t" anchorCtr="0">
+          <a:noAutofit/>
+        </a:bodyPr>
+        <a:lstStyle/>
+        <a:p>
+          <a:pPr marL="0" lvl="0" indent="0" algn="l" defTabSz="711200">
+            <a:lnSpc>
+              <a:spcPct val="100000"/>
+            </a:lnSpc>
+            <a:spcBef>
+              <a:spcPct val="0"/>
+            </a:spcBef>
+            <a:spcAft>
+              <a:spcPct val="35000"/>
+            </a:spcAft>
+            <a:buNone/>
+            <a:defRPr b="1"/>
+          </a:pPr>
+          <a:r>
+            <a:rPr lang="en-US" sz="1600" kern="1200"/>
+            <a:t>Additional questions to explore</a:t>
+          </a:r>
+        </a:p>
+      </dsp:txBody>
+      <dsp:txXfrm>
+        <a:off x="3689924" y="2412659"/>
+        <a:ext cx="3138750" cy="470812"/>
+      </dsp:txXfrm>
+    </dsp:sp>
+    <dsp:sp modelId="{195DE866-15E3-4BF0-ACA6-9B4275CE783A}">
+      <dsp:nvSpPr>
+        <dsp:cNvPr id="0" name=""/>
+        <dsp:cNvSpPr/>
+      </dsp:nvSpPr>
+      <dsp:spPr>
+        <a:xfrm>
+          <a:off x="3689924" y="2945014"/>
+          <a:ext cx="3138750" cy="1313885"/>
+        </a:xfrm>
+        <a:prstGeom prst="rect">
+          <a:avLst/>
+        </a:prstGeom>
+        <a:noFill/>
+        <a:ln>
+          <a:noFill/>
+        </a:ln>
+        <a:effectLst/>
+      </dsp:spPr>
+      <dsp:style>
+        <a:lnRef idx="0">
+          <a:scrgbClr r="0" g="0" b="0"/>
+        </a:lnRef>
+        <a:fillRef idx="0">
+          <a:scrgbClr r="0" g="0" b="0"/>
+        </a:fillRef>
+        <a:effectRef idx="0">
+          <a:scrgbClr r="0" g="0" b="0"/>
+        </a:effectRef>
+        <a:fontRef idx="minor"/>
+      </dsp:style>
+      <dsp:txBody>
+        <a:bodyPr spcFirstLastPara="0" vert="horz" wrap="square" lIns="0" tIns="0" rIns="0" bIns="0" numCol="1" spcCol="1270" anchor="t" anchorCtr="0">
+          <a:noAutofit/>
+        </a:bodyPr>
+        <a:lstStyle/>
+        <a:p>
+          <a:pPr marL="0" lvl="0" indent="0" algn="l" defTabSz="533400">
+            <a:lnSpc>
+              <a:spcPct val="100000"/>
+            </a:lnSpc>
+            <a:spcBef>
+              <a:spcPct val="0"/>
+            </a:spcBef>
+            <a:spcAft>
+              <a:spcPct val="35000"/>
+            </a:spcAft>
+            <a:buNone/>
+          </a:pPr>
+          <a:r>
+            <a:rPr lang="en-US" sz="1200" kern="1200" dirty="0"/>
+            <a:t>Building the monitor not in an internal API, but on public blockchain data.  The company could shut off access to internal API which would disconnect the wallet monitor.  Following the transaction on the the chain would provide a completely decentralized avenue for running the bot.</a:t>
+          </a:r>
+        </a:p>
+      </dsp:txBody>
+      <dsp:txXfrm>
+        <a:off x="3689924" y="2945014"/>
+        <a:ext cx="3138750" cy="1313885"/>
+      </dsp:txXfrm>
+    </dsp:sp>
+  </dsp:spTree>
+</dsp:drawing>
+</file>
+
+<file path=ppt/diagrams/layout1.xml><?xml version="1.0" encoding="utf-8"?>
+<dgm:layoutDef xmlns:dgm="http://schemas.openxmlformats.org/drawingml/2006/diagram" xmlns:a="http://schemas.openxmlformats.org/drawingml/2006/main" uniqueId="urn:microsoft.com/office/officeart/2018/2/layout/IconLabelDescriptionList">
+  <dgm:title val="Icon Label Description List"/>
+  <dgm:desc val="Use to show non-sequential or grouped chunks of information. The placeholder holds an icon or small picture, and corresponding text boxes show Level 1 and Level 2 text respectively. Works well for minimal Level 1 text accompanied by lengthier Level two text."/>
+  <dgm:catLst>
+    <dgm:cat type="icon" pri="500"/>
+  </dgm:catLst>
+  <dgm:sampData useDef="1">
+    <dgm:dataModel>
+      <dgm:ptLst/>
+      <dgm:bg/>
+      <dgm:whole/>
+    </dgm:dataModel>
+  </dgm:sampData>
+  <dgm:styleData useDef="1">
+    <dgm:dataModel>
+      <dgm:ptLst/>
+      <dgm:bg/>
+      <dgm:whole/>
+    </dgm:dataModel>
+  </dgm:styleData>
+  <dgm:clrData useDef="1">
+    <dgm:dataModel>
+      <dgm:ptLst/>
+      <dgm:bg/>
+      <dgm:whole/>
+    </dgm:dataModel>
+  </dgm:clrData>
+  <dgm:layoutNode name="root">
+    <dgm:varLst>
+      <dgm:dir/>
+      <dgm:resizeHandles val="exact"/>
+    </dgm:varLst>
+    <dgm:choose name="Name0">
+      <dgm:if name="Name1" axis="self" func="var" arg="dir" op="equ" val="norm">
+        <dgm:alg type="lin"/>
+      </dgm:if>
+      <dgm:else name="Name2">
+        <dgm:alg type="lin">
+          <dgm:param type="linDir" val="fromR"/>
+        </dgm:alg>
+      </dgm:else>
+    </dgm:choose>
+    <dgm:shape xmlns:r="http://schemas.openxmlformats.org/officeDocument/2006/relationships" r:blip="">
+      <dgm:adjLst/>
+    </dgm:shape>
+    <dgm:presOf/>
+    <dgm:constrLst>
+      <dgm:constr type="h" for="ch" forName="compNode" refType="h" fact="0.45"/>
+      <dgm:constr type="w" for="ch" forName="compNode" val="120"/>
+      <dgm:constr type="w" for="ch" forName="sibTrans" refType="w" refFor="ch" refForName="compNode" fact="0.175"/>
+      <dgm:constr type="primFontSz" for="des" forName="parTx" val="36"/>
+      <dgm:constr type="primFontSz" for="des" forName="desTx" refType="primFontSz" refFor="des" refForName="parTx" op="lte" fact="0.75"/>
+      <dgm:constr type="h" for="des" forName="compNode" op="equ"/>
+      <dgm:constr type="h" for="des" forName="iconRect" op="equ"/>
+      <dgm:constr type="w" for="des" forName="iconRect" op="equ"/>
+      <dgm:constr type="h" for="des" forName="iconSpace" op="equ"/>
+      <dgm:constr type="h" for="des" forName="parTx" op="equ"/>
+      <dgm:constr type="h" for="des" forName="txSpace" op="equ"/>
+      <dgm:constr type="h" for="des" forName="desTx" op="equ"/>
+    </dgm:constrLst>
+    <dgm:ruleLst>
+      <dgm:rule type="w" for="ch" forName="compNode" val="0" fact="NaN" max="NaN"/>
+    </dgm:ruleLst>
+    <dgm:forEach name="Name3" axis="ch" ptType="node">
+      <dgm:layoutNode name="compNode">
+        <dgm:alg type="composite"/>
+        <dgm:shape xmlns:r="http://schemas.openxmlformats.org/officeDocument/2006/relationships" r:blip="">
+          <dgm:adjLst/>
+        </dgm:shape>
+        <dgm:presOf axis="self"/>
+        <dgm:constrLst>
+          <dgm:constr type="w" for="ch" forName="iconRect" refType="w" fact="0.35"/>
+          <dgm:constr type="h" for="ch" forName="iconRect" refType="w" refFor="ch" refForName="iconRect"/>
+          <dgm:constr type="l" for="ch" forName="iconRect"/>
+          <dgm:constr type="t" for="ch" forName="iconRect"/>
+          <dgm:constr type="w" for="ch" forName="iconSpace" refType="w"/>
+          <dgm:constr type="h" for="ch" forName="iconSpace" refType="h" fact="0.043"/>
+          <dgm:constr type="l" for="ch" forName="iconSpace"/>
+          <dgm:constr type="t" for="ch" forName="iconSpace" refType="b" refFor="ch" refForName="iconRect"/>
+          <dgm:constr type="w" for="ch" forName="parTx" refType="w"/>
+          <dgm:constr type="h" for="ch" forName="parTx" refType="w" fact="0.15"/>
+          <dgm:constr type="l" for="ch" forName="parTx"/>
+          <dgm:constr type="t" for="ch" forName="parTx" refType="b" refFor="ch" refForName="iconSpace"/>
+          <dgm:constr type="h" for="ch" forName="txSpace" refType="h" fact="0.02"/>
+          <dgm:constr type="w" for="ch" forName="txSpace" refType="w"/>
+          <dgm:constr type="l" for="ch" forName="txSpace"/>
+          <dgm:constr type="t" for="ch" forName="txSpace" refType="b" refFor="ch" refForName="parTx"/>
+          <dgm:constr type="w" for="ch" forName="desTx" refType="w"/>
+          <dgm:constr type="l" for="ch" forName="desTx"/>
+          <dgm:constr type="t" for="ch" forName="desTx" refType="b" refFor="ch" refForName="txSpace"/>
+        </dgm:constrLst>
+        <dgm:ruleLst>
+          <dgm:rule type="h" val="INF" fact="NaN" max="NaN"/>
+        </dgm:ruleLst>
+        <dgm:layoutNode name="iconRect" styleLbl="node1">
+          <dgm:alg type="sp"/>
+          <dgm:shape xmlns:r="http://schemas.openxmlformats.org/officeDocument/2006/relationships" type="rect" r:blip="" blipPhldr="1">
+            <dgm:adjLst/>
+          </dgm:shape>
+          <dgm:presOf/>
+          <dgm:constrLst/>
+          <dgm:ruleLst/>
+        </dgm:layoutNode>
+        <dgm:layoutNode name="iconSpace">
+          <dgm:alg type="sp"/>
+          <dgm:shape xmlns:r="http://schemas.openxmlformats.org/officeDocument/2006/relationships" r:blip="">
+            <dgm:adjLst/>
+          </dgm:shape>
+          <dgm:presOf/>
+          <dgm:constrLst/>
+          <dgm:ruleLst/>
+        </dgm:layoutNode>
+        <dgm:layoutNode name="parTx" styleLbl="revTx">
+          <dgm:varLst>
+            <dgm:chMax val="0"/>
+            <dgm:chPref val="0"/>
+          </dgm:varLst>
+          <dgm:alg type="tx">
+            <dgm:param type="txAnchorVert" val="t"/>
+            <dgm:param type="parTxLTRAlign" val="l"/>
+            <dgm:param type="shpTxLTRAlignCh" val="l"/>
+            <dgm:param type="parTxRTLAlign" val="r"/>
+            <dgm:param type="shpTxRTLAlignCh" val="r"/>
+          </dgm:alg>
+          <dgm:shape xmlns:r="http://schemas.openxmlformats.org/officeDocument/2006/relationships" type="rect" r:blip="">
+            <dgm:adjLst/>
+          </dgm:shape>
+          <dgm:presOf axis="self" ptType="node"/>
+          <dgm:constrLst>
+            <dgm:constr type="lMarg"/>
+            <dgm:constr type="rMarg"/>
+            <dgm:constr type="tMarg"/>
+            <dgm:constr type="bMarg"/>
+          </dgm:constrLst>
+          <dgm:ruleLst>
+            <dgm:rule type="primFontSz" val="14" fact="NaN" max="NaN"/>
+            <dgm:rule type="h" val="INF" fact="NaN" max="NaN"/>
+          </dgm:ruleLst>
+        </dgm:layoutNode>
+        <dgm:layoutNode name="txSpace">
+          <dgm:alg type="sp"/>
+          <dgm:shape xmlns:r="http://schemas.openxmlformats.org/officeDocument/2006/relationships" r:blip="">
+            <dgm:adjLst/>
+          </dgm:shape>
+          <dgm:presOf/>
+          <dgm:constrLst/>
+          <dgm:ruleLst/>
+        </dgm:layoutNode>
+        <dgm:layoutNode name="desTx" styleLbl="revTx">
+          <dgm:varLst/>
+          <dgm:alg type="tx">
+            <dgm:param type="stBulletLvl" val="0"/>
+            <dgm:param type="txAnchorVert" val="t"/>
+            <dgm:param type="parTxLTRAlign" val="l"/>
+            <dgm:param type="shpTxLTRAlignCh" val="l"/>
+            <dgm:param type="parTxRTLAlign" val="r"/>
+            <dgm:param type="shpTxRTLAlignCh" val="r"/>
+          </dgm:alg>
+          <dgm:shape xmlns:r="http://schemas.openxmlformats.org/officeDocument/2006/relationships" type="rect" r:blip="">
+            <dgm:adjLst/>
+          </dgm:shape>
+          <dgm:presOf axis="des" ptType="node"/>
+          <dgm:constrLst>
+            <dgm:constr type="secFontSz" refType="primFontSz"/>
+            <dgm:constr type="lMarg"/>
+            <dgm:constr type="rMarg"/>
+            <dgm:constr type="tMarg"/>
+            <dgm:constr type="bMarg"/>
+          </dgm:constrLst>
+          <dgm:ruleLst>
+            <dgm:rule type="primFontSz" val="NaN" fact="NaN" max="17"/>
+            <dgm:rule type="h" val="INF" fact="NaN" max="NaN"/>
+          </dgm:ruleLst>
+        </dgm:layoutNode>
+      </dgm:layoutNode>
+      <dgm:forEach name="Name4" axis="followSib" ptType="sibTrans" cnt="1">
+        <dgm:layoutNode name="sibTrans">
+          <dgm:alg type="sp"/>
+          <dgm:shape xmlns:r="http://schemas.openxmlformats.org/officeDocument/2006/relationships" r:blip="">
+            <dgm:adjLst/>
+          </dgm:shape>
+          <dgm:presOf axis="self"/>
+          <dgm:constrLst/>
+          <dgm:ruleLst/>
+        </dgm:layoutNode>
+      </dgm:forEach>
+    </dgm:forEach>
+  </dgm:layoutNode>
+  <dgm:extLst>
+    <a:ext uri="{68A01E43-0DF5-4B5B-8FA6-DAF915123BFB}">
+      <dgm1612:lstStyle xmlns:dgm1612="http://schemas.microsoft.com/office/drawing/2016/12/diagram">
+        <a:lvl1pPr>
+          <a:lnSpc>
+            <a:spcPct val="100000"/>
+          </a:lnSpc>
+          <a:defRPr b="1"/>
+        </a:lvl1pPr>
+        <a:lvl2pPr>
+          <a:lnSpc>
+            <a:spcPct val="100000"/>
+          </a:lnSpc>
+        </a:lvl2pPr>
+      </dgm1612:lstStyle>
+    </a:ext>
+  </dgm:extLst>
+</dgm:layoutDef>
+</file>
+
+<file path=ppt/diagrams/layout2.xml><?xml version="1.0" encoding="utf-8"?>
+<dgm:layoutDef xmlns:dgm="http://schemas.openxmlformats.org/drawingml/2006/diagram" xmlns:a="http://schemas.openxmlformats.org/drawingml/2006/main" uniqueId="urn:microsoft.com/office/officeart/2018/2/layout/IconLabelDescriptionList">
+  <dgm:title val="Icon Label Description List"/>
+  <dgm:desc val="Use to show non-sequential or grouped chunks of information. The placeholder holds an icon or small picture, and corresponding text boxes show Level 1 and Level 2 text respectively. Works well for minimal Level 1 text accompanied by lengthier Level two text."/>
+  <dgm:catLst>
+    <dgm:cat type="icon" pri="500"/>
+  </dgm:catLst>
+  <dgm:sampData useDef="1">
+    <dgm:dataModel>
+      <dgm:ptLst/>
+      <dgm:bg/>
+      <dgm:whole/>
+    </dgm:dataModel>
+  </dgm:sampData>
+  <dgm:styleData useDef="1">
+    <dgm:dataModel>
+      <dgm:ptLst/>
+      <dgm:bg/>
+      <dgm:whole/>
+    </dgm:dataModel>
+  </dgm:styleData>
+  <dgm:clrData useDef="1">
+    <dgm:dataModel>
+      <dgm:ptLst/>
+      <dgm:bg/>
+      <dgm:whole/>
+    </dgm:dataModel>
+  </dgm:clrData>
+  <dgm:layoutNode name="root">
+    <dgm:varLst>
+      <dgm:dir/>
+      <dgm:resizeHandles val="exact"/>
+    </dgm:varLst>
+    <dgm:choose name="Name0">
+      <dgm:if name="Name1" axis="self" func="var" arg="dir" op="equ" val="norm">
+        <dgm:alg type="lin"/>
+      </dgm:if>
+      <dgm:else name="Name2">
+        <dgm:alg type="lin">
+          <dgm:param type="linDir" val="fromR"/>
+        </dgm:alg>
+      </dgm:else>
+    </dgm:choose>
+    <dgm:shape xmlns:r="http://schemas.openxmlformats.org/officeDocument/2006/relationships" r:blip="">
+      <dgm:adjLst/>
+    </dgm:shape>
+    <dgm:presOf/>
+    <dgm:constrLst>
+      <dgm:constr type="h" for="ch" forName="compNode" refType="h" fact="0.45"/>
+      <dgm:constr type="w" for="ch" forName="compNode" val="120"/>
+      <dgm:constr type="w" for="ch" forName="sibTrans" refType="w" refFor="ch" refForName="compNode" fact="0.175"/>
+      <dgm:constr type="primFontSz" for="des" forName="parTx" val="36"/>
+      <dgm:constr type="primFontSz" for="des" forName="desTx" refType="primFontSz" refFor="des" refForName="parTx" op="lte" fact="0.75"/>
+      <dgm:constr type="h" for="des" forName="compNode" op="equ"/>
+      <dgm:constr type="h" for="des" forName="iconRect" op="equ"/>
+      <dgm:constr type="w" for="des" forName="iconRect" op="equ"/>
+      <dgm:constr type="h" for="des" forName="iconSpace" op="equ"/>
+      <dgm:constr type="h" for="des" forName="parTx" op="equ"/>
+      <dgm:constr type="h" for="des" forName="txSpace" op="equ"/>
+      <dgm:constr type="h" for="des" forName="desTx" op="equ"/>
+    </dgm:constrLst>
+    <dgm:ruleLst>
+      <dgm:rule type="w" for="ch" forName="compNode" val="0" fact="NaN" max="NaN"/>
+    </dgm:ruleLst>
+    <dgm:forEach name="Name3" axis="ch" ptType="node">
+      <dgm:layoutNode name="compNode">
+        <dgm:alg type="composite"/>
+        <dgm:shape xmlns:r="http://schemas.openxmlformats.org/officeDocument/2006/relationships" r:blip="">
+          <dgm:adjLst/>
+        </dgm:shape>
+        <dgm:presOf axis="self"/>
+        <dgm:constrLst>
+          <dgm:constr type="w" for="ch" forName="iconRect" refType="w" fact="0.35"/>
+          <dgm:constr type="h" for="ch" forName="iconRect" refType="w" refFor="ch" refForName="iconRect"/>
+          <dgm:constr type="l" for="ch" forName="iconRect"/>
+          <dgm:constr type="t" for="ch" forName="iconRect"/>
+          <dgm:constr type="w" for="ch" forName="iconSpace" refType="w"/>
+          <dgm:constr type="h" for="ch" forName="iconSpace" refType="h" fact="0.043"/>
+          <dgm:constr type="l" for="ch" forName="iconSpace"/>
+          <dgm:constr type="t" for="ch" forName="iconSpace" refType="b" refFor="ch" refForName="iconRect"/>
+          <dgm:constr type="w" for="ch" forName="parTx" refType="w"/>
+          <dgm:constr type="h" for="ch" forName="parTx" refType="w" fact="0.15"/>
+          <dgm:constr type="l" for="ch" forName="parTx"/>
+          <dgm:constr type="t" for="ch" forName="parTx" refType="b" refFor="ch" refForName="iconSpace"/>
+          <dgm:constr type="h" for="ch" forName="txSpace" refType="h" fact="0.02"/>
+          <dgm:constr type="w" for="ch" forName="txSpace" refType="w"/>
+          <dgm:constr type="l" for="ch" forName="txSpace"/>
+          <dgm:constr type="t" for="ch" forName="txSpace" refType="b" refFor="ch" refForName="parTx"/>
+          <dgm:constr type="w" for="ch" forName="desTx" refType="w"/>
+          <dgm:constr type="l" for="ch" forName="desTx"/>
+          <dgm:constr type="t" for="ch" forName="desTx" refType="b" refFor="ch" refForName="txSpace"/>
+        </dgm:constrLst>
+        <dgm:ruleLst>
+          <dgm:rule type="h" val="INF" fact="NaN" max="NaN"/>
+        </dgm:ruleLst>
+        <dgm:layoutNode name="iconRect" styleLbl="node1">
+          <dgm:alg type="sp"/>
+          <dgm:shape xmlns:r="http://schemas.openxmlformats.org/officeDocument/2006/relationships" type="rect" r:blip="" blipPhldr="1">
+            <dgm:adjLst/>
+          </dgm:shape>
+          <dgm:presOf/>
+          <dgm:constrLst/>
+          <dgm:ruleLst/>
+        </dgm:layoutNode>
+        <dgm:layoutNode name="iconSpace">
+          <dgm:alg type="sp"/>
+          <dgm:shape xmlns:r="http://schemas.openxmlformats.org/officeDocument/2006/relationships" r:blip="">
+            <dgm:adjLst/>
+          </dgm:shape>
+          <dgm:presOf/>
+          <dgm:constrLst/>
+          <dgm:ruleLst/>
+        </dgm:layoutNode>
+        <dgm:layoutNode name="parTx" styleLbl="revTx">
+          <dgm:varLst>
+            <dgm:chMax val="0"/>
+            <dgm:chPref val="0"/>
+          </dgm:varLst>
+          <dgm:alg type="tx">
+            <dgm:param type="txAnchorVert" val="t"/>
+            <dgm:param type="parTxLTRAlign" val="l"/>
+            <dgm:param type="shpTxLTRAlignCh" val="l"/>
+            <dgm:param type="parTxRTLAlign" val="r"/>
+            <dgm:param type="shpTxRTLAlignCh" val="r"/>
+          </dgm:alg>
+          <dgm:shape xmlns:r="http://schemas.openxmlformats.org/officeDocument/2006/relationships" type="rect" r:blip="">
+            <dgm:adjLst/>
+          </dgm:shape>
+          <dgm:presOf axis="self" ptType="node"/>
+          <dgm:constrLst>
+            <dgm:constr type="lMarg"/>
+            <dgm:constr type="rMarg"/>
+            <dgm:constr type="tMarg"/>
+            <dgm:constr type="bMarg"/>
+          </dgm:constrLst>
+          <dgm:ruleLst>
+            <dgm:rule type="primFontSz" val="14" fact="NaN" max="NaN"/>
+            <dgm:rule type="h" val="INF" fact="NaN" max="NaN"/>
+          </dgm:ruleLst>
+        </dgm:layoutNode>
+        <dgm:layoutNode name="txSpace">
+          <dgm:alg type="sp"/>
+          <dgm:shape xmlns:r="http://schemas.openxmlformats.org/officeDocument/2006/relationships" r:blip="">
+            <dgm:adjLst/>
+          </dgm:shape>
+          <dgm:presOf/>
+          <dgm:constrLst/>
+          <dgm:ruleLst/>
+        </dgm:layoutNode>
+        <dgm:layoutNode name="desTx" styleLbl="revTx">
+          <dgm:varLst/>
+          <dgm:alg type="tx">
+            <dgm:param type="stBulletLvl" val="0"/>
+            <dgm:param type="txAnchorVert" val="t"/>
+            <dgm:param type="parTxLTRAlign" val="l"/>
+            <dgm:param type="shpTxLTRAlignCh" val="l"/>
+            <dgm:param type="parTxRTLAlign" val="r"/>
+            <dgm:param type="shpTxRTLAlignCh" val="r"/>
+          </dgm:alg>
+          <dgm:shape xmlns:r="http://schemas.openxmlformats.org/officeDocument/2006/relationships" type="rect" r:blip="">
+            <dgm:adjLst/>
+          </dgm:shape>
+          <dgm:presOf axis="des" ptType="node"/>
+          <dgm:constrLst>
+            <dgm:constr type="secFontSz" refType="primFontSz"/>
+            <dgm:constr type="lMarg"/>
+            <dgm:constr type="rMarg"/>
+            <dgm:constr type="tMarg"/>
+            <dgm:constr type="bMarg"/>
+          </dgm:constrLst>
+          <dgm:ruleLst>
+            <dgm:rule type="primFontSz" val="NaN" fact="NaN" max="17"/>
+            <dgm:rule type="h" val="INF" fact="NaN" max="NaN"/>
+          </dgm:ruleLst>
+        </dgm:layoutNode>
+      </dgm:layoutNode>
+      <dgm:forEach name="Name4" axis="followSib" ptType="sibTrans" cnt="1">
+        <dgm:layoutNode name="sibTrans">
+          <dgm:alg type="sp"/>
+          <dgm:shape xmlns:r="http://schemas.openxmlformats.org/officeDocument/2006/relationships" r:blip="">
+            <dgm:adjLst/>
+          </dgm:shape>
+          <dgm:presOf axis="self"/>
+          <dgm:constrLst/>
+          <dgm:ruleLst/>
+        </dgm:layoutNode>
+      </dgm:forEach>
+    </dgm:forEach>
+  </dgm:layoutNode>
+  <dgm:extLst>
+    <a:ext uri="{68A01E43-0DF5-4B5B-8FA6-DAF915123BFB}">
+      <dgm1612:lstStyle xmlns:dgm1612="http://schemas.microsoft.com/office/drawing/2016/12/diagram">
+        <a:lvl1pPr>
+          <a:lnSpc>
+            <a:spcPct val="100000"/>
+          </a:lnSpc>
+          <a:defRPr b="1"/>
+        </a:lvl1pPr>
+        <a:lvl2pPr>
+          <a:lnSpc>
+            <a:spcPct val="100000"/>
+          </a:lnSpc>
+        </a:lvl2pPr>
+      </dgm1612:lstStyle>
+    </a:ext>
+  </dgm:extLst>
+</dgm:layoutDef>
+</file>
+
+<file path=ppt/diagrams/quickStyle1.xml><?xml version="1.0" encoding="utf-8"?>
+<dgm:styleDef xmlns:dgm="http://schemas.openxmlformats.org/drawingml/2006/diagram" xmlns:a="http://schemas.openxmlformats.org/drawingml/2006/main" uniqueId="urn:microsoft.com/office/officeart/2005/8/quickstyle/simple1">
+  <dgm:title val=""/>
+  <dgm:desc val=""/>
+  <dgm:catLst>
+    <dgm:cat type="simple" pri="10100"/>
+  </dgm:catLst>
+  <dgm:scene3d>
+    <a:camera prst="orthographicFront"/>
+    <a:lightRig rig="threePt" dir="t"/>
+  </dgm:scene3d>
+  <dgm:styleLbl name="node0">
+    <dgm:scene3d>
+      <a:camera prst="orthographicFront"/>
+      <a:lightRig rig="threePt" dir="t"/>
+    </dgm:scene3d>
+    <dgm:sp3d/>
+    <dgm:txPr/>
+    <dgm:style>
+      <a:lnRef idx="2">
+        <a:scrgbClr r="0" g="0" b="0"/>
+      </a:lnRef>
+      <a:fillRef idx="1">
+        <a:scrgbClr r="0" g="0" b="0"/>
+      </a:fillRef>
+      <a:effectRef idx="0">
+        <a:scrgbClr r="0" g="0" b="0"/>
+      </a:effectRef>
+      <a:fontRef idx="minor">
+        <a:schemeClr val="lt1"/>
+      </a:fontRef>
+    </dgm:style>
+  </dgm:styleLbl>
+  <dgm:styleLbl name="lnNode1">
+    <dgm:scene3d>
+      <a:camera prst="orthographicFront"/>
+      <a:lightRig rig="threePt" dir="t"/>
+    </dgm:scene3d>
+    <dgm:sp3d/>
+    <dgm:txPr/>
+    <dgm:style>
+      <a:lnRef idx="2">
+        <a:scrgbClr r="0" g="0" b="0"/>
+      </a:lnRef>
+      <a:fillRef idx="1">
+        <a:scrgbClr r="0" g="0" b="0"/>
+      </a:fillRef>
+      <a:effectRef idx="0">
+        <a:scrgbClr r="0" g="0" b="0"/>
+      </a:effectRef>
+      <a:fontRef idx="minor">
+        <a:schemeClr val="lt1"/>
+      </a:fontRef>
+    </dgm:style>
+  </dgm:styleLbl>
+  <dgm:styleLbl name="vennNode1">
+    <dgm:scene3d>
+      <a:camera prst="orthographicFront"/>
+      <a:lightRig rig="threePt" dir="t"/>
+    </dgm:scene3d>
+    <dgm:sp3d/>
+    <dgm:txPr/>
+    <dgm:style>
+      <a:lnRef idx="2">
+        <a:scrgbClr r="0" g="0" b="0"/>
+      </a:lnRef>
+      <a:fillRef idx="1">
+        <a:scrgbClr r="0" g="0" b="0"/>
+      </a:fillRef>
+      <a:effectRef idx="0">
+        <a:scrgbClr r="0" g="0" b="0"/>
+      </a:effectRef>
+      <a:fontRef idx="minor">
+        <a:schemeClr val="tx1"/>
+      </a:fontRef>
+    </dgm:style>
+  </dgm:styleLbl>
+  <dgm:styleLbl name="alignNode1">
+    <dgm:scene3d>
+      <a:camera prst="orthographicFront"/>
+      <a:lightRig rig="threePt" dir="t"/>
+    </dgm:scene3d>
+    <dgm:sp3d/>
+    <dgm:txPr/>
+    <dgm:style>
+      <a:lnRef idx="2">
+        <a:scrgbClr r="0" g="0" b="0"/>
+      </a:lnRef>
+      <a:fillRef idx="1">
+        <a:scrgbClr r="0" g="0" b="0"/>
+      </a:fillRef>
+      <a:effectRef idx="0">
+        <a:scrgbClr r="0" g="0" b="0"/>
+      </a:effectRef>
+      <a:fontRef idx="minor">
+        <a:schemeClr val="lt1"/>
+      </a:fontRef>
+    </dgm:style>
+  </dgm:styleLbl>
+  <dgm:styleLbl name="node1">
+    <dgm:scene3d>
+      <a:camera prst="orthographicFront"/>
+      <a:lightRig rig="threePt" dir="t"/>
+    </dgm:scene3d>
+    <dgm:sp3d/>
+    <dgm:txPr/>
+    <dgm:style>
+      <a:lnRef idx="2">
+        <a:scrgbClr r="0" g="0" b="0"/>
+      </a:lnRef>
+      <a:fillRef idx="1">
+        <a:scrgbClr r="0" g="0" b="0"/>
+      </a:fillRef>
+      <a:effectRef idx="0">
+        <a:scrgbClr r="0" g="0" b="0"/>
+      </a:effectRef>
+      <a:fontRef idx="minor">
+        <a:schemeClr val="lt1"/>
+      </a:fontRef>
+    </dgm:style>
+  </dgm:styleLbl>
+  <dgm:styleLbl name="node2">
+    <dgm:scene3d>
+      <a:camera prst="orthographicFront"/>
+      <a:lightRig rig="threePt" dir="t"/>
+    </dgm:scene3d>
+    <dgm:sp3d/>
+    <dgm:txPr/>
+    <dgm:style>
+      <a:lnRef idx="2">
+        <a:scrgbClr r="0" g="0" b="0"/>
+      </a:lnRef>
+      <a:fillRef idx="1">
+        <a:scrgbClr r="0" g="0" b="0"/>
+      </a:fillRef>
+      <a:effectRef idx="0">
+        <a:scrgbClr r="0" g="0" b="0"/>
+      </a:effectRef>
+      <a:fontRef idx="minor">
+        <a:schemeClr val="lt1"/>
+      </a:fontRef>
+    </dgm:style>
+  </dgm:styleLbl>
+  <dgm:styleLbl name="node3">
+    <dgm:scene3d>
+      <a:camera prst="orthographicFront"/>
+      <a:lightRig rig="threePt" dir="t"/>
+    </dgm:scene3d>
+    <dgm:sp3d/>
+    <dgm:txPr/>
+    <dgm:style>
+      <a:lnRef idx="2">
+        <a:scrgbClr r="0" g="0" b="0"/>
+      </a:lnRef>
+      <a:fillRef idx="1">
+        <a:scrgbClr r="0" g="0" b="0"/>
+      </a:fillRef>
+      <a:effectRef idx="0">
+        <a:scrgbClr r="0" g="0" b="0"/>
+      </a:effectRef>
+      <a:fontRef idx="minor">
+        <a:schemeClr val="lt1"/>
+      </a:fontRef>
+    </dgm:style>
+  </dgm:styleLbl>
+  <dgm:styleLbl name="node4">
+    <dgm:scene3d>
+      <a:camera prst="orthographicFront"/>
+      <a:lightRig rig="threePt" dir="t"/>
+    </dgm:scene3d>
+    <dgm:sp3d/>
+    <dgm:txPr/>
+    <dgm:style>
+      <a:lnRef idx="2">
+        <a:scrgbClr r="0" g="0" b="0"/>
+      </a:lnRef>
+      <a:fillRef idx="1">
+        <a:scrgbClr r="0" g="0" b="0"/>
+      </a:fillRef>
+      <a:effectRef idx="0">
+        <a:scrgbClr r="0" g="0" b="0"/>
+      </a:effectRef>
+      <a:fontRef idx="minor">
+        <a:schemeClr val="lt1"/>
+      </a:fontRef>
+    </dgm:style>
+  </dgm:styleLbl>
+  <dgm:styleLbl name="fgImgPlace1">
+    <dgm:scene3d>
+      <a:camera prst="orthographicFront"/>
+      <a:lightRig rig="threePt" dir="t"/>
+    </dgm:scene3d>
+    <dgm:sp3d/>
+    <dgm:txPr/>
+    <dgm:style>
+      <a:lnRef idx="2">
+        <a:scrgbClr r="0" g="0" b="0"/>
+      </a:lnRef>
+      <a:fillRef idx="1">
+        <a:scrgbClr r="0" g="0" b="0"/>
+      </a:fillRef>
+      <a:effectRef idx="0">
+        <a:scrgbClr r="0" g="0" b="0"/>
+      </a:effectRef>
+      <a:fontRef idx="minor"/>
+    </dgm:style>
+  </dgm:styleLbl>
+  <dgm:styleLbl name="alignImgPlace1">
+    <dgm:scene3d>
+      <a:camera prst="orthographicFront"/>
+      <a:lightRig rig="threePt" dir="t"/>
+    </dgm:scene3d>
+    <dgm:sp3d/>
+    <dgm:txPr/>
+    <dgm:style>
+      <a:lnRef idx="2">
+        <a:scrgbClr r="0" g="0" b="0"/>
+      </a:lnRef>
+      <a:fillRef idx="1">
+        <a:scrgbClr r="0" g="0" b="0"/>
+      </a:fillRef>
+      <a:effectRef idx="0">
+        <a:scrgbClr r="0" g="0" b="0"/>
+      </a:effectRef>
+      <a:fontRef idx="minor"/>
+    </dgm:style>
+  </dgm:styleLbl>
+  <dgm:styleLbl name="bgImgPlace1">
+    <dgm:scene3d>
+      <a:camera prst="orthographicFront"/>
+      <a:lightRig rig="threePt" dir="t"/>
+    </dgm:scene3d>
+    <dgm:sp3d/>
+    <dgm:txPr/>
+    <dgm:style>
+      <a:lnRef idx="2">
+        <a:scrgbClr r="0" g="0" b="0"/>
+      </a:lnRef>
+      <a:fillRef idx="1">
+        <a:scrgbClr r="0" g="0" b="0"/>
+      </a:fillRef>
+      <a:effectRef idx="0">
+        <a:scrgbClr r="0" g="0" b="0"/>
+      </a:effectRef>
+      <a:fontRef idx="minor"/>
+    </dgm:style>
+  </dgm:styleLbl>
+  <dgm:styleLbl name="sibTrans2D1">
+    <dgm:scene3d>
+      <a:camera prst="orthographicFront"/>
+      <a:lightRig rig="threePt" dir="t"/>
+    </dgm:scene3d>
+    <dgm:sp3d/>
+    <dgm:txPr/>
+    <dgm:style>
+      <a:lnRef idx="0">
+        <a:scrgbClr r="0" g="0" b="0"/>
+      </a:lnRef>
+      <a:fillRef idx="1">
+        <a:scrgbClr r="0" g="0" b="0"/>
+      </a:fillRef>
+      <a:effectRef idx="0">
+        <a:scrgbClr r="0" g="0" b="0"/>
+      </a:effectRef>
+      <a:fontRef idx="minor">
+        <a:schemeClr val="lt1"/>
+      </a:fontRef>
+    </dgm:style>
+  </dgm:styleLbl>
+  <dgm:styleLbl name="fgSibTrans2D1">
+    <dgm:scene3d>
+      <a:camera prst="orthographicFront"/>
+      <a:lightRig rig="threePt" dir="t"/>
+    </dgm:scene3d>
+    <dgm:sp3d/>
+    <dgm:txPr/>
+    <dgm:style>
+      <a:lnRef idx="0">
+        <a:scrgbClr r="0" g="0" b="0"/>
+      </a:lnRef>
+      <a:fillRef idx="1">
+        <a:scrgbClr r="0" g="0" b="0"/>
+      </a:fillRef>
+      <a:effectRef idx="0">
+        <a:scrgbClr r="0" g="0" b="0"/>
+      </a:effectRef>
+      <a:fontRef idx="minor">
+        <a:schemeClr val="lt1"/>
+      </a:fontRef>
+    </dgm:style>
+  </dgm:styleLbl>
+  <dgm:styleLbl name="bgSibTrans2D1">
+    <dgm:scene3d>
+      <a:camera prst="orthographicFront"/>
+      <a:lightRig rig="threePt" dir="t"/>
+    </dgm:scene3d>
+    <dgm:sp3d/>
+    <dgm:txPr/>
+    <dgm:style>
+      <a:lnRef idx="0">
+        <a:scrgbClr r="0" g="0" b="0"/>
+      </a:lnRef>
+      <a:fillRef idx="1">
+        <a:scrgbClr r="0" g="0" b="0"/>
+      </a:fillRef>
+      <a:effectRef idx="0">
+        <a:scrgbClr r="0" g="0" b="0"/>
+      </a:effectRef>
+      <a:fontRef idx="minor">
+        <a:schemeClr val="lt1"/>
+      </a:fontRef>
+    </dgm:style>
+  </dgm:styleLbl>
+  <dgm:styleLbl name="sibTrans1D1">
+    <dgm:scene3d>
+      <a:camera prst="orthographicFront"/>
+      <a:lightRig rig="threePt" dir="t"/>
+    </dgm:scene3d>
+    <dgm:sp3d/>
+    <dgm:txPr/>
+    <dgm:style>
+      <a:lnRef idx="1">
+        <a:scrgbClr r="0" g="0" b="0"/>
+      </a:lnRef>
+      <a:fillRef idx="0">
+        <a:scrgbClr r="0" g="0" b="0"/>
+      </a:fillRef>
+      <a:effectRef idx="0">
+        <a:scrgbClr r="0" g="0" b="0"/>
+      </a:effectRef>
+      <a:fontRef idx="minor"/>
+    </dgm:style>
+  </dgm:styleLbl>
+  <dgm:styleLbl name="callout">
+    <dgm:scene3d>
+      <a:camera prst="orthographicFront"/>
+      <a:lightRig rig="threePt" dir="t"/>
+    </dgm:scene3d>
+    <dgm:sp3d/>
+    <dgm:txPr/>
+    <dgm:style>
+      <a:lnRef idx="2">
+        <a:scrgbClr r="0" g="0" b="0"/>
+      </a:lnRef>
+      <a:fillRef idx="1">
+        <a:scrgbClr r="0" g="0" b="0"/>
+      </a:fillRef>
+      <a:effectRef idx="0">
+        <a:scrgbClr r="0" g="0" b="0"/>
+      </a:effectRef>
+      <a:fontRef idx="minor"/>
+    </dgm:style>
+  </dgm:styleLbl>
+  <dgm:styleLbl name="asst0">
+    <dgm:scene3d>
+      <a:camera prst="orthographicFront"/>
+      <a:lightRig rig="threePt" dir="t"/>
+    </dgm:scene3d>
+    <dgm:sp3d/>
+    <dgm:txPr/>
+    <dgm:style>
+      <a:lnRef idx="2">
+        <a:scrgbClr r="0" g="0" b="0"/>
+      </a:lnRef>
+      <a:fillRef idx="1">
+        <a:scrgbClr r="0" g="0" b="0"/>
+      </a:fillRef>
+      <a:effectRef idx="0">
+        <a:scrgbClr r="0" g="0" b="0"/>
+      </a:effectRef>
+      <a:fontRef idx="minor">
+        <a:schemeClr val="lt1"/>
+      </a:fontRef>
+    </dgm:style>
+  </dgm:styleLbl>
+  <dgm:styleLbl name="asst1">
+    <dgm:scene3d>
+      <a:camera prst="orthographicFront"/>
+      <a:lightRig rig="threePt" dir="t"/>
+    </dgm:scene3d>
+    <dgm:sp3d/>
+    <dgm:txPr/>
+    <dgm:style>
+      <a:lnRef idx="2">
+        <a:scrgbClr r="0" g="0" b="0"/>
+      </a:lnRef>
+      <a:fillRef idx="1">
+        <a:scrgbClr r="0" g="0" b="0"/>
+      </a:fillRef>
+      <a:effectRef idx="0">
+        <a:scrgbClr r="0" g="0" b="0"/>
+      </a:effectRef>
+      <a:fontRef idx="minor">
+        <a:schemeClr val="lt1"/>
+      </a:fontRef>
+    </dgm:style>
+  </dgm:styleLbl>
+  <dgm:styleLbl name="asst2">
+    <dgm:scene3d>
+      <a:camera prst="orthographicFront"/>
+      <a:lightRig rig="threePt" dir="t"/>
+    </dgm:scene3d>
+    <dgm:sp3d/>
+    <dgm:txPr/>
+    <dgm:style>
+      <a:lnRef idx="2">
+        <a:scrgbClr r="0" g="0" b="0"/>
+      </a:lnRef>
+      <a:fillRef idx="1">
+        <a:scrgbClr r="0" g="0" b="0"/>
+      </a:fillRef>
+      <a:effectRef idx="0">
+        <a:scrgbClr r="0" g="0" b="0"/>
+      </a:effectRef>
+      <a:fontRef idx="minor">
+        <a:schemeClr val="lt1"/>
+      </a:fontRef>
+    </dgm:style>
+  </dgm:styleLbl>
+  <dgm:styleLbl name="asst3">
+    <dgm:scene3d>
+      <a:camera prst="orthographicFront"/>
+      <a:lightRig rig="threePt" dir="t"/>
+    </dgm:scene3d>
+    <dgm:sp3d/>
+    <dgm:txPr/>
+    <dgm:style>
+      <a:lnRef idx="2">
+        <a:scrgbClr r="0" g="0" b="0"/>
+      </a:lnRef>
+      <a:fillRef idx="1">
+        <a:scrgbClr r="0" g="0" b="0"/>
+      </a:fillRef>
+      <a:effectRef idx="0">
+        <a:scrgbClr r="0" g="0" b="0"/>
+      </a:effectRef>
+      <a:fontRef idx="minor">
+        <a:schemeClr val="lt1"/>
+      </a:fontRef>
+    </dgm:style>
+  </dgm:styleLbl>
+  <dgm:styleLbl name="asst4">
+    <dgm:scene3d>
+      <a:camera prst="orthographicFront"/>
+      <a:lightRig rig="threePt" dir="t"/>
+    </dgm:scene3d>
+    <dgm:sp3d/>
+    <dgm:txPr/>
+    <dgm:style>
+      <a:lnRef idx="2">
+        <a:scrgbClr r="0" g="0" b="0"/>
+      </a:lnRef>
+      <a:fillRef idx="1">
+        <a:scrgbClr r="0" g="0" b="0"/>
+      </a:fillRef>
+      <a:effectRef idx="0">
+        <a:scrgbClr r="0" g="0" b="0"/>
+      </a:effectRef>
+      <a:fontRef idx="minor">
+        <a:schemeClr val="lt1"/>
+      </a:fontRef>
+    </dgm:style>
+  </dgm:styleLbl>
+  <dgm:styleLbl name="parChTrans2D1">
+    <dgm:scene3d>
+      <a:camera prst="orthographicFront"/>
+      <a:lightRig rig="threePt" dir="t"/>
+    </dgm:scene3d>
+    <dgm:sp3d/>
+    <dgm:txPr/>
+    <dgm:style>
+      <a:lnRef idx="2">
+        <a:scrgbClr r="0" g="0" b="0"/>
+      </a:lnRef>
+      <a:fillRef idx="1">
+        <a:scrgbClr r="0" g="0" b="0"/>
+      </a:fillRef>
+      <a:effectRef idx="0">
+        <a:scrgbClr r="0" g="0" b="0"/>
+      </a:effectRef>
+      <a:fontRef idx="minor">
+        <a:schemeClr val="lt1"/>
+      </a:fontRef>
+    </dgm:style>
+  </dgm:styleLbl>
+  <dgm:styleLbl name="parChTrans2D2">
+    <dgm:scene3d>
+      <a:camera prst="orthographicFront"/>
+      <a:lightRig rig="threePt" dir="t"/>
+    </dgm:scene3d>
+    <dgm:sp3d/>
+    <dgm:txPr/>
+    <dgm:style>
+      <a:lnRef idx="2">
+        <a:scrgbClr r="0" g="0" b="0"/>
+      </a:lnRef>
+      <a:fillRef idx="1">
+        <a:scrgbClr r="0" g="0" b="0"/>
+      </a:fillRef>
+      <a:effectRef idx="0">
+        <a:scrgbClr r="0" g="0" b="0"/>
+      </a:effectRef>
+      <a:fontRef idx="minor">
+        <a:schemeClr val="lt1"/>
+      </a:fontRef>
+    </dgm:style>
+  </dgm:styleLbl>
+  <dgm:styleLbl name="parChTrans2D3">
+    <dgm:scene3d>
+      <a:camera prst="orthographicFront"/>
+      <a:lightRig rig="threePt" dir="t"/>
+    </dgm:scene3d>
+    <dgm:sp3d/>
+    <dgm:txPr/>
+    <dgm:style>
+      <a:lnRef idx="2">
+        <a:scrgbClr r="0" g="0" b="0"/>
+      </a:lnRef>
+      <a:fillRef idx="1">
+        <a:scrgbClr r="0" g="0" b="0"/>
+      </a:fillRef>
+      <a:effectRef idx="0">
+        <a:scrgbClr r="0" g="0" b="0"/>
+      </a:effectRef>
+      <a:fontRef idx="minor">
+        <a:schemeClr val="lt1"/>
+      </a:fontRef>
+    </dgm:style>
+  </dgm:styleLbl>
+  <dgm:styleLbl name="parChTrans2D4">
+    <dgm:scene3d>
+      <a:camera prst="orthographicFront"/>
+      <a:lightRig rig="threePt" dir="t"/>
+    </dgm:scene3d>
+    <dgm:sp3d/>
+    <dgm:txPr/>
+    <dgm:style>
+      <a:lnRef idx="2">
+        <a:scrgbClr r="0" g="0" b="0"/>
+      </a:lnRef>
+      <a:fillRef idx="1">
+        <a:scrgbClr r="0" g="0" b="0"/>
+      </a:fillRef>
+      <a:effectRef idx="0">
+        <a:scrgbClr r="0" g="0" b="0"/>
+      </a:effectRef>
+      <a:fontRef idx="minor">
+        <a:schemeClr val="lt1"/>
+      </a:fontRef>
+    </dgm:style>
+  </dgm:styleLbl>
+  <dgm:styleLbl name="parChTrans1D1">
+    <dgm:scene3d>
+      <a:camera prst="orthographicFront"/>
+      <a:lightRig rig="threePt" dir="t"/>
+    </dgm:scene3d>
+    <dgm:sp3d/>
+    <dgm:txPr/>
+    <dgm:style>
+      <a:lnRef idx="2">
+        <a:scrgbClr r="0" g="0" b="0"/>
+      </a:lnRef>
+      <a:fillRef idx="0">
+        <a:scrgbClr r="0" g="0" b="0"/>
+      </a:fillRef>
+      <a:effectRef idx="0">
+        <a:scrgbClr r="0" g="0" b="0"/>
+      </a:effectRef>
+      <a:fontRef idx="minor"/>
+    </dgm:style>
+  </dgm:styleLbl>
+  <dgm:styleLbl name="parChTrans1D2">
+    <dgm:scene3d>
+      <a:camera prst="orthographicFront"/>
+      <a:lightRig rig="threePt" dir="t"/>
+    </dgm:scene3d>
+    <dgm:sp3d/>
+    <dgm:txPr/>
+    <dgm:style>
+      <a:lnRef idx="2">
+        <a:scrgbClr r="0" g="0" b="0"/>
+      </a:lnRef>
+      <a:fillRef idx="0">
+        <a:scrgbClr r="0" g="0" b="0"/>
+      </a:fillRef>
+      <a:effectRef idx="0">
+        <a:scrgbClr r="0" g="0" b="0"/>
+      </a:effectRef>
+      <a:fontRef idx="minor"/>
+    </dgm:style>
+  </dgm:styleLbl>
+  <dgm:styleLbl name="parChTrans1D3">
+    <dgm:scene3d>
+      <a:camera prst="orthographicFront"/>
+      <a:lightRig rig="threePt" dir="t"/>
+    </dgm:scene3d>
+    <dgm:sp3d/>
+    <dgm:txPr/>
+    <dgm:style>
+      <a:lnRef idx="2">
+        <a:scrgbClr r="0" g="0" b="0"/>
+      </a:lnRef>
+      <a:fillRef idx="0">
+        <a:scrgbClr r="0" g="0" b="0"/>
+      </a:fillRef>
+      <a:effectRef idx="0">
+        <a:scrgbClr r="0" g="0" b="0"/>
+      </a:effectRef>
+      <a:fontRef idx="minor"/>
+    </dgm:style>
+  </dgm:styleLbl>
+  <dgm:styleLbl name="parChTrans1D4">
+    <dgm:scene3d>
+      <a:camera prst="orthographicFront"/>
+      <a:lightRig rig="threePt" dir="t"/>
+    </dgm:scene3d>
+    <dgm:sp3d/>
+    <dgm:txPr/>
+    <dgm:style>
+      <a:lnRef idx="2">
+        <a:scrgbClr r="0" g="0" b="0"/>
+      </a:lnRef>
+      <a:fillRef idx="0">
+        <a:scrgbClr r="0" g="0" b="0"/>
+      </a:fillRef>
+      <a:effectRef idx="0">
+        <a:scrgbClr r="0" g="0" b="0"/>
+      </a:effectRef>
+      <a:fontRef idx="minor"/>
+    </dgm:style>
+  </dgm:styleLbl>
+  <dgm:styleLbl name="fgAcc1">
+    <dgm:scene3d>
+      <a:camera prst="orthographicFront"/>
+      <a:lightRig rig="threePt" dir="t"/>
+    </dgm:scene3d>
+    <dgm:sp3d/>
+    <dgm:txPr/>
+    <dgm:style>
+      <a:lnRef idx="2">
+        <a:scrgbClr r="0" g="0" b="0"/>
+      </a:lnRef>
+      <a:fillRef idx="1">
+        <a:scrgbClr r="0" g="0" b="0"/>
+      </a:fillRef>
+      <a:effectRef idx="0">
+        <a:scrgbClr r="0" g="0" b="0"/>
+      </a:effectRef>
+      <a:fontRef idx="minor"/>
+    </dgm:style>
+  </dgm:styleLbl>
+  <dgm:styleLbl name="conFgAcc1">
+    <dgm:scene3d>
+      <a:camera prst="orthographicFront"/>
+      <a:lightRig rig="threePt" dir="t"/>
+    </dgm:scene3d>
+    <dgm:sp3d/>
+    <dgm:txPr/>
+    <dgm:style>
+      <a:lnRef idx="2">
+        <a:scrgbClr r="0" g="0" b="0"/>
+      </a:lnRef>
+      <a:fillRef idx="1">
+        <a:scrgbClr r="0" g="0" b="0"/>
+      </a:fillRef>
+      <a:effectRef idx="0">
+        <a:scrgbClr r="0" g="0" b="0"/>
+      </a:effectRef>
+      <a:fontRef idx="minor"/>
+    </dgm:style>
+  </dgm:styleLbl>
+  <dgm:styleLbl name="alignAcc1">
+    <dgm:scene3d>
+      <a:camera prst="orthographicFront"/>
+      <a:lightRig rig="threePt" dir="t"/>
+    </dgm:scene3d>
+    <dgm:sp3d/>
+    <dgm:txPr/>
+    <dgm:style>
+      <a:lnRef idx="2">
+        <a:scrgbClr r="0" g="0" b="0"/>
+      </a:lnRef>
+      <a:fillRef idx="1">
+        <a:scrgbClr r="0" g="0" b="0"/>
+      </a:fillRef>
+      <a:effectRef idx="0">
+        <a:scrgbClr r="0" g="0" b="0"/>
+      </a:effectRef>
+      <a:fontRef idx="minor"/>
+    </dgm:style>
+  </dgm:styleLbl>
+  <dgm:styleLbl name="trAlignAcc1">
+    <dgm:scene3d>
+      <a:camera prst="orthographicFront"/>
+      <a:lightRig rig="threePt" dir="t"/>
+    </dgm:scene3d>
+    <dgm:sp3d/>
+    <dgm:txPr/>
+    <dgm:style>
+      <a:lnRef idx="1">
+        <a:scrgbClr r="0" g="0" b="0"/>
+      </a:lnRef>
+      <a:fillRef idx="1">
+        <a:scrgbClr r="0" g="0" b="0"/>
+      </a:fillRef>
+      <a:effectRef idx="0">
+        <a:scrgbClr r="0" g="0" b="0"/>
+      </a:effectRef>
+      <a:fontRef idx="minor"/>
+    </dgm:style>
+  </dgm:styleLbl>
+  <dgm:styleLbl name="bgAcc1">
+    <dgm:scene3d>
+      <a:camera prst="orthographicFront"/>
+      <a:lightRig rig="threePt" dir="t"/>
+    </dgm:scene3d>
+    <dgm:sp3d/>
+    <dgm:txPr/>
+    <dgm:style>
+      <a:lnRef idx="2">
+        <a:scrgbClr r="0" g="0" b="0"/>
+      </a:lnRef>
+      <a:fillRef idx="1">
+        <a:scrgbClr r="0" g="0" b="0"/>
+      </a:fillRef>
+      <a:effectRef idx="0">
+        <a:scrgbClr r="0" g="0" b="0"/>
+      </a:effectRef>
+      <a:fontRef idx="minor"/>
+    </dgm:style>
+  </dgm:styleLbl>
+  <dgm:styleLbl name="solidFgAcc1">
+    <dgm:scene3d>
+      <a:camera prst="orthographicFront"/>
+      <a:lightRig rig="threePt" dir="t"/>
+    </dgm:scene3d>
+    <dgm:sp3d/>
+    <dgm:txPr/>
+    <dgm:style>
+      <a:lnRef idx="2">
+        <a:scrgbClr r="0" g="0" b="0"/>
+      </a:lnRef>
+      <a:fillRef idx="1">
+        <a:scrgbClr r="0" g="0" b="0"/>
+      </a:fillRef>
+      <a:effectRef idx="0">
+        <a:scrgbClr r="0" g="0" b="0"/>
+      </a:effectRef>
+      <a:fontRef idx="minor"/>
+    </dgm:style>
+  </dgm:styleLbl>
+  <dgm:styleLbl name="solidAlignAcc1">
+    <dgm:scene3d>
+      <a:camera prst="orthographicFront"/>
+      <a:lightRig rig="threePt" dir="t"/>
+    </dgm:scene3d>
+    <dgm:sp3d/>
+    <dgm:txPr/>
+    <dgm:style>
+      <a:lnRef idx="2">
+        <a:scrgbClr r="0" g="0" b="0"/>
+      </a:lnRef>
+      <a:fillRef idx="1">
+        <a:scrgbClr r="0" g="0" b="0"/>
+      </a:fillRef>
+      <a:effectRef idx="0">
+        <a:scrgbClr r="0" g="0" b="0"/>
+      </a:effectRef>
+      <a:fontRef idx="minor"/>
+    </dgm:style>
+  </dgm:styleLbl>
+  <dgm:styleLbl name="solidBgAcc1">
+    <dgm:scene3d>
+      <a:camera prst="orthographicFront"/>
+      <a:lightRig rig="threePt" dir="t"/>
+    </dgm:scene3d>
+    <dgm:sp3d/>
+    <dgm:txPr/>
+    <dgm:style>
+      <a:lnRef idx="2">
+        <a:scrgbClr r="0" g="0" b="0"/>
+      </a:lnRef>
+      <a:fillRef idx="1">
+        <a:scrgbClr r="0" g="0" b="0"/>
+      </a:fillRef>
+      <a:effectRef idx="0">
+        <a:scrgbClr r="0" g="0" b="0"/>
+      </a:effectRef>
+      <a:fontRef idx="minor"/>
+    </dgm:style>
+  </dgm:styleLbl>
+  <dgm:styleLbl name="fgAccFollowNode1">
+    <dgm:scene3d>
+      <a:camera prst="orthographicFront"/>
+      <a:lightRig rig="threePt" dir="t"/>
+    </dgm:scene3d>
+    <dgm:sp3d/>
+    <dgm:txPr/>
+    <dgm:style>
+      <a:lnRef idx="2">
+        <a:scrgbClr r="0" g="0" b="0"/>
+      </a:lnRef>
+      <a:fillRef idx="1">
+        <a:scrgbClr r="0" g="0" b="0"/>
+      </a:fillRef>
+      <a:effectRef idx="0">
+        <a:scrgbClr r="0" g="0" b="0"/>
+      </a:effectRef>
+      <a:fontRef idx="minor"/>
+    </dgm:style>
+  </dgm:styleLbl>
+  <dgm:styleLbl name="alignAccFollowNode1">
+    <dgm:scene3d>
+      <a:camera prst="orthographicFront"/>
+      <a:lightRig rig="threePt" dir="t"/>
+    </dgm:scene3d>
+    <dgm:sp3d/>
+    <dgm:txPr/>
+    <dgm:style>
+      <a:lnRef idx="2">
+        <a:scrgbClr r="0" g="0" b="0"/>
+      </a:lnRef>
+      <a:fillRef idx="1">
+        <a:scrgbClr r="0" g="0" b="0"/>
+      </a:fillRef>
+      <a:effectRef idx="0">
+        <a:scrgbClr r="0" g="0" b="0"/>
+      </a:effectRef>
+      <a:fontRef idx="minor"/>
+    </dgm:style>
+  </dgm:styleLbl>
+  <dgm:styleLbl name="bgAccFollowNode1">
+    <dgm:scene3d>
+      <a:camera prst="orthographicFront"/>
+      <a:lightRig rig="threePt" dir="t"/>
+    </dgm:scene3d>
+    <dgm:sp3d/>
+    <dgm:txPr/>
+    <dgm:style>
+      <a:lnRef idx="2">
+        <a:scrgbClr r="0" g="0" b="0"/>
+      </a:lnRef>
+      <a:fillRef idx="1">
+        <a:scrgbClr r="0" g="0" b="0"/>
+      </a:fillRef>
+      <a:effectRef idx="0">
+        <a:scrgbClr r="0" g="0" b="0"/>
+      </a:effectRef>
+      <a:fontRef idx="minor"/>
+    </dgm:style>
+  </dgm:styleLbl>
+  <dgm:styleLbl name="fgAcc0">
+    <dgm:scene3d>
+      <a:camera prst="orthographicFront"/>
+      <a:lightRig rig="threePt" dir="t"/>
+    </dgm:scene3d>
+    <dgm:sp3d/>
+    <dgm:txPr/>
+    <dgm:style>
+      <a:lnRef idx="2">
+        <a:scrgbClr r="0" g="0" b="0"/>
+      </a:lnRef>
+      <a:fillRef idx="1">
+        <a:scrgbClr r="0" g="0" b="0"/>
+      </a:fillRef>
+      <a:effectRef idx="0">
+        <a:scrgbClr r="0" g="0" b="0"/>
+      </a:effectRef>
+      <a:fontRef idx="minor"/>
+    </dgm:style>
+  </dgm:styleLbl>
+  <dgm:styleLbl name="fgAcc2">
+    <dgm:scene3d>
+      <a:camera prst="orthographicFront"/>
+      <a:lightRig rig="threePt" dir="t"/>
+    </dgm:scene3d>
+    <dgm:sp3d/>
+    <dgm:txPr/>
+    <dgm:style>
+      <a:lnRef idx="2">
+        <a:scrgbClr r="0" g="0" b="0"/>
+      </a:lnRef>
+      <a:fillRef idx="1">
+        <a:scrgbClr r="0" g="0" b="0"/>
+      </a:fillRef>
+      <a:effectRef idx="0">
+        <a:scrgbClr r="0" g="0" b="0"/>
+      </a:effectRef>
+      <a:fontRef idx="minor"/>
+    </dgm:style>
+  </dgm:styleLbl>
+  <dgm:styleLbl name="fgAcc3">
+    <dgm:scene3d>
+      <a:camera prst="orthographicFront"/>
+      <a:lightRig rig="threePt" dir="t"/>
+    </dgm:scene3d>
+    <dgm:sp3d/>
+    <dgm:txPr/>
+    <dgm:style>
+      <a:lnRef idx="2">
+        <a:scrgbClr r="0" g="0" b="0"/>
+      </a:lnRef>
+      <a:fillRef idx="1">
+        <a:scrgbClr r="0" g="0" b="0"/>
+      </a:fillRef>
+      <a:effectRef idx="0">
+        <a:scrgbClr r="0" g="0" b="0"/>
+      </a:effectRef>
+      <a:fontRef idx="minor"/>
+    </dgm:style>
+  </dgm:styleLbl>
+  <dgm:styleLbl name="fgAcc4">
+    <dgm:scene3d>
+      <a:camera prst="orthographicFront"/>
+      <a:lightRig rig="threePt" dir="t"/>
+    </dgm:scene3d>
+    <dgm:sp3d/>
+    <dgm:txPr/>
+    <dgm:style>
+      <a:lnRef idx="2">
+        <a:scrgbClr r="0" g="0" b="0"/>
+      </a:lnRef>
+      <a:fillRef idx="1">
+        <a:scrgbClr r="0" g="0" b="0"/>
+      </a:fillRef>
+      <a:effectRef idx="0">
+        <a:scrgbClr r="0" g="0" b="0"/>
+      </a:effectRef>
+      <a:fontRef idx="minor"/>
+    </dgm:style>
+  </dgm:styleLbl>
+  <dgm:styleLbl name="bgShp">
+    <dgm:scene3d>
+      <a:camera prst="orthographicFront"/>
+      <a:lightRig rig="threePt" dir="t"/>
+    </dgm:scene3d>
+    <dgm:sp3d/>
+    <dgm:txPr/>
+    <dgm:style>
+      <a:lnRef idx="0">
+        <a:scrgbClr r="0" g="0" b="0"/>
+      </a:lnRef>
+      <a:fillRef idx="1">
+        <a:scrgbClr r="0" g="0" b="0"/>
+      </a:fillRef>
+      <a:effectRef idx="0">
+        <a:scrgbClr r="0" g="0" b="0"/>
+      </a:effectRef>
+      <a:fontRef idx="minor"/>
+    </dgm:style>
+  </dgm:styleLbl>
+  <dgm:styleLbl name="dkBgShp">
+    <dgm:scene3d>
+      <a:camera prst="orthographicFront"/>
+      <a:lightRig rig="threePt" dir="t"/>
+    </dgm:scene3d>
+    <dgm:sp3d/>
+    <dgm:txPr/>
+    <dgm:style>
+      <a:lnRef idx="0">
+        <a:scrgbClr r="0" g="0" b="0"/>
+      </a:lnRef>
+      <a:fillRef idx="1">
+        <a:scrgbClr r="0" g="0" b="0"/>
+      </a:fillRef>
+      <a:effectRef idx="0">
+        <a:scrgbClr r="0" g="0" b="0"/>
+      </a:effectRef>
+      <a:fontRef idx="minor"/>
+    </dgm:style>
+  </dgm:styleLbl>
+  <dgm:styleLbl name="trBgShp">
+    <dgm:scene3d>
+      <a:camera prst="orthographicFront"/>
+      <a:lightRig rig="threePt" dir="t"/>
+    </dgm:scene3d>
+    <dgm:sp3d/>
+    <dgm:txPr/>
+    <dgm:style>
+      <a:lnRef idx="0">
+        <a:scrgbClr r="0" g="0" b="0"/>
+      </a:lnRef>
+      <a:fillRef idx="1">
+        <a:scrgbClr r="0" g="0" b="0"/>
+      </a:fillRef>
+      <a:effectRef idx="0">
+        <a:scrgbClr r="0" g="0" b="0"/>
+      </a:effectRef>
+      <a:fontRef idx="minor"/>
+    </dgm:style>
+  </dgm:styleLbl>
+  <dgm:styleLbl name="fgShp">
+    <dgm:scene3d>
+      <a:camera prst="orthographicFront"/>
+      <a:lightRig rig="threePt" dir="t"/>
+    </dgm:scene3d>
+    <dgm:sp3d/>
+    <dgm:txPr/>
+    <dgm:style>
+      <a:lnRef idx="2">
+        <a:scrgbClr r="0" g="0" b="0"/>
+      </a:lnRef>
+      <a:fillRef idx="1">
+        <a:scrgbClr r="0" g="0" b="0"/>
+      </a:fillRef>
+      <a:effectRef idx="0">
+        <a:scrgbClr r="0" g="0" b="0"/>
+      </a:effectRef>
+      <a:fontRef idx="minor"/>
+    </dgm:style>
+  </dgm:styleLbl>
+  <dgm:styleLbl name="revTx">
+    <dgm:scene3d>
+      <a:camera prst="orthographicFront"/>
+      <a:lightRig rig="threePt" dir="t"/>
+    </dgm:scene3d>
+    <dgm:sp3d/>
+    <dgm:txPr/>
+    <dgm:style>
+      <a:lnRef idx="0">
+        <a:scrgbClr r="0" g="0" b="0"/>
+      </a:lnRef>
+      <a:fillRef idx="0">
+        <a:scrgbClr r="0" g="0" b="0"/>
+      </a:fillRef>
+      <a:effectRef idx="0">
+        <a:scrgbClr r="0" g="0" b="0"/>
+      </a:effectRef>
+      <a:fontRef idx="minor"/>
+    </dgm:style>
+  </dgm:styleLbl>
+</dgm:styleDef>
+</file>
+
+<file path=ppt/diagrams/quickStyle2.xml><?xml version="1.0" encoding="utf-8"?>
+<dgm:styleDef xmlns:dgm="http://schemas.openxmlformats.org/drawingml/2006/diagram" xmlns:a="http://schemas.openxmlformats.org/drawingml/2006/main" uniqueId="urn:microsoft.com/office/officeart/2005/8/quickstyle/simple1">
+  <dgm:title val=""/>
+  <dgm:desc val=""/>
+  <dgm:catLst>
+    <dgm:cat type="simple" pri="10100"/>
+  </dgm:catLst>
+  <dgm:scene3d>
+    <a:camera prst="orthographicFront"/>
+    <a:lightRig rig="threePt" dir="t"/>
+  </dgm:scene3d>
+  <dgm:styleLbl name="node0">
+    <dgm:scene3d>
+      <a:camera prst="orthographicFront"/>
+      <a:lightRig rig="threePt" dir="t"/>
+    </dgm:scene3d>
+    <dgm:sp3d/>
+    <dgm:txPr/>
+    <dgm:style>
+      <a:lnRef idx="2">
+        <a:scrgbClr r="0" g="0" b="0"/>
+      </a:lnRef>
+      <a:fillRef idx="1">
+        <a:scrgbClr r="0" g="0" b="0"/>
+      </a:fillRef>
+      <a:effectRef idx="0">
+        <a:scrgbClr r="0" g="0" b="0"/>
+      </a:effectRef>
+      <a:fontRef idx="minor">
+        <a:schemeClr val="lt1"/>
+      </a:fontRef>
+    </dgm:style>
+  </dgm:styleLbl>
+  <dgm:styleLbl name="lnNode1">
+    <dgm:scene3d>
+      <a:camera prst="orthographicFront"/>
+      <a:lightRig rig="threePt" dir="t"/>
+    </dgm:scene3d>
+    <dgm:sp3d/>
+    <dgm:txPr/>
+    <dgm:style>
+      <a:lnRef idx="2">
+        <a:scrgbClr r="0" g="0" b="0"/>
+      </a:lnRef>
+      <a:fillRef idx="1">
+        <a:scrgbClr r="0" g="0" b="0"/>
+      </a:fillRef>
+      <a:effectRef idx="0">
+        <a:scrgbClr r="0" g="0" b="0"/>
+      </a:effectRef>
+      <a:fontRef idx="minor">
+        <a:schemeClr val="lt1"/>
+      </a:fontRef>
+    </dgm:style>
+  </dgm:styleLbl>
+  <dgm:styleLbl name="vennNode1">
+    <dgm:scene3d>
+      <a:camera prst="orthographicFront"/>
+      <a:lightRig rig="threePt" dir="t"/>
+    </dgm:scene3d>
+    <dgm:sp3d/>
+    <dgm:txPr/>
+    <dgm:style>
+      <a:lnRef idx="2">
+        <a:scrgbClr r="0" g="0" b="0"/>
+      </a:lnRef>
+      <a:fillRef idx="1">
+        <a:scrgbClr r="0" g="0" b="0"/>
+      </a:fillRef>
+      <a:effectRef idx="0">
+        <a:scrgbClr r="0" g="0" b="0"/>
+      </a:effectRef>
+      <a:fontRef idx="minor">
+        <a:schemeClr val="tx1"/>
+      </a:fontRef>
+    </dgm:style>
+  </dgm:styleLbl>
+  <dgm:styleLbl name="alignNode1">
+    <dgm:scene3d>
+      <a:camera prst="orthographicFront"/>
+      <a:lightRig rig="threePt" dir="t"/>
+    </dgm:scene3d>
+    <dgm:sp3d/>
+    <dgm:txPr/>
+    <dgm:style>
+      <a:lnRef idx="2">
+        <a:scrgbClr r="0" g="0" b="0"/>
+      </a:lnRef>
+      <a:fillRef idx="1">
+        <a:scrgbClr r="0" g="0" b="0"/>
+      </a:fillRef>
+      <a:effectRef idx="0">
+        <a:scrgbClr r="0" g="0" b="0"/>
+      </a:effectRef>
+      <a:fontRef idx="minor">
+        <a:schemeClr val="lt1"/>
+      </a:fontRef>
+    </dgm:style>
+  </dgm:styleLbl>
+  <dgm:styleLbl name="node1">
+    <dgm:scene3d>
+      <a:camera prst="orthographicFront"/>
+      <a:lightRig rig="threePt" dir="t"/>
+    </dgm:scene3d>
+    <dgm:sp3d/>
+    <dgm:txPr/>
+    <dgm:style>
+      <a:lnRef idx="2">
+        <a:scrgbClr r="0" g="0" b="0"/>
+      </a:lnRef>
+      <a:fillRef idx="1">
+        <a:scrgbClr r="0" g="0" b="0"/>
+      </a:fillRef>
+      <a:effectRef idx="0">
+        <a:scrgbClr r="0" g="0" b="0"/>
+      </a:effectRef>
+      <a:fontRef idx="minor">
+        <a:schemeClr val="lt1"/>
+      </a:fontRef>
+    </dgm:style>
+  </dgm:styleLbl>
+  <dgm:styleLbl name="node2">
+    <dgm:scene3d>
+      <a:camera prst="orthographicFront"/>
+      <a:lightRig rig="threePt" dir="t"/>
+    </dgm:scene3d>
+    <dgm:sp3d/>
+    <dgm:txPr/>
+    <dgm:style>
+      <a:lnRef idx="2">
+        <a:scrgbClr r="0" g="0" b="0"/>
+      </a:lnRef>
+      <a:fillRef idx="1">
+        <a:scrgbClr r="0" g="0" b="0"/>
+      </a:fillRef>
+      <a:effectRef idx="0">
+        <a:scrgbClr r="0" g="0" b="0"/>
+      </a:effectRef>
+      <a:fontRef idx="minor">
+        <a:schemeClr val="lt1"/>
+      </a:fontRef>
+    </dgm:style>
+  </dgm:styleLbl>
+  <dgm:styleLbl name="node3">
+    <dgm:scene3d>
+      <a:camera prst="orthographicFront"/>
+      <a:lightRig rig="threePt" dir="t"/>
+    </dgm:scene3d>
+    <dgm:sp3d/>
+    <dgm:txPr/>
+    <dgm:style>
+      <a:lnRef idx="2">
+        <a:scrgbClr r="0" g="0" b="0"/>
+      </a:lnRef>
+      <a:fillRef idx="1">
+        <a:scrgbClr r="0" g="0" b="0"/>
+      </a:fillRef>
+      <a:effectRef idx="0">
+        <a:scrgbClr r="0" g="0" b="0"/>
+      </a:effectRef>
+      <a:fontRef idx="minor">
+        <a:schemeClr val="lt1"/>
+      </a:fontRef>
+    </dgm:style>
+  </dgm:styleLbl>
+  <dgm:styleLbl name="node4">
+    <dgm:scene3d>
+      <a:camera prst="orthographicFront"/>
+      <a:lightRig rig="threePt" dir="t"/>
+    </dgm:scene3d>
+    <dgm:sp3d/>
+    <dgm:txPr/>
+    <dgm:style>
+      <a:lnRef idx="2">
+        <a:scrgbClr r="0" g="0" b="0"/>
+      </a:lnRef>
+      <a:fillRef idx="1">
+        <a:scrgbClr r="0" g="0" b="0"/>
+      </a:fillRef>
+      <a:effectRef idx="0">
+        <a:scrgbClr r="0" g="0" b="0"/>
+      </a:effectRef>
+      <a:fontRef idx="minor">
+        <a:schemeClr val="lt1"/>
+      </a:fontRef>
+    </dgm:style>
+  </dgm:styleLbl>
+  <dgm:styleLbl name="fgImgPlace1">
+    <dgm:scene3d>
+      <a:camera prst="orthographicFront"/>
+      <a:lightRig rig="threePt" dir="t"/>
+    </dgm:scene3d>
+    <dgm:sp3d/>
+    <dgm:txPr/>
+    <dgm:style>
+      <a:lnRef idx="2">
+        <a:scrgbClr r="0" g="0" b="0"/>
+      </a:lnRef>
+      <a:fillRef idx="1">
+        <a:scrgbClr r="0" g="0" b="0"/>
+      </a:fillRef>
+      <a:effectRef idx="0">
+        <a:scrgbClr r="0" g="0" b="0"/>
+      </a:effectRef>
+      <a:fontRef idx="minor"/>
+    </dgm:style>
+  </dgm:styleLbl>
+  <dgm:styleLbl name="alignImgPlace1">
+    <dgm:scene3d>
+      <a:camera prst="orthographicFront"/>
+      <a:lightRig rig="threePt" dir="t"/>
+    </dgm:scene3d>
+    <dgm:sp3d/>
+    <dgm:txPr/>
+    <dgm:style>
+      <a:lnRef idx="2">
+        <a:scrgbClr r="0" g="0" b="0"/>
+      </a:lnRef>
+      <a:fillRef idx="1">
+        <a:scrgbClr r="0" g="0" b="0"/>
+      </a:fillRef>
+      <a:effectRef idx="0">
+        <a:scrgbClr r="0" g="0" b="0"/>
+      </a:effectRef>
+      <a:fontRef idx="minor"/>
+    </dgm:style>
+  </dgm:styleLbl>
+  <dgm:styleLbl name="bgImgPlace1">
+    <dgm:scene3d>
+      <a:camera prst="orthographicFront"/>
+      <a:lightRig rig="threePt" dir="t"/>
+    </dgm:scene3d>
+    <dgm:sp3d/>
+    <dgm:txPr/>
+    <dgm:style>
+      <a:lnRef idx="2">
+        <a:scrgbClr r="0" g="0" b="0"/>
+      </a:lnRef>
+      <a:fillRef idx="1">
+        <a:scrgbClr r="0" g="0" b="0"/>
+      </a:fillRef>
+      <a:effectRef idx="0">
+        <a:scrgbClr r="0" g="0" b="0"/>
+      </a:effectRef>
+      <a:fontRef idx="minor"/>
+    </dgm:style>
+  </dgm:styleLbl>
+  <dgm:styleLbl name="sibTrans2D1">
+    <dgm:scene3d>
+      <a:camera prst="orthographicFront"/>
+      <a:lightRig rig="threePt" dir="t"/>
+    </dgm:scene3d>
+    <dgm:sp3d/>
+    <dgm:txPr/>
+    <dgm:style>
+      <a:lnRef idx="0">
+        <a:scrgbClr r="0" g="0" b="0"/>
+      </a:lnRef>
+      <a:fillRef idx="1">
+        <a:scrgbClr r="0" g="0" b="0"/>
+      </a:fillRef>
+      <a:effectRef idx="0">
+        <a:scrgbClr r="0" g="0" b="0"/>
+      </a:effectRef>
+      <a:fontRef idx="minor">
+        <a:schemeClr val="lt1"/>
+      </a:fontRef>
+    </dgm:style>
+  </dgm:styleLbl>
+  <dgm:styleLbl name="fgSibTrans2D1">
+    <dgm:scene3d>
+      <a:camera prst="orthographicFront"/>
+      <a:lightRig rig="threePt" dir="t"/>
+    </dgm:scene3d>
+    <dgm:sp3d/>
+    <dgm:txPr/>
+    <dgm:style>
+      <a:lnRef idx="0">
+        <a:scrgbClr r="0" g="0" b="0"/>
+      </a:lnRef>
+      <a:fillRef idx="1">
+        <a:scrgbClr r="0" g="0" b="0"/>
+      </a:fillRef>
+      <a:effectRef idx="0">
+        <a:scrgbClr r="0" g="0" b="0"/>
+      </a:effectRef>
+      <a:fontRef idx="minor">
+        <a:schemeClr val="lt1"/>
+      </a:fontRef>
+    </dgm:style>
+  </dgm:styleLbl>
+  <dgm:styleLbl name="bgSibTrans2D1">
+    <dgm:scene3d>
+      <a:camera prst="orthographicFront"/>
+      <a:lightRig rig="threePt" dir="t"/>
+    </dgm:scene3d>
+    <dgm:sp3d/>
+    <dgm:txPr/>
+    <dgm:style>
+      <a:lnRef idx="0">
+        <a:scrgbClr r="0" g="0" b="0"/>
+      </a:lnRef>
+      <a:fillRef idx="1">
+        <a:scrgbClr r="0" g="0" b="0"/>
+      </a:fillRef>
+      <a:effectRef idx="0">
+        <a:scrgbClr r="0" g="0" b="0"/>
+      </a:effectRef>
+      <a:fontRef idx="minor">
+        <a:schemeClr val="lt1"/>
+      </a:fontRef>
+    </dgm:style>
+  </dgm:styleLbl>
+  <dgm:styleLbl name="sibTrans1D1">
+    <dgm:scene3d>
+      <a:camera prst="orthographicFront"/>
+      <a:lightRig rig="threePt" dir="t"/>
+    </dgm:scene3d>
+    <dgm:sp3d/>
+    <dgm:txPr/>
+    <dgm:style>
+      <a:lnRef idx="1">
+        <a:scrgbClr r="0" g="0" b="0"/>
+      </a:lnRef>
+      <a:fillRef idx="0">
+        <a:scrgbClr r="0" g="0" b="0"/>
+      </a:fillRef>
+      <a:effectRef idx="0">
+        <a:scrgbClr r="0" g="0" b="0"/>
+      </a:effectRef>
+      <a:fontRef idx="minor"/>
+    </dgm:style>
+  </dgm:styleLbl>
+  <dgm:styleLbl name="callout">
+    <dgm:scene3d>
+      <a:camera prst="orthographicFront"/>
+      <a:lightRig rig="threePt" dir="t"/>
+    </dgm:scene3d>
+    <dgm:sp3d/>
+    <dgm:txPr/>
+    <dgm:style>
+      <a:lnRef idx="2">
+        <a:scrgbClr r="0" g="0" b="0"/>
+      </a:lnRef>
+      <a:fillRef idx="1">
+        <a:scrgbClr r="0" g="0" b="0"/>
+      </a:fillRef>
+      <a:effectRef idx="0">
+        <a:scrgbClr r="0" g="0" b="0"/>
+      </a:effectRef>
+      <a:fontRef idx="minor"/>
+    </dgm:style>
+  </dgm:styleLbl>
+  <dgm:styleLbl name="asst0">
+    <dgm:scene3d>
+      <a:camera prst="orthographicFront"/>
+      <a:lightRig rig="threePt" dir="t"/>
+    </dgm:scene3d>
+    <dgm:sp3d/>
+    <dgm:txPr/>
+    <dgm:style>
+      <a:lnRef idx="2">
+        <a:scrgbClr r="0" g="0" b="0"/>
+      </a:lnRef>
+      <a:fillRef idx="1">
+        <a:scrgbClr r="0" g="0" b="0"/>
+      </a:fillRef>
+      <a:effectRef idx="0">
+        <a:scrgbClr r="0" g="0" b="0"/>
+      </a:effectRef>
+      <a:fontRef idx="minor">
+        <a:schemeClr val="lt1"/>
+      </a:fontRef>
+    </dgm:style>
+  </dgm:styleLbl>
+  <dgm:styleLbl name="asst1">
+    <dgm:scene3d>
+      <a:camera prst="orthographicFront"/>
+      <a:lightRig rig="threePt" dir="t"/>
+    </dgm:scene3d>
+    <dgm:sp3d/>
+    <dgm:txPr/>
+    <dgm:style>
+      <a:lnRef idx="2">
+        <a:scrgbClr r="0" g="0" b="0"/>
+      </a:lnRef>
+      <a:fillRef idx="1">
+        <a:scrgbClr r="0" g="0" b="0"/>
+      </a:fillRef>
+      <a:effectRef idx="0">
+        <a:scrgbClr r="0" g="0" b="0"/>
+      </a:effectRef>
+      <a:fontRef idx="minor">
+        <a:schemeClr val="lt1"/>
+      </a:fontRef>
+    </dgm:style>
+  </dgm:styleLbl>
+  <dgm:styleLbl name="asst2">
+    <dgm:scene3d>
+      <a:camera prst="orthographicFront"/>
+      <a:lightRig rig="threePt" dir="t"/>
+    </dgm:scene3d>
+    <dgm:sp3d/>
+    <dgm:txPr/>
+    <dgm:style>
+      <a:lnRef idx="2">
+        <a:scrgbClr r="0" g="0" b="0"/>
+      </a:lnRef>
+      <a:fillRef idx="1">
+        <a:scrgbClr r="0" g="0" b="0"/>
+      </a:fillRef>
+      <a:effectRef idx="0">
+        <a:scrgbClr r="0" g="0" b="0"/>
+      </a:effectRef>
+      <a:fontRef idx="minor">
+        <a:schemeClr val="lt1"/>
+      </a:fontRef>
+    </dgm:style>
+  </dgm:styleLbl>
+  <dgm:styleLbl name="asst3">
+    <dgm:scene3d>
+      <a:camera prst="orthographicFront"/>
+      <a:lightRig rig="threePt" dir="t"/>
+    </dgm:scene3d>
+    <dgm:sp3d/>
+    <dgm:txPr/>
+    <dgm:style>
+      <a:lnRef idx="2">
+        <a:scrgbClr r="0" g="0" b="0"/>
+      </a:lnRef>
+      <a:fillRef idx="1">
+        <a:scrgbClr r="0" g="0" b="0"/>
+      </a:fillRef>
+      <a:effectRef idx="0">
+        <a:scrgbClr r="0" g="0" b="0"/>
+      </a:effectRef>
+      <a:fontRef idx="minor">
+        <a:schemeClr val="lt1"/>
+      </a:fontRef>
+    </dgm:style>
+  </dgm:styleLbl>
+  <dgm:styleLbl name="asst4">
+    <dgm:scene3d>
+      <a:camera prst="orthographicFront"/>
+      <a:lightRig rig="threePt" dir="t"/>
+    </dgm:scene3d>
+    <dgm:sp3d/>
+    <dgm:txPr/>
+    <dgm:style>
+      <a:lnRef idx="2">
+        <a:scrgbClr r="0" g="0" b="0"/>
+      </a:lnRef>
+      <a:fillRef idx="1">
+        <a:scrgbClr r="0" g="0" b="0"/>
+      </a:fillRef>
+      <a:effectRef idx="0">
+        <a:scrgbClr r="0" g="0" b="0"/>
+      </a:effectRef>
+      <a:fontRef idx="minor">
+        <a:schemeClr val="lt1"/>
+      </a:fontRef>
+    </dgm:style>
+  </dgm:styleLbl>
+  <dgm:styleLbl name="parChTrans2D1">
+    <dgm:scene3d>
+      <a:camera prst="orthographicFront"/>
+      <a:lightRig rig="threePt" dir="t"/>
+    </dgm:scene3d>
+    <dgm:sp3d/>
+    <dgm:txPr/>
+    <dgm:style>
+      <a:lnRef idx="2">
+        <a:scrgbClr r="0" g="0" b="0"/>
+      </a:lnRef>
+      <a:fillRef idx="1">
+        <a:scrgbClr r="0" g="0" b="0"/>
+      </a:fillRef>
+      <a:effectRef idx="0">
+        <a:scrgbClr r="0" g="0" b="0"/>
+      </a:effectRef>
+      <a:fontRef idx="minor">
+        <a:schemeClr val="lt1"/>
+      </a:fontRef>
+    </dgm:style>
+  </dgm:styleLbl>
+  <dgm:styleLbl name="parChTrans2D2">
+    <dgm:scene3d>
+      <a:camera prst="orthographicFront"/>
+      <a:lightRig rig="threePt" dir="t"/>
+    </dgm:scene3d>
+    <dgm:sp3d/>
+    <dgm:txPr/>
+    <dgm:style>
+      <a:lnRef idx="2">
+        <a:scrgbClr r="0" g="0" b="0"/>
+      </a:lnRef>
+      <a:fillRef idx="1">
+        <a:scrgbClr r="0" g="0" b="0"/>
+      </a:fillRef>
+      <a:effectRef idx="0">
+        <a:scrgbClr r="0" g="0" b="0"/>
+      </a:effectRef>
+      <a:fontRef idx="minor">
+        <a:schemeClr val="lt1"/>
+      </a:fontRef>
+    </dgm:style>
+  </dgm:styleLbl>
+  <dgm:styleLbl name="parChTrans2D3">
+    <dgm:scene3d>
+      <a:camera prst="orthographicFront"/>
+      <a:lightRig rig="threePt" dir="t"/>
+    </dgm:scene3d>
+    <dgm:sp3d/>
+    <dgm:txPr/>
+    <dgm:style>
+      <a:lnRef idx="2">
+        <a:scrgbClr r="0" g="0" b="0"/>
+      </a:lnRef>
+      <a:fillRef idx="1">
+        <a:scrgbClr r="0" g="0" b="0"/>
+      </a:fillRef>
+      <a:effectRef idx="0">
+        <a:scrgbClr r="0" g="0" b="0"/>
+      </a:effectRef>
+      <a:fontRef idx="minor">
+        <a:schemeClr val="lt1"/>
+      </a:fontRef>
+    </dgm:style>
+  </dgm:styleLbl>
+  <dgm:styleLbl name="parChTrans2D4">
+    <dgm:scene3d>
+      <a:camera prst="orthographicFront"/>
+      <a:lightRig rig="threePt" dir="t"/>
+    </dgm:scene3d>
+    <dgm:sp3d/>
+    <dgm:txPr/>
+    <dgm:style>
+      <a:lnRef idx="2">
+        <a:scrgbClr r="0" g="0" b="0"/>
+      </a:lnRef>
+      <a:fillRef idx="1">
+        <a:scrgbClr r="0" g="0" b="0"/>
+      </a:fillRef>
+      <a:effectRef idx="0">
+        <a:scrgbClr r="0" g="0" b="0"/>
+      </a:effectRef>
+      <a:fontRef idx="minor">
+        <a:schemeClr val="lt1"/>
+      </a:fontRef>
+    </dgm:style>
+  </dgm:styleLbl>
+  <dgm:styleLbl name="parChTrans1D1">
+    <dgm:scene3d>
+      <a:camera prst="orthographicFront"/>
+      <a:lightRig rig="threePt" dir="t"/>
+    </dgm:scene3d>
+    <dgm:sp3d/>
+    <dgm:txPr/>
+    <dgm:style>
+      <a:lnRef idx="2">
+        <a:scrgbClr r="0" g="0" b="0"/>
+      </a:lnRef>
+      <a:fillRef idx="0">
+        <a:scrgbClr r="0" g="0" b="0"/>
+      </a:fillRef>
+      <a:effectRef idx="0">
+        <a:scrgbClr r="0" g="0" b="0"/>
+      </a:effectRef>
+      <a:fontRef idx="minor"/>
+    </dgm:style>
+  </dgm:styleLbl>
+  <dgm:styleLbl name="parChTrans1D2">
+    <dgm:scene3d>
+      <a:camera prst="orthographicFront"/>
+      <a:lightRig rig="threePt" dir="t"/>
+    </dgm:scene3d>
+    <dgm:sp3d/>
+    <dgm:txPr/>
+    <dgm:style>
+      <a:lnRef idx="2">
+        <a:scrgbClr r="0" g="0" b="0"/>
+      </a:lnRef>
+      <a:fillRef idx="0">
+        <a:scrgbClr r="0" g="0" b="0"/>
+      </a:fillRef>
+      <a:effectRef idx="0">
+        <a:scrgbClr r="0" g="0" b="0"/>
+      </a:effectRef>
+      <a:fontRef idx="minor"/>
+    </dgm:style>
+  </dgm:styleLbl>
+  <dgm:styleLbl name="parChTrans1D3">
+    <dgm:scene3d>
+      <a:camera prst="orthographicFront"/>
+      <a:lightRig rig="threePt" dir="t"/>
+    </dgm:scene3d>
+    <dgm:sp3d/>
+    <dgm:txPr/>
+    <dgm:style>
+      <a:lnRef idx="2">
+        <a:scrgbClr r="0" g="0" b="0"/>
+      </a:lnRef>
+      <a:fillRef idx="0">
+        <a:scrgbClr r="0" g="0" b="0"/>
+      </a:fillRef>
+      <a:effectRef idx="0">
+        <a:scrgbClr r="0" g="0" b="0"/>
+      </a:effectRef>
+      <a:fontRef idx="minor"/>
+    </dgm:style>
+  </dgm:styleLbl>
+  <dgm:styleLbl name="parChTrans1D4">
+    <dgm:scene3d>
+      <a:camera prst="orthographicFront"/>
+      <a:lightRig rig="threePt" dir="t"/>
+    </dgm:scene3d>
+    <dgm:sp3d/>
+    <dgm:txPr/>
+    <dgm:style>
+      <a:lnRef idx="2">
+        <a:scrgbClr r="0" g="0" b="0"/>
+      </a:lnRef>
+      <a:fillRef idx="0">
+        <a:scrgbClr r="0" g="0" b="0"/>
+      </a:fillRef>
+      <a:effectRef idx="0">
+        <a:scrgbClr r="0" g="0" b="0"/>
+      </a:effectRef>
+      <a:fontRef idx="minor"/>
+    </dgm:style>
+  </dgm:styleLbl>
+  <dgm:styleLbl name="fgAcc1">
+    <dgm:scene3d>
+      <a:camera prst="orthographicFront"/>
+      <a:lightRig rig="threePt" dir="t"/>
+    </dgm:scene3d>
+    <dgm:sp3d/>
+    <dgm:txPr/>
+    <dgm:style>
+      <a:lnRef idx="2">
+        <a:scrgbClr r="0" g="0" b="0"/>
+      </a:lnRef>
+      <a:fillRef idx="1">
+        <a:scrgbClr r="0" g="0" b="0"/>
+      </a:fillRef>
+      <a:effectRef idx="0">
+        <a:scrgbClr r="0" g="0" b="0"/>
+      </a:effectRef>
+      <a:fontRef idx="minor"/>
+    </dgm:style>
+  </dgm:styleLbl>
+  <dgm:styleLbl name="conFgAcc1">
+    <dgm:scene3d>
+      <a:camera prst="orthographicFront"/>
+      <a:lightRig rig="threePt" dir="t"/>
+    </dgm:scene3d>
+    <dgm:sp3d/>
+    <dgm:txPr/>
+    <dgm:style>
+      <a:lnRef idx="2">
+        <a:scrgbClr r="0" g="0" b="0"/>
+      </a:lnRef>
+      <a:fillRef idx="1">
+        <a:scrgbClr r="0" g="0" b="0"/>
+      </a:fillRef>
+      <a:effectRef idx="0">
+        <a:scrgbClr r="0" g="0" b="0"/>
+      </a:effectRef>
+      <a:fontRef idx="minor"/>
+    </dgm:style>
+  </dgm:styleLbl>
+  <dgm:styleLbl name="alignAcc1">
+    <dgm:scene3d>
+      <a:camera prst="orthographicFront"/>
+      <a:lightRig rig="threePt" dir="t"/>
+    </dgm:scene3d>
+    <dgm:sp3d/>
+    <dgm:txPr/>
+    <dgm:style>
+      <a:lnRef idx="2">
+        <a:scrgbClr r="0" g="0" b="0"/>
+      </a:lnRef>
+      <a:fillRef idx="1">
+        <a:scrgbClr r="0" g="0" b="0"/>
+      </a:fillRef>
+      <a:effectRef idx="0">
+        <a:scrgbClr r="0" g="0" b="0"/>
+      </a:effectRef>
+      <a:fontRef idx="minor"/>
+    </dgm:style>
+  </dgm:styleLbl>
+  <dgm:styleLbl name="trAlignAcc1">
+    <dgm:scene3d>
+      <a:camera prst="orthographicFront"/>
+      <a:lightRig rig="threePt" dir="t"/>
+    </dgm:scene3d>
+    <dgm:sp3d/>
+    <dgm:txPr/>
+    <dgm:style>
+      <a:lnRef idx="1">
+        <a:scrgbClr r="0" g="0" b="0"/>
+      </a:lnRef>
+      <a:fillRef idx="1">
+        <a:scrgbClr r="0" g="0" b="0"/>
+      </a:fillRef>
+      <a:effectRef idx="0">
+        <a:scrgbClr r="0" g="0" b="0"/>
+      </a:effectRef>
+      <a:fontRef idx="minor"/>
+    </dgm:style>
+  </dgm:styleLbl>
+  <dgm:styleLbl name="bgAcc1">
+    <dgm:scene3d>
+      <a:camera prst="orthographicFront"/>
+      <a:lightRig rig="threePt" dir="t"/>
+    </dgm:scene3d>
+    <dgm:sp3d/>
+    <dgm:txPr/>
+    <dgm:style>
+      <a:lnRef idx="2">
+        <a:scrgbClr r="0" g="0" b="0"/>
+      </a:lnRef>
+      <a:fillRef idx="1">
+        <a:scrgbClr r="0" g="0" b="0"/>
+      </a:fillRef>
+      <a:effectRef idx="0">
+        <a:scrgbClr r="0" g="0" b="0"/>
+      </a:effectRef>
+      <a:fontRef idx="minor"/>
+    </dgm:style>
+  </dgm:styleLbl>
+  <dgm:styleLbl name="solidFgAcc1">
+    <dgm:scene3d>
+      <a:camera prst="orthographicFront"/>
+      <a:lightRig rig="threePt" dir="t"/>
+    </dgm:scene3d>
+    <dgm:sp3d/>
+    <dgm:txPr/>
+    <dgm:style>
+      <a:lnRef idx="2">
+        <a:scrgbClr r="0" g="0" b="0"/>
+      </a:lnRef>
+      <a:fillRef idx="1">
+        <a:scrgbClr r="0" g="0" b="0"/>
+      </a:fillRef>
+      <a:effectRef idx="0">
+        <a:scrgbClr r="0" g="0" b="0"/>
+      </a:effectRef>
+      <a:fontRef idx="minor"/>
+    </dgm:style>
+  </dgm:styleLbl>
+  <dgm:styleLbl name="solidAlignAcc1">
+    <dgm:scene3d>
+      <a:camera prst="orthographicFront"/>
+      <a:lightRig rig="threePt" dir="t"/>
+    </dgm:scene3d>
+    <dgm:sp3d/>
+    <dgm:txPr/>
+    <dgm:style>
+      <a:lnRef idx="2">
+        <a:scrgbClr r="0" g="0" b="0"/>
+      </a:lnRef>
+      <a:fillRef idx="1">
+        <a:scrgbClr r="0" g="0" b="0"/>
+      </a:fillRef>
+      <a:effectRef idx="0">
+        <a:scrgbClr r="0" g="0" b="0"/>
+      </a:effectRef>
+      <a:fontRef idx="minor"/>
+    </dgm:style>
+  </dgm:styleLbl>
+  <dgm:styleLbl name="solidBgAcc1">
+    <dgm:scene3d>
+      <a:camera prst="orthographicFront"/>
+      <a:lightRig rig="threePt" dir="t"/>
+    </dgm:scene3d>
+    <dgm:sp3d/>
+    <dgm:txPr/>
+    <dgm:style>
+      <a:lnRef idx="2">
+        <a:scrgbClr r="0" g="0" b="0"/>
+      </a:lnRef>
+      <a:fillRef idx="1">
+        <a:scrgbClr r="0" g="0" b="0"/>
+      </a:fillRef>
+      <a:effectRef idx="0">
+        <a:scrgbClr r="0" g="0" b="0"/>
+      </a:effectRef>
+      <a:fontRef idx="minor"/>
+    </dgm:style>
+  </dgm:styleLbl>
+  <dgm:styleLbl name="fgAccFollowNode1">
+    <dgm:scene3d>
+      <a:camera prst="orthographicFront"/>
+      <a:lightRig rig="threePt" dir="t"/>
+    </dgm:scene3d>
+    <dgm:sp3d/>
+    <dgm:txPr/>
+    <dgm:style>
+      <a:lnRef idx="2">
+        <a:scrgbClr r="0" g="0" b="0"/>
+      </a:lnRef>
+      <a:fillRef idx="1">
+        <a:scrgbClr r="0" g="0" b="0"/>
+      </a:fillRef>
+      <a:effectRef idx="0">
+        <a:scrgbClr r="0" g="0" b="0"/>
+      </a:effectRef>
+      <a:fontRef idx="minor"/>
+    </dgm:style>
+  </dgm:styleLbl>
+  <dgm:styleLbl name="alignAccFollowNode1">
+    <dgm:scene3d>
+      <a:camera prst="orthographicFront"/>
+      <a:lightRig rig="threePt" dir="t"/>
+    </dgm:scene3d>
+    <dgm:sp3d/>
+    <dgm:txPr/>
+    <dgm:style>
+      <a:lnRef idx="2">
+        <a:scrgbClr r="0" g="0" b="0"/>
+      </a:lnRef>
+      <a:fillRef idx="1">
+        <a:scrgbClr r="0" g="0" b="0"/>
+      </a:fillRef>
+      <a:effectRef idx="0">
+        <a:scrgbClr r="0" g="0" b="0"/>
+      </a:effectRef>
+      <a:fontRef idx="minor"/>
+    </dgm:style>
+  </dgm:styleLbl>
+  <dgm:styleLbl name="bgAccFollowNode1">
+    <dgm:scene3d>
+      <a:camera prst="orthographicFront"/>
+      <a:lightRig rig="threePt" dir="t"/>
+    </dgm:scene3d>
+    <dgm:sp3d/>
+    <dgm:txPr/>
+    <dgm:style>
+      <a:lnRef idx="2">
+        <a:scrgbClr r="0" g="0" b="0"/>
+      </a:lnRef>
+      <a:fillRef idx="1">
+        <a:scrgbClr r="0" g="0" b="0"/>
+      </a:fillRef>
+      <a:effectRef idx="0">
+        <a:scrgbClr r="0" g="0" b="0"/>
+      </a:effectRef>
+      <a:fontRef idx="minor"/>
+    </dgm:style>
+  </dgm:styleLbl>
+  <dgm:styleLbl name="fgAcc0">
+    <dgm:scene3d>
+      <a:camera prst="orthographicFront"/>
+      <a:lightRig rig="threePt" dir="t"/>
+    </dgm:scene3d>
+    <dgm:sp3d/>
+    <dgm:txPr/>
+    <dgm:style>
+      <a:lnRef idx="2">
+        <a:scrgbClr r="0" g="0" b="0"/>
+      </a:lnRef>
+      <a:fillRef idx="1">
+        <a:scrgbClr r="0" g="0" b="0"/>
+      </a:fillRef>
+      <a:effectRef idx="0">
+        <a:scrgbClr r="0" g="0" b="0"/>
+      </a:effectRef>
+      <a:fontRef idx="minor"/>
+    </dgm:style>
+  </dgm:styleLbl>
+  <dgm:styleLbl name="fgAcc2">
+    <dgm:scene3d>
+      <a:camera prst="orthographicFront"/>
+      <a:lightRig rig="threePt" dir="t"/>
+    </dgm:scene3d>
+    <dgm:sp3d/>
+    <dgm:txPr/>
+    <dgm:style>
+      <a:lnRef idx="2">
+        <a:scrgbClr r="0" g="0" b="0"/>
+      </a:lnRef>
+      <a:fillRef idx="1">
+        <a:scrgbClr r="0" g="0" b="0"/>
+      </a:fillRef>
+      <a:effectRef idx="0">
+        <a:scrgbClr r="0" g="0" b="0"/>
+      </a:effectRef>
+      <a:fontRef idx="minor"/>
+    </dgm:style>
+  </dgm:styleLbl>
+  <dgm:styleLbl name="fgAcc3">
+    <dgm:scene3d>
+      <a:camera prst="orthographicFront"/>
+      <a:lightRig rig="threePt" dir="t"/>
+    </dgm:scene3d>
+    <dgm:sp3d/>
+    <dgm:txPr/>
+    <dgm:style>
+      <a:lnRef idx="2">
+        <a:scrgbClr r="0" g="0" b="0"/>
+      </a:lnRef>
+      <a:fillRef idx="1">
+        <a:scrgbClr r="0" g="0" b="0"/>
+      </a:fillRef>
+      <a:effectRef idx="0">
+        <a:scrgbClr r="0" g="0" b="0"/>
+      </a:effectRef>
+      <a:fontRef idx="minor"/>
+    </dgm:style>
+  </dgm:styleLbl>
+  <dgm:styleLbl name="fgAcc4">
+    <dgm:scene3d>
+      <a:camera prst="orthographicFront"/>
+      <a:lightRig rig="threePt" dir="t"/>
+    </dgm:scene3d>
+    <dgm:sp3d/>
+    <dgm:txPr/>
+    <dgm:style>
+      <a:lnRef idx="2">
+        <a:scrgbClr r="0" g="0" b="0"/>
+      </a:lnRef>
+      <a:fillRef idx="1">
+        <a:scrgbClr r="0" g="0" b="0"/>
+      </a:fillRef>
+      <a:effectRef idx="0">
+        <a:scrgbClr r="0" g="0" b="0"/>
+      </a:effectRef>
+      <a:fontRef idx="minor"/>
+    </dgm:style>
+  </dgm:styleLbl>
+  <dgm:styleLbl name="bgShp">
+    <dgm:scene3d>
+      <a:camera prst="orthographicFront"/>
+      <a:lightRig rig="threePt" dir="t"/>
+    </dgm:scene3d>
+    <dgm:sp3d/>
+    <dgm:txPr/>
+    <dgm:style>
+      <a:lnRef idx="0">
+        <a:scrgbClr r="0" g="0" b="0"/>
+      </a:lnRef>
+      <a:fillRef idx="1">
+        <a:scrgbClr r="0" g="0" b="0"/>
+      </a:fillRef>
+      <a:effectRef idx="0">
+        <a:scrgbClr r="0" g="0" b="0"/>
+      </a:effectRef>
+      <a:fontRef idx="minor"/>
+    </dgm:style>
+  </dgm:styleLbl>
+  <dgm:styleLbl name="dkBgShp">
+    <dgm:scene3d>
+      <a:camera prst="orthographicFront"/>
+      <a:lightRig rig="threePt" dir="t"/>
+    </dgm:scene3d>
+    <dgm:sp3d/>
+    <dgm:txPr/>
+    <dgm:style>
+      <a:lnRef idx="0">
+        <a:scrgbClr r="0" g="0" b="0"/>
+      </a:lnRef>
+      <a:fillRef idx="1">
+        <a:scrgbClr r="0" g="0" b="0"/>
+      </a:fillRef>
+      <a:effectRef idx="0">
+        <a:scrgbClr r="0" g="0" b="0"/>
+      </a:effectRef>
+      <a:fontRef idx="minor"/>
+    </dgm:style>
+  </dgm:styleLbl>
+  <dgm:styleLbl name="trBgShp">
+    <dgm:scene3d>
+      <a:camera prst="orthographicFront"/>
+      <a:lightRig rig="threePt" dir="t"/>
+    </dgm:scene3d>
+    <dgm:sp3d/>
+    <dgm:txPr/>
+    <dgm:style>
+      <a:lnRef idx="0">
+        <a:scrgbClr r="0" g="0" b="0"/>
+      </a:lnRef>
+      <a:fillRef idx="1">
+        <a:scrgbClr r="0" g="0" b="0"/>
+      </a:fillRef>
+      <a:effectRef idx="0">
+        <a:scrgbClr r="0" g="0" b="0"/>
+      </a:effectRef>
+      <a:fontRef idx="minor"/>
+    </dgm:style>
+  </dgm:styleLbl>
+  <dgm:styleLbl name="fgShp">
+    <dgm:scene3d>
+      <a:camera prst="orthographicFront"/>
+      <a:lightRig rig="threePt" dir="t"/>
+    </dgm:scene3d>
+    <dgm:sp3d/>
+    <dgm:txPr/>
+    <dgm:style>
+      <a:lnRef idx="2">
+        <a:scrgbClr r="0" g="0" b="0"/>
+      </a:lnRef>
+      <a:fillRef idx="1">
+        <a:scrgbClr r="0" g="0" b="0"/>
+      </a:fillRef>
+      <a:effectRef idx="0">
+        <a:scrgbClr r="0" g="0" b="0"/>
+      </a:effectRef>
+      <a:fontRef idx="minor"/>
+    </dgm:style>
+  </dgm:styleLbl>
+  <dgm:styleLbl name="revTx">
+    <dgm:scene3d>
+      <a:camera prst="orthographicFront"/>
+      <a:lightRig rig="threePt" dir="t"/>
+    </dgm:scene3d>
+    <dgm:sp3d/>
+    <dgm:txPr/>
+    <dgm:style>
+      <a:lnRef idx="0">
+        <a:scrgbClr r="0" g="0" b="0"/>
+      </a:lnRef>
+      <a:fillRef idx="0">
+        <a:scrgbClr r="0" g="0" b="0"/>
+      </a:fillRef>
+      <a:effectRef idx="0">
+        <a:scrgbClr r="0" g="0" b="0"/>
+      </a:effectRef>
+      <a:fontRef idx="minor"/>
+    </dgm:style>
+  </dgm:styleLbl>
+</dgm:styleDef>
+</file>
+
+<file path=ppt/notesMasters/notesMaster1.xml><?xml version="1.0" encoding="utf-8"?>
+<p:notesMaster xmlns:a="http://schemas.openxmlformats.org/drawingml/2006/main" xmlns:r="http://schemas.openxmlformats.org/officeDocument/2006/relationships" xmlns:p="http://schemas.openxmlformats.org/presentationml/2006/main">
+  <p:cSld>
+    <p:bg>
+      <p:bgRef idx="1001">
+        <a:schemeClr val="bg1"/>
+      </p:bgRef>
+    </p:bg>
+    <p:spTree>
+      <p:nvGrpSpPr>
+        <p:cNvPr id="1" name=""/>
+        <p:cNvGrpSpPr/>
+        <p:nvPr/>
+      </p:nvGrpSpPr>
+      <p:grpSpPr>
+        <a:xfrm>
+          <a:off x="0" y="0"/>
+          <a:ext cx="0" cy="0"/>
+          <a:chOff x="0" y="0"/>
+          <a:chExt cx="0" cy="0"/>
+        </a:xfrm>
+      </p:grpSpPr>
+      <p:sp>
+        <p:nvSpPr>
+          <p:cNvPr id="2" name="Header Placeholder 1"/>
+          <p:cNvSpPr>
+            <a:spLocks noGrp="1"/>
+          </p:cNvSpPr>
+          <p:nvPr>
+            <p:ph type="hdr" sz="quarter"/>
+          </p:nvPr>
+        </p:nvSpPr>
+        <p:spPr>
+          <a:xfrm>
+            <a:off x="0" y="0"/>
+            <a:ext cx="2971800" cy="458788"/>
+          </a:xfrm>
+          <a:prstGeom prst="rect">
+            <a:avLst/>
+          </a:prstGeom>
+        </p:spPr>
+        <p:txBody>
+          <a:bodyPr vert="horz" lIns="91440" tIns="45720" rIns="91440" bIns="45720" rtlCol="0"/>
+          <a:lstStyle>
+            <a:lvl1pPr algn="l">
+              <a:defRPr sz="1200"/>
+            </a:lvl1pPr>
+          </a:lstStyle>
+          <a:p>
+            <a:endParaRPr lang="en-US"/>
+          </a:p>
+        </p:txBody>
+      </p:sp>
+      <p:sp>
+        <p:nvSpPr>
+          <p:cNvPr id="3" name="Date Placeholder 2"/>
+          <p:cNvSpPr>
+            <a:spLocks noGrp="1"/>
+          </p:cNvSpPr>
+          <p:nvPr>
+            <p:ph type="dt" idx="1"/>
+          </p:nvPr>
+        </p:nvSpPr>
+        <p:spPr>
+          <a:xfrm>
+            <a:off x="3884613" y="0"/>
+            <a:ext cx="2971800" cy="458788"/>
+          </a:xfrm>
+          <a:prstGeom prst="rect">
+            <a:avLst/>
+          </a:prstGeom>
+        </p:spPr>
+        <p:txBody>
+          <a:bodyPr vert="horz" lIns="91440" tIns="45720" rIns="91440" bIns="45720" rtlCol="0"/>
+          <a:lstStyle>
+            <a:lvl1pPr algn="r">
+              <a:defRPr sz="1200"/>
+            </a:lvl1pPr>
+          </a:lstStyle>
+          <a:p>
+            <a:fld id="{57471A51-88D3-3B49-A931-A4F803247D02}" type="datetimeFigureOut">
+              <a:rPr lang="en-US" smtClean="0"/>
+              <a:t>9/4/24</a:t>
+            </a:fld>
+            <a:endParaRPr lang="en-US"/>
+          </a:p>
+        </p:txBody>
+      </p:sp>
+      <p:sp>
+        <p:nvSpPr>
+          <p:cNvPr id="4" name="Slide Image Placeholder 3"/>
+          <p:cNvSpPr>
+            <a:spLocks noGrp="1" noRot="1" noChangeAspect="1"/>
+          </p:cNvSpPr>
+          <p:nvPr>
+            <p:ph type="sldImg" idx="2"/>
+          </p:nvPr>
+        </p:nvSpPr>
+        <p:spPr>
+          <a:xfrm>
+            <a:off x="685800" y="1143000"/>
+            <a:ext cx="5486400" cy="3086100"/>
+          </a:xfrm>
+          <a:prstGeom prst="rect">
+            <a:avLst/>
+          </a:prstGeom>
+          <a:noFill/>
+          <a:ln w="12700">
+            <a:solidFill>
+              <a:prstClr val="black"/>
+            </a:solidFill>
+          </a:ln>
+        </p:spPr>
+        <p:txBody>
+          <a:bodyPr vert="horz" lIns="91440" tIns="45720" rIns="91440" bIns="45720" rtlCol="0" anchor="ctr"/>
+          <a:lstStyle/>
+          <a:p>
+            <a:endParaRPr lang="en-US"/>
+          </a:p>
+        </p:txBody>
+      </p:sp>
+      <p:sp>
+        <p:nvSpPr>
+          <p:cNvPr id="5" name="Notes Placeholder 4"/>
+          <p:cNvSpPr>
+            <a:spLocks noGrp="1"/>
+          </p:cNvSpPr>
+          <p:nvPr>
+            <p:ph type="body" sz="quarter" idx="3"/>
+          </p:nvPr>
+        </p:nvSpPr>
+        <p:spPr>
+          <a:xfrm>
+            <a:off x="685800" y="4400550"/>
+            <a:ext cx="5486400" cy="3600450"/>
+          </a:xfrm>
+          <a:prstGeom prst="rect">
+            <a:avLst/>
+          </a:prstGeom>
+        </p:spPr>
+        <p:txBody>
+          <a:bodyPr vert="horz" lIns="91440" tIns="45720" rIns="91440" bIns="45720" rtlCol="0"/>
+          <a:lstStyle/>
+          <a:p>
+            <a:pPr lvl="0"/>
+            <a:r>
+              <a:rPr lang="en-US"/>
+              <a:t>Click to edit Master text styles</a:t>
+            </a:r>
+          </a:p>
+          <a:p>
+            <a:pPr lvl="1"/>
+            <a:r>
+              <a:rPr lang="en-US"/>
+              <a:t>Second level</a:t>
+            </a:r>
+          </a:p>
+          <a:p>
+            <a:pPr lvl="2"/>
+            <a:r>
+              <a:rPr lang="en-US"/>
+              <a:t>Third level</a:t>
+            </a:r>
+          </a:p>
+          <a:p>
+            <a:pPr lvl="3"/>
+            <a:r>
+              <a:rPr lang="en-US"/>
+              <a:t>Fourth level</a:t>
+            </a:r>
+          </a:p>
+          <a:p>
+            <a:pPr lvl="4"/>
+            <a:r>
+              <a:rPr lang="en-US"/>
+              <a:t>Fifth level</a:t>
+            </a:r>
+          </a:p>
+        </p:txBody>
+      </p:sp>
+      <p:sp>
+        <p:nvSpPr>
+          <p:cNvPr id="6" name="Footer Placeholder 5"/>
+          <p:cNvSpPr>
+            <a:spLocks noGrp="1"/>
+          </p:cNvSpPr>
+          <p:nvPr>
+            <p:ph type="ftr" sz="quarter" idx="4"/>
+          </p:nvPr>
+        </p:nvSpPr>
+        <p:spPr>
+          <a:xfrm>
+            <a:off x="0" y="8685213"/>
+            <a:ext cx="2971800" cy="458787"/>
+          </a:xfrm>
+          <a:prstGeom prst="rect">
+            <a:avLst/>
+          </a:prstGeom>
+        </p:spPr>
+        <p:txBody>
+          <a:bodyPr vert="horz" lIns="91440" tIns="45720" rIns="91440" bIns="45720" rtlCol="0" anchor="b"/>
+          <a:lstStyle>
+            <a:lvl1pPr algn="l">
+              <a:defRPr sz="1200"/>
+            </a:lvl1pPr>
+          </a:lstStyle>
+          <a:p>
+            <a:endParaRPr lang="en-US"/>
+          </a:p>
+        </p:txBody>
+      </p:sp>
+      <p:sp>
+        <p:nvSpPr>
+          <p:cNvPr id="7" name="Slide Number Placeholder 6"/>
+          <p:cNvSpPr>
+            <a:spLocks noGrp="1"/>
+          </p:cNvSpPr>
+          <p:nvPr>
+            <p:ph type="sldNum" sz="quarter" idx="5"/>
+          </p:nvPr>
+        </p:nvSpPr>
+        <p:spPr>
+          <a:xfrm>
+            <a:off x="3884613" y="8685213"/>
+            <a:ext cx="2971800" cy="458787"/>
+          </a:xfrm>
+          <a:prstGeom prst="rect">
+            <a:avLst/>
+          </a:prstGeom>
+        </p:spPr>
+        <p:txBody>
+          <a:bodyPr vert="horz" lIns="91440" tIns="45720" rIns="91440" bIns="45720" rtlCol="0" anchor="b"/>
+          <a:lstStyle>
+            <a:lvl1pPr algn="r">
+              <a:defRPr sz="1200"/>
+            </a:lvl1pPr>
+          </a:lstStyle>
+          <a:p>
+            <a:fld id="{00E26C91-FCC9-A948-A2C3-5C1245B789B2}" type="slidenum">
+              <a:rPr lang="en-US" smtClean="0"/>
+              <a:t>‹#›</a:t>
+            </a:fld>
+            <a:endParaRPr lang="en-US"/>
+          </a:p>
+        </p:txBody>
+      </p:sp>
+    </p:spTree>
+    <p:extLst>
+      <p:ext uri="{BB962C8B-B14F-4D97-AF65-F5344CB8AC3E}">
+        <p14:creationId xmlns:p14="http://schemas.microsoft.com/office/powerpoint/2010/main" val="2674217681"/>
+      </p:ext>
+    </p:extLst>
+  </p:cSld>
+  <p:clrMap bg1="lt1" tx1="dk1" bg2="lt2" tx2="dk2" accent1="accent1" accent2="accent2" accent3="accent3" accent4="accent4" accent5="accent5" accent6="accent6" hlink="hlink" folHlink="folHlink"/>
+  <p:notesStyle>
+    <a:lvl1pPr marL="0" algn="l" defTabSz="914400" rtl="0" eaLnBrk="1" latinLnBrk="0" hangingPunct="1">
+      <a:defRPr sz="1200" kern="1200">
+        <a:solidFill>
+          <a:schemeClr val="tx1"/>
+        </a:solidFill>
+        <a:latin typeface="+mn-lt"/>
+        <a:ea typeface="+mn-ea"/>
+        <a:cs typeface="+mn-cs"/>
+      </a:defRPr>
+    </a:lvl1pPr>
+    <a:lvl2pPr marL="457200" algn="l" defTabSz="914400" rtl="0" eaLnBrk="1" latinLnBrk="0" hangingPunct="1">
+      <a:defRPr sz="1200" kern="1200">
+        <a:solidFill>
+          <a:schemeClr val="tx1"/>
+        </a:solidFill>
+        <a:latin typeface="+mn-lt"/>
+        <a:ea typeface="+mn-ea"/>
+        <a:cs typeface="+mn-cs"/>
+      </a:defRPr>
+    </a:lvl2pPr>
+    <a:lvl3pPr marL="914400" algn="l" defTabSz="914400" rtl="0" eaLnBrk="1" latinLnBrk="0" hangingPunct="1">
+      <a:defRPr sz="1200" kern="1200">
+        <a:solidFill>
+          <a:schemeClr val="tx1"/>
+        </a:solidFill>
+        <a:latin typeface="+mn-lt"/>
+        <a:ea typeface="+mn-ea"/>
+        <a:cs typeface="+mn-cs"/>
+      </a:defRPr>
+    </a:lvl3pPr>
+    <a:lvl4pPr marL="1371600" algn="l" defTabSz="914400" rtl="0" eaLnBrk="1" latinLnBrk="0" hangingPunct="1">
+      <a:defRPr sz="1200" kern="1200">
+        <a:solidFill>
+          <a:schemeClr val="tx1"/>
+        </a:solidFill>
+        <a:latin typeface="+mn-lt"/>
+        <a:ea typeface="+mn-ea"/>
+        <a:cs typeface="+mn-cs"/>
+      </a:defRPr>
+    </a:lvl4pPr>
+    <a:lvl5pPr marL="1828800" algn="l" defTabSz="914400" rtl="0" eaLnBrk="1" latinLnBrk="0" hangingPunct="1">
+      <a:defRPr sz="1200" kern="1200">
+        <a:solidFill>
+          <a:schemeClr val="tx1"/>
+        </a:solidFill>
+        <a:latin typeface="+mn-lt"/>
+        <a:ea typeface="+mn-ea"/>
+        <a:cs typeface="+mn-cs"/>
+      </a:defRPr>
+    </a:lvl5pPr>
+    <a:lvl6pPr marL="2286000" algn="l" defTabSz="914400" rtl="0" eaLnBrk="1" latinLnBrk="0" hangingPunct="1">
+      <a:defRPr sz="1200" kern="1200">
+        <a:solidFill>
+          <a:schemeClr val="tx1"/>
+        </a:solidFill>
+        <a:latin typeface="+mn-lt"/>
+        <a:ea typeface="+mn-ea"/>
+        <a:cs typeface="+mn-cs"/>
+      </a:defRPr>
+    </a:lvl6pPr>
+    <a:lvl7pPr marL="2743200" algn="l" defTabSz="914400" rtl="0" eaLnBrk="1" latinLnBrk="0" hangingPunct="1">
+      <a:defRPr sz="1200" kern="1200">
+        <a:solidFill>
+          <a:schemeClr val="tx1"/>
+        </a:solidFill>
+        <a:latin typeface="+mn-lt"/>
+        <a:ea typeface="+mn-ea"/>
+        <a:cs typeface="+mn-cs"/>
+      </a:defRPr>
+    </a:lvl7pPr>
+    <a:lvl8pPr marL="3200400" algn="l" defTabSz="914400" rtl="0" eaLnBrk="1" latinLnBrk="0" hangingPunct="1">
+      <a:defRPr sz="1200" kern="1200">
+        <a:solidFill>
+          <a:schemeClr val="tx1"/>
+        </a:solidFill>
+        <a:latin typeface="+mn-lt"/>
+        <a:ea typeface="+mn-ea"/>
+        <a:cs typeface="+mn-cs"/>
+      </a:defRPr>
+    </a:lvl8pPr>
+    <a:lvl9pPr marL="3657600" algn="l" defTabSz="914400" rtl="0" eaLnBrk="1" latinLnBrk="0" hangingPunct="1">
+      <a:defRPr sz="1200" kern="1200">
+        <a:solidFill>
+          <a:schemeClr val="tx1"/>
+        </a:solidFill>
+        <a:latin typeface="+mn-lt"/>
+        <a:ea typeface="+mn-ea"/>
+        <a:cs typeface="+mn-cs"/>
+      </a:defRPr>
+    </a:lvl9pPr>
+  </p:notesStyle>
+</p:notesMaster>
+</file>
+
+<file path=ppt/notesSlides/notesSlide1.xml><?xml version="1.0" encoding="utf-8"?>
+<p:notes xmlns:a="http://schemas.openxmlformats.org/drawingml/2006/main" xmlns:r="http://schemas.openxmlformats.org/officeDocument/2006/relationships" xmlns:p="http://schemas.openxmlformats.org/presentationml/2006/main">
+  <p:cSld>
+    <p:spTree>
+      <p:nvGrpSpPr>
+        <p:cNvPr id="1" name=""/>
+        <p:cNvGrpSpPr/>
+        <p:nvPr/>
+      </p:nvGrpSpPr>
+      <p:grpSpPr>
+        <a:xfrm>
+          <a:off x="0" y="0"/>
+          <a:ext cx="0" cy="0"/>
+          <a:chOff x="0" y="0"/>
+          <a:chExt cx="0" cy="0"/>
+        </a:xfrm>
+      </p:grpSpPr>
+      <p:sp>
+        <p:nvSpPr>
+          <p:cNvPr id="2" name="Slide Image Placeholder 1"/>
+          <p:cNvSpPr>
+            <a:spLocks noGrp="1" noRot="1" noChangeAspect="1"/>
+          </p:cNvSpPr>
+          <p:nvPr>
+            <p:ph type="sldImg"/>
+          </p:nvPr>
+        </p:nvSpPr>
+        <p:spPr/>
+      </p:sp>
+      <p:sp>
+        <p:nvSpPr>
+          <p:cNvPr id="3" name="Notes Placeholder 2"/>
+          <p:cNvSpPr>
+            <a:spLocks noGrp="1"/>
+          </p:cNvSpPr>
+          <p:nvPr>
+            <p:ph type="body" idx="1"/>
+          </p:nvPr>
+        </p:nvSpPr>
+        <p:spPr/>
+        <p:txBody>
+          <a:bodyPr/>
+          <a:lstStyle/>
+          <a:p>
+            <a:r>
+              <a:rPr lang="en-US" dirty="0"/>
+              <a:t>Relevant Code / Screen Shot / Demo</a:t>
+            </a:r>
+          </a:p>
+        </p:txBody>
+      </p:sp>
+      <p:sp>
+        <p:nvSpPr>
+          <p:cNvPr id="4" name="Slide Number Placeholder 3"/>
+          <p:cNvSpPr>
+            <a:spLocks noGrp="1"/>
+          </p:cNvSpPr>
+          <p:nvPr>
+            <p:ph type="sldNum" sz="quarter" idx="5"/>
+          </p:nvPr>
+        </p:nvSpPr>
+        <p:spPr/>
+        <p:txBody>
+          <a:bodyPr/>
+          <a:lstStyle/>
+          <a:p>
+            <a:fld id="{00E26C91-FCC9-A948-A2C3-5C1245B789B2}" type="slidenum">
+              <a:rPr lang="en-US" smtClean="0"/>
+              <a:t>3</a:t>
+            </a:fld>
+            <a:endParaRPr lang="en-US"/>
+          </a:p>
+        </p:txBody>
+      </p:sp>
+    </p:spTree>
+    <p:extLst>
+      <p:ext uri="{BB962C8B-B14F-4D97-AF65-F5344CB8AC3E}">
+        <p14:creationId xmlns:p14="http://schemas.microsoft.com/office/powerpoint/2010/main" val="1545977481"/>
+      </p:ext>
+    </p:extLst>
+  </p:cSld>
+  <p:clrMapOvr>
+    <a:masterClrMapping/>
+  </p:clrMapOvr>
+</p:notes>
+</file>
+
+<file path=ppt/notesSlides/notesSlide2.xml><?xml version="1.0" encoding="utf-8"?>
+<p:notes xmlns:a="http://schemas.openxmlformats.org/drawingml/2006/main" xmlns:r="http://schemas.openxmlformats.org/officeDocument/2006/relationships" xmlns:p="http://schemas.openxmlformats.org/presentationml/2006/main">
+  <p:cSld>
+    <p:spTree>
+      <p:nvGrpSpPr>
+        <p:cNvPr id="1" name=""/>
+        <p:cNvGrpSpPr/>
+        <p:nvPr/>
+      </p:nvGrpSpPr>
+      <p:grpSpPr>
+        <a:xfrm>
+          <a:off x="0" y="0"/>
+          <a:ext cx="0" cy="0"/>
+          <a:chOff x="0" y="0"/>
+          <a:chExt cx="0" cy="0"/>
+        </a:xfrm>
+      </p:grpSpPr>
+      <p:sp>
+        <p:nvSpPr>
+          <p:cNvPr id="2" name="Slide Image Placeholder 1"/>
+          <p:cNvSpPr>
+            <a:spLocks noGrp="1" noRot="1" noChangeAspect="1"/>
+          </p:cNvSpPr>
+          <p:nvPr>
+            <p:ph type="sldImg"/>
+          </p:nvPr>
+        </p:nvSpPr>
+        <p:spPr/>
+      </p:sp>
+      <p:sp>
+        <p:nvSpPr>
+          <p:cNvPr id="3" name="Notes Placeholder 2"/>
+          <p:cNvSpPr>
+            <a:spLocks noGrp="1"/>
+          </p:cNvSpPr>
+          <p:nvPr>
+            <p:ph type="body" idx="1"/>
+          </p:nvPr>
+        </p:nvSpPr>
+        <p:spPr/>
+        <p:txBody>
+          <a:bodyPr/>
+          <a:lstStyle/>
+          <a:p>
+            <a:r>
+              <a:rPr lang="en-US" dirty="0"/>
+              <a:t>Relevant Code / Screen Shot / Demo</a:t>
+            </a:r>
+          </a:p>
+        </p:txBody>
+      </p:sp>
+      <p:sp>
+        <p:nvSpPr>
+          <p:cNvPr id="4" name="Slide Number Placeholder 3"/>
+          <p:cNvSpPr>
+            <a:spLocks noGrp="1"/>
+          </p:cNvSpPr>
+          <p:nvPr>
+            <p:ph type="sldNum" sz="quarter" idx="5"/>
+          </p:nvPr>
+        </p:nvSpPr>
+        <p:spPr/>
+        <p:txBody>
+          <a:bodyPr/>
+          <a:lstStyle/>
+          <a:p>
+            <a:fld id="{00E26C91-FCC9-A948-A2C3-5C1245B789B2}" type="slidenum">
+              <a:rPr lang="en-US" smtClean="0"/>
+              <a:t>4</a:t>
+            </a:fld>
+            <a:endParaRPr lang="en-US"/>
+          </a:p>
+        </p:txBody>
+      </p:sp>
+    </p:spTree>
+    <p:extLst>
+      <p:ext uri="{BB962C8B-B14F-4D97-AF65-F5344CB8AC3E}">
+        <p14:creationId xmlns:p14="http://schemas.microsoft.com/office/powerpoint/2010/main" val="2501462276"/>
+      </p:ext>
+    </p:extLst>
+  </p:cSld>
+  <p:clrMapOvr>
+    <a:masterClrMapping/>
+  </p:clrMapOvr>
+</p:notes>
+</file>
+
+<file path=ppt/notesSlides/notesSlide3.xml><?xml version="1.0" encoding="utf-8"?>
+<p:notes xmlns:a="http://schemas.openxmlformats.org/drawingml/2006/main" xmlns:r="http://schemas.openxmlformats.org/officeDocument/2006/relationships" xmlns:p="http://schemas.openxmlformats.org/presentationml/2006/main">
+  <p:cSld>
+    <p:spTree>
+      <p:nvGrpSpPr>
+        <p:cNvPr id="1" name=""/>
+        <p:cNvGrpSpPr/>
+        <p:nvPr/>
+      </p:nvGrpSpPr>
+      <p:grpSpPr>
+        <a:xfrm>
+          <a:off x="0" y="0"/>
+          <a:ext cx="0" cy="0"/>
+          <a:chOff x="0" y="0"/>
+          <a:chExt cx="0" cy="0"/>
+        </a:xfrm>
+      </p:grpSpPr>
+      <p:sp>
+        <p:nvSpPr>
+          <p:cNvPr id="2" name="Slide Image Placeholder 1"/>
+          <p:cNvSpPr>
+            <a:spLocks noGrp="1" noRot="1" noChangeAspect="1"/>
+          </p:cNvSpPr>
+          <p:nvPr>
+            <p:ph type="sldImg"/>
+          </p:nvPr>
+        </p:nvSpPr>
+        <p:spPr/>
+      </p:sp>
+      <p:sp>
+        <p:nvSpPr>
+          <p:cNvPr id="3" name="Notes Placeholder 2"/>
+          <p:cNvSpPr>
+            <a:spLocks noGrp="1"/>
+          </p:cNvSpPr>
+          <p:nvPr>
+            <p:ph type="body" idx="1"/>
+          </p:nvPr>
+        </p:nvSpPr>
+        <p:spPr/>
+        <p:txBody>
+          <a:bodyPr/>
+          <a:lstStyle/>
+          <a:p>
+            <a:pPr lvl="2"/>
+            <a:r>
+              <a:rPr lang="en-US" dirty="0"/>
+              <a:t>If selling and already at a loss, don’t trade</a:t>
+            </a:r>
+          </a:p>
+          <a:p>
+            <a:pPr lvl="2"/>
+            <a:r>
+              <a:rPr lang="en-US" dirty="0"/>
+              <a:t>If selling and already at a profit, don’t trade</a:t>
+            </a:r>
+          </a:p>
+          <a:p>
+            <a:pPr lvl="2"/>
+            <a:r>
+              <a:rPr lang="en-US" dirty="0"/>
+              <a:t>If buying and already at a loss, don’t trade</a:t>
+            </a:r>
+          </a:p>
+          <a:p>
+            <a:pPr lvl="2"/>
+            <a:r>
+              <a:rPr lang="en-US" dirty="0"/>
+              <a:t>If trade size is less than $X, don’t trade</a:t>
+            </a:r>
+          </a:p>
+          <a:p>
+            <a:pPr lvl="2"/>
+            <a:r>
+              <a:rPr lang="en-US" dirty="0"/>
+              <a:t>If buying and already at profit, TRADE</a:t>
+            </a:r>
+          </a:p>
+          <a:p>
+            <a:pPr lvl="2"/>
+            <a:endParaRPr lang="en-US" dirty="0"/>
+          </a:p>
+          <a:p>
+            <a:endParaRPr lang="en-US" dirty="0"/>
+          </a:p>
+        </p:txBody>
+      </p:sp>
+      <p:sp>
+        <p:nvSpPr>
+          <p:cNvPr id="4" name="Slide Number Placeholder 3"/>
+          <p:cNvSpPr>
+            <a:spLocks noGrp="1"/>
+          </p:cNvSpPr>
+          <p:nvPr>
+            <p:ph type="sldNum" sz="quarter" idx="5"/>
+          </p:nvPr>
+        </p:nvSpPr>
+        <p:spPr/>
+        <p:txBody>
+          <a:bodyPr/>
+          <a:lstStyle/>
+          <a:p>
+            <a:fld id="{00E26C91-FCC9-A948-A2C3-5C1245B789B2}" type="slidenum">
+              <a:rPr lang="en-US" smtClean="0"/>
+              <a:t>5</a:t>
+            </a:fld>
+            <a:endParaRPr lang="en-US"/>
+          </a:p>
+        </p:txBody>
+      </p:sp>
+    </p:spTree>
+    <p:extLst>
+      <p:ext uri="{BB962C8B-B14F-4D97-AF65-F5344CB8AC3E}">
+        <p14:creationId xmlns:p14="http://schemas.microsoft.com/office/powerpoint/2010/main" val="833018141"/>
+      </p:ext>
+    </p:extLst>
+  </p:cSld>
+  <p:clrMapOvr>
+    <a:masterClrMapping/>
+  </p:clrMapOvr>
+</p:notes>
 </file>
 
 <file path=ppt/slideLayouts/slideLayout1.xml><?xml version="1.0" encoding="utf-8"?>
@@ -267,7 +6808,7 @@
           <a:p>
             <a:fld id="{02AC24A9-CCB6-4F8D-B8DB-C2F3692CFA5A}" type="datetimeFigureOut">
               <a:rPr lang="en-US" smtClean="0"/>
-              <a:t>9/3/24</a:t>
+              <a:t>9/4/24</a:t>
             </a:fld>
             <a:endParaRPr lang="en-US" dirty="0"/>
           </a:p>
@@ -637,7 +7178,7 @@
           <a:p>
             <a:fld id="{02AC24A9-CCB6-4F8D-B8DB-C2F3692CFA5A}" type="datetimeFigureOut">
               <a:rPr lang="en-US" smtClean="0"/>
-              <a:t>9/3/24</a:t>
+              <a:t>9/4/24</a:t>
             </a:fld>
             <a:endParaRPr lang="en-US"/>
           </a:p>
@@ -846,7 +7387,7 @@
           <a:p>
             <a:fld id="{02AC24A9-CCB6-4F8D-B8DB-C2F3692CFA5A}" type="datetimeFigureOut">
               <a:rPr lang="en-US" smtClean="0"/>
-              <a:t>9/3/24</a:t>
+              <a:t>9/4/24</a:t>
             </a:fld>
             <a:endParaRPr lang="en-US"/>
           </a:p>
@@ -1316,7 +7857,7 @@
           <a:p>
             <a:fld id="{02AC24A9-CCB6-4F8D-B8DB-C2F3692CFA5A}" type="datetimeFigureOut">
               <a:rPr lang="en-US" smtClean="0"/>
-              <a:t>9/3/24</a:t>
+              <a:t>9/4/24</a:t>
             </a:fld>
             <a:endParaRPr lang="en-US"/>
           </a:p>
@@ -1770,7 +8311,7 @@
           <a:p>
             <a:fld id="{02AC24A9-CCB6-4F8D-B8DB-C2F3692CFA5A}" type="datetimeFigureOut">
               <a:rPr lang="en-US" smtClean="0"/>
-              <a:t>9/3/24</a:t>
+              <a:t>9/4/24</a:t>
             </a:fld>
             <a:endParaRPr lang="en-US"/>
           </a:p>
@@ -2302,7 +8843,7 @@
           <a:p>
             <a:fld id="{02AC24A9-CCB6-4F8D-B8DB-C2F3692CFA5A}" type="datetimeFigureOut">
               <a:rPr lang="en-US" smtClean="0"/>
-              <a:t>9/3/24</a:t>
+              <a:t>9/4/24</a:t>
             </a:fld>
             <a:endParaRPr lang="en-US"/>
           </a:p>
@@ -3001,7 +9542,7 @@
           <a:p>
             <a:fld id="{02AC24A9-CCB6-4F8D-B8DB-C2F3692CFA5A}" type="datetimeFigureOut">
               <a:rPr lang="en-US" smtClean="0"/>
-              <a:t>9/3/24</a:t>
+              <a:t>9/4/24</a:t>
             </a:fld>
             <a:endParaRPr lang="en-US"/>
           </a:p>
@@ -3330,7 +9871,7 @@
           <a:p>
             <a:fld id="{02AC24A9-CCB6-4F8D-B8DB-C2F3692CFA5A}" type="datetimeFigureOut">
               <a:rPr lang="en-US" smtClean="0"/>
-              <a:t>9/3/24</a:t>
+              <a:t>9/4/24</a:t>
             </a:fld>
             <a:endParaRPr lang="en-US"/>
           </a:p>
@@ -3443,7 +9984,7 @@
           <a:p>
             <a:fld id="{02AC24A9-CCB6-4F8D-B8DB-C2F3692CFA5A}" type="datetimeFigureOut">
               <a:rPr lang="en-US" smtClean="0"/>
-              <a:t>9/3/24</a:t>
+              <a:t>9/4/24</a:t>
             </a:fld>
             <a:endParaRPr lang="en-US"/>
           </a:p>
@@ -3938,7 +10479,7 @@
           <a:p>
             <a:fld id="{02AC24A9-CCB6-4F8D-B8DB-C2F3692CFA5A}" type="datetimeFigureOut">
               <a:rPr lang="en-US" smtClean="0"/>
-              <a:t>9/3/24</a:t>
+              <a:t>9/4/24</a:t>
             </a:fld>
             <a:endParaRPr lang="en-US" dirty="0"/>
           </a:p>
@@ -4415,7 +10956,7 @@
           <a:p>
             <a:fld id="{02AC24A9-CCB6-4F8D-B8DB-C2F3692CFA5A}" type="datetimeFigureOut">
               <a:rPr lang="en-US" smtClean="0"/>
-              <a:t>9/3/24</a:t>
+              <a:t>9/4/24</a:t>
             </a:fld>
             <a:endParaRPr lang="en-US"/>
           </a:p>
@@ -4658,7 +11199,7 @@
           <a:p>
             <a:fld id="{02AC24A9-CCB6-4F8D-B8DB-C2F3692CFA5A}" type="datetimeFigureOut">
               <a:rPr lang="en-US" smtClean="0"/>
-              <a:t>9/3/24</a:t>
+              <a:t>9/4/24</a:t>
             </a:fld>
             <a:endParaRPr lang="en-US"/>
           </a:p>
@@ -5554,9 +12095,17 @@
 </p:sld>
 </file>
 
-<file path=ppt/slides/slide2.xml><?xml version="1.0" encoding="utf-8"?>
+<file path=ppt/slides/slide10.xml><?xml version="1.0" encoding="utf-8"?>
 <p:sld xmlns:a="http://schemas.openxmlformats.org/drawingml/2006/main" xmlns:r="http://schemas.openxmlformats.org/officeDocument/2006/relationships" xmlns:p="http://schemas.openxmlformats.org/presentationml/2006/main">
   <p:cSld>
+    <p:bg>
+      <p:bgPr>
+        <a:solidFill>
+          <a:schemeClr val="bg1"/>
+        </a:solidFill>
+        <a:effectLst/>
+      </p:bgPr>
+    </p:bg>
     <p:spTree>
       <p:nvGrpSpPr>
         <p:cNvPr id="1" name=""/>
@@ -5571,12 +12120,174 @@
           <a:chExt cx="0" cy="0"/>
         </a:xfrm>
       </p:grpSpPr>
+      <p:sp useBgFill="1">
+        <p:nvSpPr>
+          <p:cNvPr id="20" name="Rectangle 19">
+            <a:extLst>
+              <a:ext uri="{FF2B5EF4-FFF2-40B4-BE49-F238E27FC236}">
+                <a16:creationId xmlns:a16="http://schemas.microsoft.com/office/drawing/2014/main" id="{44AD29B6-BF3B-4407-9E75-52DF8E3B29F1}"/>
+              </a:ext>
+              <a:ext uri="{C183D7F6-B498-43B3-948B-1728B52AA6E4}">
+                <adec:decorative xmlns:adec="http://schemas.microsoft.com/office/drawing/2017/decorative" val="1"/>
+              </a:ext>
+            </a:extLst>
+          </p:cNvPr>
+          <p:cNvSpPr>
+            <a:spLocks noGrp="1" noRot="1" noChangeAspect="1" noMove="1" noResize="1" noEditPoints="1" noAdjustHandles="1" noChangeArrowheads="1" noChangeShapeType="1" noTextEdit="1"/>
+          </p:cNvSpPr>
+          <p:nvPr>
+            <p:extLst>
+              <p:ext uri="{386F3935-93C4-4BCD-93E2-E3B085C9AB24}">
+                <p16:designElem xmlns:p16="http://schemas.microsoft.com/office/powerpoint/2015/main" val="1"/>
+              </p:ext>
+            </p:extLst>
+          </p:nvPr>
+        </p:nvSpPr>
+        <p:spPr>
+          <a:xfrm>
+            <a:off x="0" y="0"/>
+            <a:ext cx="12192000" cy="6858000"/>
+          </a:xfrm>
+          <a:prstGeom prst="rect">
+            <a:avLst/>
+          </a:prstGeom>
+          <a:ln>
+            <a:noFill/>
+          </a:ln>
+        </p:spPr>
+        <p:style>
+          <a:lnRef idx="2">
+            <a:schemeClr val="accent1">
+              <a:shade val="50000"/>
+            </a:schemeClr>
+          </a:lnRef>
+          <a:fillRef idx="1">
+            <a:schemeClr val="accent1"/>
+          </a:fillRef>
+          <a:effectRef idx="0">
+            <a:schemeClr val="accent1"/>
+          </a:effectRef>
+          <a:fontRef idx="minor">
+            <a:schemeClr val="lt1"/>
+          </a:fontRef>
+        </p:style>
+        <p:txBody>
+          <a:bodyPr rtlCol="0" anchor="ctr"/>
+          <a:lstStyle/>
+          <a:p>
+            <a:pPr algn="ctr"/>
+            <a:endParaRPr lang="en-US"/>
+          </a:p>
+        </p:txBody>
+      </p:sp>
+      <p:sp useBgFill="1">
+        <p:nvSpPr>
+          <p:cNvPr id="22" name="Rectangle 21">
+            <a:extLst>
+              <a:ext uri="{FF2B5EF4-FFF2-40B4-BE49-F238E27FC236}">
+                <a16:creationId xmlns:a16="http://schemas.microsoft.com/office/drawing/2014/main" id="{55F8BA08-3E38-4B70-B93A-74F08E092206}"/>
+              </a:ext>
+              <a:ext uri="{C183D7F6-B498-43B3-948B-1728B52AA6E4}">
+                <adec:decorative xmlns:adec="http://schemas.microsoft.com/office/drawing/2017/decorative" val="1"/>
+              </a:ext>
+            </a:extLst>
+          </p:cNvPr>
+          <p:cNvSpPr>
+            <a:spLocks noGrp="1" noRot="1" noChangeAspect="1" noMove="1" noResize="1" noEditPoints="1" noAdjustHandles="1" noChangeArrowheads="1" noChangeShapeType="1" noTextEdit="1"/>
+          </p:cNvSpPr>
+          <p:nvPr>
+            <p:extLst>
+              <p:ext uri="{386F3935-93C4-4BCD-93E2-E3B085C9AB24}">
+                <p16:designElem xmlns:p16="http://schemas.microsoft.com/office/powerpoint/2015/main" val="1"/>
+              </p:ext>
+            </p:extLst>
+          </p:nvPr>
+        </p:nvSpPr>
+        <p:spPr>
+          <a:xfrm>
+            <a:off x="558209" y="260019"/>
+            <a:ext cx="11167447" cy="5933012"/>
+          </a:xfrm>
+          <a:prstGeom prst="rect">
+            <a:avLst/>
+          </a:prstGeom>
+          <a:ln w="12700">
+            <a:solidFill>
+              <a:schemeClr val="tx2">
+                <a:lumMod val="10000"/>
+                <a:lumOff val="90000"/>
+              </a:schemeClr>
+            </a:solidFill>
+          </a:ln>
+          <a:effectLst>
+            <a:outerShdw blurRad="50800" dist="38100" dir="2700000" algn="tl" rotWithShape="0">
+              <a:schemeClr val="bg2">
+                <a:lumMod val="85000"/>
+                <a:alpha val="30000"/>
+              </a:schemeClr>
+            </a:outerShdw>
+          </a:effectLst>
+        </p:spPr>
+        <p:style>
+          <a:lnRef idx="2">
+            <a:schemeClr val="accent1">
+              <a:shade val="50000"/>
+            </a:schemeClr>
+          </a:lnRef>
+          <a:fillRef idx="1">
+            <a:schemeClr val="accent1"/>
+          </a:fillRef>
+          <a:effectRef idx="0">
+            <a:schemeClr val="accent1"/>
+          </a:effectRef>
+          <a:fontRef idx="minor">
+            <a:schemeClr val="lt1"/>
+          </a:fontRef>
+        </p:style>
+        <p:txBody>
+          <a:bodyPr rtlCol="0" anchor="ctr"/>
+          <a:lstStyle/>
+          <a:p>
+            <a:pPr marL="0" marR="0" lvl="0" indent="0" algn="ctr" defTabSz="914400" rtl="0" eaLnBrk="1" fontAlgn="auto" latinLnBrk="0" hangingPunct="1">
+              <a:lnSpc>
+                <a:spcPct val="100000"/>
+              </a:lnSpc>
+              <a:spcBef>
+                <a:spcPts val="0"/>
+              </a:spcBef>
+              <a:spcAft>
+                <a:spcPts val="0"/>
+              </a:spcAft>
+              <a:buClrTx/>
+              <a:buSzTx/>
+              <a:buFontTx/>
+              <a:buNone/>
+              <a:tabLst/>
+              <a:defRPr/>
+            </a:pPr>
+            <a:endParaRPr kumimoji="0" lang="en-US" sz="1800" b="0" i="0" u="none" strike="noStrike" kern="1200" cap="none" spc="0" normalizeH="0" baseline="0" noProof="0">
+              <a:ln>
+                <a:noFill/>
+              </a:ln>
+              <a:solidFill>
+                <a:prstClr val="white"/>
+              </a:solidFill>
+              <a:effectLst/>
+              <a:uLnTx/>
+              <a:uFillTx/>
+              <a:latin typeface="Calibri" panose="020F0502020204030204"/>
+              <a:ea typeface="+mn-ea"/>
+              <a:cs typeface="+mn-cs"/>
+            </a:endParaRPr>
+          </a:p>
+        </p:txBody>
+      </p:sp>
       <p:sp>
         <p:nvSpPr>
           <p:cNvPr id="2" name="Title 1">
             <a:extLst>
               <a:ext uri="{FF2B5EF4-FFF2-40B4-BE49-F238E27FC236}">
-                <a16:creationId xmlns:a16="http://schemas.microsoft.com/office/drawing/2014/main" id="{230A7D7C-6AAE-65A5-CD51-184666BDCCA1}"/>
+                <a16:creationId xmlns:a16="http://schemas.microsoft.com/office/drawing/2014/main" id="{5AD0D74A-3876-DC9D-EC4B-270D40BEDBC8}"/>
               </a:ext>
             </a:extLst>
           </p:cNvPr>
@@ -5587,24 +12298,354 @@
             <p:ph type="title"/>
           </p:nvPr>
         </p:nvSpPr>
-        <p:spPr/>
+        <p:spPr>
+          <a:xfrm>
+            <a:off x="1045029" y="507160"/>
+            <a:ext cx="2993571" cy="5438730"/>
+          </a:xfrm>
+        </p:spPr>
         <p:txBody>
-          <a:bodyPr/>
+          <a:bodyPr>
+            <a:normAutofit/>
+          </a:bodyPr>
           <a:lstStyle/>
           <a:p>
             <a:r>
-              <a:rPr lang="en-US" dirty="0"/>
-              <a:t>Executive Summary</a:t>
+              <a:rPr lang="en-US" sz="3200"/>
+              <a:t>Next Steps</a:t>
             </a:r>
           </a:p>
         </p:txBody>
       </p:sp>
       <p:sp>
         <p:nvSpPr>
-          <p:cNvPr id="3" name="Content Placeholder 2">
+          <p:cNvPr id="24" name="Rectangle 23">
             <a:extLst>
               <a:ext uri="{FF2B5EF4-FFF2-40B4-BE49-F238E27FC236}">
-                <a16:creationId xmlns:a16="http://schemas.microsoft.com/office/drawing/2014/main" id="{E2B7021C-5C31-ABD7-4864-1C8DDDCF6744}"/>
+                <a16:creationId xmlns:a16="http://schemas.microsoft.com/office/drawing/2014/main" id="{357F1B33-79AB-4A71-8CEC-4546D709B8C8}"/>
+              </a:ext>
+              <a:ext uri="{C183D7F6-B498-43B3-948B-1728B52AA6E4}">
+                <adec:decorative xmlns:adec="http://schemas.microsoft.com/office/drawing/2017/decorative" val="1"/>
+              </a:ext>
+            </a:extLst>
+          </p:cNvPr>
+          <p:cNvSpPr>
+            <a:spLocks noGrp="1" noRot="1" noChangeAspect="1" noMove="1" noResize="1" noEditPoints="1" noAdjustHandles="1" noChangeArrowheads="1" noChangeShapeType="1" noTextEdit="1"/>
+          </p:cNvSpPr>
+          <p:nvPr>
+            <p:extLst>
+              <p:ext uri="{386F3935-93C4-4BCD-93E2-E3B085C9AB24}">
+                <p16:designElem xmlns:p16="http://schemas.microsoft.com/office/powerpoint/2015/main" val="1"/>
+              </p:ext>
+            </p:extLst>
+          </p:nvPr>
+        </p:nvSpPr>
+        <p:spPr>
+          <a:xfrm>
+            <a:off x="498834" y="2874481"/>
+            <a:ext cx="128016" cy="704088"/>
+          </a:xfrm>
+          <a:prstGeom prst="rect">
+            <a:avLst/>
+          </a:prstGeom>
+          <a:solidFill>
+            <a:schemeClr val="accent1"/>
+          </a:solidFill>
+          <a:ln>
+            <a:noFill/>
+          </a:ln>
+        </p:spPr>
+        <p:style>
+          <a:lnRef idx="2">
+            <a:schemeClr val="accent1">
+              <a:shade val="50000"/>
+            </a:schemeClr>
+          </a:lnRef>
+          <a:fillRef idx="1">
+            <a:schemeClr val="accent1"/>
+          </a:fillRef>
+          <a:effectRef idx="0">
+            <a:schemeClr val="accent1"/>
+          </a:effectRef>
+          <a:fontRef idx="minor">
+            <a:schemeClr val="lt1"/>
+          </a:fontRef>
+        </p:style>
+        <p:txBody>
+          <a:bodyPr rtlCol="0" anchor="ctr"/>
+          <a:lstStyle/>
+          <a:p>
+            <a:pPr marL="0" marR="0" lvl="0" indent="0" algn="ctr" defTabSz="914400" rtl="0" eaLnBrk="1" fontAlgn="auto" latinLnBrk="0" hangingPunct="1">
+              <a:lnSpc>
+                <a:spcPct val="100000"/>
+              </a:lnSpc>
+              <a:spcBef>
+                <a:spcPts val="0"/>
+              </a:spcBef>
+              <a:spcAft>
+                <a:spcPts val="0"/>
+              </a:spcAft>
+              <a:buClrTx/>
+              <a:buSzTx/>
+              <a:buFontTx/>
+              <a:buNone/>
+              <a:tabLst/>
+              <a:defRPr/>
+            </a:pPr>
+            <a:endParaRPr kumimoji="0" lang="en-US" sz="1800" b="0" i="0" u="none" strike="noStrike" kern="1200" cap="none" spc="0" normalizeH="0" baseline="0" noProof="0">
+              <a:ln>
+                <a:noFill/>
+              </a:ln>
+              <a:solidFill>
+                <a:prstClr val="white"/>
+              </a:solidFill>
+              <a:effectLst/>
+              <a:uLnTx/>
+              <a:uFillTx/>
+              <a:latin typeface="Calibri" panose="020F0502020204030204"/>
+              <a:ea typeface="+mn-ea"/>
+              <a:cs typeface="+mn-cs"/>
+            </a:endParaRPr>
+          </a:p>
+        </p:txBody>
+      </p:sp>
+      <p:graphicFrame>
+        <p:nvGraphicFramePr>
+          <p:cNvPr id="5" name="Content Placeholder 2">
+            <a:extLst>
+              <a:ext uri="{FF2B5EF4-FFF2-40B4-BE49-F238E27FC236}">
+                <a16:creationId xmlns:a16="http://schemas.microsoft.com/office/drawing/2014/main" id="{BE69D625-AFBC-7A54-8C7E-1404F120B685}"/>
+              </a:ext>
+            </a:extLst>
+          </p:cNvPr>
+          <p:cNvGraphicFramePr>
+            <a:graphicFrameLocks noGrp="1"/>
+          </p:cNvGraphicFramePr>
+          <p:nvPr>
+            <p:ph idx="1"/>
+            <p:extLst>
+              <p:ext uri="{D42A27DB-BD31-4B8C-83A1-F6EECF244321}">
+                <p14:modId xmlns:p14="http://schemas.microsoft.com/office/powerpoint/2010/main" val="3819688131"/>
+              </p:ext>
+            </p:extLst>
+          </p:nvPr>
+        </p:nvGraphicFramePr>
+        <p:xfrm>
+          <a:off x="4526280" y="512064"/>
+          <a:ext cx="6830568" cy="5440680"/>
+        </p:xfrm>
+        <a:graphic>
+          <a:graphicData uri="http://schemas.openxmlformats.org/drawingml/2006/diagram">
+            <dgm:relIds xmlns:dgm="http://schemas.openxmlformats.org/drawingml/2006/diagram" xmlns:r="http://schemas.openxmlformats.org/officeDocument/2006/relationships" r:dm="rId2" r:lo="rId3" r:qs="rId4" r:cs="rId5"/>
+          </a:graphicData>
+        </a:graphic>
+      </p:graphicFrame>
+    </p:spTree>
+    <p:extLst>
+      <p:ext uri="{BB962C8B-B14F-4D97-AF65-F5344CB8AC3E}">
+        <p14:creationId xmlns:p14="http://schemas.microsoft.com/office/powerpoint/2010/main" val="2285810111"/>
+      </p:ext>
+    </p:extLst>
+  </p:cSld>
+  <p:clrMapOvr>
+    <a:masterClrMapping/>
+  </p:clrMapOvr>
+</p:sld>
+</file>
+
+<file path=ppt/slides/slide2.xml><?xml version="1.0" encoding="utf-8"?>
+<p:sld xmlns:a="http://schemas.openxmlformats.org/drawingml/2006/main" xmlns:r="http://schemas.openxmlformats.org/officeDocument/2006/relationships" xmlns:p="http://schemas.openxmlformats.org/presentationml/2006/main">
+  <p:cSld>
+    <p:bg>
+      <p:bgPr>
+        <a:solidFill>
+          <a:schemeClr val="bg1"/>
+        </a:solidFill>
+        <a:effectLst/>
+      </p:bgPr>
+    </p:bg>
+    <p:spTree>
+      <p:nvGrpSpPr>
+        <p:cNvPr id="1" name=""/>
+        <p:cNvGrpSpPr/>
+        <p:nvPr/>
+      </p:nvGrpSpPr>
+      <p:grpSpPr>
+        <a:xfrm>
+          <a:off x="0" y="0"/>
+          <a:ext cx="0" cy="0"/>
+          <a:chOff x="0" y="0"/>
+          <a:chExt cx="0" cy="0"/>
+        </a:xfrm>
+      </p:grpSpPr>
+      <p:sp useBgFill="1">
+        <p:nvSpPr>
+          <p:cNvPr id="12" name="Rectangle 11">
+            <a:extLst>
+              <a:ext uri="{FF2B5EF4-FFF2-40B4-BE49-F238E27FC236}">
+                <a16:creationId xmlns:a16="http://schemas.microsoft.com/office/drawing/2014/main" id="{2C9A9DA9-7DC8-488B-A882-123947B0F3D9}"/>
+              </a:ext>
+              <a:ext uri="{C183D7F6-B498-43B3-948B-1728B52AA6E4}">
+                <adec:decorative xmlns:adec="http://schemas.microsoft.com/office/drawing/2017/decorative" val="1"/>
+              </a:ext>
+            </a:extLst>
+          </p:cNvPr>
+          <p:cNvSpPr>
+            <a:spLocks noGrp="1" noRot="1" noChangeAspect="1" noMove="1" noResize="1" noEditPoints="1" noAdjustHandles="1" noChangeArrowheads="1" noChangeShapeType="1" noTextEdit="1"/>
+          </p:cNvSpPr>
+          <p:nvPr>
+            <p:extLst>
+              <p:ext uri="{386F3935-93C4-4BCD-93E2-E3B085C9AB24}">
+                <p16:designElem xmlns:p16="http://schemas.microsoft.com/office/powerpoint/2015/main" val="1"/>
+              </p:ext>
+            </p:extLst>
+          </p:nvPr>
+        </p:nvSpPr>
+        <p:spPr>
+          <a:xfrm>
+            <a:off x="0" y="0"/>
+            <a:ext cx="12192000" cy="6858000"/>
+          </a:xfrm>
+          <a:prstGeom prst="rect">
+            <a:avLst/>
+          </a:prstGeom>
+          <a:ln>
+            <a:noFill/>
+          </a:ln>
+        </p:spPr>
+        <p:style>
+          <a:lnRef idx="2">
+            <a:schemeClr val="accent1">
+              <a:shade val="50000"/>
+            </a:schemeClr>
+          </a:lnRef>
+          <a:fillRef idx="1">
+            <a:schemeClr val="accent1"/>
+          </a:fillRef>
+          <a:effectRef idx="0">
+            <a:schemeClr val="accent1"/>
+          </a:effectRef>
+          <a:fontRef idx="minor">
+            <a:schemeClr val="lt1"/>
+          </a:fontRef>
+        </p:style>
+        <p:txBody>
+          <a:bodyPr rtlCol="0" anchor="ctr"/>
+          <a:lstStyle/>
+          <a:p>
+            <a:pPr algn="ctr"/>
+            <a:endParaRPr lang="en-US"/>
+          </a:p>
+        </p:txBody>
+      </p:sp>
+      <p:sp useBgFill="1">
+        <p:nvSpPr>
+          <p:cNvPr id="14" name="Rectangle 13">
+            <a:extLst>
+              <a:ext uri="{FF2B5EF4-FFF2-40B4-BE49-F238E27FC236}">
+                <a16:creationId xmlns:a16="http://schemas.microsoft.com/office/drawing/2014/main" id="{57F6BDD4-E066-4008-8011-6CC31AEB4556}"/>
+              </a:ext>
+              <a:ext uri="{C183D7F6-B498-43B3-948B-1728B52AA6E4}">
+                <adec:decorative xmlns:adec="http://schemas.microsoft.com/office/drawing/2017/decorative" val="1"/>
+              </a:ext>
+            </a:extLst>
+          </p:cNvPr>
+          <p:cNvSpPr>
+            <a:spLocks noGrp="1" noRot="1" noChangeAspect="1" noMove="1" noResize="1" noEditPoints="1" noAdjustHandles="1" noChangeArrowheads="1" noChangeShapeType="1" noTextEdit="1"/>
+          </p:cNvSpPr>
+          <p:nvPr>
+            <p:extLst>
+              <p:ext uri="{386F3935-93C4-4BCD-93E2-E3B085C9AB24}">
+                <p16:designElem xmlns:p16="http://schemas.microsoft.com/office/powerpoint/2015/main" val="1"/>
+              </p:ext>
+            </p:extLst>
+          </p:nvPr>
+        </p:nvSpPr>
+        <p:spPr>
+          <a:xfrm>
+            <a:off x="409575" y="633619"/>
+            <a:ext cx="6838569" cy="5495925"/>
+          </a:xfrm>
+          <a:prstGeom prst="rect">
+            <a:avLst/>
+          </a:prstGeom>
+          <a:ln w="9525">
+            <a:solidFill>
+              <a:schemeClr val="tx2">
+                <a:lumMod val="10000"/>
+                <a:lumOff val="90000"/>
+              </a:schemeClr>
+            </a:solidFill>
+          </a:ln>
+          <a:effectLst>
+            <a:outerShdw blurRad="50800" dist="38100" dir="2700000" algn="tl" rotWithShape="0">
+              <a:schemeClr val="bg1">
+                <a:lumMod val="85000"/>
+                <a:alpha val="30000"/>
+              </a:schemeClr>
+            </a:outerShdw>
+          </a:effectLst>
+        </p:spPr>
+        <p:style>
+          <a:lnRef idx="2">
+            <a:schemeClr val="accent1">
+              <a:shade val="50000"/>
+            </a:schemeClr>
+          </a:lnRef>
+          <a:fillRef idx="1">
+            <a:schemeClr val="accent1"/>
+          </a:fillRef>
+          <a:effectRef idx="0">
+            <a:schemeClr val="accent1"/>
+          </a:effectRef>
+          <a:fontRef idx="minor">
+            <a:schemeClr val="lt1"/>
+          </a:fontRef>
+        </p:style>
+        <p:txBody>
+          <a:bodyPr rtlCol="0" anchor="ctr"/>
+          <a:lstStyle/>
+          <a:p>
+            <a:pPr marL="0" marR="0" lvl="0" indent="0" algn="ctr" defTabSz="914400" rtl="0" eaLnBrk="1" fontAlgn="auto" latinLnBrk="0" hangingPunct="1">
+              <a:lnSpc>
+                <a:spcPct val="100000"/>
+              </a:lnSpc>
+              <a:spcBef>
+                <a:spcPts val="0"/>
+              </a:spcBef>
+              <a:spcAft>
+                <a:spcPts val="0"/>
+              </a:spcAft>
+              <a:buClrTx/>
+              <a:buSzTx/>
+              <a:buFontTx/>
+              <a:buNone/>
+              <a:tabLst/>
+              <a:defRPr/>
+            </a:pPr>
+            <a:endParaRPr kumimoji="0" lang="en-US" sz="1800" b="0" i="0" u="none" strike="noStrike" kern="1200" cap="none" spc="0" normalizeH="0" baseline="0" noProof="0">
+              <a:ln>
+                <a:noFill/>
+              </a:ln>
+              <a:solidFill>
+                <a:prstClr val="white"/>
+              </a:solidFill>
+              <a:effectLst/>
+              <a:uLnTx/>
+              <a:uFillTx/>
+              <a:latin typeface="Calibri" panose="020F0502020204030204"/>
+              <a:ea typeface="+mn-ea"/>
+              <a:cs typeface="+mn-cs"/>
+            </a:endParaRPr>
+          </a:p>
+        </p:txBody>
+      </p:sp>
+      <p:sp>
+        <p:nvSpPr>
+          <p:cNvPr id="2" name="Title 1">
+            <a:extLst>
+              <a:ext uri="{FF2B5EF4-FFF2-40B4-BE49-F238E27FC236}">
+                <a16:creationId xmlns:a16="http://schemas.microsoft.com/office/drawing/2014/main" id="{230A7D7C-6AAE-65A5-CD51-184666BDCCA1}"/>
               </a:ext>
             </a:extLst>
           </p:cNvPr>
@@ -5612,24 +12653,222 @@
             <a:spLocks noGrp="1"/>
           </p:cNvSpPr>
           <p:nvPr>
-            <p:ph sz="half" idx="1"/>
+            <p:ph type="title"/>
           </p:nvPr>
         </p:nvSpPr>
-        <p:spPr/>
+        <p:spPr>
+          <a:xfrm>
+            <a:off x="841246" y="978619"/>
+            <a:ext cx="5991244" cy="1106424"/>
+          </a:xfrm>
+        </p:spPr>
         <p:txBody>
-          <a:bodyPr/>
+          <a:bodyPr>
+            <a:normAutofit/>
+          </a:bodyPr>
           <a:lstStyle/>
           <a:p>
-            <a:endParaRPr lang="en-US"/>
+            <a:r>
+              <a:rPr lang="en-US" sz="3200"/>
+              <a:t>Executive Summary</a:t>
+            </a:r>
           </a:p>
         </p:txBody>
       </p:sp>
       <p:sp>
         <p:nvSpPr>
-          <p:cNvPr id="4" name="Content Placeholder 3">
+          <p:cNvPr id="16" name="Rectangle 15">
             <a:extLst>
               <a:ext uri="{FF2B5EF4-FFF2-40B4-BE49-F238E27FC236}">
-                <a16:creationId xmlns:a16="http://schemas.microsoft.com/office/drawing/2014/main" id="{F5AFCBCE-9759-B4BB-266D-EDE779460D1B}"/>
+                <a16:creationId xmlns:a16="http://schemas.microsoft.com/office/drawing/2014/main" id="{2711A8FB-68FC-45FC-B01E-38F809E2D439}"/>
+              </a:ext>
+              <a:ext uri="{C183D7F6-B498-43B3-948B-1728B52AA6E4}">
+                <adec:decorative xmlns:adec="http://schemas.microsoft.com/office/drawing/2017/decorative" val="1"/>
+              </a:ext>
+            </a:extLst>
+          </p:cNvPr>
+          <p:cNvSpPr>
+            <a:spLocks noGrp="1" noRot="1" noChangeAspect="1" noMove="1" noResize="1" noEditPoints="1" noAdjustHandles="1" noChangeArrowheads="1" noChangeShapeType="1" noTextEdit="1"/>
+          </p:cNvSpPr>
+          <p:nvPr>
+            <p:extLst>
+              <p:ext uri="{386F3935-93C4-4BCD-93E2-E3B085C9AB24}">
+                <p16:designElem xmlns:p16="http://schemas.microsoft.com/office/powerpoint/2015/main" val="1"/>
+              </p:ext>
+            </p:extLst>
+          </p:nvPr>
+        </p:nvSpPr>
+        <p:spPr>
+          <a:xfrm>
+            <a:off x="345567" y="1171300"/>
+            <a:ext cx="128016" cy="704088"/>
+          </a:xfrm>
+          <a:prstGeom prst="rect">
+            <a:avLst/>
+          </a:prstGeom>
+          <a:solidFill>
+            <a:schemeClr val="accent1"/>
+          </a:solidFill>
+          <a:ln>
+            <a:noFill/>
+          </a:ln>
+        </p:spPr>
+        <p:style>
+          <a:lnRef idx="2">
+            <a:schemeClr val="accent1">
+              <a:shade val="50000"/>
+            </a:schemeClr>
+          </a:lnRef>
+          <a:fillRef idx="1">
+            <a:schemeClr val="accent1"/>
+          </a:fillRef>
+          <a:effectRef idx="0">
+            <a:schemeClr val="accent1"/>
+          </a:effectRef>
+          <a:fontRef idx="minor">
+            <a:schemeClr val="lt1"/>
+          </a:fontRef>
+        </p:style>
+        <p:txBody>
+          <a:bodyPr rtlCol="0" anchor="ctr"/>
+          <a:lstStyle/>
+          <a:p>
+            <a:pPr marL="0" marR="0" lvl="0" indent="0" algn="ctr" defTabSz="914400" rtl="0" eaLnBrk="1" fontAlgn="auto" latinLnBrk="0" hangingPunct="1">
+              <a:lnSpc>
+                <a:spcPct val="100000"/>
+              </a:lnSpc>
+              <a:spcBef>
+                <a:spcPts val="0"/>
+              </a:spcBef>
+              <a:spcAft>
+                <a:spcPts val="0"/>
+              </a:spcAft>
+              <a:buClrTx/>
+              <a:buSzTx/>
+              <a:buFontTx/>
+              <a:buNone/>
+              <a:tabLst/>
+              <a:defRPr/>
+            </a:pPr>
+            <a:endParaRPr kumimoji="0" lang="en-US" sz="1800" b="0" i="0" u="none" strike="noStrike" kern="1200" cap="none" spc="0" normalizeH="0" baseline="0" noProof="0">
+              <a:ln>
+                <a:noFill/>
+              </a:ln>
+              <a:solidFill>
+                <a:prstClr val="white"/>
+              </a:solidFill>
+              <a:effectLst/>
+              <a:uLnTx/>
+              <a:uFillTx/>
+              <a:latin typeface="Calibri" panose="020F0502020204030204"/>
+              <a:ea typeface="+mn-ea"/>
+              <a:cs typeface="+mn-cs"/>
+            </a:endParaRPr>
+          </a:p>
+        </p:txBody>
+      </p:sp>
+      <p:sp>
+        <p:nvSpPr>
+          <p:cNvPr id="18" name="Rectangle 17">
+            <a:extLst>
+              <a:ext uri="{FF2B5EF4-FFF2-40B4-BE49-F238E27FC236}">
+                <a16:creationId xmlns:a16="http://schemas.microsoft.com/office/drawing/2014/main" id="{2A865FE3-5FC9-4049-87CF-30019C46C0F5}"/>
+              </a:ext>
+              <a:ext uri="{C183D7F6-B498-43B3-948B-1728B52AA6E4}">
+                <adec:decorative xmlns:adec="http://schemas.microsoft.com/office/drawing/2017/decorative" val="1"/>
+              </a:ext>
+            </a:extLst>
+          </p:cNvPr>
+          <p:cNvSpPr>
+            <a:spLocks noGrp="1" noRot="1" noChangeAspect="1" noMove="1" noResize="1" noEditPoints="1" noAdjustHandles="1" noChangeArrowheads="1" noChangeShapeType="1" noTextEdit="1"/>
+          </p:cNvSpPr>
+          <p:nvPr>
+            <p:extLst>
+              <p:ext uri="{386F3935-93C4-4BCD-93E2-E3B085C9AB24}">
+                <p16:designElem xmlns:p16="http://schemas.microsoft.com/office/powerpoint/2015/main" val="1"/>
+              </p:ext>
+            </p:extLst>
+          </p:nvPr>
+        </p:nvSpPr>
+        <p:spPr>
+          <a:xfrm>
+            <a:off x="877458" y="2093976"/>
+            <a:ext cx="5846683" cy="9144"/>
+          </a:xfrm>
+          <a:prstGeom prst="rect">
+            <a:avLst/>
+          </a:prstGeom>
+          <a:solidFill>
+            <a:schemeClr val="tx2">
+              <a:lumMod val="25000"/>
+              <a:lumOff val="75000"/>
+            </a:schemeClr>
+          </a:solidFill>
+          <a:ln w="3175">
+            <a:noFill/>
+          </a:ln>
+          <a:effectLst/>
+        </p:spPr>
+        <p:style>
+          <a:lnRef idx="2">
+            <a:schemeClr val="accent1">
+              <a:shade val="50000"/>
+            </a:schemeClr>
+          </a:lnRef>
+          <a:fillRef idx="1">
+            <a:schemeClr val="accent1"/>
+          </a:fillRef>
+          <a:effectRef idx="0">
+            <a:schemeClr val="accent1"/>
+          </a:effectRef>
+          <a:fontRef idx="minor">
+            <a:schemeClr val="lt1"/>
+          </a:fontRef>
+        </p:style>
+        <p:txBody>
+          <a:bodyPr rtlCol="0" anchor="ctr"/>
+          <a:lstStyle/>
+          <a:p>
+            <a:pPr marL="0" marR="0" lvl="0" indent="0" algn="ctr" defTabSz="914400" rtl="0" eaLnBrk="1" fontAlgn="auto" latinLnBrk="0" hangingPunct="1">
+              <a:lnSpc>
+                <a:spcPct val="100000"/>
+              </a:lnSpc>
+              <a:spcBef>
+                <a:spcPts val="0"/>
+              </a:spcBef>
+              <a:spcAft>
+                <a:spcPts val="0"/>
+              </a:spcAft>
+              <a:buClrTx/>
+              <a:buSzTx/>
+              <a:buFontTx/>
+              <a:buNone/>
+              <a:tabLst/>
+              <a:defRPr/>
+            </a:pPr>
+            <a:endParaRPr kumimoji="0" lang="en-US" sz="1800" b="0" i="0" u="none" strike="noStrike" kern="1200" cap="none" spc="0" normalizeH="0" baseline="0" noProof="0">
+              <a:ln>
+                <a:noFill/>
+              </a:ln>
+              <a:solidFill>
+                <a:prstClr val="white"/>
+              </a:solidFill>
+              <a:effectLst/>
+              <a:uLnTx/>
+              <a:uFillTx/>
+              <a:latin typeface="Calibri" panose="020F0502020204030204"/>
+              <a:ea typeface="+mn-ea"/>
+              <a:cs typeface="+mn-cs"/>
+            </a:endParaRPr>
+          </a:p>
+        </p:txBody>
+      </p:sp>
+      <p:sp>
+        <p:nvSpPr>
+          <p:cNvPr id="5" name="Content Placeholder 4">
+            <a:extLst>
+              <a:ext uri="{FF2B5EF4-FFF2-40B4-BE49-F238E27FC236}">
+                <a16:creationId xmlns:a16="http://schemas.microsoft.com/office/drawing/2014/main" id="{AE785BF7-F932-A715-A003-BDFA4EF53008}"/>
               </a:ext>
             </a:extLst>
           </p:cNvPr>
@@ -5637,15 +12876,111 @@
             <a:spLocks noGrp="1"/>
           </p:cNvSpPr>
           <p:nvPr>
-            <p:ph sz="half" idx="2"/>
+            <p:ph idx="1"/>
           </p:nvPr>
         </p:nvSpPr>
-        <p:spPr/>
+        <p:spPr>
+          <a:xfrm>
+            <a:off x="841248" y="2252870"/>
+            <a:ext cx="5993892" cy="3560251"/>
+          </a:xfrm>
+        </p:spPr>
         <p:txBody>
-          <a:bodyPr/>
+          <a:bodyPr>
+            <a:normAutofit/>
+          </a:bodyPr>
           <a:lstStyle/>
           <a:p>
-            <a:endParaRPr lang="en-US"/>
+            <a:r>
+              <a:rPr lang="en-US" sz="2400" dirty="0"/>
+              <a:t>This project is an automated trading bot that works on the Polygon Blockchain.</a:t>
+            </a:r>
+          </a:p>
+          <a:p>
+            <a:pPr lvl="1"/>
+            <a:r>
+              <a:rPr lang="en-US" dirty="0"/>
+              <a:t>Utilizes aspects of Python automation and trading with cryptocurrencies via </a:t>
+            </a:r>
+            <a:r>
+              <a:rPr lang="en-US" dirty="0" err="1"/>
+              <a:t>Metamask</a:t>
+            </a:r>
+            <a:r>
+              <a:rPr lang="en-US" dirty="0"/>
+              <a:t> wallet</a:t>
+            </a:r>
+          </a:p>
+        </p:txBody>
+      </p:sp>
+      <p:pic>
+        <p:nvPicPr>
+          <p:cNvPr id="9" name="Graphic 8" descr="Robot">
+            <a:extLst>
+              <a:ext uri="{FF2B5EF4-FFF2-40B4-BE49-F238E27FC236}">
+                <a16:creationId xmlns:a16="http://schemas.microsoft.com/office/drawing/2014/main" id="{9DD45AC8-130F-4A66-7159-3A5AF1413F61}"/>
+              </a:ext>
+            </a:extLst>
+          </p:cNvPr>
+          <p:cNvPicPr>
+            <a:picLocks noChangeAspect="1"/>
+          </p:cNvPicPr>
+          <p:nvPr/>
+        </p:nvPicPr>
+        <p:blipFill>
+          <a:blip r:embed="rId2">
+            <a:extLst>
+              <a:ext uri="{28A0092B-C50C-407E-A947-70E740481C1C}">
+                <a14:useLocalDpi xmlns:a14="http://schemas.microsoft.com/office/drawing/2010/main" val="0"/>
+              </a:ext>
+              <a:ext uri="{96DAC541-7B7A-43D3-8B79-37D633B846F1}">
+                <asvg:svgBlip xmlns:asvg="http://schemas.microsoft.com/office/drawing/2016/SVG/main" r:embed="rId3"/>
+              </a:ext>
+            </a:extLst>
+          </a:blip>
+          <a:stretch>
+            <a:fillRect/>
+          </a:stretch>
+        </p:blipFill>
+        <p:spPr>
+          <a:xfrm>
+            <a:off x="7679814" y="1329879"/>
+            <a:ext cx="4097657" cy="4097657"/>
+          </a:xfrm>
+          <a:prstGeom prst="rect">
+            <a:avLst/>
+          </a:prstGeom>
+        </p:spPr>
+      </p:pic>
+      <p:sp>
+        <p:nvSpPr>
+          <p:cNvPr id="3" name="TextBox 2">
+            <a:extLst>
+              <a:ext uri="{FF2B5EF4-FFF2-40B4-BE49-F238E27FC236}">
+                <a16:creationId xmlns:a16="http://schemas.microsoft.com/office/drawing/2014/main" id="{676BCF8A-1A47-418C-990C-3D6D2743E673}"/>
+              </a:ext>
+            </a:extLst>
+          </p:cNvPr>
+          <p:cNvSpPr txBox="1"/>
+          <p:nvPr/>
+        </p:nvSpPr>
+        <p:spPr>
+          <a:xfrm>
+            <a:off x="-1860698" y="786809"/>
+            <a:ext cx="184731" cy="369332"/>
+          </a:xfrm>
+          <a:prstGeom prst="rect">
+            <a:avLst/>
+          </a:prstGeom>
+          <a:noFill/>
+        </p:spPr>
+        <p:txBody>
+          <a:bodyPr wrap="none" rtlCol="0">
+            <a:spAutoFit/>
+          </a:bodyPr>
+          <a:lstStyle/>
+          <a:p>
+            <a:endParaRPr lang="en-US" dirty="0"/>
           </a:p>
         </p:txBody>
       </p:sp>
@@ -5665,6 +13000,14 @@
 <file path=ppt/slides/slide3.xml><?xml version="1.0" encoding="utf-8"?>
 <p:sld xmlns:a="http://schemas.openxmlformats.org/drawingml/2006/main" xmlns:r="http://schemas.openxmlformats.org/officeDocument/2006/relationships" xmlns:p="http://schemas.openxmlformats.org/presentationml/2006/main">
   <p:cSld>
+    <p:bg>
+      <p:bgPr>
+        <a:solidFill>
+          <a:schemeClr val="bg1"/>
+        </a:solidFill>
+        <a:effectLst/>
+      </p:bgPr>
+    </p:bg>
     <p:spTree>
       <p:nvGrpSpPr>
         <p:cNvPr id="1" name=""/>
@@ -5679,6 +13022,404 @@
           <a:chExt cx="0" cy="0"/>
         </a:xfrm>
       </p:grpSpPr>
+      <p:sp useBgFill="1">
+        <p:nvSpPr>
+          <p:cNvPr id="8" name="Rectangle 7">
+            <a:extLst>
+              <a:ext uri="{FF2B5EF4-FFF2-40B4-BE49-F238E27FC236}">
+                <a16:creationId xmlns:a16="http://schemas.microsoft.com/office/drawing/2014/main" id="{1C799903-48D5-4A31-A1A2-541072D9771E}"/>
+              </a:ext>
+              <a:ext uri="{C183D7F6-B498-43B3-948B-1728B52AA6E4}">
+                <adec:decorative xmlns:adec="http://schemas.microsoft.com/office/drawing/2017/decorative" val="1"/>
+              </a:ext>
+            </a:extLst>
+          </p:cNvPr>
+          <p:cNvSpPr>
+            <a:spLocks noGrp="1" noRot="1" noChangeAspect="1" noMove="1" noResize="1" noEditPoints="1" noAdjustHandles="1" noChangeArrowheads="1" noChangeShapeType="1" noTextEdit="1"/>
+          </p:cNvSpPr>
+          <p:nvPr>
+            <p:extLst>
+              <p:ext uri="{386F3935-93C4-4BCD-93E2-E3B085C9AB24}">
+                <p16:designElem xmlns:p16="http://schemas.microsoft.com/office/powerpoint/2015/main" val="1"/>
+              </p:ext>
+            </p:extLst>
+          </p:nvPr>
+        </p:nvSpPr>
+        <p:spPr>
+          <a:xfrm>
+            <a:off x="0" y="0"/>
+            <a:ext cx="12192002" cy="6858000"/>
+          </a:xfrm>
+          <a:prstGeom prst="rect">
+            <a:avLst/>
+          </a:prstGeom>
+          <a:ln>
+            <a:noFill/>
+          </a:ln>
+        </p:spPr>
+        <p:style>
+          <a:lnRef idx="2">
+            <a:schemeClr val="accent1">
+              <a:shade val="50000"/>
+            </a:schemeClr>
+          </a:lnRef>
+          <a:fillRef idx="1">
+            <a:schemeClr val="accent1"/>
+          </a:fillRef>
+          <a:effectRef idx="0">
+            <a:schemeClr val="accent1"/>
+          </a:effectRef>
+          <a:fontRef idx="minor">
+            <a:schemeClr val="lt1"/>
+          </a:fontRef>
+        </p:style>
+        <p:txBody>
+          <a:bodyPr rtlCol="0" anchor="ctr"/>
+          <a:lstStyle/>
+          <a:p>
+            <a:pPr algn="ctr"/>
+            <a:endParaRPr lang="en-US"/>
+          </a:p>
+        </p:txBody>
+      </p:sp>
+      <p:sp useBgFill="1">
+        <p:nvSpPr>
+          <p:cNvPr id="10" name="Freeform: Shape 9">
+            <a:extLst>
+              <a:ext uri="{FF2B5EF4-FFF2-40B4-BE49-F238E27FC236}">
+                <a16:creationId xmlns:a16="http://schemas.microsoft.com/office/drawing/2014/main" id="{8EFFF109-FC58-4FD3-BE05-9775A1310F55}"/>
+              </a:ext>
+              <a:ext uri="{C183D7F6-B498-43B3-948B-1728B52AA6E4}">
+                <adec:decorative xmlns:adec="http://schemas.microsoft.com/office/drawing/2017/decorative" val="1"/>
+              </a:ext>
+            </a:extLst>
+          </p:cNvPr>
+          <p:cNvSpPr>
+            <a:spLocks noGrp="1" noRot="1" noChangeAspect="1" noMove="1" noResize="1" noEditPoints="1" noAdjustHandles="1" noChangeArrowheads="1" noChangeShapeType="1" noTextEdit="1"/>
+          </p:cNvSpPr>
+          <p:nvPr>
+            <p:extLst>
+              <p:ext uri="{386F3935-93C4-4BCD-93E2-E3B085C9AB24}">
+                <p16:designElem xmlns:p16="http://schemas.microsoft.com/office/powerpoint/2015/main" val="1"/>
+              </p:ext>
+            </p:extLst>
+          </p:nvPr>
+        </p:nvSpPr>
+        <p:spPr>
+          <a:xfrm>
+            <a:off x="-1" y="0"/>
+            <a:ext cx="4818889" cy="6858000"/>
+          </a:xfrm>
+          <a:custGeom>
+            <a:avLst/>
+            <a:gdLst>
+              <a:gd name="connsiteX0" fmla="*/ 0 w 4818889"/>
+              <a:gd name="connsiteY0" fmla="*/ 0 h 6858000"/>
+              <a:gd name="connsiteX1" fmla="*/ 3605911 w 4818889"/>
+              <a:gd name="connsiteY1" fmla="*/ 0 h 6858000"/>
+              <a:gd name="connsiteX2" fmla="*/ 3668894 w 4818889"/>
+              <a:gd name="connsiteY2" fmla="*/ 69271 h 6858000"/>
+              <a:gd name="connsiteX3" fmla="*/ 4818889 w 4818889"/>
+              <a:gd name="connsiteY3" fmla="*/ 3429000 h 6858000"/>
+              <a:gd name="connsiteX4" fmla="*/ 3668894 w 4818889"/>
+              <a:gd name="connsiteY4" fmla="*/ 6788730 h 6858000"/>
+              <a:gd name="connsiteX5" fmla="*/ 3605911 w 4818889"/>
+              <a:gd name="connsiteY5" fmla="*/ 6858000 h 6858000"/>
+              <a:gd name="connsiteX6" fmla="*/ 0 w 4818889"/>
+              <a:gd name="connsiteY6" fmla="*/ 6858000 h 6858000"/>
+            </a:gdLst>
+            <a:ahLst/>
+            <a:cxnLst>
+              <a:cxn ang="0">
+                <a:pos x="connsiteX0" y="connsiteY0"/>
+              </a:cxn>
+              <a:cxn ang="0">
+                <a:pos x="connsiteX1" y="connsiteY1"/>
+              </a:cxn>
+              <a:cxn ang="0">
+                <a:pos x="connsiteX2" y="connsiteY2"/>
+              </a:cxn>
+              <a:cxn ang="0">
+                <a:pos x="connsiteX3" y="connsiteY3"/>
+              </a:cxn>
+              <a:cxn ang="0">
+                <a:pos x="connsiteX4" y="connsiteY4"/>
+              </a:cxn>
+              <a:cxn ang="0">
+                <a:pos x="connsiteX5" y="connsiteY5"/>
+              </a:cxn>
+              <a:cxn ang="0">
+                <a:pos x="connsiteX6" y="connsiteY6"/>
+              </a:cxn>
+            </a:cxnLst>
+            <a:rect l="l" t="t" r="r" b="b"/>
+            <a:pathLst>
+              <a:path w="4818889" h="6858000">
+                <a:moveTo>
+                  <a:pt x="0" y="0"/>
+                </a:moveTo>
+                <a:lnTo>
+                  <a:pt x="3605911" y="0"/>
+                </a:lnTo>
+                <a:lnTo>
+                  <a:pt x="3668894" y="69271"/>
+                </a:lnTo>
+                <a:cubicBezTo>
+                  <a:pt x="4379420" y="929100"/>
+                  <a:pt x="4818889" y="2116944"/>
+                  <a:pt x="4818889" y="3429000"/>
+                </a:cubicBezTo>
+                <a:cubicBezTo>
+                  <a:pt x="4818889" y="4741056"/>
+                  <a:pt x="4379420" y="5928900"/>
+                  <a:pt x="3668894" y="6788730"/>
+                </a:cubicBezTo>
+                <a:lnTo>
+                  <a:pt x="3605911" y="6858000"/>
+                </a:lnTo>
+                <a:lnTo>
+                  <a:pt x="0" y="6858000"/>
+                </a:lnTo>
+                <a:close/>
+              </a:path>
+            </a:pathLst>
+          </a:custGeom>
+          <a:ln w="9525">
+            <a:solidFill>
+              <a:schemeClr val="tx2">
+                <a:lumMod val="10000"/>
+                <a:lumOff val="90000"/>
+              </a:schemeClr>
+            </a:solidFill>
+          </a:ln>
+          <a:effectLst>
+            <a:outerShdw blurRad="50800" dist="38100" algn="l" rotWithShape="0">
+              <a:schemeClr val="bg1">
+                <a:lumMod val="85000"/>
+                <a:alpha val="30000"/>
+              </a:schemeClr>
+            </a:outerShdw>
+          </a:effectLst>
+        </p:spPr>
+        <p:style>
+          <a:lnRef idx="2">
+            <a:schemeClr val="accent1">
+              <a:shade val="50000"/>
+            </a:schemeClr>
+          </a:lnRef>
+          <a:fillRef idx="1">
+            <a:schemeClr val="accent1"/>
+          </a:fillRef>
+          <a:effectRef idx="0">
+            <a:schemeClr val="accent1"/>
+          </a:effectRef>
+          <a:fontRef idx="minor">
+            <a:schemeClr val="lt1"/>
+          </a:fontRef>
+        </p:style>
+        <p:txBody>
+          <a:bodyPr wrap="square" rtlCol="0" anchor="ctr">
+            <a:noAutofit/>
+          </a:bodyPr>
+          <a:lstStyle/>
+          <a:p>
+            <a:pPr marL="0" marR="0" lvl="0" indent="0" algn="ctr" defTabSz="914400" rtl="0" eaLnBrk="1" fontAlgn="auto" latinLnBrk="0" hangingPunct="1">
+              <a:lnSpc>
+                <a:spcPct val="100000"/>
+              </a:lnSpc>
+              <a:spcBef>
+                <a:spcPts val="0"/>
+              </a:spcBef>
+              <a:spcAft>
+                <a:spcPts val="0"/>
+              </a:spcAft>
+              <a:buClrTx/>
+              <a:buSzTx/>
+              <a:buFontTx/>
+              <a:buNone/>
+              <a:tabLst/>
+              <a:defRPr/>
+            </a:pPr>
+            <a:endParaRPr kumimoji="0" lang="en-US" sz="1800" b="0" i="0" u="none" strike="noStrike" kern="1200" cap="none" spc="0" normalizeH="0" baseline="0" noProof="0">
+              <a:ln>
+                <a:noFill/>
+              </a:ln>
+              <a:solidFill>
+                <a:prstClr val="white"/>
+              </a:solidFill>
+              <a:effectLst/>
+              <a:uLnTx/>
+              <a:uFillTx/>
+              <a:latin typeface="Calibri" panose="020F0502020204030204"/>
+              <a:ea typeface="+mn-ea"/>
+              <a:cs typeface="+mn-cs"/>
+            </a:endParaRPr>
+          </a:p>
+        </p:txBody>
+      </p:sp>
+      <p:sp useBgFill="1">
+        <p:nvSpPr>
+          <p:cNvPr id="12" name="Freeform: Shape 11">
+            <a:extLst>
+              <a:ext uri="{FF2B5EF4-FFF2-40B4-BE49-F238E27FC236}">
+                <a16:creationId xmlns:a16="http://schemas.microsoft.com/office/drawing/2014/main" id="{E1B96AD6-92A9-4273-A62B-96A1C3E0BA95}"/>
+              </a:ext>
+              <a:ext uri="{C183D7F6-B498-43B3-948B-1728B52AA6E4}">
+                <adec:decorative xmlns:adec="http://schemas.microsoft.com/office/drawing/2017/decorative" val="1"/>
+              </a:ext>
+            </a:extLst>
+          </p:cNvPr>
+          <p:cNvSpPr>
+            <a:spLocks noGrp="1" noRot="1" noChangeAspect="1" noMove="1" noResize="1" noEditPoints="1" noAdjustHandles="1" noChangeArrowheads="1" noChangeShapeType="1" noTextEdit="1"/>
+          </p:cNvSpPr>
+          <p:nvPr>
+            <p:extLst>
+              <p:ext uri="{386F3935-93C4-4BCD-93E2-E3B085C9AB24}">
+                <p16:designElem xmlns:p16="http://schemas.microsoft.com/office/powerpoint/2015/main" val="1"/>
+              </p:ext>
+            </p:extLst>
+          </p:nvPr>
+        </p:nvSpPr>
+        <p:spPr>
+          <a:xfrm>
+            <a:off x="1" y="0"/>
+            <a:ext cx="4811477" cy="6858000"/>
+          </a:xfrm>
+          <a:custGeom>
+            <a:avLst/>
+            <a:gdLst>
+              <a:gd name="connsiteX0" fmla="*/ 0 w 4811477"/>
+              <a:gd name="connsiteY0" fmla="*/ 0 h 6858000"/>
+              <a:gd name="connsiteX1" fmla="*/ 3598499 w 4811477"/>
+              <a:gd name="connsiteY1" fmla="*/ 0 h 6858000"/>
+              <a:gd name="connsiteX2" fmla="*/ 3661482 w 4811477"/>
+              <a:gd name="connsiteY2" fmla="*/ 69271 h 6858000"/>
+              <a:gd name="connsiteX3" fmla="*/ 4811477 w 4811477"/>
+              <a:gd name="connsiteY3" fmla="*/ 3429000 h 6858000"/>
+              <a:gd name="connsiteX4" fmla="*/ 3661482 w 4811477"/>
+              <a:gd name="connsiteY4" fmla="*/ 6788730 h 6858000"/>
+              <a:gd name="connsiteX5" fmla="*/ 3598499 w 4811477"/>
+              <a:gd name="connsiteY5" fmla="*/ 6858000 h 6858000"/>
+              <a:gd name="connsiteX6" fmla="*/ 0 w 4811477"/>
+              <a:gd name="connsiteY6" fmla="*/ 6858000 h 6858000"/>
+            </a:gdLst>
+            <a:ahLst/>
+            <a:cxnLst>
+              <a:cxn ang="0">
+                <a:pos x="connsiteX0" y="connsiteY0"/>
+              </a:cxn>
+              <a:cxn ang="0">
+                <a:pos x="connsiteX1" y="connsiteY1"/>
+              </a:cxn>
+              <a:cxn ang="0">
+                <a:pos x="connsiteX2" y="connsiteY2"/>
+              </a:cxn>
+              <a:cxn ang="0">
+                <a:pos x="connsiteX3" y="connsiteY3"/>
+              </a:cxn>
+              <a:cxn ang="0">
+                <a:pos x="connsiteX4" y="connsiteY4"/>
+              </a:cxn>
+              <a:cxn ang="0">
+                <a:pos x="connsiteX5" y="connsiteY5"/>
+              </a:cxn>
+              <a:cxn ang="0">
+                <a:pos x="connsiteX6" y="connsiteY6"/>
+              </a:cxn>
+            </a:cxnLst>
+            <a:rect l="l" t="t" r="r" b="b"/>
+            <a:pathLst>
+              <a:path w="4811477" h="6858000">
+                <a:moveTo>
+                  <a:pt x="0" y="0"/>
+                </a:moveTo>
+                <a:lnTo>
+                  <a:pt x="3598499" y="0"/>
+                </a:lnTo>
+                <a:lnTo>
+                  <a:pt x="3661482" y="69271"/>
+                </a:lnTo>
+                <a:cubicBezTo>
+                  <a:pt x="4372008" y="929100"/>
+                  <a:pt x="4811477" y="2116944"/>
+                  <a:pt x="4811477" y="3429000"/>
+                </a:cubicBezTo>
+                <a:cubicBezTo>
+                  <a:pt x="4811477" y="4741056"/>
+                  <a:pt x="4372008" y="5928900"/>
+                  <a:pt x="3661482" y="6788730"/>
+                </a:cubicBezTo>
+                <a:lnTo>
+                  <a:pt x="3598499" y="6858000"/>
+                </a:lnTo>
+                <a:lnTo>
+                  <a:pt x="0" y="6858000"/>
+                </a:lnTo>
+                <a:close/>
+              </a:path>
+            </a:pathLst>
+          </a:custGeom>
+          <a:ln w="9525">
+            <a:noFill/>
+          </a:ln>
+          <a:effectLst/>
+        </p:spPr>
+        <p:style>
+          <a:lnRef idx="2">
+            <a:schemeClr val="accent1">
+              <a:shade val="50000"/>
+            </a:schemeClr>
+          </a:lnRef>
+          <a:fillRef idx="1">
+            <a:schemeClr val="accent1"/>
+          </a:fillRef>
+          <a:effectRef idx="0">
+            <a:schemeClr val="accent1"/>
+          </a:effectRef>
+          <a:fontRef idx="minor">
+            <a:schemeClr val="lt1"/>
+          </a:fontRef>
+        </p:style>
+        <p:txBody>
+          <a:bodyPr wrap="square" rtlCol="0" anchor="ctr">
+            <a:noAutofit/>
+          </a:bodyPr>
+          <a:lstStyle/>
+          <a:p>
+            <a:pPr marL="0" marR="0" lvl="0" indent="0" algn="ctr" defTabSz="914400" rtl="0" eaLnBrk="1" fontAlgn="auto" latinLnBrk="0" hangingPunct="1">
+              <a:lnSpc>
+                <a:spcPct val="100000"/>
+              </a:lnSpc>
+              <a:spcBef>
+                <a:spcPts val="0"/>
+              </a:spcBef>
+              <a:spcAft>
+                <a:spcPts val="0"/>
+              </a:spcAft>
+              <a:buClrTx/>
+              <a:buSzTx/>
+              <a:buFontTx/>
+              <a:buNone/>
+              <a:tabLst/>
+              <a:defRPr/>
+            </a:pPr>
+            <a:endParaRPr kumimoji="0" lang="en-US" sz="1800" b="0" i="0" u="none" strike="noStrike" kern="1200" cap="none" spc="0" normalizeH="0" baseline="0" noProof="0">
+              <a:ln>
+                <a:noFill/>
+              </a:ln>
+              <a:solidFill>
+                <a:prstClr val="white"/>
+              </a:solidFill>
+              <a:effectLst/>
+              <a:uLnTx/>
+              <a:uFillTx/>
+              <a:latin typeface="Calibri" panose="020F0502020204030204"/>
+              <a:ea typeface="+mn-ea"/>
+              <a:cs typeface="+mn-cs"/>
+            </a:endParaRPr>
+          </a:p>
+        </p:txBody>
+      </p:sp>
       <p:sp>
         <p:nvSpPr>
           <p:cNvPr id="2" name="Title 1">
@@ -5695,15 +13436,114 @@
             <p:ph type="title"/>
           </p:nvPr>
         </p:nvSpPr>
-        <p:spPr/>
+        <p:spPr>
+          <a:xfrm>
+            <a:off x="621792" y="1161288"/>
+            <a:ext cx="3602736" cy="4526280"/>
+          </a:xfrm>
+        </p:spPr>
         <p:txBody>
-          <a:bodyPr/>
+          <a:bodyPr>
+            <a:normAutofit/>
+          </a:bodyPr>
           <a:lstStyle/>
           <a:p>
             <a:r>
               <a:rPr lang="en-US" dirty="0"/>
               <a:t>The Approach</a:t>
             </a:r>
+          </a:p>
+        </p:txBody>
+      </p:sp>
+      <p:sp>
+        <p:nvSpPr>
+          <p:cNvPr id="14" name="Rectangle 13">
+            <a:extLst>
+              <a:ext uri="{FF2B5EF4-FFF2-40B4-BE49-F238E27FC236}">
+                <a16:creationId xmlns:a16="http://schemas.microsoft.com/office/drawing/2014/main" id="{463EEC44-1BA3-44ED-81FC-A644B04B2A44}"/>
+              </a:ext>
+              <a:ext uri="{C183D7F6-B498-43B3-948B-1728B52AA6E4}">
+                <adec:decorative xmlns:adec="http://schemas.microsoft.com/office/drawing/2017/decorative" val="1"/>
+              </a:ext>
+            </a:extLst>
+          </p:cNvPr>
+          <p:cNvSpPr>
+            <a:spLocks noGrp="1" noRot="1" noChangeAspect="1" noMove="1" noResize="1" noEditPoints="1" noAdjustHandles="1" noChangeArrowheads="1" noChangeShapeType="1" noTextEdit="1"/>
+          </p:cNvSpPr>
+          <p:nvPr>
+            <p:extLst>
+              <p:ext uri="{386F3935-93C4-4BCD-93E2-E3B085C9AB24}">
+                <p16:designElem xmlns:p16="http://schemas.microsoft.com/office/powerpoint/2015/main" val="1"/>
+              </p:ext>
+            </p:extLst>
+          </p:nvPr>
+        </p:nvSpPr>
+        <p:spPr>
+          <a:xfrm>
+            <a:off x="0" y="3102049"/>
+            <a:ext cx="128016" cy="653903"/>
+          </a:xfrm>
+          <a:prstGeom prst="rect">
+            <a:avLst/>
+          </a:prstGeom>
+          <a:solidFill>
+            <a:schemeClr val="accent1"/>
+          </a:solidFill>
+          <a:ln>
+            <a:noFill/>
+          </a:ln>
+        </p:spPr>
+        <p:style>
+          <a:lnRef idx="2">
+            <a:schemeClr val="accent1">
+              <a:shade val="50000"/>
+            </a:schemeClr>
+          </a:lnRef>
+          <a:fillRef idx="1">
+            <a:schemeClr val="accent1"/>
+          </a:fillRef>
+          <a:effectRef idx="0">
+            <a:schemeClr val="accent1"/>
+          </a:effectRef>
+          <a:fontRef idx="minor">
+            <a:schemeClr val="lt1"/>
+          </a:fontRef>
+        </p:style>
+        <p:txBody>
+          <a:bodyPr rtlCol="0" anchor="ctr"/>
+          <a:lstStyle/>
+          <a:p>
+            <a:pPr marL="0" marR="0" lvl="0" indent="0" algn="ctr" defTabSz="914400" rtl="0" eaLnBrk="1" fontAlgn="auto" latinLnBrk="0" hangingPunct="1">
+              <a:lnSpc>
+                <a:spcPct val="100000"/>
+              </a:lnSpc>
+              <a:spcBef>
+                <a:spcPts val="0"/>
+              </a:spcBef>
+              <a:spcAft>
+                <a:spcPts val="0"/>
+              </a:spcAft>
+              <a:buClrTx/>
+              <a:buSzTx/>
+              <a:buFontTx/>
+              <a:buNone/>
+              <a:tabLst/>
+              <a:defRPr/>
+            </a:pPr>
+            <a:endParaRPr kumimoji="0" lang="en-US" sz="1800" b="0" i="0" u="none" strike="noStrike" kern="1200" cap="none" spc="0" normalizeH="0" baseline="0" noProof="0">
+              <a:ln>
+                <a:noFill/>
+              </a:ln>
+              <a:solidFill>
+                <a:prstClr val="white"/>
+              </a:solidFill>
+              <a:effectLst/>
+              <a:uLnTx/>
+              <a:uFillTx/>
+              <a:latin typeface="Calibri" panose="020F0502020204030204"/>
+              <a:ea typeface="+mn-ea"/>
+              <a:cs typeface="+mn-cs"/>
+            </a:endParaRPr>
           </a:p>
         </p:txBody>
       </p:sp>
@@ -5720,55 +13560,28 @@
             <a:spLocks noGrp="1"/>
           </p:cNvSpPr>
           <p:nvPr>
-            <p:ph sz="half" idx="1"/>
+            <p:ph idx="1"/>
           </p:nvPr>
         </p:nvSpPr>
-        <p:spPr/>
+        <p:spPr>
+          <a:xfrm>
+            <a:off x="5434149" y="932688"/>
+            <a:ext cx="5916603" cy="4992624"/>
+          </a:xfrm>
+        </p:spPr>
         <p:txBody>
-          <a:bodyPr/>
+          <a:bodyPr anchor="ctr">
+            <a:normAutofit/>
+          </a:bodyPr>
           <a:lstStyle/>
           <a:p>
+            <a:pPr marL="0" indent="0" algn="ctr">
+              <a:buNone/>
+            </a:pPr>
             <a:r>
-              <a:rPr lang="en-US" dirty="0"/>
-              <a:t>Relevant Code</a:t>
+              <a:rPr lang="en-US" sz="4800" dirty="0"/>
+              <a:t>LIVE DEMO</a:t>
             </a:r>
-          </a:p>
-          <a:p>
-            <a:r>
-              <a:rPr lang="en-US" dirty="0"/>
-              <a:t>Techniques used to evaluate the code</a:t>
-            </a:r>
-          </a:p>
-          <a:p>
-            <a:r>
-              <a:rPr lang="en-US" dirty="0"/>
-              <a:t>Unanticipated Insights or challenges</a:t>
-            </a:r>
-          </a:p>
-        </p:txBody>
-      </p:sp>
-      <p:sp>
-        <p:nvSpPr>
-          <p:cNvPr id="4" name="Content Placeholder 3">
-            <a:extLst>
-              <a:ext uri="{FF2B5EF4-FFF2-40B4-BE49-F238E27FC236}">
-                <a16:creationId xmlns:a16="http://schemas.microsoft.com/office/drawing/2014/main" id="{D7768CD8-CB90-F647-200B-DC3E6CEFEF8E}"/>
-              </a:ext>
-            </a:extLst>
-          </p:cNvPr>
-          <p:cNvSpPr>
-            <a:spLocks noGrp="1"/>
-          </p:cNvSpPr>
-          <p:nvPr>
-            <p:ph sz="half" idx="2"/>
-          </p:nvPr>
-        </p:nvSpPr>
-        <p:spPr/>
-        <p:txBody>
-          <a:bodyPr/>
-          <a:lstStyle/>
-          <a:p>
-            <a:endParaRPr lang="en-US"/>
           </a:p>
         </p:txBody>
       </p:sp>
@@ -5788,6 +13601,14 @@
 <file path=ppt/slides/slide4.xml><?xml version="1.0" encoding="utf-8"?>
 <p:sld xmlns:a="http://schemas.openxmlformats.org/drawingml/2006/main" xmlns:r="http://schemas.openxmlformats.org/officeDocument/2006/relationships" xmlns:p="http://schemas.openxmlformats.org/presentationml/2006/main">
   <p:cSld>
+    <p:bg>
+      <p:bgPr>
+        <a:solidFill>
+          <a:schemeClr val="bg1"/>
+        </a:solidFill>
+        <a:effectLst/>
+      </p:bgPr>
+    </p:bg>
     <p:spTree>
       <p:nvGrpSpPr>
         <p:cNvPr id="1" name=""/>
@@ -5802,12 +13623,174 @@
           <a:chExt cx="0" cy="0"/>
         </a:xfrm>
       </p:grpSpPr>
+      <p:sp useBgFill="1">
+        <p:nvSpPr>
+          <p:cNvPr id="10" name="Rectangle 9">
+            <a:extLst>
+              <a:ext uri="{FF2B5EF4-FFF2-40B4-BE49-F238E27FC236}">
+                <a16:creationId xmlns:a16="http://schemas.microsoft.com/office/drawing/2014/main" id="{2C9A9DA9-7DC8-488B-A882-123947B0F3D9}"/>
+              </a:ext>
+              <a:ext uri="{C183D7F6-B498-43B3-948B-1728B52AA6E4}">
+                <adec:decorative xmlns:adec="http://schemas.microsoft.com/office/drawing/2017/decorative" val="1"/>
+              </a:ext>
+            </a:extLst>
+          </p:cNvPr>
+          <p:cNvSpPr>
+            <a:spLocks noGrp="1" noRot="1" noChangeAspect="1" noMove="1" noResize="1" noEditPoints="1" noAdjustHandles="1" noChangeArrowheads="1" noChangeShapeType="1" noTextEdit="1"/>
+          </p:cNvSpPr>
+          <p:nvPr>
+            <p:extLst>
+              <p:ext uri="{386F3935-93C4-4BCD-93E2-E3B085C9AB24}">
+                <p16:designElem xmlns:p16="http://schemas.microsoft.com/office/powerpoint/2015/main" val="1"/>
+              </p:ext>
+            </p:extLst>
+          </p:nvPr>
+        </p:nvSpPr>
+        <p:spPr>
+          <a:xfrm>
+            <a:off x="0" y="0"/>
+            <a:ext cx="12192000" cy="6858000"/>
+          </a:xfrm>
+          <a:prstGeom prst="rect">
+            <a:avLst/>
+          </a:prstGeom>
+          <a:ln>
+            <a:noFill/>
+          </a:ln>
+        </p:spPr>
+        <p:style>
+          <a:lnRef idx="2">
+            <a:schemeClr val="accent1">
+              <a:shade val="50000"/>
+            </a:schemeClr>
+          </a:lnRef>
+          <a:fillRef idx="1">
+            <a:schemeClr val="accent1"/>
+          </a:fillRef>
+          <a:effectRef idx="0">
+            <a:schemeClr val="accent1"/>
+          </a:effectRef>
+          <a:fontRef idx="minor">
+            <a:schemeClr val="lt1"/>
+          </a:fontRef>
+        </p:style>
+        <p:txBody>
+          <a:bodyPr rtlCol="0" anchor="ctr"/>
+          <a:lstStyle/>
+          <a:p>
+            <a:pPr algn="ctr"/>
+            <a:endParaRPr lang="en-US"/>
+          </a:p>
+        </p:txBody>
+      </p:sp>
+      <p:sp useBgFill="1">
+        <p:nvSpPr>
+          <p:cNvPr id="12" name="Rectangle 11">
+            <a:extLst>
+              <a:ext uri="{FF2B5EF4-FFF2-40B4-BE49-F238E27FC236}">
+                <a16:creationId xmlns:a16="http://schemas.microsoft.com/office/drawing/2014/main" id="{57F6BDD4-E066-4008-8011-6CC31AEB4556}"/>
+              </a:ext>
+              <a:ext uri="{C183D7F6-B498-43B3-948B-1728B52AA6E4}">
+                <adec:decorative xmlns:adec="http://schemas.microsoft.com/office/drawing/2017/decorative" val="1"/>
+              </a:ext>
+            </a:extLst>
+          </p:cNvPr>
+          <p:cNvSpPr>
+            <a:spLocks noGrp="1" noRot="1" noChangeAspect="1" noMove="1" noResize="1" noEditPoints="1" noAdjustHandles="1" noChangeArrowheads="1" noChangeShapeType="1" noTextEdit="1"/>
+          </p:cNvSpPr>
+          <p:nvPr>
+            <p:extLst>
+              <p:ext uri="{386F3935-93C4-4BCD-93E2-E3B085C9AB24}">
+                <p16:designElem xmlns:p16="http://schemas.microsoft.com/office/powerpoint/2015/main" val="1"/>
+              </p:ext>
+            </p:extLst>
+          </p:nvPr>
+        </p:nvSpPr>
+        <p:spPr>
+          <a:xfrm>
+            <a:off x="409575" y="633619"/>
+            <a:ext cx="6838569" cy="5495925"/>
+          </a:xfrm>
+          <a:prstGeom prst="rect">
+            <a:avLst/>
+          </a:prstGeom>
+          <a:ln w="9525">
+            <a:solidFill>
+              <a:schemeClr val="tx2">
+                <a:lumMod val="10000"/>
+                <a:lumOff val="90000"/>
+              </a:schemeClr>
+            </a:solidFill>
+          </a:ln>
+          <a:effectLst>
+            <a:outerShdw blurRad="50800" dist="38100" dir="2700000" algn="tl" rotWithShape="0">
+              <a:schemeClr val="bg1">
+                <a:lumMod val="85000"/>
+                <a:alpha val="30000"/>
+              </a:schemeClr>
+            </a:outerShdw>
+          </a:effectLst>
+        </p:spPr>
+        <p:style>
+          <a:lnRef idx="2">
+            <a:schemeClr val="accent1">
+              <a:shade val="50000"/>
+            </a:schemeClr>
+          </a:lnRef>
+          <a:fillRef idx="1">
+            <a:schemeClr val="accent1"/>
+          </a:fillRef>
+          <a:effectRef idx="0">
+            <a:schemeClr val="accent1"/>
+          </a:effectRef>
+          <a:fontRef idx="minor">
+            <a:schemeClr val="lt1"/>
+          </a:fontRef>
+        </p:style>
+        <p:txBody>
+          <a:bodyPr rtlCol="0" anchor="ctr"/>
+          <a:lstStyle/>
+          <a:p>
+            <a:pPr marL="0" marR="0" lvl="0" indent="0" algn="ctr" defTabSz="914400" rtl="0" eaLnBrk="1" fontAlgn="auto" latinLnBrk="0" hangingPunct="1">
+              <a:lnSpc>
+                <a:spcPct val="100000"/>
+              </a:lnSpc>
+              <a:spcBef>
+                <a:spcPts val="0"/>
+              </a:spcBef>
+              <a:spcAft>
+                <a:spcPts val="0"/>
+              </a:spcAft>
+              <a:buClrTx/>
+              <a:buSzTx/>
+              <a:buFontTx/>
+              <a:buNone/>
+              <a:tabLst/>
+              <a:defRPr/>
+            </a:pPr>
+            <a:endParaRPr kumimoji="0" lang="en-US" sz="1800" b="0" i="0" u="none" strike="noStrike" kern="1200" cap="none" spc="0" normalizeH="0" baseline="0" noProof="0">
+              <a:ln>
+                <a:noFill/>
+              </a:ln>
+              <a:solidFill>
+                <a:prstClr val="white"/>
+              </a:solidFill>
+              <a:effectLst/>
+              <a:uLnTx/>
+              <a:uFillTx/>
+              <a:latin typeface="Calibri" panose="020F0502020204030204"/>
+              <a:ea typeface="+mn-ea"/>
+              <a:cs typeface="+mn-cs"/>
+            </a:endParaRPr>
+          </a:p>
+        </p:txBody>
+      </p:sp>
       <p:sp>
         <p:nvSpPr>
           <p:cNvPr id="2" name="Title 1">
             <a:extLst>
               <a:ext uri="{FF2B5EF4-FFF2-40B4-BE49-F238E27FC236}">
-                <a16:creationId xmlns:a16="http://schemas.microsoft.com/office/drawing/2014/main" id="{E08FF318-83F4-0773-A52B-0E2D40ECDE14}"/>
+                <a16:creationId xmlns:a16="http://schemas.microsoft.com/office/drawing/2014/main" id="{E94B14F2-9BF2-75D0-BBD7-4E347525C610}"/>
               </a:ext>
             </a:extLst>
           </p:cNvPr>
@@ -5818,15 +13801,210 @@
             <p:ph type="title"/>
           </p:nvPr>
         </p:nvSpPr>
-        <p:spPr/>
+        <p:spPr>
+          <a:xfrm>
+            <a:off x="841246" y="978619"/>
+            <a:ext cx="5991244" cy="1106424"/>
+          </a:xfrm>
+        </p:spPr>
         <p:txBody>
-          <a:bodyPr/>
+          <a:bodyPr>
+            <a:normAutofit/>
+          </a:bodyPr>
           <a:lstStyle/>
           <a:p>
             <a:r>
-              <a:rPr lang="en-US" dirty="0"/>
-              <a:t>The Results </a:t>
+              <a:rPr lang="en-US" sz="3200"/>
+              <a:t>The Approach – Techniques Used</a:t>
             </a:r>
+          </a:p>
+        </p:txBody>
+      </p:sp>
+      <p:sp>
+        <p:nvSpPr>
+          <p:cNvPr id="14" name="Rectangle 13">
+            <a:extLst>
+              <a:ext uri="{FF2B5EF4-FFF2-40B4-BE49-F238E27FC236}">
+                <a16:creationId xmlns:a16="http://schemas.microsoft.com/office/drawing/2014/main" id="{2711A8FB-68FC-45FC-B01E-38F809E2D439}"/>
+              </a:ext>
+              <a:ext uri="{C183D7F6-B498-43B3-948B-1728B52AA6E4}">
+                <adec:decorative xmlns:adec="http://schemas.microsoft.com/office/drawing/2017/decorative" val="1"/>
+              </a:ext>
+            </a:extLst>
+          </p:cNvPr>
+          <p:cNvSpPr>
+            <a:spLocks noGrp="1" noRot="1" noChangeAspect="1" noMove="1" noResize="1" noEditPoints="1" noAdjustHandles="1" noChangeArrowheads="1" noChangeShapeType="1" noTextEdit="1"/>
+          </p:cNvSpPr>
+          <p:nvPr>
+            <p:extLst>
+              <p:ext uri="{386F3935-93C4-4BCD-93E2-E3B085C9AB24}">
+                <p16:designElem xmlns:p16="http://schemas.microsoft.com/office/powerpoint/2015/main" val="1"/>
+              </p:ext>
+            </p:extLst>
+          </p:nvPr>
+        </p:nvSpPr>
+        <p:spPr>
+          <a:xfrm>
+            <a:off x="345567" y="1171300"/>
+            <a:ext cx="128016" cy="704088"/>
+          </a:xfrm>
+          <a:prstGeom prst="rect">
+            <a:avLst/>
+          </a:prstGeom>
+          <a:solidFill>
+            <a:schemeClr val="accent1"/>
+          </a:solidFill>
+          <a:ln>
+            <a:noFill/>
+          </a:ln>
+        </p:spPr>
+        <p:style>
+          <a:lnRef idx="2">
+            <a:schemeClr val="accent1">
+              <a:shade val="50000"/>
+            </a:schemeClr>
+          </a:lnRef>
+          <a:fillRef idx="1">
+            <a:schemeClr val="accent1"/>
+          </a:fillRef>
+          <a:effectRef idx="0">
+            <a:schemeClr val="accent1"/>
+          </a:effectRef>
+          <a:fontRef idx="minor">
+            <a:schemeClr val="lt1"/>
+          </a:fontRef>
+        </p:style>
+        <p:txBody>
+          <a:bodyPr rtlCol="0" anchor="ctr"/>
+          <a:lstStyle/>
+          <a:p>
+            <a:pPr marL="0" marR="0" lvl="0" indent="0" algn="ctr" defTabSz="914400" rtl="0" eaLnBrk="1" fontAlgn="auto" latinLnBrk="0" hangingPunct="1">
+              <a:lnSpc>
+                <a:spcPct val="100000"/>
+              </a:lnSpc>
+              <a:spcBef>
+                <a:spcPts val="0"/>
+              </a:spcBef>
+              <a:spcAft>
+                <a:spcPts val="0"/>
+              </a:spcAft>
+              <a:buClrTx/>
+              <a:buSzTx/>
+              <a:buFontTx/>
+              <a:buNone/>
+              <a:tabLst/>
+              <a:defRPr/>
+            </a:pPr>
+            <a:endParaRPr kumimoji="0" lang="en-US" sz="1800" b="0" i="0" u="none" strike="noStrike" kern="1200" cap="none" spc="0" normalizeH="0" baseline="0" noProof="0">
+              <a:ln>
+                <a:noFill/>
+              </a:ln>
+              <a:solidFill>
+                <a:prstClr val="white"/>
+              </a:solidFill>
+              <a:effectLst/>
+              <a:uLnTx/>
+              <a:uFillTx/>
+              <a:latin typeface="Calibri" panose="020F0502020204030204"/>
+              <a:ea typeface="+mn-ea"/>
+              <a:cs typeface="+mn-cs"/>
+            </a:endParaRPr>
+          </a:p>
+        </p:txBody>
+      </p:sp>
+      <p:sp>
+        <p:nvSpPr>
+          <p:cNvPr id="16" name="Rectangle 15">
+            <a:extLst>
+              <a:ext uri="{FF2B5EF4-FFF2-40B4-BE49-F238E27FC236}">
+                <a16:creationId xmlns:a16="http://schemas.microsoft.com/office/drawing/2014/main" id="{2A865FE3-5FC9-4049-87CF-30019C46C0F5}"/>
+              </a:ext>
+              <a:ext uri="{C183D7F6-B498-43B3-948B-1728B52AA6E4}">
+                <adec:decorative xmlns:adec="http://schemas.microsoft.com/office/drawing/2017/decorative" val="1"/>
+              </a:ext>
+            </a:extLst>
+          </p:cNvPr>
+          <p:cNvSpPr>
+            <a:spLocks noGrp="1" noRot="1" noChangeAspect="1" noMove="1" noResize="1" noEditPoints="1" noAdjustHandles="1" noChangeArrowheads="1" noChangeShapeType="1" noTextEdit="1"/>
+          </p:cNvSpPr>
+          <p:nvPr>
+            <p:extLst>
+              <p:ext uri="{386F3935-93C4-4BCD-93E2-E3B085C9AB24}">
+                <p16:designElem xmlns:p16="http://schemas.microsoft.com/office/powerpoint/2015/main" val="1"/>
+              </p:ext>
+            </p:extLst>
+          </p:nvPr>
+        </p:nvSpPr>
+        <p:spPr>
+          <a:xfrm>
+            <a:off x="877458" y="2093976"/>
+            <a:ext cx="5846683" cy="9144"/>
+          </a:xfrm>
+          <a:prstGeom prst="rect">
+            <a:avLst/>
+          </a:prstGeom>
+          <a:solidFill>
+            <a:schemeClr val="tx2">
+              <a:lumMod val="25000"/>
+              <a:lumOff val="75000"/>
+            </a:schemeClr>
+          </a:solidFill>
+          <a:ln w="3175">
+            <a:noFill/>
+          </a:ln>
+          <a:effectLst/>
+        </p:spPr>
+        <p:style>
+          <a:lnRef idx="2">
+            <a:schemeClr val="accent1">
+              <a:shade val="50000"/>
+            </a:schemeClr>
+          </a:lnRef>
+          <a:fillRef idx="1">
+            <a:schemeClr val="accent1"/>
+          </a:fillRef>
+          <a:effectRef idx="0">
+            <a:schemeClr val="accent1"/>
+          </a:effectRef>
+          <a:fontRef idx="minor">
+            <a:schemeClr val="lt1"/>
+          </a:fontRef>
+        </p:style>
+        <p:txBody>
+          <a:bodyPr rtlCol="0" anchor="ctr"/>
+          <a:lstStyle/>
+          <a:p>
+            <a:pPr marL="0" marR="0" lvl="0" indent="0" algn="ctr" defTabSz="914400" rtl="0" eaLnBrk="1" fontAlgn="auto" latinLnBrk="0" hangingPunct="1">
+              <a:lnSpc>
+                <a:spcPct val="100000"/>
+              </a:lnSpc>
+              <a:spcBef>
+                <a:spcPts val="0"/>
+              </a:spcBef>
+              <a:spcAft>
+                <a:spcPts val="0"/>
+              </a:spcAft>
+              <a:buClrTx/>
+              <a:buSzTx/>
+              <a:buFontTx/>
+              <a:buNone/>
+              <a:tabLst/>
+              <a:defRPr/>
+            </a:pPr>
+            <a:endParaRPr kumimoji="0" lang="en-US" sz="1800" b="0" i="0" u="none" strike="noStrike" kern="1200" cap="none" spc="0" normalizeH="0" baseline="0" noProof="0">
+              <a:ln>
+                <a:noFill/>
+              </a:ln>
+              <a:solidFill>
+                <a:prstClr val="white"/>
+              </a:solidFill>
+              <a:effectLst/>
+              <a:uLnTx/>
+              <a:uFillTx/>
+              <a:latin typeface="Calibri" panose="020F0502020204030204"/>
+              <a:ea typeface="+mn-ea"/>
+              <a:cs typeface="+mn-cs"/>
+            </a:endParaRPr>
           </a:p>
         </p:txBody>
       </p:sp>
@@ -5835,7 +14013,7 @@
           <p:cNvPr id="3" name="Content Placeholder 2">
             <a:extLst>
               <a:ext uri="{FF2B5EF4-FFF2-40B4-BE49-F238E27FC236}">
-                <a16:creationId xmlns:a16="http://schemas.microsoft.com/office/drawing/2014/main" id="{951B19E9-EAC9-F208-8C4D-A712B1CCB80B}"/>
+                <a16:creationId xmlns:a16="http://schemas.microsoft.com/office/drawing/2014/main" id="{407C69FB-1C13-8347-6B49-475569D2A7ED}"/>
               </a:ext>
             </a:extLst>
           </p:cNvPr>
@@ -5843,47 +14021,158 @@
             <a:spLocks noGrp="1"/>
           </p:cNvSpPr>
           <p:nvPr>
-            <p:ph sz="half" idx="1"/>
+            <p:ph idx="1"/>
           </p:nvPr>
         </p:nvSpPr>
-        <p:spPr/>
+        <p:spPr>
+          <a:xfrm>
+            <a:off x="841248" y="2252870"/>
+            <a:ext cx="5993892" cy="3560251"/>
+          </a:xfrm>
+        </p:spPr>
         <p:txBody>
-          <a:bodyPr/>
+          <a:bodyPr>
+            <a:noAutofit/>
+          </a:bodyPr>
           <a:lstStyle/>
           <a:p>
-            <a:endParaRPr lang="en-US"/>
+            <a:pPr>
+              <a:lnSpc>
+                <a:spcPct val="100000"/>
+              </a:lnSpc>
+            </a:pPr>
+            <a:r>
+              <a:rPr lang="en-US" sz="1400" dirty="0"/>
+              <a:t>Read API documentation</a:t>
+            </a:r>
+          </a:p>
+          <a:p>
+            <a:pPr>
+              <a:lnSpc>
+                <a:spcPct val="100000"/>
+              </a:lnSpc>
+            </a:pPr>
+            <a:r>
+              <a:rPr lang="en-US" sz="1400" dirty="0"/>
+              <a:t>Inspect the website’s front end and feed request URLs into ChatGPT</a:t>
+            </a:r>
+          </a:p>
+          <a:p>
+            <a:pPr lvl="1">
+              <a:lnSpc>
+                <a:spcPct val="100000"/>
+              </a:lnSpc>
+            </a:pPr>
+            <a:r>
+              <a:rPr lang="en-US" sz="1400" dirty="0"/>
+              <a:t>Build me a small script in Python that will perform a GET request for this URL</a:t>
+            </a:r>
+          </a:p>
+          <a:p>
+            <a:pPr>
+              <a:lnSpc>
+                <a:spcPct val="100000"/>
+              </a:lnSpc>
+            </a:pPr>
+            <a:r>
+              <a:rPr lang="en-US" sz="1400" dirty="0"/>
+              <a:t>Compare API data to </a:t>
+            </a:r>
+            <a:r>
+              <a:rPr lang="en-US" sz="1400" dirty="0" err="1"/>
+              <a:t>Polyscan</a:t>
+            </a:r>
+            <a:r>
+              <a:rPr lang="en-US" sz="1400" dirty="0"/>
+              <a:t> block explorer data to cross-reference internal data feed with public blockchain data </a:t>
+            </a:r>
+          </a:p>
+          <a:p>
+            <a:pPr>
+              <a:lnSpc>
+                <a:spcPct val="100000"/>
+              </a:lnSpc>
+            </a:pPr>
+            <a:r>
+              <a:rPr lang="en-US" sz="1400" dirty="0"/>
+              <a:t>Evaluate if trades coming through the wallet monitor were correct</a:t>
+            </a:r>
+          </a:p>
+          <a:p>
+            <a:pPr>
+              <a:lnSpc>
+                <a:spcPct val="100000"/>
+              </a:lnSpc>
+            </a:pPr>
+            <a:r>
+              <a:rPr lang="en-US" sz="1400" dirty="0"/>
+              <a:t>Test if able to make trades out of personal wallet via Python scrips (yes)</a:t>
+            </a:r>
+          </a:p>
+          <a:p>
+            <a:pPr>
+              <a:lnSpc>
+                <a:spcPct val="100000"/>
+              </a:lnSpc>
+            </a:pPr>
+            <a:r>
+              <a:rPr lang="en-US" sz="1400" dirty="0"/>
+              <a:t>Get scaffolding code, get it to work, clean it up, move it to a function holder file called </a:t>
+            </a:r>
+            <a:r>
+              <a:rPr lang="en-US" sz="1400" dirty="0" err="1"/>
+              <a:t>nice_funcs</a:t>
+            </a:r>
+            <a:r>
+              <a:rPr lang="en-US" sz="1400" dirty="0"/>
+              <a:t>, and import around the project, where necessary</a:t>
+            </a:r>
           </a:p>
         </p:txBody>
       </p:sp>
-      <p:sp>
-        <p:nvSpPr>
-          <p:cNvPr id="4" name="Content Placeholder 3">
+      <p:pic>
+        <p:nvPicPr>
+          <p:cNvPr id="7" name="Graphic 6" descr="Laptop">
             <a:extLst>
               <a:ext uri="{FF2B5EF4-FFF2-40B4-BE49-F238E27FC236}">
-                <a16:creationId xmlns:a16="http://schemas.microsoft.com/office/drawing/2014/main" id="{837B666B-4028-3EDE-E8DC-3B165DA2FF90}"/>
+                <a16:creationId xmlns:a16="http://schemas.microsoft.com/office/drawing/2014/main" id="{F50A797B-0B4D-E16C-7F7C-5E40EC3F830E}"/>
               </a:ext>
             </a:extLst>
           </p:cNvPr>
-          <p:cNvSpPr>
-            <a:spLocks noGrp="1"/>
-          </p:cNvSpPr>
-          <p:nvPr>
-            <p:ph sz="half" idx="2"/>
-          </p:nvPr>
-        </p:nvSpPr>
-        <p:spPr/>
-        <p:txBody>
-          <a:bodyPr/>
-          <a:lstStyle/>
-          <a:p>
-            <a:endParaRPr lang="en-US"/>
-          </a:p>
-        </p:txBody>
-      </p:sp>
+          <p:cNvPicPr>
+            <a:picLocks noChangeAspect="1"/>
+          </p:cNvPicPr>
+          <p:nvPr/>
+        </p:nvPicPr>
+        <p:blipFill>
+          <a:blip r:embed="rId3">
+            <a:extLst>
+              <a:ext uri="{28A0092B-C50C-407E-A947-70E740481C1C}">
+                <a14:useLocalDpi xmlns:a14="http://schemas.microsoft.com/office/drawing/2010/main" val="0"/>
+              </a:ext>
+              <a:ext uri="{96DAC541-7B7A-43D3-8B79-37D633B846F1}">
+                <asvg:svgBlip xmlns:asvg="http://schemas.microsoft.com/office/drawing/2016/SVG/main" r:embed="rId4"/>
+              </a:ext>
+            </a:extLst>
+          </a:blip>
+          <a:stretch>
+            <a:fillRect/>
+          </a:stretch>
+        </p:blipFill>
+        <p:spPr>
+          <a:xfrm>
+            <a:off x="7679814" y="1329879"/>
+            <a:ext cx="4097657" cy="4097657"/>
+          </a:xfrm>
+          <a:prstGeom prst="rect">
+            <a:avLst/>
+          </a:prstGeom>
+        </p:spPr>
+      </p:pic>
     </p:spTree>
     <p:extLst>
       <p:ext uri="{BB962C8B-B14F-4D97-AF65-F5344CB8AC3E}">
-        <p14:creationId xmlns:p14="http://schemas.microsoft.com/office/powerpoint/2010/main" val="1533685717"/>
+        <p14:creationId xmlns:p14="http://schemas.microsoft.com/office/powerpoint/2010/main" val="3877750099"/>
       </p:ext>
     </p:extLst>
   </p:cSld>
@@ -5912,10 +14201,10 @@
       </p:grpSpPr>
       <p:sp>
         <p:nvSpPr>
-          <p:cNvPr id="2" name="Title 1">
+          <p:cNvPr id="3" name="Title 2">
             <a:extLst>
               <a:ext uri="{FF2B5EF4-FFF2-40B4-BE49-F238E27FC236}">
-                <a16:creationId xmlns:a16="http://schemas.microsoft.com/office/drawing/2014/main" id="{5AD0D74A-3876-DC9D-EC4B-270D40BEDBC8}"/>
+                <a16:creationId xmlns:a16="http://schemas.microsoft.com/office/drawing/2014/main" id="{7A434623-A868-0F5A-33EE-CC94798E16BA}"/>
               </a:ext>
             </a:extLst>
           </p:cNvPr>
@@ -5933,17 +14222,78 @@
           <a:p>
             <a:r>
               <a:rPr lang="en-US" dirty="0"/>
-              <a:t>Next Steps</a:t>
+              <a:t>Approach - Insights</a:t>
             </a:r>
           </a:p>
         </p:txBody>
       </p:sp>
+      <p:graphicFrame>
+        <p:nvGraphicFramePr>
+          <p:cNvPr id="7" name="Content Placeholder 3">
+            <a:extLst>
+              <a:ext uri="{FF2B5EF4-FFF2-40B4-BE49-F238E27FC236}">
+                <a16:creationId xmlns:a16="http://schemas.microsoft.com/office/drawing/2014/main" id="{5CD8FE30-8063-0CAA-8CEE-546620C95510}"/>
+              </a:ext>
+            </a:extLst>
+          </p:cNvPr>
+          <p:cNvGraphicFramePr>
+            <a:graphicFrameLocks noGrp="1"/>
+          </p:cNvGraphicFramePr>
+          <p:nvPr>
+            <p:ph idx="1"/>
+            <p:extLst>
+              <p:ext uri="{D42A27DB-BD31-4B8C-83A1-F6EECF244321}">
+                <p14:modId xmlns:p14="http://schemas.microsoft.com/office/powerpoint/2010/main" val="490572618"/>
+              </p:ext>
+            </p:extLst>
+          </p:nvPr>
+        </p:nvGraphicFramePr>
+        <p:xfrm>
+          <a:off x="1116013" y="2478088"/>
+          <a:ext cx="10167937" cy="3694112"/>
+        </p:xfrm>
+        <a:graphic>
+          <a:graphicData uri="http://schemas.openxmlformats.org/drawingml/2006/diagram">
+            <dgm:relIds xmlns:dgm="http://schemas.openxmlformats.org/drawingml/2006/diagram" xmlns:r="http://schemas.openxmlformats.org/officeDocument/2006/relationships" r:dm="rId3" r:lo="rId4" r:qs="rId5" r:cs="rId6"/>
+          </a:graphicData>
+        </a:graphic>
+      </p:graphicFrame>
+    </p:spTree>
+    <p:extLst>
+      <p:ext uri="{BB962C8B-B14F-4D97-AF65-F5344CB8AC3E}">
+        <p14:creationId xmlns:p14="http://schemas.microsoft.com/office/powerpoint/2010/main" val="3397185488"/>
+      </p:ext>
+    </p:extLst>
+  </p:cSld>
+  <p:clrMapOvr>
+    <a:masterClrMapping/>
+  </p:clrMapOvr>
+</p:sld>
+</file>
+
+<file path=ppt/slides/slide6.xml><?xml version="1.0" encoding="utf-8"?>
+<p:sld xmlns:a="http://schemas.openxmlformats.org/drawingml/2006/main" xmlns:r="http://schemas.openxmlformats.org/officeDocument/2006/relationships" xmlns:p="http://schemas.openxmlformats.org/presentationml/2006/main">
+  <p:cSld>
+    <p:spTree>
+      <p:nvGrpSpPr>
+        <p:cNvPr id="1" name=""/>
+        <p:cNvGrpSpPr/>
+        <p:nvPr/>
+      </p:nvGrpSpPr>
+      <p:grpSpPr>
+        <a:xfrm>
+          <a:off x="0" y="0"/>
+          <a:ext cx="0" cy="0"/>
+          <a:chOff x="0" y="0"/>
+          <a:chExt cx="0" cy="0"/>
+        </a:xfrm>
+      </p:grpSpPr>
       <p:sp>
         <p:nvSpPr>
-          <p:cNvPr id="3" name="Content Placeholder 2">
+          <p:cNvPr id="2" name="Title 1">
             <a:extLst>
               <a:ext uri="{FF2B5EF4-FFF2-40B4-BE49-F238E27FC236}">
-                <a16:creationId xmlns:a16="http://schemas.microsoft.com/office/drawing/2014/main" id="{B2FB528F-F540-D70D-6443-DCC21FE38E35}"/>
+                <a16:creationId xmlns:a16="http://schemas.microsoft.com/office/drawing/2014/main" id="{F77C4D49-3EF7-67D2-AB1B-D8D873DE142F}"/>
               </a:ext>
             </a:extLst>
           </p:cNvPr>
@@ -5951,7 +14301,96 @@
             <a:spLocks noGrp="1"/>
           </p:cNvSpPr>
           <p:nvPr>
-            <p:ph sz="half" idx="1"/>
+            <p:ph type="title"/>
+          </p:nvPr>
+        </p:nvSpPr>
+        <p:spPr/>
+        <p:txBody>
+          <a:bodyPr>
+            <a:normAutofit fontScale="90000"/>
+          </a:bodyPr>
+          <a:lstStyle/>
+          <a:p>
+            <a:r>
+              <a:rPr lang="en-US" dirty="0"/>
+              <a:t>Results – Script #1 Wallet and Trade Monitor Bot</a:t>
+            </a:r>
+          </a:p>
+        </p:txBody>
+      </p:sp>
+      <p:pic>
+        <p:nvPicPr>
+          <p:cNvPr id="8" name="Content Placeholder 7" descr="A screenshot of a computer&#10;&#10;Description automatically generated">
+            <a:extLst>
+              <a:ext uri="{FF2B5EF4-FFF2-40B4-BE49-F238E27FC236}">
+                <a16:creationId xmlns:a16="http://schemas.microsoft.com/office/drawing/2014/main" id="{9E255B3B-3316-2BAD-60EB-D0477D919A1C}"/>
+              </a:ext>
+            </a:extLst>
+          </p:cNvPr>
+          <p:cNvPicPr>
+            <a:picLocks noGrp="1" noChangeAspect="1"/>
+          </p:cNvPicPr>
+          <p:nvPr>
+            <p:ph idx="1"/>
+          </p:nvPr>
+        </p:nvPicPr>
+        <p:blipFill>
+          <a:blip r:embed="rId2"/>
+          <a:stretch>
+            <a:fillRect/>
+          </a:stretch>
+        </p:blipFill>
+        <p:spPr>
+          <a:xfrm>
+            <a:off x="1229868" y="2129846"/>
+            <a:ext cx="9414320" cy="4179514"/>
+          </a:xfrm>
+        </p:spPr>
+      </p:pic>
+    </p:spTree>
+    <p:extLst>
+      <p:ext uri="{BB962C8B-B14F-4D97-AF65-F5344CB8AC3E}">
+        <p14:creationId xmlns:p14="http://schemas.microsoft.com/office/powerpoint/2010/main" val="465606266"/>
+      </p:ext>
+    </p:extLst>
+  </p:cSld>
+  <p:clrMapOvr>
+    <a:masterClrMapping/>
+  </p:clrMapOvr>
+</p:sld>
+</file>
+
+<file path=ppt/slides/slide7.xml><?xml version="1.0" encoding="utf-8"?>
+<p:sld xmlns:a="http://schemas.openxmlformats.org/drawingml/2006/main" xmlns:r="http://schemas.openxmlformats.org/officeDocument/2006/relationships" xmlns:p="http://schemas.openxmlformats.org/presentationml/2006/main">
+  <p:cSld>
+    <p:spTree>
+      <p:nvGrpSpPr>
+        <p:cNvPr id="1" name=""/>
+        <p:cNvGrpSpPr/>
+        <p:nvPr/>
+      </p:nvGrpSpPr>
+      <p:grpSpPr>
+        <a:xfrm>
+          <a:off x="0" y="0"/>
+          <a:ext cx="0" cy="0"/>
+          <a:chOff x="0" y="0"/>
+          <a:chExt cx="0" cy="0"/>
+        </a:xfrm>
+      </p:grpSpPr>
+      <p:sp>
+        <p:nvSpPr>
+          <p:cNvPr id="2" name="Title 1">
+            <a:extLst>
+              <a:ext uri="{FF2B5EF4-FFF2-40B4-BE49-F238E27FC236}">
+                <a16:creationId xmlns:a16="http://schemas.microsoft.com/office/drawing/2014/main" id="{F77C4D49-3EF7-67D2-AB1B-D8D873DE142F}"/>
+              </a:ext>
+            </a:extLst>
+          </p:cNvPr>
+          <p:cNvSpPr>
+            <a:spLocks noGrp="1"/>
+          </p:cNvSpPr>
+          <p:nvPr>
+            <p:ph type="title"/>
           </p:nvPr>
         </p:nvSpPr>
         <p:spPr/>
@@ -5961,17 +14400,76 @@
           <a:p>
             <a:r>
               <a:rPr lang="en-US" dirty="0"/>
-              <a:t>Potential Next Steps</a:t>
+              <a:t>Results – Script #2: Trade Execution Bot</a:t>
             </a:r>
           </a:p>
         </p:txBody>
       </p:sp>
+      <p:pic>
+        <p:nvPicPr>
+          <p:cNvPr id="10" name="Content Placeholder 9" descr="A computer screen shot of white text&#10;&#10;Description automatically generated">
+            <a:extLst>
+              <a:ext uri="{FF2B5EF4-FFF2-40B4-BE49-F238E27FC236}">
+                <a16:creationId xmlns:a16="http://schemas.microsoft.com/office/drawing/2014/main" id="{808285D1-631F-1CB3-EE10-4919EAA4C194}"/>
+              </a:ext>
+            </a:extLst>
+          </p:cNvPr>
+          <p:cNvPicPr>
+            <a:picLocks noGrp="1" noChangeAspect="1"/>
+          </p:cNvPicPr>
+          <p:nvPr>
+            <p:ph idx="1"/>
+          </p:nvPr>
+        </p:nvPicPr>
+        <p:blipFill>
+          <a:blip r:embed="rId2"/>
+          <a:stretch>
+            <a:fillRect/>
+          </a:stretch>
+        </p:blipFill>
+        <p:spPr>
+          <a:xfrm>
+            <a:off x="1115568" y="2393156"/>
+            <a:ext cx="10214422" cy="3150394"/>
+          </a:xfrm>
+        </p:spPr>
+      </p:pic>
+    </p:spTree>
+    <p:extLst>
+      <p:ext uri="{BB962C8B-B14F-4D97-AF65-F5344CB8AC3E}">
+        <p14:creationId xmlns:p14="http://schemas.microsoft.com/office/powerpoint/2010/main" val="2603240690"/>
+      </p:ext>
+    </p:extLst>
+  </p:cSld>
+  <p:clrMapOvr>
+    <a:masterClrMapping/>
+  </p:clrMapOvr>
+</p:sld>
+</file>
+
+<file path=ppt/slides/slide8.xml><?xml version="1.0" encoding="utf-8"?>
+<p:sld xmlns:a="http://schemas.openxmlformats.org/drawingml/2006/main" xmlns:r="http://schemas.openxmlformats.org/officeDocument/2006/relationships" xmlns:p="http://schemas.openxmlformats.org/presentationml/2006/main">
+  <p:cSld>
+    <p:spTree>
+      <p:nvGrpSpPr>
+        <p:cNvPr id="1" name=""/>
+        <p:cNvGrpSpPr/>
+        <p:nvPr/>
+      </p:nvGrpSpPr>
+      <p:grpSpPr>
+        <a:xfrm>
+          <a:off x="0" y="0"/>
+          <a:ext cx="0" cy="0"/>
+          <a:chOff x="0" y="0"/>
+          <a:chExt cx="0" cy="0"/>
+        </a:xfrm>
+      </p:grpSpPr>
       <p:sp>
         <p:nvSpPr>
-          <p:cNvPr id="4" name="Content Placeholder 3">
+          <p:cNvPr id="2" name="Title 1">
             <a:extLst>
               <a:ext uri="{FF2B5EF4-FFF2-40B4-BE49-F238E27FC236}">
-                <a16:creationId xmlns:a16="http://schemas.microsoft.com/office/drawing/2014/main" id="{F6A6954A-E282-7360-487D-AD58B8002B59}"/>
+                <a16:creationId xmlns:a16="http://schemas.microsoft.com/office/drawing/2014/main" id="{8B79C9AA-29B8-52C6-C5CC-46210AAF525E}"/>
               </a:ext>
             </a:extLst>
           </p:cNvPr>
@@ -5979,7 +14477,7 @@
             <a:spLocks noGrp="1"/>
           </p:cNvSpPr>
           <p:nvPr>
-            <p:ph sz="half" idx="2"/>
+            <p:ph type="title"/>
           </p:nvPr>
         </p:nvSpPr>
         <p:spPr/>
@@ -5989,15 +14487,141 @@
           <a:p>
             <a:r>
               <a:rPr lang="en-US" dirty="0"/>
-              <a:t>Additional questions to explore</a:t>
+              <a:t>Results: Script #3: Risk Management Bot</a:t>
             </a:r>
           </a:p>
         </p:txBody>
       </p:sp>
+      <p:pic>
+        <p:nvPicPr>
+          <p:cNvPr id="5" name="Content Placeholder 4" descr="A screenshot of a computer program&#10;&#10;Description automatically generated">
+            <a:extLst>
+              <a:ext uri="{FF2B5EF4-FFF2-40B4-BE49-F238E27FC236}">
+                <a16:creationId xmlns:a16="http://schemas.microsoft.com/office/drawing/2014/main" id="{8E9C229D-71C4-C167-4C71-9468D9D82FFF}"/>
+              </a:ext>
+            </a:extLst>
+          </p:cNvPr>
+          <p:cNvPicPr>
+            <a:picLocks noGrp="1" noChangeAspect="1"/>
+          </p:cNvPicPr>
+          <p:nvPr>
+            <p:ph idx="1"/>
+          </p:nvPr>
+        </p:nvPicPr>
+        <p:blipFill>
+          <a:blip r:embed="rId2"/>
+          <a:stretch>
+            <a:fillRect/>
+          </a:stretch>
+        </p:blipFill>
+        <p:spPr>
+          <a:xfrm>
+            <a:off x="1115568" y="2298764"/>
+            <a:ext cx="10209093" cy="3544824"/>
+          </a:xfrm>
+        </p:spPr>
+      </p:pic>
     </p:spTree>
     <p:extLst>
       <p:ext uri="{BB962C8B-B14F-4D97-AF65-F5344CB8AC3E}">
-        <p14:creationId xmlns:p14="http://schemas.microsoft.com/office/powerpoint/2010/main" val="2285810111"/>
+        <p14:creationId xmlns:p14="http://schemas.microsoft.com/office/powerpoint/2010/main" val="1549046931"/>
+      </p:ext>
+    </p:extLst>
+  </p:cSld>
+  <p:clrMapOvr>
+    <a:masterClrMapping/>
+  </p:clrMapOvr>
+</p:sld>
+</file>
+
+<file path=ppt/slides/slide9.xml><?xml version="1.0" encoding="utf-8"?>
+<p:sld xmlns:a="http://schemas.openxmlformats.org/drawingml/2006/main" xmlns:r="http://schemas.openxmlformats.org/officeDocument/2006/relationships" xmlns:p="http://schemas.openxmlformats.org/presentationml/2006/main">
+  <p:cSld>
+    <p:spTree>
+      <p:nvGrpSpPr>
+        <p:cNvPr id="1" name=""/>
+        <p:cNvGrpSpPr/>
+        <p:nvPr/>
+      </p:nvGrpSpPr>
+      <p:grpSpPr>
+        <a:xfrm>
+          <a:off x="0" y="0"/>
+          <a:ext cx="0" cy="0"/>
+          <a:chOff x="0" y="0"/>
+          <a:chExt cx="0" cy="0"/>
+        </a:xfrm>
+      </p:grpSpPr>
+      <p:sp>
+        <p:nvSpPr>
+          <p:cNvPr id="2" name="Title 1">
+            <a:extLst>
+              <a:ext uri="{FF2B5EF4-FFF2-40B4-BE49-F238E27FC236}">
+                <a16:creationId xmlns:a16="http://schemas.microsoft.com/office/drawing/2014/main" id="{F77C4D49-3EF7-67D2-AB1B-D8D873DE142F}"/>
+              </a:ext>
+            </a:extLst>
+          </p:cNvPr>
+          <p:cNvSpPr>
+            <a:spLocks noGrp="1"/>
+          </p:cNvSpPr>
+          <p:nvPr>
+            <p:ph type="title"/>
+          </p:nvPr>
+        </p:nvSpPr>
+        <p:spPr/>
+        <p:txBody>
+          <a:bodyPr>
+            <a:normAutofit fontScale="90000"/>
+          </a:bodyPr>
+          <a:lstStyle/>
+          <a:p>
+            <a:r>
+              <a:rPr lang="en-US" dirty="0"/>
+              <a:t>Results – </a:t>
+            </a:r>
+            <a:r>
+              <a:rPr lang="en-US" dirty="0" err="1"/>
+              <a:t>Streamlit</a:t>
+            </a:r>
+            <a:r>
+              <a:rPr lang="en-US" dirty="0"/>
+              <a:t> Frontend: Monitored Trade Visualizations</a:t>
+            </a:r>
+          </a:p>
+        </p:txBody>
+      </p:sp>
+      <p:pic>
+        <p:nvPicPr>
+          <p:cNvPr id="8" name="Content Placeholder 7" descr="A screenshot of a computer&#10;&#10;Description automatically generated">
+            <a:extLst>
+              <a:ext uri="{FF2B5EF4-FFF2-40B4-BE49-F238E27FC236}">
+                <a16:creationId xmlns:a16="http://schemas.microsoft.com/office/drawing/2014/main" id="{C9D53B39-54B2-9DCF-1285-831207A5E5C4}"/>
+              </a:ext>
+            </a:extLst>
+          </p:cNvPr>
+          <p:cNvPicPr>
+            <a:picLocks noGrp="1" noChangeAspect="1"/>
+          </p:cNvPicPr>
+          <p:nvPr>
+            <p:ph idx="1"/>
+          </p:nvPr>
+        </p:nvPicPr>
+        <p:blipFill>
+          <a:blip r:embed="rId2"/>
+          <a:stretch>
+            <a:fillRect/>
+          </a:stretch>
+        </p:blipFill>
+        <p:spPr>
+          <a:xfrm>
+            <a:off x="1244968" y="1992313"/>
+            <a:ext cx="9759825" cy="4208462"/>
+          </a:xfrm>
+        </p:spPr>
+      </p:pic>
+    </p:spTree>
+    <p:extLst>
+      <p:ext uri="{BB962C8B-B14F-4D97-AF65-F5344CB8AC3E}">
+        <p14:creationId xmlns:p14="http://schemas.microsoft.com/office/powerpoint/2010/main" val="4249099630"/>
       </p:ext>
     </p:extLst>
   </p:cSld>
@@ -6206,4 +14830,319 @@
     </a:ext>
   </a:extLst>
 </a:theme>
+</file>
+
+<file path=ppt/theme/theme2.xml><?xml version="1.0" encoding="utf-8"?>
+<a:theme xmlns:a="http://schemas.openxmlformats.org/drawingml/2006/main" name="Office Theme">
+  <a:themeElements>
+    <a:clrScheme name="Office">
+      <a:dk1>
+        <a:sysClr val="windowText" lastClr="000000"/>
+      </a:dk1>
+      <a:lt1>
+        <a:sysClr val="window" lastClr="FFFFFF"/>
+      </a:lt1>
+      <a:dk2>
+        <a:srgbClr val="0E2841"/>
+      </a:dk2>
+      <a:lt2>
+        <a:srgbClr val="E8E8E8"/>
+      </a:lt2>
+      <a:accent1>
+        <a:srgbClr val="156082"/>
+      </a:accent1>
+      <a:accent2>
+        <a:srgbClr val="E97132"/>
+      </a:accent2>
+      <a:accent3>
+        <a:srgbClr val="196B24"/>
+      </a:accent3>
+      <a:accent4>
+        <a:srgbClr val="0F9ED5"/>
+      </a:accent4>
+      <a:accent5>
+        <a:srgbClr val="A02B93"/>
+      </a:accent5>
+      <a:accent6>
+        <a:srgbClr val="4EA72E"/>
+      </a:accent6>
+      <a:hlink>
+        <a:srgbClr val="467886"/>
+      </a:hlink>
+      <a:folHlink>
+        <a:srgbClr val="96607D"/>
+      </a:folHlink>
+    </a:clrScheme>
+    <a:fontScheme name="Office">
+      <a:majorFont>
+        <a:latin typeface="Aptos Display" panose="02110004020202020204"/>
+        <a:ea typeface=""/>
+        <a:cs typeface=""/>
+        <a:font script="Jpan" typeface="游ゴシック Light"/>
+        <a:font script="Hang" typeface="맑은 고딕"/>
+        <a:font script="Hans" typeface="等线 Light"/>
+        <a:font script="Hant" typeface="新細明體"/>
+        <a:font script="Arab" typeface="Times New Roman"/>
+        <a:font script="Hebr" typeface="Times New Roman"/>
+        <a:font script="Thai" typeface="Angsana New"/>
+        <a:font script="Ethi" typeface="Nyala"/>
+        <a:font script="Beng" typeface="Vrinda"/>
+        <a:font script="Gujr" typeface="Shruti"/>
+        <a:font script="Khmr" typeface="MoolBoran"/>
+        <a:font script="Knda" typeface="Tunga"/>
+        <a:font script="Guru" typeface="Raavi"/>
+        <a:font script="Cans" typeface="Euphemia"/>
+        <a:font script="Cher" typeface="Plantagenet Cherokee"/>
+        <a:font script="Yiii" typeface="Microsoft Yi Baiti"/>
+        <a:font script="Tibt" typeface="Microsoft Himalaya"/>
+        <a:font script="Thaa" typeface="MV Boli"/>
+        <a:font script="Deva" typeface="Mangal"/>
+        <a:font script="Telu" typeface="Gautami"/>
+        <a:font script="Taml" typeface="Latha"/>
+        <a:font script="Syrc" typeface="Estrangelo Edessa"/>
+        <a:font script="Orya" typeface="Kalinga"/>
+        <a:font script="Mlym" typeface="Kartika"/>
+        <a:font script="Laoo" typeface="DokChampa"/>
+        <a:font script="Sinh" typeface="Iskoola Pota"/>
+        <a:font script="Mong" typeface="Mongolian Baiti"/>
+        <a:font script="Viet" typeface="Times New Roman"/>
+        <a:font script="Uigh" typeface="Microsoft Uighur"/>
+        <a:font script="Geor" typeface="Sylfaen"/>
+        <a:font script="Armn" typeface="Arial"/>
+        <a:font script="Bugi" typeface="Leelawadee UI"/>
+        <a:font script="Bopo" typeface="Microsoft JhengHei"/>
+        <a:font script="Java" typeface="Javanese Text"/>
+        <a:font script="Lisu" typeface="Segoe UI"/>
+        <a:font script="Mymr" typeface="Myanmar Text"/>
+        <a:font script="Nkoo" typeface="Ebrima"/>
+        <a:font script="Olck" typeface="Nirmala UI"/>
+        <a:font script="Osma" typeface="Ebrima"/>
+        <a:font script="Phag" typeface="Phagspa"/>
+        <a:font script="Syrn" typeface="Estrangelo Edessa"/>
+        <a:font script="Syrj" typeface="Estrangelo Edessa"/>
+        <a:font script="Syre" typeface="Estrangelo Edessa"/>
+        <a:font script="Sora" typeface="Nirmala UI"/>
+        <a:font script="Tale" typeface="Microsoft Tai Le"/>
+        <a:font script="Talu" typeface="Microsoft New Tai Lue"/>
+        <a:font script="Tfng" typeface="Ebrima"/>
+      </a:majorFont>
+      <a:minorFont>
+        <a:latin typeface="Aptos" panose="02110004020202020204"/>
+        <a:ea typeface=""/>
+        <a:cs typeface=""/>
+        <a:font script="Jpan" typeface="游ゴシック"/>
+        <a:font script="Hang" typeface="맑은 고딕"/>
+        <a:font script="Hans" typeface="等线"/>
+        <a:font script="Hant" typeface="新細明體"/>
+        <a:font script="Arab" typeface="Arial"/>
+        <a:font script="Hebr" typeface="Arial"/>
+        <a:font script="Thai" typeface="Cordia New"/>
+        <a:font script="Ethi" typeface="Nyala"/>
+        <a:font script="Beng" typeface="Vrinda"/>
+        <a:font script="Gujr" typeface="Shruti"/>
+        <a:font script="Khmr" typeface="DaunPenh"/>
+        <a:font script="Knda" typeface="Tunga"/>
+        <a:font script="Guru" typeface="Raavi"/>
+        <a:font script="Cans" typeface="Euphemia"/>
+        <a:font script="Cher" typeface="Plantagenet Cherokee"/>
+        <a:font script="Yiii" typeface="Microsoft Yi Baiti"/>
+        <a:font script="Tibt" typeface="Microsoft Himalaya"/>
+        <a:font script="Thaa" typeface="MV Boli"/>
+        <a:font script="Deva" typeface="Mangal"/>
+        <a:font script="Telu" typeface="Gautami"/>
+        <a:font script="Taml" typeface="Latha"/>
+        <a:font script="Syrc" typeface="Estrangelo Edessa"/>
+        <a:font script="Orya" typeface="Kalinga"/>
+        <a:font script="Mlym" typeface="Kartika"/>
+        <a:font script="Laoo" typeface="DokChampa"/>
+        <a:font script="Sinh" typeface="Iskoola Pota"/>
+        <a:font script="Mong" typeface="Mongolian Baiti"/>
+        <a:font script="Viet" typeface="Arial"/>
+        <a:font script="Uigh" typeface="Microsoft Uighur"/>
+        <a:font script="Geor" typeface="Sylfaen"/>
+        <a:font script="Armn" typeface="Arial"/>
+        <a:font script="Bugi" typeface="Leelawadee UI"/>
+        <a:font script="Bopo" typeface="Microsoft JhengHei"/>
+        <a:font script="Java" typeface="Javanese Text"/>
+        <a:font script="Lisu" typeface="Segoe UI"/>
+        <a:font script="Mymr" typeface="Myanmar Text"/>
+        <a:font script="Nkoo" typeface="Ebrima"/>
+        <a:font script="Olck" typeface="Nirmala UI"/>
+        <a:font script="Osma" typeface="Ebrima"/>
+        <a:font script="Phag" typeface="Phagspa"/>
+        <a:font script="Syrn" typeface="Estrangelo Edessa"/>
+        <a:font script="Syrj" typeface="Estrangelo Edessa"/>
+        <a:font script="Syre" typeface="Estrangelo Edessa"/>
+        <a:font script="Sora" typeface="Nirmala UI"/>
+        <a:font script="Tale" typeface="Microsoft Tai Le"/>
+        <a:font script="Talu" typeface="Microsoft New Tai Lue"/>
+        <a:font script="Tfng" typeface="Ebrima"/>
+      </a:minorFont>
+    </a:fontScheme>
+    <a:fmtScheme name="Office">
+      <a:fillStyleLst>
+        <a:solidFill>
+          <a:schemeClr val="phClr"/>
+        </a:solidFill>
+        <a:gradFill rotWithShape="1">
+          <a:gsLst>
+            <a:gs pos="0">
+              <a:schemeClr val="phClr">
+                <a:lumMod val="110000"/>
+                <a:satMod val="105000"/>
+                <a:tint val="67000"/>
+              </a:schemeClr>
+            </a:gs>
+            <a:gs pos="50000">
+              <a:schemeClr val="phClr">
+                <a:lumMod val="105000"/>
+                <a:satMod val="103000"/>
+                <a:tint val="73000"/>
+              </a:schemeClr>
+            </a:gs>
+            <a:gs pos="100000">
+              <a:schemeClr val="phClr">
+                <a:lumMod val="105000"/>
+                <a:satMod val="109000"/>
+                <a:tint val="81000"/>
+              </a:schemeClr>
+            </a:gs>
+          </a:gsLst>
+          <a:lin ang="5400000" scaled="0"/>
+        </a:gradFill>
+        <a:gradFill rotWithShape="1">
+          <a:gsLst>
+            <a:gs pos="0">
+              <a:schemeClr val="phClr">
+                <a:satMod val="103000"/>
+                <a:lumMod val="102000"/>
+                <a:tint val="94000"/>
+              </a:schemeClr>
+            </a:gs>
+            <a:gs pos="50000">
+              <a:schemeClr val="phClr">
+                <a:satMod val="110000"/>
+                <a:lumMod val="100000"/>
+                <a:shade val="100000"/>
+              </a:schemeClr>
+            </a:gs>
+            <a:gs pos="100000">
+              <a:schemeClr val="phClr">
+                <a:lumMod val="99000"/>
+                <a:satMod val="120000"/>
+                <a:shade val="78000"/>
+              </a:schemeClr>
+            </a:gs>
+          </a:gsLst>
+          <a:lin ang="5400000" scaled="0"/>
+        </a:gradFill>
+      </a:fillStyleLst>
+      <a:lnStyleLst>
+        <a:ln w="12700" cap="flat" cmpd="sng" algn="ctr">
+          <a:solidFill>
+            <a:schemeClr val="phClr"/>
+          </a:solidFill>
+          <a:prstDash val="solid"/>
+          <a:miter lim="800000"/>
+        </a:ln>
+        <a:ln w="19050" cap="flat" cmpd="sng" algn="ctr">
+          <a:solidFill>
+            <a:schemeClr val="phClr"/>
+          </a:solidFill>
+          <a:prstDash val="solid"/>
+          <a:miter lim="800000"/>
+        </a:ln>
+        <a:ln w="25400" cap="flat" cmpd="sng" algn="ctr">
+          <a:solidFill>
+            <a:schemeClr val="phClr"/>
+          </a:solidFill>
+          <a:prstDash val="solid"/>
+          <a:miter lim="800000"/>
+        </a:ln>
+      </a:lnStyleLst>
+      <a:effectStyleLst>
+        <a:effectStyle>
+          <a:effectLst/>
+        </a:effectStyle>
+        <a:effectStyle>
+          <a:effectLst/>
+        </a:effectStyle>
+        <a:effectStyle>
+          <a:effectLst>
+            <a:outerShdw blurRad="57150" dist="19050" dir="5400000" algn="ctr" rotWithShape="0">
+              <a:srgbClr val="000000">
+                <a:alpha val="63000"/>
+              </a:srgbClr>
+            </a:outerShdw>
+          </a:effectLst>
+        </a:effectStyle>
+      </a:effectStyleLst>
+      <a:bgFillStyleLst>
+        <a:solidFill>
+          <a:schemeClr val="phClr"/>
+        </a:solidFill>
+        <a:solidFill>
+          <a:schemeClr val="phClr">
+            <a:tint val="95000"/>
+            <a:satMod val="170000"/>
+          </a:schemeClr>
+        </a:solidFill>
+        <a:gradFill rotWithShape="1">
+          <a:gsLst>
+            <a:gs pos="0">
+              <a:schemeClr val="phClr">
+                <a:tint val="93000"/>
+                <a:satMod val="150000"/>
+                <a:shade val="98000"/>
+                <a:lumMod val="102000"/>
+              </a:schemeClr>
+            </a:gs>
+            <a:gs pos="50000">
+              <a:schemeClr val="phClr">
+                <a:tint val="98000"/>
+                <a:satMod val="130000"/>
+                <a:shade val="90000"/>
+                <a:lumMod val="103000"/>
+              </a:schemeClr>
+            </a:gs>
+            <a:gs pos="100000">
+              <a:schemeClr val="phClr">
+                <a:shade val="63000"/>
+                <a:satMod val="120000"/>
+              </a:schemeClr>
+            </a:gs>
+          </a:gsLst>
+          <a:lin ang="5400000" scaled="0"/>
+        </a:gradFill>
+      </a:bgFillStyleLst>
+    </a:fmtScheme>
+  </a:themeElements>
+  <a:objectDefaults>
+    <a:lnDef>
+      <a:spPr/>
+      <a:bodyPr/>
+      <a:lstStyle/>
+      <a:style>
+        <a:lnRef idx="2">
+          <a:schemeClr val="accent1"/>
+        </a:lnRef>
+        <a:fillRef idx="0">
+          <a:schemeClr val="accent1"/>
+        </a:fillRef>
+        <a:effectRef idx="1">
+          <a:schemeClr val="accent1"/>
+        </a:effectRef>
+        <a:fontRef idx="minor">
+          <a:schemeClr val="tx1"/>
+        </a:fontRef>
+      </a:style>
+    </a:lnDef>
+  </a:objectDefaults>
+  <a:extraClrSchemeLst/>
+  <a:extLst>
+    <a:ext uri="{05A4C25C-085E-4340-85A3-A5531E510DB2}">
+      <thm15:themeFamily xmlns:thm15="http://schemas.microsoft.com/office/thememl/2012/main" name="Office Theme" id="{2E142A2C-CD16-42D6-873A-C26D2A0506FA}" vid="{1BDDFF52-6CD6-40A5-AB3C-68EB2F1E4D0A}"/>
+    </a:ext>
+  </a:extLst>
+</a:theme>
 </file>